--- a/BuildingAwesome/BuildingAwesome.pptx
+++ b/BuildingAwesome/BuildingAwesome.pptx
@@ -5,7 +5,7 @@
     <p:sldMasterId id="2147483660" r:id="rId1"/>
   </p:sldMasterIdLst>
   <p:notesMasterIdLst>
-    <p:notesMasterId r:id="rId85"/>
+    <p:notesMasterId r:id="rId87"/>
   </p:notesMasterIdLst>
   <p:sldIdLst>
     <p:sldId id="256" r:id="rId2"/>
@@ -63,21 +63,21 @@
     <p:sldId id="406" r:id="rId54"/>
     <p:sldId id="407" r:id="rId55"/>
     <p:sldId id="412" r:id="rId56"/>
-    <p:sldId id="413" r:id="rId57"/>
-    <p:sldId id="414" r:id="rId58"/>
-    <p:sldId id="415" r:id="rId59"/>
-    <p:sldId id="419" r:id="rId60"/>
-    <p:sldId id="418" r:id="rId61"/>
-    <p:sldId id="420" r:id="rId62"/>
-    <p:sldId id="421" r:id="rId63"/>
-    <p:sldId id="422" r:id="rId64"/>
-    <p:sldId id="423" r:id="rId65"/>
-    <p:sldId id="424" r:id="rId66"/>
-    <p:sldId id="425" r:id="rId67"/>
-    <p:sldId id="426" r:id="rId68"/>
-    <p:sldId id="427" r:id="rId69"/>
-    <p:sldId id="428" r:id="rId70"/>
-    <p:sldId id="429" r:id="rId71"/>
+    <p:sldId id="415" r:id="rId57"/>
+    <p:sldId id="419" r:id="rId58"/>
+    <p:sldId id="418" r:id="rId59"/>
+    <p:sldId id="420" r:id="rId60"/>
+    <p:sldId id="421" r:id="rId61"/>
+    <p:sldId id="422" r:id="rId62"/>
+    <p:sldId id="423" r:id="rId63"/>
+    <p:sldId id="424" r:id="rId64"/>
+    <p:sldId id="425" r:id="rId65"/>
+    <p:sldId id="426" r:id="rId66"/>
+    <p:sldId id="427" r:id="rId67"/>
+    <p:sldId id="428" r:id="rId68"/>
+    <p:sldId id="429" r:id="rId69"/>
+    <p:sldId id="441" r:id="rId70"/>
+    <p:sldId id="442" r:id="rId71"/>
     <p:sldId id="430" r:id="rId72"/>
     <p:sldId id="431" r:id="rId73"/>
     <p:sldId id="432" r:id="rId74"/>
@@ -88,9 +88,11 @@
     <p:sldId id="437" r:id="rId79"/>
     <p:sldId id="438" r:id="rId80"/>
     <p:sldId id="439" r:id="rId81"/>
-    <p:sldId id="440" r:id="rId82"/>
-    <p:sldId id="405" r:id="rId83"/>
-    <p:sldId id="330" r:id="rId84"/>
+    <p:sldId id="443" r:id="rId82"/>
+    <p:sldId id="444" r:id="rId83"/>
+    <p:sldId id="440" r:id="rId84"/>
+    <p:sldId id="405" r:id="rId85"/>
+    <p:sldId id="330" r:id="rId86"/>
   </p:sldIdLst>
   <p:sldSz cx="12192000" cy="6858000"/>
   <p:notesSz cx="6858000" cy="9144000"/>
@@ -595,21 +597,6 @@
               <a:t>All right, let's get going here.</a:t>
             </a:r>
           </a:p>
-          <a:p>
-            <a:r>
-              <a:rPr lang="en-US" dirty="0"/>
-              <a:t>So my name is Glen.</a:t>
-            </a:r>
-          </a:p>
-          <a:p>
-            <a:endParaRPr lang="en-US" dirty="0"/>
-          </a:p>
-          <a:p>
-            <a:r>
-              <a:rPr lang="en-US" dirty="0"/>
-              <a:t>You may recognize me</a:t>
-            </a:r>
-          </a:p>
         </p:txBody>
       </p:sp>
       <p:sp>
@@ -1045,32 +1032,13 @@
           <a:p>
             <a:r>
               <a:rPr lang="en-US" dirty="0"/>
-              <a:t>We start, obviously, by installing it.</a:t>
-            </a:r>
-          </a:p>
-          <a:p>
-            <a:endParaRPr lang="en-US" dirty="0"/>
-          </a:p>
-          <a:p>
-            <a:r>
-              <a:rPr lang="en-US" dirty="0"/>
-              <a:t>&gt; </a:t>
-            </a:r>
-            <a:r>
-              <a:rPr lang="en-US" dirty="0" err="1"/>
-              <a:t>npm</a:t>
-            </a:r>
-            <a:r>
-              <a:rPr lang="en-US" dirty="0"/>
-              <a:t> install @</a:t>
-            </a:r>
-            <a:r>
-              <a:rPr lang="en-US" dirty="0" err="1"/>
-              <a:t>awesomeeng</a:t>
-            </a:r>
-            <a:r>
-              <a:rPr lang="en-US" dirty="0"/>
-              <a:t>/awesome-log</a:t>
+              <a:t>We start</a:t>
+            </a:r>
+          </a:p>
+          <a:p>
+            <a:r>
+              <a:rPr lang="en-US" dirty="0"/>
+              <a:t>by installing it.</a:t>
             </a:r>
           </a:p>
           <a:p>
@@ -1099,7 +1067,15 @@
           <a:p>
             <a:r>
               <a:rPr lang="en-US" dirty="0"/>
-              <a:t>In three simple steps</a:t>
+              <a:t>In </a:t>
+            </a:r>
+            <a:r>
+              <a:rPr lang="en-US" b="1" dirty="0"/>
+              <a:t>three</a:t>
+            </a:r>
+            <a:r>
+              <a:rPr lang="en-US" dirty="0"/>
+              <a:t> simple steps</a:t>
             </a:r>
           </a:p>
           <a:p>
@@ -2034,15 +2010,6 @@
           <a:p>
             <a:r>
               <a:rPr lang="en-US" dirty="0"/>
-              <a:t>Alright, lets get things started.</a:t>
-            </a:r>
-          </a:p>
-          <a:p>
-            <a:endParaRPr lang="en-US" dirty="0"/>
-          </a:p>
-          <a:p>
-            <a:r>
-              <a:rPr lang="en-US" dirty="0"/>
               <a:t>Hello, My name is Glen.</a:t>
             </a:r>
           </a:p>
@@ -2723,7 +2690,13 @@
           <a:p>
             <a:r>
               <a:rPr lang="en-US" dirty="0"/>
-              <a:t>we start by installing it.	</a:t>
+              <a:t>we start </a:t>
+            </a:r>
+          </a:p>
+          <a:p>
+            <a:r>
+              <a:rPr lang="en-US" dirty="0"/>
+              <a:t>by installing it.	</a:t>
             </a:r>
           </a:p>
           <a:p>
@@ -2732,38 +2705,27 @@
           <a:p>
             <a:r>
               <a:rPr lang="en-US" dirty="0"/>
-              <a:t>    </a:t>
-            </a:r>
-            <a:r>
-              <a:rPr lang="en-US" dirty="0" err="1"/>
-              <a:t>npm</a:t>
-            </a:r>
-            <a:r>
-              <a:rPr lang="en-US" dirty="0"/>
-              <a:t> install @</a:t>
-            </a:r>
-            <a:r>
-              <a:rPr lang="en-US" dirty="0" err="1"/>
-              <a:t>awesomeeng</a:t>
-            </a:r>
-            <a:r>
-              <a:rPr lang="en-US" dirty="0"/>
-              <a:t>/awesome-config</a:t>
-            </a:r>
-          </a:p>
-          <a:p>
-            <a:endParaRPr lang="en-US" dirty="0"/>
-          </a:p>
-          <a:p>
-            <a:r>
-              <a:rPr lang="en-US" dirty="0"/>
               <a:t>After installed</a:t>
             </a:r>
           </a:p>
           <a:p>
             <a:r>
               <a:rPr lang="en-US" dirty="0"/>
-              <a:t>Setting up config happens in four steps.</a:t>
+              <a:t>Setting up config </a:t>
+            </a:r>
+          </a:p>
+          <a:p>
+            <a:r>
+              <a:rPr lang="en-US" dirty="0"/>
+              <a:t>happens in </a:t>
+            </a:r>
+            <a:r>
+              <a:rPr lang="en-US" b="1" dirty="0"/>
+              <a:t>four</a:t>
+            </a:r>
+            <a:r>
+              <a:rPr lang="en-US" dirty="0"/>
+              <a:t> steps.</a:t>
             </a:r>
           </a:p>
           <a:p>
@@ -3121,6 +3083,23 @@
             <a:endParaRPr lang="en-US" dirty="0"/>
           </a:p>
           <a:p>
+            <a:pPr marL="0" marR="0" lvl="0" indent="0" algn="l" defTabSz="914400" rtl="0" eaLnBrk="1" fontAlgn="auto" latinLnBrk="0" hangingPunct="1">
+              <a:lnSpc>
+                <a:spcPct val="100000"/>
+              </a:lnSpc>
+              <a:spcBef>
+                <a:spcPts val="0"/>
+              </a:spcBef>
+              <a:spcAft>
+                <a:spcPts val="0"/>
+              </a:spcAft>
+              <a:buClrTx/>
+              <a:buSzTx/>
+              <a:buFontTx/>
+              <a:buNone/>
+              <a:tabLst/>
+              <a:defRPr/>
+            </a:pPr>
             <a:r>
               <a:rPr lang="en-US" dirty="0" err="1"/>
               <a:t>AwesomeConfig</a:t>
@@ -3131,47 +3110,7 @@
             </a:r>
           </a:p>
           <a:p>
-            <a:r>
-              <a:rPr lang="en-US" dirty="0"/>
-              <a:t>your coconsole.log("Hello there "+config.user.name);</a:t>
-            </a:r>
-          </a:p>
-          <a:p>
-            <a:r>
-              <a:rPr lang="en-US" dirty="0"/>
-              <a:t>	console.log("Greetings from "+</a:t>
-            </a:r>
-            <a:r>
-              <a:rPr lang="en-US" dirty="0" err="1"/>
-              <a:t>config.user.location</a:t>
-            </a:r>
-            <a:r>
-              <a:rPr lang="en-US" dirty="0"/>
-              <a:t>);</a:t>
-            </a:r>
-          </a:p>
-          <a:p>
             <a:endParaRPr lang="en-US" dirty="0"/>
-          </a:p>
-          <a:p>
-            <a:r>
-              <a:rPr lang="en-US" dirty="0"/>
-              <a:t>So a few key things to note that</a:t>
-            </a:r>
-          </a:p>
-          <a:p>
-            <a:r>
-              <a:rPr lang="en-US" dirty="0"/>
-              <a:t>some of you might have noticed...</a:t>
-            </a:r>
-            <a:r>
-              <a:rPr lang="en-US" dirty="0" err="1"/>
-              <a:t>nfiguration</a:t>
-            </a:r>
-            <a:r>
-              <a:rPr lang="en-US" dirty="0"/>
-              <a:t> using the config object.</a:t>
-            </a:r>
           </a:p>
         </p:txBody>
       </p:sp>
@@ -3377,7 +3316,7 @@
           <a:p>
             <a:r>
               <a:rPr lang="en-US" dirty="0"/>
-              <a:t>Start it.</a:t>
+              <a:t>your configuration using the config object.</a:t>
             </a:r>
           </a:p>
           <a:p>
@@ -3385,18 +3324,8 @@
           </a:p>
           <a:p>
             <a:r>
-              <a:rPr lang="en-US" dirty="0" err="1"/>
-              <a:t>AwesomeConfig</a:t>
-            </a:r>
-            <a:r>
-              <a:rPr lang="en-US" dirty="0"/>
-              <a:t> is now up and running and you can access</a:t>
-            </a:r>
-          </a:p>
-          <a:p>
-            <a:r>
-              <a:rPr lang="en-US" dirty="0"/>
-              <a:t>your configuration using the config object.</a:t>
+              <a:rPr lang="en-US" dirty="0"/>
+              <a:t>[pause]</a:t>
             </a:r>
           </a:p>
           <a:p>
@@ -3405,19 +3334,13 @@
           <a:p>
             <a:r>
               <a:rPr lang="en-US" dirty="0"/>
-              <a:t>Now, to point out</a:t>
-            </a:r>
-          </a:p>
-          <a:p>
-            <a:r>
-              <a:rPr lang="en-US" dirty="0"/>
-              <a:t>A few key things</a:t>
-            </a:r>
-          </a:p>
-          <a:p>
-            <a:r>
-              <a:rPr lang="en-US" dirty="0"/>
-              <a:t>For using </a:t>
+              <a:t>So a few key things to note</a:t>
+            </a:r>
+          </a:p>
+          <a:p>
+            <a:r>
+              <a:rPr lang="en-US" dirty="0"/>
+              <a:t>about </a:t>
             </a:r>
             <a:r>
               <a:rPr lang="en-US" dirty="0" err="1"/>
@@ -3678,7 +3601,19 @@
           <a:p>
             <a:r>
               <a:rPr lang="en-US" dirty="0"/>
-              <a:t>to have zero reserved words.</a:t>
+              <a:t>to have zero reserved words</a:t>
+            </a:r>
+          </a:p>
+          <a:p>
+            <a:r>
+              <a:rPr lang="en-US" dirty="0"/>
+              <a:t>which can be a problem in</a:t>
+            </a:r>
+          </a:p>
+          <a:p>
+            <a:r>
+              <a:rPr lang="en-US" dirty="0"/>
+              <a:t>other configuration systems.</a:t>
             </a:r>
           </a:p>
         </p:txBody>
@@ -4055,7 +3990,7 @@
           <a:p>
             <a:r>
               <a:rPr lang="en-US" dirty="0"/>
-              <a:t>with latter ones.</a:t>
+              <a:t>with later ones.</a:t>
             </a:r>
           </a:p>
         </p:txBody>
@@ -5147,15 +5082,6 @@
           <a:p>
             <a:r>
               <a:rPr lang="en-US" dirty="0"/>
-              <a:t>But it's best if you just read the documentation:</a:t>
-            </a:r>
-          </a:p>
-          <a:p>
-            <a:endParaRPr lang="en-US" dirty="0"/>
-          </a:p>
-          <a:p>
-            <a:r>
-              <a:rPr lang="en-US" dirty="0"/>
               <a:t>[pause]</a:t>
             </a:r>
           </a:p>
@@ -5416,7 +5342,13 @@
           <a:p>
             <a:r>
               <a:rPr lang="en-US" dirty="0"/>
-              <a:t>we start by installing it.	</a:t>
+              <a:t>we start </a:t>
+            </a:r>
+          </a:p>
+          <a:p>
+            <a:r>
+              <a:rPr lang="en-US" dirty="0"/>
+              <a:t>by installing it.	</a:t>
             </a:r>
           </a:p>
           <a:p>
@@ -5425,38 +5357,35 @@
           <a:p>
             <a:r>
               <a:rPr lang="en-US" dirty="0"/>
-              <a:t>    </a:t>
+              <a:t>After installed</a:t>
+            </a:r>
+          </a:p>
+          <a:p>
+            <a:r>
+              <a:rPr lang="en-US" dirty="0"/>
+              <a:t>Setting up </a:t>
             </a:r>
             <a:r>
               <a:rPr lang="en-US" dirty="0" err="1"/>
-              <a:t>npm</a:t>
-            </a:r>
-            <a:r>
-              <a:rPr lang="en-US" dirty="0"/>
-              <a:t> install @</a:t>
-            </a:r>
-            <a:r>
-              <a:rPr lang="en-US" dirty="0" err="1"/>
-              <a:t>awesomeeng</a:t>
-            </a:r>
-            <a:r>
-              <a:rPr lang="en-US" dirty="0"/>
-              <a:t>/awesome-server</a:t>
-            </a:r>
-          </a:p>
-          <a:p>
-            <a:endParaRPr lang="en-US" dirty="0"/>
-          </a:p>
-          <a:p>
-            <a:r>
-              <a:rPr lang="en-US" dirty="0"/>
-              <a:t>After installed</a:t>
-            </a:r>
-          </a:p>
-          <a:p>
-            <a:r>
-              <a:rPr lang="en-US" dirty="0"/>
-              <a:t>Setting up config happens in five steps.</a:t>
+              <a:t>AwesomeServer</a:t>
+            </a:r>
+            <a:r>
+              <a:rPr lang="en-US" dirty="0"/>
+              <a:t> </a:t>
+            </a:r>
+          </a:p>
+          <a:p>
+            <a:r>
+              <a:rPr lang="en-US" dirty="0"/>
+              <a:t>happens in </a:t>
+            </a:r>
+            <a:r>
+              <a:rPr lang="en-US" b="1" dirty="0"/>
+              <a:t>five</a:t>
+            </a:r>
+            <a:r>
+              <a:rPr lang="en-US" dirty="0"/>
+              <a:t> steps.</a:t>
             </a:r>
           </a:p>
           <a:p>
@@ -6004,13 +5933,25 @@
             </a:r>
             <a:r>
               <a:rPr lang="en-US" dirty="0"/>
-              <a:t> is now up and running on port 8080 and</a:t>
-            </a:r>
-          </a:p>
-          <a:p>
-            <a:r>
-              <a:rPr lang="en-US" dirty="0"/>
-              <a:t>serving requests:</a:t>
+              <a:t> is now </a:t>
+            </a:r>
+          </a:p>
+          <a:p>
+            <a:r>
+              <a:rPr lang="en-US" dirty="0"/>
+              <a:t>up and running </a:t>
+            </a:r>
+          </a:p>
+          <a:p>
+            <a:r>
+              <a:rPr lang="en-US" dirty="0"/>
+              <a:t>on port 80 </a:t>
+            </a:r>
+          </a:p>
+          <a:p>
+            <a:r>
+              <a:rPr lang="en-US" dirty="0"/>
+              <a:t>and serving requests:</a:t>
             </a:r>
           </a:p>
           <a:p>
@@ -6106,7 +6047,16 @@
           <a:p>
             <a:r>
               <a:rPr lang="en-US" dirty="0"/>
-              <a:t>with a curl request.</a:t>
+              <a:t>with a simple curl request.</a:t>
+            </a:r>
+          </a:p>
+          <a:p>
+            <a:endParaRPr lang="en-US" dirty="0"/>
+          </a:p>
+          <a:p>
+            <a:r>
+              <a:rPr lang="en-US" dirty="0"/>
+              <a:t>[pause]</a:t>
             </a:r>
           </a:p>
           <a:p>
@@ -6402,7 +6352,19 @@
           <a:p>
             <a:r>
               <a:rPr lang="en-US" dirty="0"/>
-              <a:t>You add a server to an instance of </a:t>
+              <a:t>You add a server </a:t>
+            </a:r>
+          </a:p>
+          <a:p>
+            <a:r>
+              <a:rPr lang="en-US" dirty="0"/>
+              <a:t>to an instance </a:t>
+            </a:r>
+          </a:p>
+          <a:p>
+            <a:r>
+              <a:rPr lang="en-US" dirty="0"/>
+              <a:t>of </a:t>
             </a:r>
             <a:r>
               <a:rPr lang="en-US" dirty="0" err="1"/>
@@ -6419,7 +6381,13 @@
           <a:p>
             <a:r>
               <a:rPr lang="en-US" dirty="0"/>
-              <a:t>You may add multiple servers to the same instance</a:t>
+              <a:t>You may add multiple servers </a:t>
+            </a:r>
+          </a:p>
+          <a:p>
+            <a:r>
+              <a:rPr lang="en-US" dirty="0"/>
+              <a:t>to the same instance</a:t>
             </a:r>
           </a:p>
           <a:p>
@@ -6433,6 +6401,78 @@
               <a:rPr lang="en-US" dirty="0"/>
               <a:t>just from different entry points.</a:t>
             </a:r>
+          </a:p>
+          <a:p>
+            <a:endParaRPr lang="en-US" dirty="0"/>
+          </a:p>
+          <a:p>
+            <a:r>
+              <a:rPr lang="en-US" dirty="0"/>
+              <a:t>For example,</a:t>
+            </a:r>
+          </a:p>
+          <a:p>
+            <a:r>
+              <a:rPr lang="en-US" dirty="0"/>
+              <a:t>you can have a single</a:t>
+            </a:r>
+          </a:p>
+          <a:p>
+            <a:r>
+              <a:rPr lang="en-US" dirty="0" err="1"/>
+              <a:t>AwesomeServer</a:t>
+            </a:r>
+            <a:r>
+              <a:rPr lang="en-US" dirty="0"/>
+              <a:t> instance</a:t>
+            </a:r>
+          </a:p>
+          <a:p>
+            <a:r>
+              <a:rPr lang="en-US" dirty="0"/>
+              <a:t>with both an HTTP </a:t>
+            </a:r>
+          </a:p>
+          <a:p>
+            <a:r>
+              <a:rPr lang="en-US" dirty="0"/>
+              <a:t>and a HTTPS server</a:t>
+            </a:r>
+          </a:p>
+          <a:p>
+            <a:r>
+              <a:rPr lang="en-US" dirty="0"/>
+              <a:t>handling the same routing.</a:t>
+            </a:r>
+          </a:p>
+          <a:p>
+            <a:endParaRPr lang="en-US" dirty="0"/>
+          </a:p>
+          <a:p>
+            <a:pPr marL="0" marR="0" lvl="0" indent="0" algn="l" defTabSz="914400" rtl="0" eaLnBrk="1" fontAlgn="auto" latinLnBrk="0" hangingPunct="1">
+              <a:lnSpc>
+                <a:spcPct val="100000"/>
+              </a:lnSpc>
+              <a:spcBef>
+                <a:spcPts val="0"/>
+              </a:spcBef>
+              <a:spcAft>
+                <a:spcPts val="0"/>
+              </a:spcAft>
+              <a:buClrTx/>
+              <a:buSzTx/>
+              <a:buFontTx/>
+              <a:buNone/>
+              <a:tabLst/>
+              <a:defRPr/>
+            </a:pPr>
+            <a:r>
+              <a:rPr lang="en-US" dirty="0"/>
+              <a:t>The second key part of setup is adding routes.</a:t>
+            </a:r>
+          </a:p>
+          <a:p>
+            <a:endParaRPr lang="en-US" dirty="0"/>
           </a:p>
         </p:txBody>
       </p:sp>
@@ -6517,30 +6557,14 @@
           <a:lstStyle/>
           <a:p>
             <a:r>
-              <a:rPr lang="en-US" dirty="0" err="1"/>
-              <a:t>AwesomeServer</a:t>
-            </a:r>
-            <a:r>
-              <a:rPr lang="en-US" dirty="0"/>
-              <a:t> supports</a:t>
-            </a:r>
-          </a:p>
-          <a:p>
-            <a:r>
-              <a:rPr lang="en-US" dirty="0"/>
-              <a:t>HTTP</a:t>
-            </a:r>
-          </a:p>
-          <a:p>
-            <a:r>
-              <a:rPr lang="en-US" dirty="0"/>
-              <a:t>HTTPS</a:t>
-            </a:r>
-          </a:p>
-          <a:p>
-            <a:r>
-              <a:rPr lang="en-US" dirty="0"/>
-              <a:t>and HTTP2 servers.</a:t>
+              <a:rPr lang="en-US" dirty="0"/>
+              <a:t>The simplest form of adding a route</a:t>
+            </a:r>
+          </a:p>
+          <a:p>
+            <a:r>
+              <a:rPr lang="en-US" dirty="0"/>
+              <a:t>is the route() command.</a:t>
             </a:r>
           </a:p>
           <a:p>
@@ -6549,19 +6573,7 @@
           <a:p>
             <a:r>
               <a:rPr lang="en-US" dirty="0"/>
-              <a:t>Additionally you could,</a:t>
-            </a:r>
-          </a:p>
-          <a:p>
-            <a:r>
-              <a:rPr lang="en-US" dirty="0"/>
-              <a:t>if you wanted to,</a:t>
-            </a:r>
-          </a:p>
-          <a:p>
-            <a:r>
-              <a:rPr lang="en-US" dirty="0"/>
-              <a:t>write your own customer server.</a:t>
+              <a:t>the route command takes three arguments:</a:t>
             </a:r>
           </a:p>
         </p:txBody>
@@ -6592,7 +6604,7 @@
     </p:spTree>
     <p:extLst>
       <p:ext uri="{BB962C8B-B14F-4D97-AF65-F5344CB8AC3E}">
-        <p14:creationId xmlns:p14="http://schemas.microsoft.com/office/powerpoint/2010/main" val="3250685372"/>
+        <p14:creationId xmlns:p14="http://schemas.microsoft.com/office/powerpoint/2010/main" val="4033220709"/>
       </p:ext>
     </p:extLst>
   </p:cSld>
@@ -6648,43 +6660,25 @@
           <a:p>
             <a:r>
               <a:rPr lang="en-US" dirty="0"/>
-              <a:t>Just note that </a:t>
-            </a:r>
-          </a:p>
-          <a:p>
-            <a:r>
-              <a:rPr lang="en-US" dirty="0"/>
-              <a:t>both HTTPS</a:t>
-            </a:r>
-          </a:p>
-          <a:p>
-            <a:r>
-              <a:rPr lang="en-US" dirty="0"/>
-              <a:t>and HTTP2</a:t>
-            </a:r>
-          </a:p>
-          <a:p>
-            <a:r>
-              <a:rPr lang="en-US" dirty="0"/>
-              <a:t>require you pass</a:t>
-            </a:r>
-          </a:p>
-          <a:p>
-            <a:r>
-              <a:rPr lang="en-US" dirty="0"/>
-              <a:t>your public and private key pair</a:t>
-            </a:r>
-          </a:p>
-          <a:p>
-            <a:r>
-              <a:rPr lang="en-US" dirty="0"/>
-              <a:t>for TLS to use</a:t>
-            </a:r>
-          </a:p>
-          <a:p>
-            <a:r>
-              <a:rPr lang="en-US" dirty="0"/>
-              <a:t>when adding them.</a:t>
+              <a:t>The METHOD</a:t>
+            </a:r>
+          </a:p>
+          <a:p>
+            <a:r>
+              <a:rPr lang="en-US" dirty="0"/>
+              <a:t>which corresponds to the HTTP Method</a:t>
+            </a:r>
+          </a:p>
+          <a:p>
+            <a:r>
+              <a:rPr lang="en-US" dirty="0"/>
+              <a:t>of the incoming request.</a:t>
+            </a:r>
+          </a:p>
+          <a:p>
+            <a:r>
+              <a:rPr lang="en-US" dirty="0"/>
+              <a:t>GET, HEAD, POST, etc.</a:t>
             </a:r>
           </a:p>
           <a:p>
@@ -6693,11 +6687,14 @@
           <a:p>
             <a:r>
               <a:rPr lang="en-US" dirty="0"/>
-              <a:t>The second key part of setup is adding routes.</a:t>
-            </a:r>
-          </a:p>
-          <a:p>
-            <a:endParaRPr lang="en-US" dirty="0"/>
+              <a:t>You may also specify the "*" character</a:t>
+            </a:r>
+          </a:p>
+          <a:p>
+            <a:r>
+              <a:rPr lang="en-US" dirty="0"/>
+              <a:t>to match ALL methods.</a:t>
+            </a:r>
           </a:p>
         </p:txBody>
       </p:sp>
@@ -6727,7 +6724,7 @@
     </p:spTree>
     <p:extLst>
       <p:ext uri="{BB962C8B-B14F-4D97-AF65-F5344CB8AC3E}">
-        <p14:creationId xmlns:p14="http://schemas.microsoft.com/office/powerpoint/2010/main" val="591829366"/>
+        <p14:creationId xmlns:p14="http://schemas.microsoft.com/office/powerpoint/2010/main" val="4095919383"/>
       </p:ext>
     </p:extLst>
   </p:cSld>
@@ -6783,13 +6780,19 @@
           <a:p>
             <a:r>
               <a:rPr lang="en-US" dirty="0"/>
-              <a:t>The simplest form of adding a route</a:t>
-            </a:r>
-          </a:p>
-          <a:p>
-            <a:r>
-              <a:rPr lang="en-US" dirty="0"/>
-              <a:t>is the route() command.</a:t>
+              <a:t>The PATH</a:t>
+            </a:r>
+          </a:p>
+          <a:p>
+            <a:r>
+              <a:rPr lang="en-US" dirty="0"/>
+              <a:t>describes how to match the incoming requests</a:t>
+            </a:r>
+          </a:p>
+          <a:p>
+            <a:r>
+              <a:rPr lang="en-US" dirty="0"/>
+              <a:t>path to this specific route.</a:t>
             </a:r>
           </a:p>
           <a:p>
@@ -6798,7 +6801,44 @@
           <a:p>
             <a:r>
               <a:rPr lang="en-US" dirty="0"/>
-              <a:t>the route command takes three arguments:</a:t>
+              <a:t>Paths can either be</a:t>
+            </a:r>
+          </a:p>
+          <a:p>
+            <a:r>
+              <a:rPr lang="en-US" dirty="0"/>
+              <a:t>Exact</a:t>
+            </a:r>
+          </a:p>
+          <a:p>
+            <a:r>
+              <a:rPr lang="en-US" dirty="0"/>
+              <a:t>Starts With</a:t>
+            </a:r>
+          </a:p>
+          <a:p>
+            <a:r>
+              <a:rPr lang="en-US" dirty="0"/>
+              <a:t>Ends With</a:t>
+            </a:r>
+          </a:p>
+          <a:p>
+            <a:r>
+              <a:rPr lang="en-US" dirty="0"/>
+              <a:t>Contains</a:t>
+            </a:r>
+          </a:p>
+          <a:p>
+            <a:r>
+              <a:rPr lang="en-US" dirty="0" err="1"/>
+              <a:t>RegEx</a:t>
+            </a:r>
+            <a:endParaRPr lang="en-US" dirty="0"/>
+          </a:p>
+          <a:p>
+            <a:r>
+              <a:rPr lang="en-US" dirty="0"/>
+              <a:t>or an OR EXPRESSION separated by PIPE "|" characters</a:t>
             </a:r>
           </a:p>
         </p:txBody>
@@ -6829,7 +6869,7 @@
     </p:spTree>
     <p:extLst>
       <p:ext uri="{BB962C8B-B14F-4D97-AF65-F5344CB8AC3E}">
-        <p14:creationId xmlns:p14="http://schemas.microsoft.com/office/powerpoint/2010/main" val="4033220709"/>
+        <p14:creationId xmlns:p14="http://schemas.microsoft.com/office/powerpoint/2010/main" val="2124760847"/>
       </p:ext>
     </p:extLst>
   </p:cSld>
@@ -6885,40 +6925,37 @@
           <a:p>
             <a:r>
               <a:rPr lang="en-US" dirty="0"/>
-              <a:t>The METHOD</a:t>
-            </a:r>
-          </a:p>
-          <a:p>
-            <a:r>
-              <a:rPr lang="en-US" dirty="0"/>
-              <a:t>which corresponds to the HTTP Method</a:t>
-            </a:r>
-          </a:p>
-          <a:p>
-            <a:r>
-              <a:rPr lang="en-US" dirty="0"/>
-              <a:t>of the incoming request.</a:t>
-            </a:r>
-          </a:p>
-          <a:p>
-            <a:r>
-              <a:rPr lang="en-US" dirty="0"/>
-              <a:t>GET, HEAD, POST, etc.</a:t>
-            </a:r>
-          </a:p>
-          <a:p>
-            <a:endParaRPr lang="en-US" dirty="0"/>
-          </a:p>
-          <a:p>
-            <a:r>
-              <a:rPr lang="en-US" dirty="0"/>
-              <a:t>You may also specify the "*" character</a:t>
-            </a:r>
-          </a:p>
-          <a:p>
-            <a:r>
-              <a:rPr lang="en-US" dirty="0"/>
-              <a:t>to match ALL methods.</a:t>
+              <a:t>The Handler</a:t>
+            </a:r>
+          </a:p>
+          <a:p>
+            <a:r>
+              <a:rPr lang="en-US" dirty="0"/>
+              <a:t>which can be</a:t>
+            </a:r>
+          </a:p>
+          <a:p>
+            <a:r>
+              <a:rPr lang="en-US" dirty="0"/>
+              <a:t>a function</a:t>
+            </a:r>
+          </a:p>
+          <a:p>
+            <a:r>
+              <a:rPr lang="en-US" dirty="0"/>
+              <a:t>a Controller</a:t>
+            </a:r>
+          </a:p>
+          <a:p>
+            <a:r>
+              <a:rPr lang="en-US" dirty="0"/>
+              <a:t>a Filename String</a:t>
+            </a:r>
+          </a:p>
+          <a:p>
+            <a:r>
+              <a:rPr lang="en-US" dirty="0"/>
+              <a:t>or a Directory name String</a:t>
             </a:r>
           </a:p>
         </p:txBody>
@@ -6949,7 +6986,7 @@
     </p:spTree>
     <p:extLst>
       <p:ext uri="{BB962C8B-B14F-4D97-AF65-F5344CB8AC3E}">
-        <p14:creationId xmlns:p14="http://schemas.microsoft.com/office/powerpoint/2010/main" val="4095919383"/>
+        <p14:creationId xmlns:p14="http://schemas.microsoft.com/office/powerpoint/2010/main" val="533460786"/>
       </p:ext>
     </p:extLst>
   </p:cSld>
@@ -7102,19 +7139,31 @@
           <a:p>
             <a:r>
               <a:rPr lang="en-US" dirty="0"/>
-              <a:t>The PATH</a:t>
-            </a:r>
-          </a:p>
-          <a:p>
-            <a:r>
-              <a:rPr lang="en-US" dirty="0"/>
-              <a:t>describes how to match the incoming requests</a:t>
-            </a:r>
-          </a:p>
-          <a:p>
-            <a:r>
-              <a:rPr lang="en-US" dirty="0"/>
-              <a:t>path to this specific route.</a:t>
+              <a:t>In Particular</a:t>
+            </a:r>
+          </a:p>
+          <a:p>
+            <a:r>
+              <a:rPr lang="en-US" dirty="0"/>
+              <a:t>Controllers provide</a:t>
+            </a:r>
+          </a:p>
+          <a:p>
+            <a:r>
+              <a:rPr lang="en-US" dirty="0"/>
+              <a:t>a structured way to organize your code</a:t>
+            </a:r>
+          </a:p>
+          <a:p>
+            <a:r>
+              <a:rPr lang="en-US" dirty="0"/>
+              <a:t>around a specific endpoint</a:t>
+            </a:r>
+          </a:p>
+          <a:p>
+            <a:r>
+              <a:rPr lang="en-US" dirty="0"/>
+              <a:t>and are the recommended route approach.</a:t>
             </a:r>
           </a:p>
           <a:p>
@@ -7123,45 +7172,51 @@
           <a:p>
             <a:r>
               <a:rPr lang="en-US" dirty="0"/>
-              <a:t>Paths can either be</a:t>
-            </a:r>
-          </a:p>
-          <a:p>
-            <a:r>
-              <a:rPr lang="en-US" dirty="0"/>
-              <a:t>Exact</a:t>
-            </a:r>
-          </a:p>
-          <a:p>
-            <a:r>
-              <a:rPr lang="en-US" dirty="0"/>
-              <a:t>Starts With</a:t>
-            </a:r>
-          </a:p>
-          <a:p>
-            <a:r>
-              <a:rPr lang="en-US" dirty="0"/>
-              <a:t>Ends With</a:t>
-            </a:r>
-          </a:p>
-          <a:p>
-            <a:r>
-              <a:rPr lang="en-US" dirty="0"/>
-              <a:t>Contains</a:t>
-            </a:r>
-          </a:p>
-          <a:p>
+              <a:t>The filename and directory versions of </a:t>
+            </a:r>
             <a:r>
               <a:rPr lang="en-US" dirty="0" err="1"/>
-              <a:t>RegEx</a:t>
-            </a:r>
+              <a:t>server.route</a:t>
+            </a:r>
+            <a:r>
+              <a:rPr lang="en-US" dirty="0"/>
+              <a:t>()</a:t>
+            </a:r>
+          </a:p>
+          <a:p>
+            <a:r>
+              <a:rPr lang="en-US" dirty="0"/>
+              <a:t>make it really easy to define controllers</a:t>
+            </a:r>
+          </a:p>
+          <a:p>
+            <a:r>
+              <a:rPr lang="en-US" dirty="0"/>
+              <a:t>and tie them to your code without</a:t>
+            </a:r>
+          </a:p>
+          <a:p>
+            <a:r>
+              <a:rPr lang="en-US" dirty="0"/>
+              <a:t>getting bogged down in giant mess</a:t>
+            </a:r>
+          </a:p>
+          <a:p>
+            <a:r>
+              <a:rPr lang="en-US" dirty="0"/>
+              <a:t>of code </a:t>
+            </a:r>
+            <a:r>
+              <a:rPr lang="en-US" dirty="0" err="1"/>
+              <a:t>spagetti</a:t>
+            </a:r>
+            <a:r>
+              <a:rPr lang="en-US" dirty="0"/>
+              <a:t>.</a:t>
+            </a:r>
+          </a:p>
+          <a:p>
             <a:endParaRPr lang="en-US" dirty="0"/>
-          </a:p>
-          <a:p>
-            <a:r>
-              <a:rPr lang="en-US" dirty="0"/>
-              <a:t>or an OR EXPRESSION separated by PIPE "|" characters</a:t>
-            </a:r>
           </a:p>
         </p:txBody>
       </p:sp>
@@ -7191,7 +7246,7 @@
     </p:spTree>
     <p:extLst>
       <p:ext uri="{BB962C8B-B14F-4D97-AF65-F5344CB8AC3E}">
-        <p14:creationId xmlns:p14="http://schemas.microsoft.com/office/powerpoint/2010/main" val="2124760847"/>
+        <p14:creationId xmlns:p14="http://schemas.microsoft.com/office/powerpoint/2010/main" val="999521549"/>
       </p:ext>
     </p:extLst>
   </p:cSld>
@@ -7247,37 +7302,54 @@
           <a:p>
             <a:r>
               <a:rPr lang="en-US" dirty="0"/>
-              <a:t>The Handler</a:t>
-            </a:r>
-          </a:p>
-          <a:p>
-            <a:r>
-              <a:rPr lang="en-US" dirty="0"/>
-              <a:t>which can be</a:t>
-            </a:r>
-          </a:p>
-          <a:p>
-            <a:r>
-              <a:rPr lang="en-US" dirty="0"/>
-              <a:t>a function</a:t>
-            </a:r>
-          </a:p>
-          <a:p>
-            <a:r>
-              <a:rPr lang="en-US" dirty="0"/>
-              <a:t>a Controller</a:t>
-            </a:r>
-          </a:p>
-          <a:p>
-            <a:r>
-              <a:rPr lang="en-US" dirty="0"/>
-              <a:t>a Filename String</a:t>
-            </a:r>
-          </a:p>
-          <a:p>
-            <a:r>
-              <a:rPr lang="en-US" dirty="0"/>
-              <a:t>or a Directory name String</a:t>
+              <a:t>There are a lot </a:t>
+            </a:r>
+          </a:p>
+          <a:p>
+            <a:r>
+              <a:rPr lang="en-US" dirty="0"/>
+              <a:t>of other features </a:t>
+            </a:r>
+          </a:p>
+          <a:p>
+            <a:r>
+              <a:rPr lang="en-US" dirty="0"/>
+              <a:t>to </a:t>
+            </a:r>
+            <a:r>
+              <a:rPr lang="en-US" dirty="0" err="1"/>
+              <a:t>AwesomeServer</a:t>
+            </a:r>
+            <a:endParaRPr lang="en-US" dirty="0"/>
+          </a:p>
+          <a:p>
+            <a:endParaRPr lang="en-US" dirty="0"/>
+          </a:p>
+          <a:p>
+            <a:r>
+              <a:rPr lang="en-US" dirty="0"/>
+              <a:t>But like before </a:t>
+            </a:r>
+          </a:p>
+          <a:p>
+            <a:r>
+              <a:rPr lang="en-US" dirty="0"/>
+              <a:t>it's best if you </a:t>
+            </a:r>
+          </a:p>
+          <a:p>
+            <a:r>
+              <a:rPr lang="en-US" dirty="0"/>
+              <a:t>just read the documentation:</a:t>
+            </a:r>
+          </a:p>
+          <a:p>
+            <a:endParaRPr lang="en-US" dirty="0"/>
+          </a:p>
+          <a:p>
+            <a:r>
+              <a:rPr lang="en-US" dirty="0"/>
+              <a:t>[pause]</a:t>
             </a:r>
           </a:p>
         </p:txBody>
@@ -7308,7 +7380,7 @@
     </p:spTree>
     <p:extLst>
       <p:ext uri="{BB962C8B-B14F-4D97-AF65-F5344CB8AC3E}">
-        <p14:creationId xmlns:p14="http://schemas.microsoft.com/office/powerpoint/2010/main" val="533460786"/>
+        <p14:creationId xmlns:p14="http://schemas.microsoft.com/office/powerpoint/2010/main" val="4142960961"/>
       </p:ext>
     </p:extLst>
   </p:cSld>
@@ -7364,31 +7436,7 @@
           <a:p>
             <a:r>
               <a:rPr lang="en-US" dirty="0"/>
-              <a:t>In Particular</a:t>
-            </a:r>
-          </a:p>
-          <a:p>
-            <a:r>
-              <a:rPr lang="en-US" dirty="0"/>
-              <a:t>Controllers provide</a:t>
-            </a:r>
-          </a:p>
-          <a:p>
-            <a:r>
-              <a:rPr lang="en-US" dirty="0"/>
-              <a:t>a structured way to organize your code</a:t>
-            </a:r>
-          </a:p>
-          <a:p>
-            <a:r>
-              <a:rPr lang="en-US" dirty="0"/>
-              <a:t>around a specific endpoint</a:t>
-            </a:r>
-          </a:p>
-          <a:p>
-            <a:r>
-              <a:rPr lang="en-US" dirty="0"/>
-              <a:t>and are the recommended route approach.</a:t>
+              <a:t>[pause]</a:t>
             </a:r>
           </a:p>
           <a:p>
@@ -7397,51 +7445,14 @@
           <a:p>
             <a:r>
               <a:rPr lang="en-US" dirty="0"/>
-              <a:t>The filename and directory versions of </a:t>
-            </a:r>
-            <a:r>
-              <a:rPr lang="en-US" dirty="0" err="1"/>
-              <a:t>server.route</a:t>
-            </a:r>
-            <a:r>
-              <a:rPr lang="en-US" dirty="0"/>
-              <a:t>()</a:t>
-            </a:r>
-          </a:p>
-          <a:p>
-            <a:r>
-              <a:rPr lang="en-US" dirty="0"/>
-              <a:t>make it really easy to define controllers</a:t>
-            </a:r>
-          </a:p>
-          <a:p>
-            <a:r>
-              <a:rPr lang="en-US" dirty="0"/>
-              <a:t>and tie them to your code without</a:t>
-            </a:r>
-          </a:p>
-          <a:p>
-            <a:r>
-              <a:rPr lang="en-US" dirty="0"/>
-              <a:t>getting bogged down in giant mess</a:t>
-            </a:r>
-          </a:p>
-          <a:p>
-            <a:r>
-              <a:rPr lang="en-US" dirty="0"/>
-              <a:t>of code </a:t>
-            </a:r>
-            <a:r>
-              <a:rPr lang="en-US" dirty="0" err="1"/>
-              <a:t>spagetti</a:t>
-            </a:r>
-            <a:r>
-              <a:rPr lang="en-US" dirty="0"/>
-              <a:t>.</a:t>
-            </a:r>
-          </a:p>
-          <a:p>
-            <a:endParaRPr lang="en-US" dirty="0"/>
+              <a:t>So for our final part of tonight,</a:t>
+            </a:r>
+          </a:p>
+          <a:p>
+            <a:r>
+              <a:rPr lang="en-US" dirty="0"/>
+              <a:t>lets put all three libraries together.</a:t>
+            </a:r>
           </a:p>
         </p:txBody>
       </p:sp>
@@ -7471,7 +7482,7 @@
     </p:spTree>
     <p:extLst>
       <p:ext uri="{BB962C8B-B14F-4D97-AF65-F5344CB8AC3E}">
-        <p14:creationId xmlns:p14="http://schemas.microsoft.com/office/powerpoint/2010/main" val="999521549"/>
+        <p14:creationId xmlns:p14="http://schemas.microsoft.com/office/powerpoint/2010/main" val="2538787464"/>
       </p:ext>
     </p:extLst>
   </p:cSld>
@@ -7527,45 +7538,43 @@
           <a:p>
             <a:r>
               <a:rPr lang="en-US" dirty="0"/>
-              <a:t>There are a lot </a:t>
-            </a:r>
-          </a:p>
-          <a:p>
-            <a:r>
-              <a:rPr lang="en-US" dirty="0"/>
-              <a:t>of other features </a:t>
-            </a:r>
-          </a:p>
-          <a:p>
-            <a:r>
-              <a:rPr lang="en-US" dirty="0"/>
-              <a:t>to </a:t>
-            </a:r>
-            <a:r>
-              <a:rPr lang="en-US" dirty="0" err="1"/>
-              <a:t>AwesomeServer</a:t>
-            </a:r>
+              <a:t>For this example we are going to write a quick API Server</a:t>
+            </a:r>
+          </a:p>
+          <a:p>
+            <a:r>
+              <a:rPr lang="en-US" dirty="0"/>
+              <a:t>that will server up images of kittens.</a:t>
+            </a:r>
+          </a:p>
+          <a:p>
+            <a:r>
+              <a:rPr lang="en-US" dirty="0"/>
+              <a:t>It will have two endpoints:</a:t>
+            </a:r>
+          </a:p>
+          <a:p>
             <a:endParaRPr lang="en-US" dirty="0"/>
           </a:p>
           <a:p>
+            <a:r>
+              <a:rPr lang="en-US" dirty="0"/>
+              <a:t>	GET /kittens - return a list of all kitten ids</a:t>
+            </a:r>
+          </a:p>
+          <a:p>
+            <a:r>
+              <a:rPr lang="en-US" dirty="0"/>
+              <a:t>	GET /kittens/&lt;id&gt; - return a specific kitten image.</a:t>
+            </a:r>
+          </a:p>
+          <a:p>
             <a:endParaRPr lang="en-US" dirty="0"/>
           </a:p>
           <a:p>
             <a:r>
               <a:rPr lang="en-US" dirty="0"/>
-              <a:t>But like before </a:t>
-            </a:r>
-          </a:p>
-          <a:p>
-            <a:r>
-              <a:rPr lang="en-US" dirty="0"/>
-              <a:t>it's best if you </a:t>
-            </a:r>
-          </a:p>
-          <a:p>
-            <a:r>
-              <a:rPr lang="en-US" dirty="0"/>
-              <a:t>just read the documentation:</a:t>
+              <a:t>Additionally, we will log each request we get out.</a:t>
             </a:r>
           </a:p>
           <a:p>
@@ -7574,7 +7583,46 @@
           <a:p>
             <a:r>
               <a:rPr lang="en-US" dirty="0"/>
-              <a:t>[pause]</a:t>
+              <a:t>Finally, we will provide both a local environment configuration</a:t>
+            </a:r>
+          </a:p>
+          <a:p>
+            <a:r>
+              <a:rPr lang="en-US" dirty="0"/>
+              <a:t>and a production environment configuration.</a:t>
+            </a:r>
+          </a:p>
+          <a:p>
+            <a:endParaRPr lang="en-US" dirty="0"/>
+          </a:p>
+          <a:p>
+            <a:r>
+              <a:rPr lang="en-US" dirty="0"/>
+              <a:t>I'm going to visually walk through this</a:t>
+            </a:r>
+          </a:p>
+          <a:p>
+            <a:r>
+              <a:rPr lang="en-US" dirty="0"/>
+              <a:t>on the slides here</a:t>
+            </a:r>
+          </a:p>
+          <a:p>
+            <a:r>
+              <a:rPr lang="en-US" dirty="0"/>
+              <a:t>then I'll switch over to the code</a:t>
+            </a:r>
+          </a:p>
+          <a:p>
+            <a:r>
+              <a:rPr lang="en-US" dirty="0"/>
+              <a:t>and run it all for you</a:t>
+            </a:r>
+          </a:p>
+          <a:p>
+            <a:r>
+              <a:rPr lang="en-US" dirty="0"/>
+              <a:t>to see it in action.</a:t>
             </a:r>
           </a:p>
         </p:txBody>
@@ -7605,7 +7653,7 @@
     </p:spTree>
     <p:extLst>
       <p:ext uri="{BB962C8B-B14F-4D97-AF65-F5344CB8AC3E}">
-        <p14:creationId xmlns:p14="http://schemas.microsoft.com/office/powerpoint/2010/main" val="4142960961"/>
+        <p14:creationId xmlns:p14="http://schemas.microsoft.com/office/powerpoint/2010/main" val="3219731893"/>
       </p:ext>
     </p:extLst>
   </p:cSld>
@@ -7661,7 +7709,7 @@
           <a:p>
             <a:r>
               <a:rPr lang="en-US" dirty="0"/>
-              <a:t>But it's best if you just read the documentation:</a:t>
+              <a:t>First, we install the three libraries.</a:t>
             </a:r>
           </a:p>
           <a:p>
@@ -7670,23 +7718,11 @@
           <a:p>
             <a:r>
               <a:rPr lang="en-US" dirty="0"/>
-              <a:t>[pause]</a:t>
+              <a:t>Second</a:t>
             </a:r>
           </a:p>
           <a:p>
             <a:endParaRPr lang="en-US" dirty="0"/>
-          </a:p>
-          <a:p>
-            <a:r>
-              <a:rPr lang="en-US" dirty="0"/>
-              <a:t>So for our final part of tonight,</a:t>
-            </a:r>
-          </a:p>
-          <a:p>
-            <a:r>
-              <a:rPr lang="en-US" dirty="0"/>
-              <a:t>lets put all three libraries together.</a:t>
-            </a:r>
           </a:p>
         </p:txBody>
       </p:sp>
@@ -7716,7 +7752,7 @@
     </p:spTree>
     <p:extLst>
       <p:ext uri="{BB962C8B-B14F-4D97-AF65-F5344CB8AC3E}">
-        <p14:creationId xmlns:p14="http://schemas.microsoft.com/office/powerpoint/2010/main" val="2538787464"/>
+        <p14:creationId xmlns:p14="http://schemas.microsoft.com/office/powerpoint/2010/main" val="479206657"/>
       </p:ext>
     </p:extLst>
   </p:cSld>
@@ -7772,19 +7808,13 @@
           <a:p>
             <a:r>
               <a:rPr lang="en-US" dirty="0"/>
-              <a:t>For this example we are going to write a quick API Server</a:t>
-            </a:r>
-          </a:p>
-          <a:p>
-            <a:r>
-              <a:rPr lang="en-US" dirty="0"/>
-              <a:t>that will server up images of kittens.</a:t>
-            </a:r>
-          </a:p>
-          <a:p>
-            <a:r>
-              <a:rPr lang="en-US" dirty="0"/>
-              <a:t>It will have two endpoints:</a:t>
+              <a:t>Let us write a quick controller </a:t>
+            </a:r>
+          </a:p>
+          <a:p>
+            <a:r>
+              <a:rPr lang="en-US" dirty="0"/>
+              <a:t>to handle both our endpoints.</a:t>
             </a:r>
           </a:p>
           <a:p>
@@ -7793,13 +7823,7 @@
           <a:p>
             <a:r>
               <a:rPr lang="en-US" dirty="0"/>
-              <a:t>	GET /kittens - return a list of all kitten ids</a:t>
-            </a:r>
-          </a:p>
-          <a:p>
-            <a:r>
-              <a:rPr lang="en-US" dirty="0"/>
-              <a:t>	GET /kittens/&lt;id&gt; - return a specific kitten image.</a:t>
+              <a:t>[short pause]</a:t>
             </a:r>
           </a:p>
           <a:p>
@@ -7808,7 +7832,39 @@
           <a:p>
             <a:r>
               <a:rPr lang="en-US" dirty="0"/>
-              <a:t>Additionally, we will log each request we get out.</a:t>
+              <a:t>We start out simple enough</a:t>
+            </a:r>
+          </a:p>
+          <a:p>
+            <a:r>
+              <a:rPr lang="en-US" dirty="0"/>
+              <a:t>defining our </a:t>
+            </a:r>
+            <a:r>
+              <a:rPr lang="en-US" dirty="0" err="1"/>
+              <a:t>KittenController</a:t>
+            </a:r>
+            <a:r>
+              <a:rPr lang="en-US" dirty="0"/>
+              <a:t> Class.</a:t>
+            </a:r>
+          </a:p>
+          <a:p>
+            <a:r>
+              <a:rPr lang="en-US" dirty="0"/>
+              <a:t>Controllers are built around </a:t>
+            </a:r>
+          </a:p>
+          <a:p>
+            <a:r>
+              <a:rPr lang="en-US" dirty="0"/>
+              <a:t>request methods,</a:t>
+            </a:r>
+          </a:p>
+          <a:p>
+            <a:r>
+              <a:rPr lang="en-US" dirty="0"/>
+              <a:t>so here we are handling the GET method.</a:t>
             </a:r>
           </a:p>
           <a:p>
@@ -7817,13 +7873,19 @@
           <a:p>
             <a:r>
               <a:rPr lang="en-US" dirty="0"/>
-              <a:t>Finally, we will provide both a local environment configuration</a:t>
-            </a:r>
-          </a:p>
-          <a:p>
-            <a:r>
-              <a:rPr lang="en-US" dirty="0"/>
-              <a:t>and a production environment configuration.</a:t>
+              <a:t>Next</a:t>
+            </a:r>
+          </a:p>
+          <a:p>
+            <a:r>
+              <a:rPr lang="en-US" dirty="0"/>
+              <a:t>We have two types of get requests we want to service</a:t>
+            </a:r>
+          </a:p>
+          <a:p>
+            <a:r>
+              <a:rPr lang="en-US" dirty="0"/>
+              <a:t>with this controller.</a:t>
             </a:r>
           </a:p>
           <a:p>
@@ -7832,32 +7894,11 @@
           <a:p>
             <a:r>
               <a:rPr lang="en-US" dirty="0"/>
-              <a:t>I'm going to visually walk through this</a:t>
-            </a:r>
-          </a:p>
-          <a:p>
-            <a:r>
-              <a:rPr lang="en-US" dirty="0"/>
-              <a:t>on the slides here</a:t>
-            </a:r>
-          </a:p>
-          <a:p>
-            <a:r>
-              <a:rPr lang="en-US" dirty="0"/>
-              <a:t>then I'll switch over to the code</a:t>
-            </a:r>
-          </a:p>
-          <a:p>
-            <a:r>
-              <a:rPr lang="en-US" dirty="0"/>
-              <a:t>and run it all for you</a:t>
-            </a:r>
-          </a:p>
-          <a:p>
-            <a:r>
-              <a:rPr lang="en-US" dirty="0"/>
-              <a:t>to see it in action.</a:t>
-            </a:r>
+              <a:t>So lets add some logic to our get() to separate the two:</a:t>
+            </a:r>
+          </a:p>
+          <a:p>
+            <a:endParaRPr lang="en-US" dirty="0"/>
           </a:p>
         </p:txBody>
       </p:sp>
@@ -7887,7 +7928,7 @@
     </p:spTree>
     <p:extLst>
       <p:ext uri="{BB962C8B-B14F-4D97-AF65-F5344CB8AC3E}">
-        <p14:creationId xmlns:p14="http://schemas.microsoft.com/office/powerpoint/2010/main" val="3219731893"/>
+        <p14:creationId xmlns:p14="http://schemas.microsoft.com/office/powerpoint/2010/main" val="3959584634"/>
       </p:ext>
     </p:extLst>
   </p:cSld>
@@ -7943,7 +7984,19 @@
           <a:p>
             <a:r>
               <a:rPr lang="en-US" dirty="0"/>
-              <a:t>First, we install the three libraries.</a:t>
+              <a:t>Depending on if we receive </a:t>
+            </a:r>
+          </a:p>
+          <a:p>
+            <a:r>
+              <a:rPr lang="en-US" dirty="0"/>
+              <a:t>an id in the path, </a:t>
+            </a:r>
+          </a:p>
+          <a:p>
+            <a:r>
+              <a:rPr lang="en-US" dirty="0"/>
+              <a:t>we will execute different functions.</a:t>
             </a:r>
           </a:p>
           <a:p>
@@ -7952,11 +8005,49 @@
           <a:p>
             <a:r>
               <a:rPr lang="en-US" dirty="0"/>
-              <a:t>Second</a:t>
+              <a:t>Next, let us implement the </a:t>
+            </a:r>
+            <a:r>
+              <a:rPr lang="en-US" dirty="0" err="1"/>
+              <a:t>getKittensId</a:t>
+            </a:r>
+            <a:r>
+              <a:rPr lang="en-US" dirty="0"/>
+              <a:t>() function</a:t>
             </a:r>
           </a:p>
           <a:p>
             <a:endParaRPr lang="en-US" dirty="0"/>
+          </a:p>
+          <a:p>
+            <a:r>
+              <a:rPr lang="en-US" dirty="0"/>
+              <a:t>The key objective for this function</a:t>
+            </a:r>
+          </a:p>
+          <a:p>
+            <a:r>
+              <a:rPr lang="en-US" dirty="0"/>
+              <a:t>is to get a list of all the .jpg files on the disk</a:t>
+            </a:r>
+          </a:p>
+          <a:p>
+            <a:r>
+              <a:rPr lang="en-US" dirty="0"/>
+              <a:t>trim the .jpg off those names,</a:t>
+            </a:r>
+          </a:p>
+          <a:p>
+            <a:r>
+              <a:rPr lang="en-US" dirty="0"/>
+              <a:t>and return that as a json array of our ids</a:t>
+            </a:r>
+          </a:p>
+          <a:p>
+            <a:r>
+              <a:rPr lang="en-US" dirty="0"/>
+              <a:t>from those filename.</a:t>
+            </a:r>
           </a:p>
         </p:txBody>
       </p:sp>
@@ -7986,7 +8077,7 @@
     </p:spTree>
     <p:extLst>
       <p:ext uri="{BB962C8B-B14F-4D97-AF65-F5344CB8AC3E}">
-        <p14:creationId xmlns:p14="http://schemas.microsoft.com/office/powerpoint/2010/main" val="479206657"/>
+        <p14:creationId xmlns:p14="http://schemas.microsoft.com/office/powerpoint/2010/main" val="1331749234"/>
       </p:ext>
     </p:extLst>
   </p:cSld>
@@ -8042,13 +8133,19 @@
           <a:p>
             <a:r>
               <a:rPr lang="en-US" dirty="0"/>
-              <a:t>Let us write a quick controller </a:t>
-            </a:r>
-          </a:p>
-          <a:p>
-            <a:r>
-              <a:rPr lang="en-US" dirty="0"/>
-              <a:t>to handle both our endpoints</a:t>
+              <a:t>I'm not going to go into this,</a:t>
+            </a:r>
+          </a:p>
+          <a:p>
+            <a:r>
+              <a:rPr lang="en-US" dirty="0"/>
+              <a:t>suffice it to say, </a:t>
+            </a:r>
+          </a:p>
+          <a:p>
+            <a:r>
+              <a:rPr lang="en-US" dirty="0"/>
+              <a:t>it does what we want.</a:t>
             </a:r>
           </a:p>
           <a:p>
@@ -8057,80 +8154,15 @@
           <a:p>
             <a:r>
               <a:rPr lang="en-US" dirty="0"/>
-              <a:t>We start out simple enough</a:t>
-            </a:r>
-          </a:p>
-          <a:p>
-            <a:r>
-              <a:rPr lang="en-US" dirty="0"/>
-              <a:t>defining our </a:t>
+              <a:t>Next, we will implement our </a:t>
             </a:r>
             <a:r>
               <a:rPr lang="en-US" dirty="0" err="1"/>
-              <a:t>KittenController</a:t>
-            </a:r>
-            <a:r>
-              <a:rPr lang="en-US" dirty="0"/>
-              <a:t> Class</a:t>
-            </a:r>
-          </a:p>
-          <a:p>
-            <a:r>
-              <a:rPr lang="en-US" dirty="0"/>
-              <a:t>All controllers extend </a:t>
-            </a:r>
-            <a:r>
-              <a:rPr lang="en-US" dirty="0" err="1"/>
-              <a:t>AwesomeServer.AbstractController</a:t>
-            </a:r>
-            <a:r>
-              <a:rPr lang="en-US" dirty="0"/>
-              <a:t>.</a:t>
-            </a:r>
-          </a:p>
-          <a:p>
-            <a:endParaRPr lang="en-US" dirty="0"/>
-          </a:p>
-          <a:p>
-            <a:r>
-              <a:rPr lang="en-US" dirty="0"/>
-              <a:t>Next</a:t>
-            </a:r>
-          </a:p>
-          <a:p>
-            <a:r>
-              <a:rPr lang="en-US" dirty="0"/>
-              <a:t>We have two types of get requests we want to service</a:t>
-            </a:r>
-          </a:p>
-          <a:p>
-            <a:r>
-              <a:rPr lang="en-US" dirty="0"/>
-              <a:t>with this controller.</a:t>
-            </a:r>
-          </a:p>
-          <a:p>
-            <a:endParaRPr lang="en-US" dirty="0"/>
-          </a:p>
-          <a:p>
-            <a:r>
-              <a:rPr lang="en-US" dirty="0"/>
-              <a:t>	GET /kittens - returns a list of all kitten ids.</a:t>
-            </a:r>
-          </a:p>
-          <a:p>
-            <a:r>
-              <a:rPr lang="en-US" dirty="0"/>
-              <a:t>	GET /kittens/&lt;id&gt; - returns the kitten's picture.</a:t>
-            </a:r>
-          </a:p>
-          <a:p>
-            <a:endParaRPr lang="en-US" dirty="0"/>
-          </a:p>
-          <a:p>
-            <a:r>
-              <a:rPr lang="en-US" dirty="0"/>
-              <a:t>So lets add some logic to our get() to separate the two:</a:t>
+              <a:t>getSpecificKitten</a:t>
+            </a:r>
+            <a:r>
+              <a:rPr lang="en-US" dirty="0"/>
+              <a:t>() method…</a:t>
             </a:r>
           </a:p>
           <a:p>
@@ -8164,7 +8196,7 @@
     </p:spTree>
     <p:extLst>
       <p:ext uri="{BB962C8B-B14F-4D97-AF65-F5344CB8AC3E}">
-        <p14:creationId xmlns:p14="http://schemas.microsoft.com/office/powerpoint/2010/main" val="3959584634"/>
+        <p14:creationId xmlns:p14="http://schemas.microsoft.com/office/powerpoint/2010/main" val="568416100"/>
       </p:ext>
     </p:extLst>
   </p:cSld>
@@ -8220,15 +8252,33 @@
           <a:p>
             <a:r>
               <a:rPr lang="en-US" dirty="0"/>
-              <a:t>Now, lets implement the </a:t>
+              <a:t>You might notice here</a:t>
+            </a:r>
+          </a:p>
+          <a:p>
+            <a:r>
+              <a:rPr lang="en-US" dirty="0"/>
+              <a:t>we are doing some things </a:t>
+            </a:r>
+          </a:p>
+          <a:p>
+            <a:r>
+              <a:rPr lang="en-US" dirty="0"/>
+              <a:t>with the response object</a:t>
+            </a:r>
+          </a:p>
+          <a:p>
+            <a:r>
+              <a:rPr lang="en-US" dirty="0"/>
+              <a:t>that </a:t>
             </a:r>
             <a:r>
               <a:rPr lang="en-US" dirty="0" err="1"/>
-              <a:t>getKittensId</a:t>
-            </a:r>
-            <a:r>
-              <a:rPr lang="en-US" dirty="0"/>
-              <a:t>() function</a:t>
+              <a:t>isnt</a:t>
+            </a:r>
+            <a:r>
+              <a:rPr lang="en-US" dirty="0"/>
+              <a:t> quite standard:</a:t>
             </a:r>
           </a:p>
           <a:p>
@@ -8237,26 +8287,34 @@
           <a:p>
             <a:r>
               <a:rPr lang="en-US" dirty="0"/>
-              <a:t>The key point is that we are going to</a:t>
-            </a:r>
-          </a:p>
-          <a:p>
-            <a:r>
-              <a:rPr lang="en-US" dirty="0"/>
-              <a:t>get a list of all the .jpg files on the disk</a:t>
-            </a:r>
-          </a:p>
-          <a:p>
-            <a:r>
-              <a:rPr lang="en-US" dirty="0"/>
-              <a:t>trim the .jpg off those names,</a:t>
-            </a:r>
-          </a:p>
-          <a:p>
-            <a:r>
-              <a:rPr lang="en-US" dirty="0"/>
-              <a:t>and return that as a json array of our ids.</a:t>
-            </a:r>
+              <a:t>In </a:t>
+            </a:r>
+            <a:r>
+              <a:rPr lang="en-US" dirty="0" err="1"/>
+              <a:t>AwesomeServer</a:t>
+            </a:r>
+            <a:r>
+              <a:rPr lang="en-US" dirty="0"/>
+              <a:t> each request and response is wrapped</a:t>
+            </a:r>
+          </a:p>
+          <a:p>
+            <a:r>
+              <a:rPr lang="en-US" dirty="0"/>
+              <a:t>to add a collection of shortcuts</a:t>
+            </a:r>
+          </a:p>
+          <a:p>
+            <a:r>
+              <a:rPr lang="en-US" dirty="0"/>
+              <a:t>to make working with them easier.</a:t>
+            </a:r>
+          </a:p>
+          <a:p>
+            <a:endParaRPr lang="en-US" dirty="0"/>
+          </a:p>
+          <a:p>
+            <a:endParaRPr lang="en-US" dirty="0"/>
           </a:p>
         </p:txBody>
       </p:sp>
@@ -8286,7 +8344,7 @@
     </p:spTree>
     <p:extLst>
       <p:ext uri="{BB962C8B-B14F-4D97-AF65-F5344CB8AC3E}">
-        <p14:creationId xmlns:p14="http://schemas.microsoft.com/office/powerpoint/2010/main" val="1331749234"/>
+        <p14:creationId xmlns:p14="http://schemas.microsoft.com/office/powerpoint/2010/main" val="4046799164"/>
       </p:ext>
     </p:extLst>
   </p:cSld>
@@ -8342,15 +8400,42 @@
           <a:p>
             <a:r>
               <a:rPr lang="en-US" dirty="0"/>
-              <a:t>And then we will implement our </a:t>
+              <a:t>Request gets shortcuts for</a:t>
+            </a:r>
+          </a:p>
+          <a:p>
+            <a:r>
+              <a:rPr lang="en-US" dirty="0"/>
+              <a:t>getting key request data</a:t>
+            </a:r>
+          </a:p>
+          <a:p>
+            <a:r>
+              <a:rPr lang="en-US" dirty="0"/>
+              <a:t>and for reading </a:t>
             </a:r>
             <a:r>
               <a:rPr lang="en-US" dirty="0" err="1"/>
-              <a:t>getSpecificKitten</a:t>
-            </a:r>
-            <a:r>
-              <a:rPr lang="en-US" dirty="0"/>
-              <a:t>() method…</a:t>
+              <a:t>POSTed</a:t>
+            </a:r>
+            <a:r>
+              <a:rPr lang="en-US" dirty="0"/>
+              <a:t> data.</a:t>
+            </a:r>
+          </a:p>
+          <a:p>
+            <a:endParaRPr lang="en-US" dirty="0"/>
+          </a:p>
+          <a:p>
+            <a:r>
+              <a:rPr lang="en-US" dirty="0"/>
+              <a:t>Response gets shortcuts for</a:t>
+            </a:r>
+          </a:p>
+          <a:p>
+            <a:r>
+              <a:rPr lang="en-US" dirty="0"/>
+              <a:t>writing and serving content.</a:t>
             </a:r>
           </a:p>
           <a:p>
@@ -8384,7 +8469,7 @@
     </p:spTree>
     <p:extLst>
       <p:ext uri="{BB962C8B-B14F-4D97-AF65-F5344CB8AC3E}">
-        <p14:creationId xmlns:p14="http://schemas.microsoft.com/office/powerpoint/2010/main" val="568416100"/>
+        <p14:creationId xmlns:p14="http://schemas.microsoft.com/office/powerpoint/2010/main" val="3167759638"/>
       </p:ext>
     </p:extLst>
   </p:cSld>
@@ -8453,25 +8538,7 @@
           <a:p>
             <a:r>
               <a:rPr lang="en-US" dirty="0"/>
-              <a:t>A secure</a:t>
-            </a:r>
-          </a:p>
-          <a:p>
-            <a:r>
-              <a:rPr lang="en-US" dirty="0"/>
-              <a:t>Stable,</a:t>
-            </a:r>
-          </a:p>
-          <a:p>
-            <a:r>
-              <a:rPr lang="en-US" dirty="0"/>
-              <a:t>Performant </a:t>
-            </a:r>
-          </a:p>
-          <a:p>
-            <a:r>
-              <a:rPr lang="en-US" dirty="0"/>
-              <a:t>HTTP/HTTPS/HTTP2 Server</a:t>
+              <a:t>A HTTP/HTTPS/HTTP2 Server</a:t>
             </a:r>
           </a:p>
           <a:p>
@@ -8497,7 +8564,7 @@
             </a:pPr>
             <a:r>
               <a:rPr lang="en-US" dirty="0"/>
-              <a:t>But before diving in</a:t>
+              <a:t>But before diving into the libraries</a:t>
             </a:r>
           </a:p>
           <a:p>
@@ -8587,103 +8654,7 @@
           <a:p>
             <a:r>
               <a:rPr lang="en-US" dirty="0"/>
-              <a:t>You might have noticed that</a:t>
-            </a:r>
-          </a:p>
-          <a:p>
-            <a:r>
-              <a:rPr lang="en-US" dirty="0"/>
-              <a:t>we are doing some things with the response object</a:t>
-            </a:r>
-          </a:p>
-          <a:p>
-            <a:r>
-              <a:rPr lang="en-US" dirty="0"/>
-              <a:t>that </a:t>
-            </a:r>
-            <a:r>
-              <a:rPr lang="en-US" dirty="0" err="1"/>
-              <a:t>isnt</a:t>
-            </a:r>
-            <a:r>
-              <a:rPr lang="en-US" dirty="0"/>
-              <a:t> quite standard:</a:t>
-            </a:r>
-          </a:p>
-          <a:p>
-            <a:r>
-              <a:rPr lang="en-US" dirty="0"/>
-              <a:t>In </a:t>
-            </a:r>
-            <a:r>
-              <a:rPr lang="en-US" dirty="0" err="1"/>
-              <a:t>AwesomeServer</a:t>
-            </a:r>
-            <a:r>
-              <a:rPr lang="en-US" dirty="0"/>
-              <a:t> each request and response is wrapped</a:t>
-            </a:r>
-          </a:p>
-          <a:p>
-            <a:r>
-              <a:rPr lang="en-US" dirty="0"/>
-              <a:t>in a special Request or Response wrapper</a:t>
-            </a:r>
-          </a:p>
-          <a:p>
-            <a:r>
-              <a:rPr lang="en-US" dirty="0"/>
-              <a:t>that adds a collection of shortcuts</a:t>
-            </a:r>
-          </a:p>
-          <a:p>
-            <a:r>
-              <a:rPr lang="en-US" dirty="0"/>
-              <a:t>to help dealing with request and response.</a:t>
-            </a:r>
-          </a:p>
-          <a:p>
-            <a:endParaRPr lang="en-US" dirty="0"/>
-          </a:p>
-          <a:p>
-            <a:r>
-              <a:rPr lang="en-US" dirty="0"/>
-              <a:t>Request gets shortcuts for</a:t>
-            </a:r>
-          </a:p>
-          <a:p>
-            <a:r>
-              <a:rPr lang="en-US" dirty="0"/>
-              <a:t>getting key request data</a:t>
-            </a:r>
-          </a:p>
-          <a:p>
-            <a:r>
-              <a:rPr lang="en-US" dirty="0"/>
-              <a:t>and shortcuts for reading </a:t>
-            </a:r>
-            <a:r>
-              <a:rPr lang="en-US" dirty="0" err="1"/>
-              <a:t>POSTed</a:t>
-            </a:r>
-            <a:r>
-              <a:rPr lang="en-US" dirty="0"/>
-              <a:t> data.</a:t>
-            </a:r>
-          </a:p>
-          <a:p>
-            <a:endParaRPr lang="en-US" dirty="0"/>
-          </a:p>
-          <a:p>
-            <a:r>
-              <a:rPr lang="en-US" dirty="0"/>
-              <a:t>Response gets shortcuts for</a:t>
-            </a:r>
-          </a:p>
-          <a:p>
-            <a:r>
-              <a:rPr lang="en-US" dirty="0"/>
-              <a:t>writing and serving content.</a:t>
+              <a:t>for example,</a:t>
             </a:r>
           </a:p>
           <a:p>
@@ -8697,13 +8668,7 @@
             </a:r>
             <a:r>
               <a:rPr lang="en-US" dirty="0"/>
-              <a:t>()</a:t>
-            </a:r>
-          </a:p>
-          <a:p>
-            <a:r>
-              <a:rPr lang="en-US" dirty="0"/>
-              <a:t>for example,</a:t>
+              <a:t>() here</a:t>
             </a:r>
           </a:p>
           <a:p>
@@ -8729,7 +8694,7 @@
           <a:p>
             <a:r>
               <a:rPr lang="en-US" dirty="0"/>
-              <a:t>straight to the response.</a:t>
+              <a:t>straight to the response stream.</a:t>
             </a:r>
           </a:p>
           <a:p>
@@ -8738,7 +8703,22 @@
           <a:p>
             <a:r>
               <a:rPr lang="en-US" dirty="0"/>
-              <a:t>To round it all out we need to export our class:</a:t>
+              <a:t>[pause] </a:t>
+            </a:r>
+          </a:p>
+          <a:p>
+            <a:endParaRPr lang="en-US" dirty="0"/>
+          </a:p>
+          <a:p>
+            <a:r>
+              <a:rPr lang="en-US" dirty="0"/>
+              <a:t>Finally, To round our controller out </a:t>
+            </a:r>
+          </a:p>
+          <a:p>
+            <a:r>
+              <a:rPr lang="en-US" dirty="0"/>
+              <a:t>we need to export our class:</a:t>
             </a:r>
           </a:p>
         </p:txBody>
@@ -8769,7 +8749,7 @@
     </p:spTree>
     <p:extLst>
       <p:ext uri="{BB962C8B-B14F-4D97-AF65-F5344CB8AC3E}">
-        <p14:creationId xmlns:p14="http://schemas.microsoft.com/office/powerpoint/2010/main" val="4046799164"/>
+        <p14:creationId xmlns:p14="http://schemas.microsoft.com/office/powerpoint/2010/main" val="899021654"/>
       </p:ext>
     </p:extLst>
   </p:cSld>
@@ -8822,6 +8802,21 @@
         <p:txBody>
           <a:bodyPr/>
           <a:lstStyle/>
+          <a:p>
+            <a:r>
+              <a:rPr lang="en-US" dirty="0"/>
+              <a:t>Very simple.</a:t>
+            </a:r>
+          </a:p>
+          <a:p>
+            <a:endParaRPr lang="en-US" dirty="0"/>
+          </a:p>
+          <a:p>
+            <a:r>
+              <a:rPr lang="en-US" dirty="0"/>
+              <a:t>Alright, so our Controller is written.</a:t>
+            </a:r>
+          </a:p>
           <a:p>
             <a:r>
               <a:rPr lang="en-US" dirty="0"/>
@@ -9303,8 +9298,17 @@
           <a:p>
             <a:r>
               <a:rPr lang="en-US" dirty="0"/>
-              <a:t>Here we are adding two routes:</a:t>
-            </a:r>
+              <a:t>Here you will notice</a:t>
+            </a:r>
+          </a:p>
+          <a:p>
+            <a:r>
+              <a:rPr lang="en-US" dirty="0"/>
+              <a:t>we are adding two routes:</a:t>
+            </a:r>
+          </a:p>
+          <a:p>
+            <a:endParaRPr lang="en-US" dirty="0"/>
           </a:p>
           <a:p>
             <a:r>
@@ -9317,6 +9321,9 @@
               <a:rPr lang="en-US" dirty="0"/>
               <a:t>and the handler writes a log message for each.</a:t>
             </a:r>
+          </a:p>
+          <a:p>
+            <a:endParaRPr lang="en-US" dirty="0"/>
           </a:p>
           <a:p>
             <a:r>
@@ -9632,12 +9639,6 @@
               <a:t>around that sticking point:</a:t>
             </a:r>
           </a:p>
-          <a:p>
-            <a:r>
-              <a:rPr lang="en-US" dirty="0"/>
-              <a:t>we just wrap everything in an async IIFE!</a:t>
-            </a:r>
-          </a:p>
         </p:txBody>
       </p:sp>
       <p:sp>
@@ -9720,57 +9721,62 @@
           <a:bodyPr/>
           <a:lstStyle/>
           <a:p>
-            <a:r>
-              <a:rPr lang="en-US" dirty="0"/>
-              <a:t>But for those of you whom might remember my talk</a:t>
-            </a:r>
-          </a:p>
-          <a:p>
-            <a:r>
-              <a:rPr lang="en-US" dirty="0"/>
-              <a:t>about async/await</a:t>
-            </a:r>
-          </a:p>
-          <a:p>
-            <a:r>
-              <a:rPr lang="en-US" dirty="0"/>
-              <a:t>a few months back</a:t>
-            </a:r>
-          </a:p>
-          <a:p>
-            <a:r>
-              <a:rPr lang="en-US" dirty="0"/>
-              <a:t>I told you that you can only use an await</a:t>
-            </a:r>
-          </a:p>
-          <a:p>
-            <a:r>
-              <a:rPr lang="en-US" dirty="0"/>
-              <a:t>inside of an async function.</a:t>
-            </a:r>
-          </a:p>
-          <a:p>
-            <a:r>
-              <a:rPr lang="en-US" dirty="0"/>
-              <a:t>and currently the top level</a:t>
-            </a:r>
-          </a:p>
-          <a:p>
-            <a:r>
-              <a:rPr lang="en-US" dirty="0"/>
-              <a:t>of your code, </a:t>
-            </a:r>
-          </a:p>
-          <a:p>
-            <a:r>
-              <a:rPr lang="en-US" dirty="0"/>
-              <a:t>where we are now,</a:t>
-            </a:r>
-          </a:p>
-          <a:p>
-            <a:r>
-              <a:rPr lang="en-US" dirty="0"/>
-              <a:t>is not an async function.</a:t>
+            <a:pPr marL="0" marR="0" lvl="0" indent="0" algn="l" defTabSz="914400" rtl="0" eaLnBrk="1" fontAlgn="auto" latinLnBrk="0" hangingPunct="1">
+              <a:lnSpc>
+                <a:spcPct val="100000"/>
+              </a:lnSpc>
+              <a:spcBef>
+                <a:spcPts val="0"/>
+              </a:spcBef>
+              <a:spcAft>
+                <a:spcPts val="0"/>
+              </a:spcAft>
+              <a:buClrTx/>
+              <a:buSzTx/>
+              <a:buFontTx/>
+              <a:buNone/>
+              <a:tabLst/>
+              <a:defRPr/>
+            </a:pPr>
+            <a:r>
+              <a:rPr lang="en-US" dirty="0"/>
+              <a:t>we just wrap everything in an async IIFE!</a:t>
+            </a:r>
+          </a:p>
+          <a:p>
+            <a:r>
+              <a:rPr lang="en-US" dirty="0"/>
+              <a:t>For those of you who haven't heard</a:t>
+            </a:r>
+          </a:p>
+          <a:p>
+            <a:r>
+              <a:rPr lang="en-US" dirty="0"/>
+              <a:t>IIFE before, </a:t>
+            </a:r>
+          </a:p>
+          <a:p>
+            <a:r>
+              <a:rPr lang="en-US" dirty="0"/>
+              <a:t>it means immediately invoking function expression.</a:t>
+            </a:r>
+          </a:p>
+          <a:p>
+            <a:r>
+              <a:rPr lang="en-US" dirty="0"/>
+              <a:t>That is to say, </a:t>
+            </a:r>
+          </a:p>
+          <a:p>
+            <a:r>
+              <a:rPr lang="en-US" dirty="0"/>
+              <a:t>we write a function</a:t>
+            </a:r>
+          </a:p>
+          <a:p>
+            <a:r>
+              <a:rPr lang="en-US" dirty="0"/>
+              <a:t>and execute it immediately.</a:t>
             </a:r>
           </a:p>
           <a:p>
@@ -9779,19 +9785,7 @@
           <a:p>
             <a:r>
               <a:rPr lang="en-US" dirty="0"/>
-              <a:t>So here's a little magic to get</a:t>
-            </a:r>
-          </a:p>
-          <a:p>
-            <a:r>
-              <a:rPr lang="en-US" dirty="0"/>
-              <a:t>around that sticking point:</a:t>
-            </a:r>
-          </a:p>
-          <a:p>
-            <a:r>
-              <a:rPr lang="en-US" dirty="0"/>
-              <a:t>we just wrap everything in an async IIFE!</a:t>
+              <a:t>[pause]</a:t>
             </a:r>
           </a:p>
           <a:p>
@@ -9800,8 +9794,17 @@
           <a:p>
             <a:r>
               <a:rPr lang="en-US" dirty="0"/>
-              <a:t>Finally…</a:t>
-            </a:r>
+              <a:t>So, that's our server.</a:t>
+            </a:r>
+          </a:p>
+          <a:p>
+            <a:r>
+              <a:rPr lang="en-US" dirty="0"/>
+              <a:t>But there's one more piece we need to add.</a:t>
+            </a:r>
+          </a:p>
+          <a:p>
+            <a:endParaRPr lang="en-US" dirty="0"/>
           </a:p>
           <a:p>
             <a:r>
@@ -10049,51 +10052,6 @@
             <a:endParaRPr lang="en-US" dirty="0"/>
           </a:p>
           <a:p>
-            <a:r>
-              <a:rPr lang="en-US" dirty="0"/>
-              <a:t>If TARGET equals PRODUCTION</a:t>
-            </a:r>
-          </a:p>
-          <a:p>
-            <a:r>
-              <a:rPr lang="en-US" dirty="0"/>
-              <a:t>our configuration will be</a:t>
-            </a:r>
-          </a:p>
-          <a:p>
-            <a:r>
-              <a:rPr lang="en-US" dirty="0"/>
-              <a:t>a merge of the base configuration</a:t>
-            </a:r>
-          </a:p>
-          <a:p>
-            <a:r>
-              <a:rPr lang="en-US" dirty="0"/>
-              <a:t>and the conditional configuration.</a:t>
-            </a:r>
-          </a:p>
-          <a:p>
-            <a:endParaRPr lang="en-US" dirty="0"/>
-          </a:p>
-          <a:p>
-            <a:r>
-              <a:rPr lang="en-US" dirty="0"/>
-              <a:t>If TARGET is anything else</a:t>
-            </a:r>
-          </a:p>
-          <a:p>
-            <a:r>
-              <a:rPr lang="en-US" dirty="0"/>
-              <a:t>our configuration will be</a:t>
-            </a:r>
-          </a:p>
-          <a:p>
-            <a:r>
-              <a:rPr lang="en-US" dirty="0"/>
-              <a:t>only the base configuration.</a:t>
-            </a:r>
-          </a:p>
-          <a:p>
             <a:endParaRPr lang="en-US" dirty="0"/>
           </a:p>
         </p:txBody>
@@ -10180,44 +10138,26 @@
           <a:p>
             <a:r>
               <a:rPr lang="en-US" dirty="0"/>
-              <a:t>Oh, one more thing… </a:t>
-            </a:r>
-          </a:p>
-          <a:p>
-            <a:r>
-              <a:rPr lang="en-US" dirty="0"/>
-              <a:t>Let's go back to our controller </a:t>
-            </a:r>
-          </a:p>
-          <a:p>
-            <a:r>
-              <a:rPr lang="en-US" dirty="0"/>
-              <a:t>and sprinkle a little bit more </a:t>
-            </a:r>
-          </a:p>
-          <a:p>
-            <a:r>
-              <a:rPr lang="en-US" dirty="0"/>
-              <a:t>Logging into it.</a:t>
-            </a:r>
-          </a:p>
-          <a:p>
-            <a:endParaRPr lang="en-US" dirty="0"/>
-          </a:p>
-          <a:p>
-            <a:r>
-              <a:rPr lang="en-US" dirty="0"/>
-              <a:t>So that's it, </a:t>
-            </a:r>
-          </a:p>
-          <a:p>
-            <a:r>
-              <a:rPr lang="en-US" dirty="0"/>
-              <a:t>let's give it a run and see what happens!</a:t>
-            </a:r>
-          </a:p>
-          <a:p>
-            <a:endParaRPr lang="en-US" dirty="0"/>
+              <a:t>If TARGET equals PRODUCTION</a:t>
+            </a:r>
+          </a:p>
+          <a:p>
+            <a:r>
+              <a:rPr lang="en-US" dirty="0"/>
+              <a:t>our configuration will be</a:t>
+            </a:r>
+          </a:p>
+          <a:p>
+            <a:r>
+              <a:rPr lang="en-US" dirty="0"/>
+              <a:t>a merge of the base configuration</a:t>
+            </a:r>
+          </a:p>
+          <a:p>
+            <a:r>
+              <a:rPr lang="en-US" dirty="0"/>
+              <a:t>and the conditional configuration.</a:t>
+            </a:r>
           </a:p>
           <a:p>
             <a:endParaRPr lang="en-US" dirty="0"/>
@@ -10250,7 +10190,7 @@
     </p:spTree>
     <p:extLst>
       <p:ext uri="{BB962C8B-B14F-4D97-AF65-F5344CB8AC3E}">
-        <p14:creationId xmlns:p14="http://schemas.microsoft.com/office/powerpoint/2010/main" val="4114127960"/>
+        <p14:creationId xmlns:p14="http://schemas.microsoft.com/office/powerpoint/2010/main" val="2301903869"/>
       </p:ext>
     </p:extLst>
   </p:cSld>
@@ -10304,6 +10244,24 @@
           <a:bodyPr/>
           <a:lstStyle/>
           <a:p>
+            <a:r>
+              <a:rPr lang="en-US" dirty="0"/>
+              <a:t>If TARGET is anything else</a:t>
+            </a:r>
+          </a:p>
+          <a:p>
+            <a:r>
+              <a:rPr lang="en-US" dirty="0"/>
+              <a:t>our configuration will be</a:t>
+            </a:r>
+          </a:p>
+          <a:p>
+            <a:r>
+              <a:rPr lang="en-US" dirty="0"/>
+              <a:t>only the base configuration.</a:t>
+            </a:r>
+          </a:p>
+          <a:p>
             <a:endParaRPr lang="en-US" dirty="0"/>
           </a:p>
         </p:txBody>
@@ -10334,7 +10292,7 @@
     </p:spTree>
     <p:extLst>
       <p:ext uri="{BB962C8B-B14F-4D97-AF65-F5344CB8AC3E}">
-        <p14:creationId xmlns:p14="http://schemas.microsoft.com/office/powerpoint/2010/main" val="404699014"/>
+        <p14:creationId xmlns:p14="http://schemas.microsoft.com/office/powerpoint/2010/main" val="656483606"/>
       </p:ext>
     </p:extLst>
   </p:cSld>
@@ -10390,13 +10348,25 @@
           <a:p>
             <a:r>
               <a:rPr lang="en-US" dirty="0"/>
-              <a:t>So that's it for tonight.</a:t>
-            </a:r>
-          </a:p>
-          <a:p>
-            <a:r>
-              <a:rPr lang="en-US" dirty="0"/>
-              <a:t>Time to go get beer.</a:t>
+              <a:t>Oh, one more thing… </a:t>
+            </a:r>
+          </a:p>
+          <a:p>
+            <a:r>
+              <a:rPr lang="en-US" dirty="0"/>
+              <a:t>Let's go back to our controller </a:t>
+            </a:r>
+          </a:p>
+          <a:p>
+            <a:r>
+              <a:rPr lang="en-US" dirty="0"/>
+              <a:t>and sprinkle a little bit more </a:t>
+            </a:r>
+          </a:p>
+          <a:p>
+            <a:r>
+              <a:rPr lang="en-US" dirty="0"/>
+              <a:t>Logging into it.</a:t>
             </a:r>
           </a:p>
           <a:p>
@@ -10405,99 +10375,29 @@
           <a:p>
             <a:r>
               <a:rPr lang="en-US" dirty="0"/>
-              <a:t>If you are interested,</a:t>
-            </a:r>
-          </a:p>
-          <a:p>
-            <a:r>
-              <a:rPr lang="en-US" dirty="0"/>
-              <a:t>You can check out all the</a:t>
-            </a:r>
-          </a:p>
-          <a:p>
-            <a:r>
-              <a:rPr lang="en-US" dirty="0"/>
-              <a:t>Awesome Engineering libraries</a:t>
-            </a:r>
-          </a:p>
-          <a:p>
-            <a:r>
-              <a:rPr lang="en-US" dirty="0"/>
-              <a:t>on </a:t>
-            </a:r>
-            <a:r>
-              <a:rPr lang="en-US" dirty="0" err="1"/>
-              <a:t>github</a:t>
-            </a:r>
+              <a:t>[pause]</a:t>
+            </a:r>
+          </a:p>
+          <a:p>
             <a:endParaRPr lang="en-US" dirty="0"/>
           </a:p>
           <a:p>
             <a:r>
               <a:rPr lang="en-US" dirty="0"/>
-              <a:t>or individually</a:t>
-            </a:r>
-          </a:p>
-          <a:p>
-            <a:r>
-              <a:rPr lang="en-US" dirty="0"/>
-              <a:t>shown here</a:t>
+              <a:t>So that's it, </a:t>
+            </a:r>
+          </a:p>
+          <a:p>
+            <a:r>
+              <a:rPr lang="en-US" dirty="0"/>
+              <a:t>let's give it a run and see what happens!</a:t>
             </a:r>
           </a:p>
           <a:p>
             <a:endParaRPr lang="en-US" dirty="0"/>
           </a:p>
           <a:p>
-            <a:r>
-              <a:rPr lang="en-US" dirty="0"/>
-              <a:t>Also, I have a handful of </a:t>
-            </a:r>
-            <a:r>
-              <a:rPr lang="en-US" dirty="0" err="1"/>
-              <a:t>nodejs</a:t>
-            </a:r>
-            <a:r>
-              <a:rPr lang="en-US" dirty="0"/>
-              <a:t> stickers</a:t>
-            </a:r>
-          </a:p>
-          <a:p>
-            <a:r>
-              <a:rPr lang="en-US" dirty="0"/>
-              <a:t>to give out to people.</a:t>
-            </a:r>
-          </a:p>
-          <a:p>
-            <a:r>
-              <a:rPr lang="en-US" dirty="0"/>
-              <a:t>Find me at the bar</a:t>
-            </a:r>
-          </a:p>
-          <a:p>
-            <a:r>
-              <a:rPr lang="en-US" dirty="0"/>
-              <a:t>and tell me if you are going</a:t>
-            </a:r>
-          </a:p>
-          <a:p>
-            <a:r>
-              <a:rPr lang="en-US" dirty="0"/>
-              <a:t>to try any of the stuff I showed tonight</a:t>
-            </a:r>
-          </a:p>
-          <a:p>
-            <a:r>
-              <a:rPr lang="en-US" dirty="0"/>
-              <a:t>out and you can have one!</a:t>
-            </a:r>
-          </a:p>
-          <a:p>
             <a:endParaRPr lang="en-US" dirty="0"/>
-          </a:p>
-          <a:p>
-            <a:r>
-              <a:rPr lang="en-US" dirty="0"/>
-              <a:t>Thank you.</a:t>
-            </a:r>
           </a:p>
         </p:txBody>
       </p:sp>
@@ -10519,6 +10419,283 @@
             <a:fld id="{461F91A4-FEF1-422C-B90B-6C35972EEB0D}" type="slidenum">
               <a:rPr lang="en-US" smtClean="0"/>
               <a:t>83</a:t>
+            </a:fld>
+            <a:endParaRPr lang="en-US"/>
+          </a:p>
+        </p:txBody>
+      </p:sp>
+    </p:spTree>
+    <p:extLst>
+      <p:ext uri="{BB962C8B-B14F-4D97-AF65-F5344CB8AC3E}">
+        <p14:creationId xmlns:p14="http://schemas.microsoft.com/office/powerpoint/2010/main" val="4114127960"/>
+      </p:ext>
+    </p:extLst>
+  </p:cSld>
+  <p:clrMapOvr>
+    <a:masterClrMapping/>
+  </p:clrMapOvr>
+</p:notes>
+</file>
+
+<file path=ppt/notesSlides/notesSlide84.xml><?xml version="1.0" encoding="utf-8"?>
+<p:notes xmlns:a="http://schemas.openxmlformats.org/drawingml/2006/main" xmlns:r="http://schemas.openxmlformats.org/officeDocument/2006/relationships" xmlns:p="http://schemas.openxmlformats.org/presentationml/2006/main">
+  <p:cSld>
+    <p:spTree>
+      <p:nvGrpSpPr>
+        <p:cNvPr id="1" name=""/>
+        <p:cNvGrpSpPr/>
+        <p:nvPr/>
+      </p:nvGrpSpPr>
+      <p:grpSpPr>
+        <a:xfrm>
+          <a:off x="0" y="0"/>
+          <a:ext cx="0" cy="0"/>
+          <a:chOff x="0" y="0"/>
+          <a:chExt cx="0" cy="0"/>
+        </a:xfrm>
+      </p:grpSpPr>
+      <p:sp>
+        <p:nvSpPr>
+          <p:cNvPr id="2" name="Slide Image Placeholder 1"/>
+          <p:cNvSpPr>
+            <a:spLocks noGrp="1" noRot="1" noChangeAspect="1"/>
+          </p:cNvSpPr>
+          <p:nvPr>
+            <p:ph type="sldImg"/>
+          </p:nvPr>
+        </p:nvSpPr>
+        <p:spPr/>
+      </p:sp>
+      <p:sp>
+        <p:nvSpPr>
+          <p:cNvPr id="3" name="Notes Placeholder 2"/>
+          <p:cNvSpPr>
+            <a:spLocks noGrp="1"/>
+          </p:cNvSpPr>
+          <p:nvPr>
+            <p:ph type="body" idx="1"/>
+          </p:nvPr>
+        </p:nvSpPr>
+        <p:spPr/>
+        <p:txBody>
+          <a:bodyPr/>
+          <a:lstStyle/>
+          <a:p>
+            <a:endParaRPr lang="en-US" dirty="0"/>
+          </a:p>
+        </p:txBody>
+      </p:sp>
+      <p:sp>
+        <p:nvSpPr>
+          <p:cNvPr id="4" name="Slide Number Placeholder 3"/>
+          <p:cNvSpPr>
+            <a:spLocks noGrp="1"/>
+          </p:cNvSpPr>
+          <p:nvPr>
+            <p:ph type="sldNum" sz="quarter" idx="5"/>
+          </p:nvPr>
+        </p:nvSpPr>
+        <p:spPr/>
+        <p:txBody>
+          <a:bodyPr/>
+          <a:lstStyle/>
+          <a:p>
+            <a:fld id="{461F91A4-FEF1-422C-B90B-6C35972EEB0D}" type="slidenum">
+              <a:rPr lang="en-US" smtClean="0"/>
+              <a:t>84</a:t>
+            </a:fld>
+            <a:endParaRPr lang="en-US"/>
+          </a:p>
+        </p:txBody>
+      </p:sp>
+    </p:spTree>
+    <p:extLst>
+      <p:ext uri="{BB962C8B-B14F-4D97-AF65-F5344CB8AC3E}">
+        <p14:creationId xmlns:p14="http://schemas.microsoft.com/office/powerpoint/2010/main" val="404699014"/>
+      </p:ext>
+    </p:extLst>
+  </p:cSld>
+  <p:clrMapOvr>
+    <a:masterClrMapping/>
+  </p:clrMapOvr>
+</p:notes>
+</file>
+
+<file path=ppt/notesSlides/notesSlide85.xml><?xml version="1.0" encoding="utf-8"?>
+<p:notes xmlns:a="http://schemas.openxmlformats.org/drawingml/2006/main" xmlns:r="http://schemas.openxmlformats.org/officeDocument/2006/relationships" xmlns:p="http://schemas.openxmlformats.org/presentationml/2006/main">
+  <p:cSld>
+    <p:spTree>
+      <p:nvGrpSpPr>
+        <p:cNvPr id="1" name=""/>
+        <p:cNvGrpSpPr/>
+        <p:nvPr/>
+      </p:nvGrpSpPr>
+      <p:grpSpPr>
+        <a:xfrm>
+          <a:off x="0" y="0"/>
+          <a:ext cx="0" cy="0"/>
+          <a:chOff x="0" y="0"/>
+          <a:chExt cx="0" cy="0"/>
+        </a:xfrm>
+      </p:grpSpPr>
+      <p:sp>
+        <p:nvSpPr>
+          <p:cNvPr id="2" name="Slide Image Placeholder 1"/>
+          <p:cNvSpPr>
+            <a:spLocks noGrp="1" noRot="1" noChangeAspect="1"/>
+          </p:cNvSpPr>
+          <p:nvPr>
+            <p:ph type="sldImg"/>
+          </p:nvPr>
+        </p:nvSpPr>
+        <p:spPr/>
+      </p:sp>
+      <p:sp>
+        <p:nvSpPr>
+          <p:cNvPr id="3" name="Notes Placeholder 2"/>
+          <p:cNvSpPr>
+            <a:spLocks noGrp="1"/>
+          </p:cNvSpPr>
+          <p:nvPr>
+            <p:ph type="body" idx="1"/>
+          </p:nvPr>
+        </p:nvSpPr>
+        <p:spPr/>
+        <p:txBody>
+          <a:bodyPr/>
+          <a:lstStyle/>
+          <a:p>
+            <a:r>
+              <a:rPr lang="en-US" dirty="0"/>
+              <a:t>So that's it for tonight.</a:t>
+            </a:r>
+          </a:p>
+          <a:p>
+            <a:r>
+              <a:rPr lang="en-US" dirty="0"/>
+              <a:t>Time to go get beer.</a:t>
+            </a:r>
+          </a:p>
+          <a:p>
+            <a:endParaRPr lang="en-US" dirty="0"/>
+          </a:p>
+          <a:p>
+            <a:r>
+              <a:rPr lang="en-US" dirty="0"/>
+              <a:t>If you are interested,</a:t>
+            </a:r>
+          </a:p>
+          <a:p>
+            <a:r>
+              <a:rPr lang="en-US" dirty="0"/>
+              <a:t>You can check out all the</a:t>
+            </a:r>
+          </a:p>
+          <a:p>
+            <a:r>
+              <a:rPr lang="en-US" dirty="0"/>
+              <a:t>Awesome Engineering libraries</a:t>
+            </a:r>
+          </a:p>
+          <a:p>
+            <a:r>
+              <a:rPr lang="en-US" dirty="0"/>
+              <a:t>on </a:t>
+            </a:r>
+            <a:r>
+              <a:rPr lang="en-US" dirty="0" err="1"/>
+              <a:t>github</a:t>
+            </a:r>
+            <a:endParaRPr lang="en-US" dirty="0"/>
+          </a:p>
+          <a:p>
+            <a:r>
+              <a:rPr lang="en-US" dirty="0"/>
+              <a:t>or individually</a:t>
+            </a:r>
+          </a:p>
+          <a:p>
+            <a:r>
+              <a:rPr lang="en-US" dirty="0"/>
+              <a:t>shown here</a:t>
+            </a:r>
+          </a:p>
+          <a:p>
+            <a:endParaRPr lang="en-US" dirty="0"/>
+          </a:p>
+          <a:p>
+            <a:r>
+              <a:rPr lang="en-US" dirty="0"/>
+              <a:t>Also, I have a handful of </a:t>
+            </a:r>
+            <a:r>
+              <a:rPr lang="en-US" dirty="0" err="1"/>
+              <a:t>nodejs</a:t>
+            </a:r>
+            <a:r>
+              <a:rPr lang="en-US" dirty="0"/>
+              <a:t> stickers</a:t>
+            </a:r>
+          </a:p>
+          <a:p>
+            <a:r>
+              <a:rPr lang="en-US" dirty="0"/>
+              <a:t>to give out to people.</a:t>
+            </a:r>
+          </a:p>
+          <a:p>
+            <a:r>
+              <a:rPr lang="en-US" dirty="0"/>
+              <a:t>Find me at the bar</a:t>
+            </a:r>
+          </a:p>
+          <a:p>
+            <a:r>
+              <a:rPr lang="en-US" dirty="0"/>
+              <a:t>and tell me if you are going</a:t>
+            </a:r>
+          </a:p>
+          <a:p>
+            <a:r>
+              <a:rPr lang="en-US" dirty="0"/>
+              <a:t>to try any of the stuff I showed tonight</a:t>
+            </a:r>
+          </a:p>
+          <a:p>
+            <a:r>
+              <a:rPr lang="en-US" dirty="0"/>
+              <a:t>out and you can have one!</a:t>
+            </a:r>
+          </a:p>
+          <a:p>
+            <a:endParaRPr lang="en-US" dirty="0"/>
+          </a:p>
+          <a:p>
+            <a:r>
+              <a:rPr lang="en-US" dirty="0"/>
+              <a:t>Thank you.</a:t>
+            </a:r>
+          </a:p>
+        </p:txBody>
+      </p:sp>
+      <p:sp>
+        <p:nvSpPr>
+          <p:cNvPr id="4" name="Slide Number Placeholder 3"/>
+          <p:cNvSpPr>
+            <a:spLocks noGrp="1"/>
+          </p:cNvSpPr>
+          <p:nvPr>
+            <p:ph type="sldNum" sz="quarter" idx="5"/>
+          </p:nvPr>
+        </p:nvSpPr>
+        <p:spPr/>
+        <p:txBody>
+          <a:bodyPr/>
+          <a:lstStyle/>
+          <a:p>
+            <a:fld id="{461F91A4-FEF1-422C-B90B-6C35972EEB0D}" type="slidenum">
+              <a:rPr lang="en-US" smtClean="0"/>
+              <a:t>85</a:t>
             </a:fld>
             <a:endParaRPr lang="en-US"/>
           </a:p>
@@ -10588,6 +10765,12 @@
           </a:p>
           <a:p>
             <a:endParaRPr lang="en-US" dirty="0"/>
+          </a:p>
+          <a:p>
+            <a:r>
+              <a:rPr lang="en-US" dirty="0"/>
+              <a:t>when we say enterprise software</a:t>
+            </a:r>
           </a:p>
           <a:p>
             <a:r>
@@ -18484,7 +18667,7 @@
                             </p:stCondLst>
                             <p:childTnLst>
                               <p:par>
-                                <p:cTn id="5" presetID="10" presetClass="entr" presetSubtype="0" fill="hold" nodeType="clickEffect">
+                                <p:cTn id="5" presetID="10" presetClass="entr" presetSubtype="0" fill="hold" grpId="0" nodeType="clickEffect">
                                   <p:stCondLst>
                                     <p:cond delay="0"/>
                                   </p:stCondLst>
@@ -18497,7 +18680,7 @@
                                           </p:stCondLst>
                                         </p:cTn>
                                         <p:tgtEl>
-                                          <p:spTgt spid="25"/>
+                                          <p:spTgt spid="7"/>
                                         </p:tgtEl>
                                         <p:attrNameLst>
                                           <p:attrName>style.visibility</p:attrName>
@@ -18511,7 +18694,7 @@
                                       <p:cBhvr>
                                         <p:cTn id="7" dur="500"/>
                                         <p:tgtEl>
-                                          <p:spTgt spid="25"/>
+                                          <p:spTgt spid="7"/>
                                         </p:tgtEl>
                                       </p:cBhvr>
                                     </p:animEffect>
@@ -18537,7 +18720,7 @@
                             </p:stCondLst>
                             <p:childTnLst>
                               <p:par>
-                                <p:cTn id="10" presetID="10" presetClass="entr" presetSubtype="0" fill="hold" grpId="0" nodeType="clickEffect">
+                                <p:cTn id="10" presetID="10" presetClass="entr" presetSubtype="0" fill="hold" nodeType="clickEffect">
                                   <p:stCondLst>
                                     <p:cond delay="0"/>
                                   </p:stCondLst>
@@ -18550,7 +18733,7 @@
                                           </p:stCondLst>
                                         </p:cTn>
                                         <p:tgtEl>
-                                          <p:spTgt spid="13"/>
+                                          <p:spTgt spid="25"/>
                                         </p:tgtEl>
                                         <p:attrNameLst>
                                           <p:attrName>style.visibility</p:attrName>
@@ -18564,7 +18747,7 @@
                                       <p:cBhvr>
                                         <p:cTn id="12" dur="500"/>
                                         <p:tgtEl>
-                                          <p:spTgt spid="13"/>
+                                          <p:spTgt spid="25"/>
                                         </p:tgtEl>
                                       </p:cBhvr>
                                     </p:animEffect>
@@ -18590,7 +18773,7 @@
                             </p:stCondLst>
                             <p:childTnLst>
                               <p:par>
-                                <p:cTn id="15" presetID="10" presetClass="entr" presetSubtype="0" fill="hold" nodeType="clickEffect">
+                                <p:cTn id="15" presetID="10" presetClass="entr" presetSubtype="0" fill="hold" grpId="0" nodeType="clickEffect">
                                   <p:stCondLst>
                                     <p:cond delay="0"/>
                                   </p:stCondLst>
@@ -18598,6 +18781,59 @@
                                     <p:set>
                                       <p:cBhvr>
                                         <p:cTn id="16" dur="1" fill="hold">
+                                          <p:stCondLst>
+                                            <p:cond delay="0"/>
+                                          </p:stCondLst>
+                                        </p:cTn>
+                                        <p:tgtEl>
+                                          <p:spTgt spid="13"/>
+                                        </p:tgtEl>
+                                        <p:attrNameLst>
+                                          <p:attrName>style.visibility</p:attrName>
+                                        </p:attrNameLst>
+                                      </p:cBhvr>
+                                      <p:to>
+                                        <p:strVal val="visible"/>
+                                      </p:to>
+                                    </p:set>
+                                    <p:animEffect transition="in" filter="fade">
+                                      <p:cBhvr>
+                                        <p:cTn id="17" dur="500"/>
+                                        <p:tgtEl>
+                                          <p:spTgt spid="13"/>
+                                        </p:tgtEl>
+                                      </p:cBhvr>
+                                    </p:animEffect>
+                                  </p:childTnLst>
+                                </p:cTn>
+                              </p:par>
+                            </p:childTnLst>
+                          </p:cTn>
+                        </p:par>
+                      </p:childTnLst>
+                    </p:cTn>
+                  </p:par>
+                  <p:par>
+                    <p:cTn id="18" fill="hold">
+                      <p:stCondLst>
+                        <p:cond delay="indefinite"/>
+                      </p:stCondLst>
+                      <p:childTnLst>
+                        <p:par>
+                          <p:cTn id="19" fill="hold">
+                            <p:stCondLst>
+                              <p:cond delay="0"/>
+                            </p:stCondLst>
+                            <p:childTnLst>
+                              <p:par>
+                                <p:cTn id="20" presetID="10" presetClass="entr" presetSubtype="0" fill="hold" nodeType="clickEffect">
+                                  <p:stCondLst>
+                                    <p:cond delay="0"/>
+                                  </p:stCondLst>
+                                  <p:childTnLst>
+                                    <p:set>
+                                      <p:cBhvr>
+                                        <p:cTn id="21" dur="1" fill="hold">
                                           <p:stCondLst>
                                             <p:cond delay="0"/>
                                           </p:stCondLst>
@@ -18615,7 +18851,7 @@
                                     </p:set>
                                     <p:animEffect transition="in" filter="fade">
                                       <p:cBhvr>
-                                        <p:cTn id="17" dur="500"/>
+                                        <p:cTn id="22" dur="500"/>
                                         <p:tgtEl>
                                           <p:spTgt spid="20"/>
                                         </p:tgtEl>
@@ -18652,6 +18888,7 @@
       </p:par>
     </p:tnLst>
     <p:bldLst>
+      <p:bldP spid="7" grpId="0"/>
       <p:bldP spid="13" grpId="0"/>
     </p:bldLst>
   </p:timing>
@@ -23278,7 +23515,7 @@
         <p:spPr>
           <a:xfrm>
             <a:off x="0" y="0"/>
-            <a:ext cx="12192000" cy="3108543"/>
+            <a:ext cx="12192000" cy="3539430"/>
           </a:xfrm>
           <a:prstGeom prst="rect">
             <a:avLst/>
@@ -23323,6 +23560,11 @@
               </a:rPr>
               <a:t>/awesome-server");</a:t>
             </a:r>
+          </a:p>
+          <a:p>
+            <a:endParaRPr lang="en-US" sz="2800" dirty="0">
+              <a:latin typeface="Century Gothic" panose="020B0502020202020204" pitchFamily="34" charset="0"/>
+            </a:endParaRPr>
           </a:p>
           <a:p>
             <a:r>
@@ -23573,7 +23815,7 @@
         <p:spPr>
           <a:xfrm>
             <a:off x="0" y="0"/>
-            <a:ext cx="12192000" cy="4832092"/>
+            <a:ext cx="12192000" cy="5693866"/>
           </a:xfrm>
           <a:prstGeom prst="rect">
             <a:avLst/>
@@ -23620,6 +23862,11 @@
             </a:r>
           </a:p>
           <a:p>
+            <a:endParaRPr lang="en-US" sz="2800" dirty="0">
+              <a:latin typeface="Century Gothic" panose="020B0502020202020204" pitchFamily="34" charset="0"/>
+            </a:endParaRPr>
+          </a:p>
+          <a:p>
             <a:r>
               <a:rPr lang="en-US" sz="2800" dirty="0">
                 <a:latin typeface="Century Gothic" panose="020B0502020202020204" pitchFamily="34" charset="0"/>
@@ -23656,6 +23903,14 @@
               </a:rPr>
               <a:t>();</a:t>
             </a:r>
+          </a:p>
+          <a:p>
+            <a:endParaRPr lang="en-US" sz="2800" dirty="0">
+              <a:solidFill>
+                <a:srgbClr val="00B050"/>
+              </a:solidFill>
+              <a:latin typeface="Century Gothic" panose="020B0502020202020204" pitchFamily="34" charset="0"/>
+            </a:endParaRPr>
           </a:p>
           <a:p>
             <a:r>
@@ -23833,7 +24088,7 @@
         <p:spPr>
           <a:xfrm>
             <a:off x="0" y="0"/>
-            <a:ext cx="12192000" cy="4832092"/>
+            <a:ext cx="12192000" cy="6124754"/>
           </a:xfrm>
           <a:prstGeom prst="rect">
             <a:avLst/>
@@ -23880,6 +24135,11 @@
             </a:r>
           </a:p>
           <a:p>
+            <a:endParaRPr lang="en-US" sz="2800" dirty="0">
+              <a:latin typeface="Century Gothic" panose="020B0502020202020204" pitchFamily="34" charset="0"/>
+            </a:endParaRPr>
+          </a:p>
+          <a:p>
             <a:r>
               <a:rPr lang="en-US" sz="2800" dirty="0">
                 <a:latin typeface="Century Gothic" panose="020B0502020202020204" pitchFamily="34" charset="0"/>
@@ -23918,6 +24178,14 @@
             </a:r>
           </a:p>
           <a:p>
+            <a:endParaRPr lang="en-US" sz="2800" dirty="0">
+              <a:solidFill>
+                <a:srgbClr val="00B050"/>
+              </a:solidFill>
+              <a:latin typeface="Century Gothic" panose="020B0502020202020204" pitchFamily="34" charset="0"/>
+            </a:endParaRPr>
+          </a:p>
+          <a:p>
             <a:r>
               <a:rPr lang="en-US" sz="2800" dirty="0" err="1">
                 <a:solidFill>
@@ -23963,6 +24231,14 @@
               </a:rPr>
               <a:t>});</a:t>
             </a:r>
+          </a:p>
+          <a:p>
+            <a:endParaRPr lang="en-US" sz="2800" dirty="0">
+              <a:solidFill>
+                <a:srgbClr val="00B050"/>
+              </a:solidFill>
+              <a:latin typeface="Century Gothic" panose="020B0502020202020204" pitchFamily="34" charset="0"/>
+            </a:endParaRPr>
           </a:p>
           <a:p>
             <a:r>
@@ -25004,404 +25280,6 @@
         <p:spPr>
           <a:xfrm>
             <a:off x="0" y="0"/>
-            <a:ext cx="12192000" cy="6124754"/>
-          </a:xfrm>
-          <a:prstGeom prst="rect">
-            <a:avLst/>
-          </a:prstGeom>
-        </p:spPr>
-        <p:txBody>
-          <a:bodyPr wrap="square">
-            <a:spAutoFit/>
-          </a:bodyPr>
-          <a:lstStyle/>
-          <a:p>
-            <a:r>
-              <a:rPr lang="en-US" sz="2800" b="1" dirty="0" err="1">
-                <a:latin typeface="Century Gothic" panose="020B0502020202020204" pitchFamily="34" charset="0"/>
-              </a:rPr>
-              <a:t>server.</a:t>
-            </a:r>
-            <a:r>
-              <a:rPr lang="en-US" sz="2800" b="1" dirty="0" err="1">
-                <a:solidFill>
-                  <a:srgbClr val="00B050"/>
-                </a:solidFill>
-                <a:latin typeface="Century Gothic" panose="020B0502020202020204" pitchFamily="34" charset="0"/>
-              </a:rPr>
-              <a:t>addHTTPServer</a:t>
-            </a:r>
-            <a:r>
-              <a:rPr lang="en-US" sz="2800" b="1" dirty="0">
-                <a:latin typeface="Century Gothic" panose="020B0502020202020204" pitchFamily="34" charset="0"/>
-              </a:rPr>
-              <a:t>({</a:t>
-            </a:r>
-          </a:p>
-          <a:p>
-            <a:r>
-              <a:rPr lang="en-US" sz="2800" b="1" dirty="0">
-                <a:latin typeface="Century Gothic" panose="020B0502020202020204" pitchFamily="34" charset="0"/>
-              </a:rPr>
-              <a:t>	hostname: "localhost",</a:t>
-            </a:r>
-          </a:p>
-          <a:p>
-            <a:r>
-              <a:rPr lang="en-US" sz="2800" b="1" dirty="0">
-                <a:latin typeface="Century Gothic" panose="020B0502020202020204" pitchFamily="34" charset="0"/>
-              </a:rPr>
-              <a:t>	port: 80</a:t>
-            </a:r>
-          </a:p>
-          <a:p>
-            <a:r>
-              <a:rPr lang="en-US" sz="2800" b="1" dirty="0">
-                <a:latin typeface="Century Gothic" panose="020B0502020202020204" pitchFamily="34" charset="0"/>
-              </a:rPr>
-              <a:t>});</a:t>
-            </a:r>
-          </a:p>
-          <a:p>
-            <a:endParaRPr lang="en-US" sz="2800" b="1" dirty="0">
-              <a:latin typeface="Century Gothic" panose="020B0502020202020204" pitchFamily="34" charset="0"/>
-            </a:endParaRPr>
-          </a:p>
-          <a:p>
-            <a:r>
-              <a:rPr lang="en-US" sz="2800" b="1" dirty="0" err="1">
-                <a:latin typeface="Century Gothic" panose="020B0502020202020204" pitchFamily="34" charset="0"/>
-              </a:rPr>
-              <a:t>server.</a:t>
-            </a:r>
-            <a:r>
-              <a:rPr lang="en-US" sz="2800" b="1" dirty="0" err="1">
-                <a:solidFill>
-                  <a:srgbClr val="FFFF00"/>
-                </a:solidFill>
-                <a:latin typeface="Century Gothic" panose="020B0502020202020204" pitchFamily="34" charset="0"/>
-              </a:rPr>
-              <a:t>addHTTPSServer</a:t>
-            </a:r>
-            <a:r>
-              <a:rPr lang="en-US" sz="2800" b="1" dirty="0">
-                <a:latin typeface="Century Gothic" panose="020B0502020202020204" pitchFamily="34" charset="0"/>
-              </a:rPr>
-              <a:t>({</a:t>
-            </a:r>
-          </a:p>
-          <a:p>
-            <a:r>
-              <a:rPr lang="en-US" sz="2800" b="1" dirty="0">
-                <a:latin typeface="Century Gothic" panose="020B0502020202020204" pitchFamily="34" charset="0"/>
-              </a:rPr>
-              <a:t>	hostname: "localhost",</a:t>
-            </a:r>
-          </a:p>
-          <a:p>
-            <a:r>
-              <a:rPr lang="en-US" sz="2800" b="1" dirty="0">
-                <a:latin typeface="Century Gothic" panose="020B0502020202020204" pitchFamily="34" charset="0"/>
-              </a:rPr>
-              <a:t>	port: 443</a:t>
-            </a:r>
-          </a:p>
-          <a:p>
-            <a:r>
-              <a:rPr lang="en-US" sz="2800" b="1" dirty="0">
-                <a:latin typeface="Century Gothic" panose="020B0502020202020204" pitchFamily="34" charset="0"/>
-              </a:rPr>
-              <a:t>});</a:t>
-            </a:r>
-          </a:p>
-          <a:p>
-            <a:endParaRPr lang="en-US" sz="2800" b="1" dirty="0">
-              <a:latin typeface="Century Gothic" panose="020B0502020202020204" pitchFamily="34" charset="0"/>
-            </a:endParaRPr>
-          </a:p>
-          <a:p>
-            <a:r>
-              <a:rPr lang="en-US" sz="2800" b="1" dirty="0">
-                <a:latin typeface="Century Gothic" panose="020B0502020202020204" pitchFamily="34" charset="0"/>
-              </a:rPr>
-              <a:t>server.</a:t>
-            </a:r>
-            <a:r>
-              <a:rPr lang="en-US" sz="2800" b="1" dirty="0">
-                <a:solidFill>
-                  <a:srgbClr val="FF0000"/>
-                </a:solidFill>
-                <a:latin typeface="Century Gothic" panose="020B0502020202020204" pitchFamily="34" charset="0"/>
-              </a:rPr>
-              <a:t>addHTTP2Server</a:t>
-            </a:r>
-            <a:r>
-              <a:rPr lang="en-US" sz="2800" b="1" dirty="0">
-                <a:latin typeface="Century Gothic" panose="020B0502020202020204" pitchFamily="34" charset="0"/>
-              </a:rPr>
-              <a:t>({</a:t>
-            </a:r>
-          </a:p>
-          <a:p>
-            <a:r>
-              <a:rPr lang="en-US" sz="2800" b="1" dirty="0">
-                <a:latin typeface="Century Gothic" panose="020B0502020202020204" pitchFamily="34" charset="0"/>
-              </a:rPr>
-              <a:t>	hostname: "localhost",</a:t>
-            </a:r>
-          </a:p>
-          <a:p>
-            <a:r>
-              <a:rPr lang="en-US" sz="2800" b="1" dirty="0">
-                <a:latin typeface="Century Gothic" panose="020B0502020202020204" pitchFamily="34" charset="0"/>
-              </a:rPr>
-              <a:t>	port: 443</a:t>
-            </a:r>
-          </a:p>
-          <a:p>
-            <a:r>
-              <a:rPr lang="en-US" sz="2800" b="1" dirty="0">
-                <a:latin typeface="Century Gothic" panose="020B0502020202020204" pitchFamily="34" charset="0"/>
-              </a:rPr>
-              <a:t>});</a:t>
-            </a:r>
-          </a:p>
-        </p:txBody>
-      </p:sp>
-    </p:spTree>
-    <p:extLst>
-      <p:ext uri="{BB962C8B-B14F-4D97-AF65-F5344CB8AC3E}">
-        <p14:creationId xmlns:p14="http://schemas.microsoft.com/office/powerpoint/2010/main" val="1038435360"/>
-      </p:ext>
-    </p:extLst>
-  </p:cSld>
-  <p:clrMapOvr>
-    <a:masterClrMapping/>
-  </p:clrMapOvr>
-</p:sld>
-</file>
-
-<file path=ppt/slides/slide57.xml><?xml version="1.0" encoding="utf-8"?>
-<p:sld xmlns:a="http://schemas.openxmlformats.org/drawingml/2006/main" xmlns:r="http://schemas.openxmlformats.org/officeDocument/2006/relationships" xmlns:p="http://schemas.openxmlformats.org/presentationml/2006/main">
-  <p:cSld>
-    <p:spTree>
-      <p:nvGrpSpPr>
-        <p:cNvPr id="1" name=""/>
-        <p:cNvGrpSpPr/>
-        <p:nvPr/>
-      </p:nvGrpSpPr>
-      <p:grpSpPr>
-        <a:xfrm>
-          <a:off x="0" y="0"/>
-          <a:ext cx="0" cy="0"/>
-          <a:chOff x="0" y="0"/>
-          <a:chExt cx="0" cy="0"/>
-        </a:xfrm>
-      </p:grpSpPr>
-      <p:sp>
-        <p:nvSpPr>
-          <p:cNvPr id="2" name="Rectangle 1">
-            <a:extLst>
-              <a:ext uri="{FF2B5EF4-FFF2-40B4-BE49-F238E27FC236}">
-                <a16:creationId xmlns:a16="http://schemas.microsoft.com/office/drawing/2014/main" id="{2A9B7141-1F33-4C1F-AAF3-3BAA8BCEE08A}"/>
-              </a:ext>
-            </a:extLst>
-          </p:cNvPr>
-          <p:cNvSpPr/>
-          <p:nvPr/>
-        </p:nvSpPr>
-        <p:spPr>
-          <a:xfrm>
-            <a:off x="0" y="0"/>
-            <a:ext cx="12192000" cy="5693866"/>
-          </a:xfrm>
-          <a:prstGeom prst="rect">
-            <a:avLst/>
-          </a:prstGeom>
-        </p:spPr>
-        <p:txBody>
-          <a:bodyPr wrap="square">
-            <a:spAutoFit/>
-          </a:bodyPr>
-          <a:lstStyle/>
-          <a:p>
-            <a:r>
-              <a:rPr lang="en-US" sz="2800" b="1" dirty="0" err="1">
-                <a:latin typeface="Century Gothic" panose="020B0502020202020204" pitchFamily="34" charset="0"/>
-              </a:rPr>
-              <a:t>server.</a:t>
-            </a:r>
-            <a:r>
-              <a:rPr lang="en-US" sz="2800" b="1" dirty="0" err="1">
-                <a:solidFill>
-                  <a:srgbClr val="FFFF00"/>
-                </a:solidFill>
-                <a:latin typeface="Century Gothic" panose="020B0502020202020204" pitchFamily="34" charset="0"/>
-              </a:rPr>
-              <a:t>addHTTPSServer</a:t>
-            </a:r>
-            <a:r>
-              <a:rPr lang="en-US" sz="2800" b="1" dirty="0">
-                <a:latin typeface="Century Gothic" panose="020B0502020202020204" pitchFamily="34" charset="0"/>
-              </a:rPr>
-              <a:t>({</a:t>
-            </a:r>
-          </a:p>
-          <a:p>
-            <a:r>
-              <a:rPr lang="en-US" sz="2800" b="1" dirty="0">
-                <a:latin typeface="Century Gothic" panose="020B0502020202020204" pitchFamily="34" charset="0"/>
-              </a:rPr>
-              <a:t>	hostname: "localhost",</a:t>
-            </a:r>
-          </a:p>
-          <a:p>
-            <a:r>
-              <a:rPr lang="en-US" sz="2800" b="1" dirty="0">
-                <a:latin typeface="Century Gothic" panose="020B0502020202020204" pitchFamily="34" charset="0"/>
-              </a:rPr>
-              <a:t>	port: 443,</a:t>
-            </a:r>
-          </a:p>
-          <a:p>
-            <a:r>
-              <a:rPr lang="en-US" sz="2800" b="1" dirty="0">
-                <a:latin typeface="Century Gothic" panose="020B0502020202020204" pitchFamily="34" charset="0"/>
-              </a:rPr>
-              <a:t>	cert: "…",</a:t>
-            </a:r>
-          </a:p>
-          <a:p>
-            <a:r>
-              <a:rPr lang="en-US" sz="2800" b="1" dirty="0">
-                <a:latin typeface="Century Gothic" panose="020B0502020202020204" pitchFamily="34" charset="0"/>
-              </a:rPr>
-              <a:t>	key: "…"</a:t>
-            </a:r>
-          </a:p>
-          <a:p>
-            <a:r>
-              <a:rPr lang="en-US" sz="2800" b="1" dirty="0">
-                <a:latin typeface="Century Gothic" panose="020B0502020202020204" pitchFamily="34" charset="0"/>
-              </a:rPr>
-              <a:t>});</a:t>
-            </a:r>
-          </a:p>
-          <a:p>
-            <a:endParaRPr lang="en-US" sz="2800" b="1" dirty="0">
-              <a:latin typeface="Century Gothic" panose="020B0502020202020204" pitchFamily="34" charset="0"/>
-            </a:endParaRPr>
-          </a:p>
-          <a:p>
-            <a:r>
-              <a:rPr lang="en-US" sz="2800" b="1" dirty="0">
-                <a:latin typeface="Century Gothic" panose="020B0502020202020204" pitchFamily="34" charset="0"/>
-              </a:rPr>
-              <a:t>server.</a:t>
-            </a:r>
-            <a:r>
-              <a:rPr lang="en-US" sz="2800" b="1" dirty="0">
-                <a:solidFill>
-                  <a:srgbClr val="FF0000"/>
-                </a:solidFill>
-                <a:latin typeface="Century Gothic" panose="020B0502020202020204" pitchFamily="34" charset="0"/>
-              </a:rPr>
-              <a:t>addHTTP2Server</a:t>
-            </a:r>
-            <a:r>
-              <a:rPr lang="en-US" sz="2800" b="1" dirty="0">
-                <a:latin typeface="Century Gothic" panose="020B0502020202020204" pitchFamily="34" charset="0"/>
-              </a:rPr>
-              <a:t>({</a:t>
-            </a:r>
-          </a:p>
-          <a:p>
-            <a:r>
-              <a:rPr lang="en-US" sz="2800" b="1" dirty="0">
-                <a:latin typeface="Century Gothic" panose="020B0502020202020204" pitchFamily="34" charset="0"/>
-              </a:rPr>
-              <a:t>	hostname: "localhost",</a:t>
-            </a:r>
-          </a:p>
-          <a:p>
-            <a:r>
-              <a:rPr lang="en-US" sz="2800" b="1" dirty="0">
-                <a:latin typeface="Century Gothic" panose="020B0502020202020204" pitchFamily="34" charset="0"/>
-              </a:rPr>
-              <a:t>	port: 443,</a:t>
-            </a:r>
-          </a:p>
-          <a:p>
-            <a:r>
-              <a:rPr lang="en-US" sz="2800" b="1" dirty="0">
-                <a:latin typeface="Century Gothic" panose="020B0502020202020204" pitchFamily="34" charset="0"/>
-              </a:rPr>
-              <a:t>	cert: "…",</a:t>
-            </a:r>
-          </a:p>
-          <a:p>
-            <a:r>
-              <a:rPr lang="en-US" sz="2800" b="1" dirty="0">
-                <a:latin typeface="Century Gothic" panose="020B0502020202020204" pitchFamily="34" charset="0"/>
-              </a:rPr>
-              <a:t>	key: "…"</a:t>
-            </a:r>
-          </a:p>
-          <a:p>
-            <a:r>
-              <a:rPr lang="en-US" sz="2800" b="1" dirty="0">
-                <a:latin typeface="Century Gothic" panose="020B0502020202020204" pitchFamily="34" charset="0"/>
-              </a:rPr>
-              <a:t>});</a:t>
-            </a:r>
-          </a:p>
-        </p:txBody>
-      </p:sp>
-    </p:spTree>
-    <p:extLst>
-      <p:ext uri="{BB962C8B-B14F-4D97-AF65-F5344CB8AC3E}">
-        <p14:creationId xmlns:p14="http://schemas.microsoft.com/office/powerpoint/2010/main" val="328392629"/>
-      </p:ext>
-    </p:extLst>
-  </p:cSld>
-  <p:clrMapOvr>
-    <a:masterClrMapping/>
-  </p:clrMapOvr>
-</p:sld>
-</file>
-
-<file path=ppt/slides/slide58.xml><?xml version="1.0" encoding="utf-8"?>
-<p:sld xmlns:a="http://schemas.openxmlformats.org/drawingml/2006/main" xmlns:r="http://schemas.openxmlformats.org/officeDocument/2006/relationships" xmlns:p="http://schemas.openxmlformats.org/presentationml/2006/main">
-  <p:cSld>
-    <p:spTree>
-      <p:nvGrpSpPr>
-        <p:cNvPr id="1" name=""/>
-        <p:cNvGrpSpPr/>
-        <p:nvPr/>
-      </p:nvGrpSpPr>
-      <p:grpSpPr>
-        <a:xfrm>
-          <a:off x="0" y="0"/>
-          <a:ext cx="0" cy="0"/>
-          <a:chOff x="0" y="0"/>
-          <a:chExt cx="0" cy="0"/>
-        </a:xfrm>
-      </p:grpSpPr>
-      <p:sp>
-        <p:nvSpPr>
-          <p:cNvPr id="2" name="Rectangle 1">
-            <a:extLst>
-              <a:ext uri="{FF2B5EF4-FFF2-40B4-BE49-F238E27FC236}">
-                <a16:creationId xmlns:a16="http://schemas.microsoft.com/office/drawing/2014/main" id="{2A9B7141-1F33-4C1F-AAF3-3BAA8BCEE08A}"/>
-              </a:ext>
-            </a:extLst>
-          </p:cNvPr>
-          <p:cNvSpPr/>
-          <p:nvPr/>
-        </p:nvSpPr>
-        <p:spPr>
-          <a:xfrm>
-            <a:off x="0" y="0"/>
             <a:ext cx="12192000" cy="4401205"/>
           </a:xfrm>
           <a:prstGeom prst="rect">
@@ -25577,7 +25455,7 @@
 </p:sld>
 </file>
 
-<file path=ppt/slides/slide59.xml><?xml version="1.0" encoding="utf-8"?>
+<file path=ppt/slides/slide57.xml><?xml version="1.0" encoding="utf-8"?>
 <p:sld xmlns:a="http://schemas.openxmlformats.org/drawingml/2006/main" xmlns:r="http://schemas.openxmlformats.org/officeDocument/2006/relationships" xmlns:p="http://schemas.openxmlformats.org/presentationml/2006/main">
   <p:cSld>
     <p:spTree>
@@ -25945,6 +25823,896 @@
     <p:extLst>
       <p:ext uri="{BB962C8B-B14F-4D97-AF65-F5344CB8AC3E}">
         <p14:creationId xmlns:p14="http://schemas.microsoft.com/office/powerpoint/2010/main" val="3950138263"/>
+      </p:ext>
+    </p:extLst>
+  </p:cSld>
+  <p:clrMapOvr>
+    <a:masterClrMapping/>
+  </p:clrMapOvr>
+</p:sld>
+</file>
+
+<file path=ppt/slides/slide58.xml><?xml version="1.0" encoding="utf-8"?>
+<p:sld xmlns:a="http://schemas.openxmlformats.org/drawingml/2006/main" xmlns:r="http://schemas.openxmlformats.org/officeDocument/2006/relationships" xmlns:p="http://schemas.openxmlformats.org/presentationml/2006/main">
+  <p:cSld>
+    <p:spTree>
+      <p:nvGrpSpPr>
+        <p:cNvPr id="1" name=""/>
+        <p:cNvGrpSpPr/>
+        <p:nvPr/>
+      </p:nvGrpSpPr>
+      <p:grpSpPr>
+        <a:xfrm>
+          <a:off x="0" y="0"/>
+          <a:ext cx="0" cy="0"/>
+          <a:chOff x="0" y="0"/>
+          <a:chExt cx="0" cy="0"/>
+        </a:xfrm>
+      </p:grpSpPr>
+      <p:sp>
+        <p:nvSpPr>
+          <p:cNvPr id="2" name="Rectangle 1">
+            <a:extLst>
+              <a:ext uri="{FF2B5EF4-FFF2-40B4-BE49-F238E27FC236}">
+                <a16:creationId xmlns:a16="http://schemas.microsoft.com/office/drawing/2014/main" id="{2A9B7141-1F33-4C1F-AAF3-3BAA8BCEE08A}"/>
+              </a:ext>
+            </a:extLst>
+          </p:cNvPr>
+          <p:cNvSpPr/>
+          <p:nvPr/>
+        </p:nvSpPr>
+        <p:spPr>
+          <a:xfrm>
+            <a:off x="0" y="0"/>
+            <a:ext cx="12192000" cy="4401205"/>
+          </a:xfrm>
+          <a:prstGeom prst="rect">
+            <a:avLst/>
+          </a:prstGeom>
+        </p:spPr>
+        <p:txBody>
+          <a:bodyPr wrap="square">
+            <a:spAutoFit/>
+          </a:bodyPr>
+          <a:lstStyle/>
+          <a:p>
+            <a:r>
+              <a:rPr lang="en-US" sz="2800" dirty="0">
+                <a:latin typeface="Century Gothic" panose="020B0502020202020204" pitchFamily="34" charset="0"/>
+              </a:rPr>
+              <a:t>const </a:t>
+            </a:r>
+            <a:r>
+              <a:rPr lang="en-US" sz="2800" dirty="0" err="1">
+                <a:latin typeface="Century Gothic" panose="020B0502020202020204" pitchFamily="34" charset="0"/>
+              </a:rPr>
+              <a:t>AwesomeServer</a:t>
+            </a:r>
+            <a:r>
+              <a:rPr lang="en-US" sz="2800" dirty="0">
+                <a:latin typeface="Century Gothic" panose="020B0502020202020204" pitchFamily="34" charset="0"/>
+              </a:rPr>
+              <a:t> = require("@</a:t>
+            </a:r>
+            <a:r>
+              <a:rPr lang="en-US" sz="2800" dirty="0" err="1">
+                <a:latin typeface="Century Gothic" panose="020B0502020202020204" pitchFamily="34" charset="0"/>
+              </a:rPr>
+              <a:t>awesomeeng</a:t>
+            </a:r>
+            <a:r>
+              <a:rPr lang="en-US" sz="2800" dirty="0">
+                <a:latin typeface="Century Gothic" panose="020B0502020202020204" pitchFamily="34" charset="0"/>
+              </a:rPr>
+              <a:t>/awesome-server");</a:t>
+            </a:r>
+          </a:p>
+          <a:p>
+            <a:r>
+              <a:rPr lang="en-US" sz="2800" dirty="0">
+                <a:latin typeface="Century Gothic" panose="020B0502020202020204" pitchFamily="34" charset="0"/>
+              </a:rPr>
+              <a:t>let server = new </a:t>
+            </a:r>
+            <a:r>
+              <a:rPr lang="en-US" sz="2800" dirty="0" err="1">
+                <a:latin typeface="Century Gothic" panose="020B0502020202020204" pitchFamily="34" charset="0"/>
+              </a:rPr>
+              <a:t>AwesomeServer</a:t>
+            </a:r>
+            <a:r>
+              <a:rPr lang="en-US" sz="2800" dirty="0">
+                <a:latin typeface="Century Gothic" panose="020B0502020202020204" pitchFamily="34" charset="0"/>
+              </a:rPr>
+              <a:t>();</a:t>
+            </a:r>
+          </a:p>
+          <a:p>
+            <a:r>
+              <a:rPr lang="en-US" sz="2800" dirty="0" err="1">
+                <a:latin typeface="Century Gothic" panose="020B0502020202020204" pitchFamily="34" charset="0"/>
+              </a:rPr>
+              <a:t>server.addHTTPServer</a:t>
+            </a:r>
+            <a:r>
+              <a:rPr lang="en-US" sz="2800" dirty="0">
+                <a:latin typeface="Century Gothic" panose="020B0502020202020204" pitchFamily="34" charset="0"/>
+              </a:rPr>
+              <a:t>({</a:t>
+            </a:r>
+          </a:p>
+          <a:p>
+            <a:r>
+              <a:rPr lang="en-US" sz="2800" dirty="0">
+                <a:latin typeface="Century Gothic" panose="020B0502020202020204" pitchFamily="34" charset="0"/>
+              </a:rPr>
+              <a:t>	hostname: "localhost",</a:t>
+            </a:r>
+          </a:p>
+          <a:p>
+            <a:r>
+              <a:rPr lang="en-US" sz="2800" dirty="0">
+                <a:latin typeface="Century Gothic" panose="020B0502020202020204" pitchFamily="34" charset="0"/>
+              </a:rPr>
+              <a:t>	port: 80</a:t>
+            </a:r>
+          </a:p>
+          <a:p>
+            <a:r>
+              <a:rPr lang="en-US" sz="2800" dirty="0">
+                <a:latin typeface="Century Gothic" panose="020B0502020202020204" pitchFamily="34" charset="0"/>
+              </a:rPr>
+              <a:t>});</a:t>
+            </a:r>
+          </a:p>
+          <a:p>
+            <a:endParaRPr lang="en-US" sz="2800" dirty="0">
+              <a:latin typeface="Century Gothic" panose="020B0502020202020204" pitchFamily="34" charset="0"/>
+            </a:endParaRPr>
+          </a:p>
+          <a:p>
+            <a:r>
+              <a:rPr lang="en-US" sz="2800" dirty="0" err="1">
+                <a:solidFill>
+                  <a:srgbClr val="FFFF00"/>
+                </a:solidFill>
+                <a:latin typeface="Century Gothic" panose="020B0502020202020204" pitchFamily="34" charset="0"/>
+              </a:rPr>
+              <a:t>server.route</a:t>
+            </a:r>
+            <a:r>
+              <a:rPr lang="en-US" sz="2800" dirty="0">
+                <a:latin typeface="Century Gothic" panose="020B0502020202020204" pitchFamily="34" charset="0"/>
+              </a:rPr>
+              <a:t>("</a:t>
+            </a:r>
+            <a:r>
+              <a:rPr lang="en-US" sz="2800" dirty="0">
+                <a:solidFill>
+                  <a:srgbClr val="00B050"/>
+                </a:solidFill>
+                <a:latin typeface="Century Gothic" panose="020B0502020202020204" pitchFamily="34" charset="0"/>
+              </a:rPr>
+              <a:t>GET</a:t>
+            </a:r>
+            <a:r>
+              <a:rPr lang="en-US" sz="2800" dirty="0">
+                <a:latin typeface="Century Gothic" panose="020B0502020202020204" pitchFamily="34" charset="0"/>
+              </a:rPr>
+              <a:t>","</a:t>
+            </a:r>
+            <a:r>
+              <a:rPr lang="en-US" sz="2800" dirty="0">
+                <a:solidFill>
+                  <a:srgbClr val="FF0000"/>
+                </a:solidFill>
+                <a:latin typeface="Century Gothic" panose="020B0502020202020204" pitchFamily="34" charset="0"/>
+              </a:rPr>
+              <a:t>/</a:t>
+            </a:r>
+            <a:r>
+              <a:rPr lang="en-US" sz="2800" dirty="0" err="1">
+                <a:solidFill>
+                  <a:srgbClr val="FF0000"/>
+                </a:solidFill>
+                <a:latin typeface="Century Gothic" panose="020B0502020202020204" pitchFamily="34" charset="0"/>
+              </a:rPr>
+              <a:t>test</a:t>
+            </a:r>
+            <a:r>
+              <a:rPr lang="en-US" sz="2800" dirty="0" err="1">
+                <a:latin typeface="Century Gothic" panose="020B0502020202020204" pitchFamily="34" charset="0"/>
+              </a:rPr>
+              <a:t>",handler</a:t>
+            </a:r>
+            <a:r>
+              <a:rPr lang="en-US" sz="2800" dirty="0">
+                <a:latin typeface="Century Gothic" panose="020B0502020202020204" pitchFamily="34" charset="0"/>
+              </a:rPr>
+              <a:t>);</a:t>
+            </a:r>
+          </a:p>
+          <a:p>
+            <a:endParaRPr lang="en-US" sz="2800" dirty="0">
+              <a:latin typeface="Century Gothic" panose="020B0502020202020204" pitchFamily="34" charset="0"/>
+            </a:endParaRPr>
+          </a:p>
+          <a:p>
+            <a:r>
+              <a:rPr lang="en-US" sz="2800" dirty="0">
+                <a:latin typeface="Century Gothic" panose="020B0502020202020204" pitchFamily="34" charset="0"/>
+              </a:rPr>
+              <a:t>await </a:t>
+            </a:r>
+            <a:r>
+              <a:rPr lang="en-US" sz="2800" dirty="0" err="1">
+                <a:latin typeface="Century Gothic" panose="020B0502020202020204" pitchFamily="34" charset="0"/>
+              </a:rPr>
+              <a:t>server.start</a:t>
+            </a:r>
+            <a:r>
+              <a:rPr lang="en-US" sz="2800" dirty="0">
+                <a:latin typeface="Century Gothic" panose="020B0502020202020204" pitchFamily="34" charset="0"/>
+              </a:rPr>
+              <a:t>();</a:t>
+            </a:r>
+          </a:p>
+        </p:txBody>
+      </p:sp>
+      <p:sp>
+        <p:nvSpPr>
+          <p:cNvPr id="4" name="Rectangle 3">
+            <a:extLst>
+              <a:ext uri="{FF2B5EF4-FFF2-40B4-BE49-F238E27FC236}">
+                <a16:creationId xmlns:a16="http://schemas.microsoft.com/office/drawing/2014/main" id="{9B8FB013-05B9-4229-876C-BAD9E905695A}"/>
+              </a:ext>
+            </a:extLst>
+          </p:cNvPr>
+          <p:cNvSpPr/>
+          <p:nvPr/>
+        </p:nvSpPr>
+        <p:spPr>
+          <a:xfrm>
+            <a:off x="4894882" y="1600214"/>
+            <a:ext cx="4295614" cy="2393183"/>
+          </a:xfrm>
+          <a:prstGeom prst="rect">
+            <a:avLst/>
+          </a:prstGeom>
+          <a:solidFill>
+            <a:schemeClr val="bg1"/>
+          </a:solidFill>
+          <a:ln w="38100">
+            <a:solidFill>
+              <a:srgbClr val="FF0000"/>
+            </a:solidFill>
+          </a:ln>
+        </p:spPr>
+        <p:style>
+          <a:lnRef idx="2">
+            <a:schemeClr val="accent1">
+              <a:shade val="50000"/>
+            </a:schemeClr>
+          </a:lnRef>
+          <a:fillRef idx="1">
+            <a:schemeClr val="accent1"/>
+          </a:fillRef>
+          <a:effectRef idx="0">
+            <a:schemeClr val="accent1"/>
+          </a:effectRef>
+          <a:fontRef idx="minor">
+            <a:schemeClr val="lt1"/>
+          </a:fontRef>
+        </p:style>
+        <p:txBody>
+          <a:bodyPr rtlCol="0" anchor="t"/>
+          <a:lstStyle/>
+          <a:p>
+            <a:r>
+              <a:rPr lang="en-US" sz="2400" b="1" dirty="0">
+                <a:solidFill>
+                  <a:srgbClr val="FF0000"/>
+                </a:solidFill>
+              </a:rPr>
+              <a:t>Exact</a:t>
+            </a:r>
+            <a:r>
+              <a:rPr lang="en-US" sz="2400" b="1" dirty="0"/>
+              <a:t>: "/test"</a:t>
+            </a:r>
+          </a:p>
+          <a:p>
+            <a:r>
+              <a:rPr lang="en-US" sz="2400" b="1" dirty="0">
+                <a:solidFill>
+                  <a:srgbClr val="FF0000"/>
+                </a:solidFill>
+              </a:rPr>
+              <a:t>Starts With</a:t>
+            </a:r>
+            <a:r>
+              <a:rPr lang="en-US" sz="2400" b="1" dirty="0"/>
+              <a:t>: "/test*"</a:t>
+            </a:r>
+          </a:p>
+          <a:p>
+            <a:r>
+              <a:rPr lang="en-US" sz="2400" b="1" dirty="0">
+                <a:solidFill>
+                  <a:srgbClr val="FF0000"/>
+                </a:solidFill>
+              </a:rPr>
+              <a:t>Ends With</a:t>
+            </a:r>
+            <a:r>
+              <a:rPr lang="en-US" sz="2400" b="1" dirty="0"/>
+              <a:t>: "*/test"</a:t>
+            </a:r>
+          </a:p>
+          <a:p>
+            <a:r>
+              <a:rPr lang="en-US" sz="2400" b="1" dirty="0">
+                <a:solidFill>
+                  <a:srgbClr val="FF0000"/>
+                </a:solidFill>
+              </a:rPr>
+              <a:t>Contains</a:t>
+            </a:r>
+            <a:r>
+              <a:rPr lang="en-US" sz="2400" b="1" dirty="0"/>
+              <a:t>: "*test*"</a:t>
+            </a:r>
+          </a:p>
+          <a:p>
+            <a:r>
+              <a:rPr lang="en-US" sz="2400" b="1" dirty="0" err="1">
+                <a:solidFill>
+                  <a:srgbClr val="FF0000"/>
+                </a:solidFill>
+              </a:rPr>
+              <a:t>RegEx</a:t>
+            </a:r>
+            <a:r>
+              <a:rPr lang="en-US" sz="2400" b="1" dirty="0"/>
+              <a:t>: "^/^\/[test]+$/"</a:t>
+            </a:r>
+          </a:p>
+          <a:p>
+            <a:r>
+              <a:rPr lang="en-US" sz="2400" b="1" dirty="0">
+                <a:solidFill>
+                  <a:srgbClr val="FF0000"/>
+                </a:solidFill>
+              </a:rPr>
+              <a:t>Multiples</a:t>
+            </a:r>
+            <a:r>
+              <a:rPr lang="en-US" sz="2400" b="1" dirty="0"/>
+              <a:t>: "/test|/test/*"</a:t>
+            </a:r>
+          </a:p>
+        </p:txBody>
+      </p:sp>
+      <p:sp>
+        <p:nvSpPr>
+          <p:cNvPr id="5" name="Arrow: Bent 4">
+            <a:extLst>
+              <a:ext uri="{FF2B5EF4-FFF2-40B4-BE49-F238E27FC236}">
+                <a16:creationId xmlns:a16="http://schemas.microsoft.com/office/drawing/2014/main" id="{AC3E6248-1B89-4DAD-AE36-48C1851D1B8D}"/>
+              </a:ext>
+            </a:extLst>
+          </p:cNvPr>
+          <p:cNvSpPr/>
+          <p:nvPr/>
+        </p:nvSpPr>
+        <p:spPr>
+          <a:xfrm rot="16200000" flipH="1">
+            <a:off x="4024395" y="2262115"/>
+            <a:ext cx="402956" cy="1069383"/>
+          </a:xfrm>
+          <a:prstGeom prst="bentArrow">
+            <a:avLst/>
+          </a:prstGeom>
+          <a:solidFill>
+            <a:srgbClr val="FF09ED"/>
+          </a:solidFill>
+        </p:spPr>
+        <p:style>
+          <a:lnRef idx="2">
+            <a:schemeClr val="accent1">
+              <a:shade val="50000"/>
+            </a:schemeClr>
+          </a:lnRef>
+          <a:fillRef idx="1">
+            <a:schemeClr val="accent1"/>
+          </a:fillRef>
+          <a:effectRef idx="0">
+            <a:schemeClr val="accent1"/>
+          </a:effectRef>
+          <a:fontRef idx="minor">
+            <a:schemeClr val="lt1"/>
+          </a:fontRef>
+        </p:style>
+        <p:txBody>
+          <a:bodyPr rtlCol="0" anchor="ctr"/>
+          <a:lstStyle/>
+          <a:p>
+            <a:pPr algn="ctr"/>
+            <a:endParaRPr lang="en-US">
+              <a:solidFill>
+                <a:schemeClr val="tx1"/>
+              </a:solidFill>
+            </a:endParaRPr>
+          </a:p>
+        </p:txBody>
+      </p:sp>
+    </p:spTree>
+    <p:extLst>
+      <p:ext uri="{BB962C8B-B14F-4D97-AF65-F5344CB8AC3E}">
+        <p14:creationId xmlns:p14="http://schemas.microsoft.com/office/powerpoint/2010/main" val="2373841519"/>
+      </p:ext>
+    </p:extLst>
+  </p:cSld>
+  <p:clrMapOvr>
+    <a:masterClrMapping/>
+  </p:clrMapOvr>
+</p:sld>
+</file>
+
+<file path=ppt/slides/slide59.xml><?xml version="1.0" encoding="utf-8"?>
+<p:sld xmlns:a="http://schemas.openxmlformats.org/drawingml/2006/main" xmlns:r="http://schemas.openxmlformats.org/officeDocument/2006/relationships" xmlns:p="http://schemas.openxmlformats.org/presentationml/2006/main">
+  <p:cSld>
+    <p:spTree>
+      <p:nvGrpSpPr>
+        <p:cNvPr id="1" name=""/>
+        <p:cNvGrpSpPr/>
+        <p:nvPr/>
+      </p:nvGrpSpPr>
+      <p:grpSpPr>
+        <a:xfrm>
+          <a:off x="0" y="0"/>
+          <a:ext cx="0" cy="0"/>
+          <a:chOff x="0" y="0"/>
+          <a:chExt cx="0" cy="0"/>
+        </a:xfrm>
+      </p:grpSpPr>
+      <p:sp>
+        <p:nvSpPr>
+          <p:cNvPr id="2" name="Rectangle 1">
+            <a:extLst>
+              <a:ext uri="{FF2B5EF4-FFF2-40B4-BE49-F238E27FC236}">
+                <a16:creationId xmlns:a16="http://schemas.microsoft.com/office/drawing/2014/main" id="{2A9B7141-1F33-4C1F-AAF3-3BAA8BCEE08A}"/>
+              </a:ext>
+            </a:extLst>
+          </p:cNvPr>
+          <p:cNvSpPr/>
+          <p:nvPr/>
+        </p:nvSpPr>
+        <p:spPr>
+          <a:xfrm>
+            <a:off x="0" y="0"/>
+            <a:ext cx="12192000" cy="4401205"/>
+          </a:xfrm>
+          <a:prstGeom prst="rect">
+            <a:avLst/>
+          </a:prstGeom>
+        </p:spPr>
+        <p:txBody>
+          <a:bodyPr wrap="square">
+            <a:spAutoFit/>
+          </a:bodyPr>
+          <a:lstStyle/>
+          <a:p>
+            <a:r>
+              <a:rPr lang="en-US" sz="2800" dirty="0">
+                <a:latin typeface="Century Gothic" panose="020B0502020202020204" pitchFamily="34" charset="0"/>
+              </a:rPr>
+              <a:t>const </a:t>
+            </a:r>
+            <a:r>
+              <a:rPr lang="en-US" sz="2800" dirty="0" err="1">
+                <a:latin typeface="Century Gothic" panose="020B0502020202020204" pitchFamily="34" charset="0"/>
+              </a:rPr>
+              <a:t>AwesomeServer</a:t>
+            </a:r>
+            <a:r>
+              <a:rPr lang="en-US" sz="2800" dirty="0">
+                <a:latin typeface="Century Gothic" panose="020B0502020202020204" pitchFamily="34" charset="0"/>
+              </a:rPr>
+              <a:t> = require("@</a:t>
+            </a:r>
+            <a:r>
+              <a:rPr lang="en-US" sz="2800" dirty="0" err="1">
+                <a:latin typeface="Century Gothic" panose="020B0502020202020204" pitchFamily="34" charset="0"/>
+              </a:rPr>
+              <a:t>awesomeeng</a:t>
+            </a:r>
+            <a:r>
+              <a:rPr lang="en-US" sz="2800" dirty="0">
+                <a:latin typeface="Century Gothic" panose="020B0502020202020204" pitchFamily="34" charset="0"/>
+              </a:rPr>
+              <a:t>/awesome-server");</a:t>
+            </a:r>
+          </a:p>
+          <a:p>
+            <a:r>
+              <a:rPr lang="en-US" sz="2800" dirty="0">
+                <a:latin typeface="Century Gothic" panose="020B0502020202020204" pitchFamily="34" charset="0"/>
+              </a:rPr>
+              <a:t>let server = new </a:t>
+            </a:r>
+            <a:r>
+              <a:rPr lang="en-US" sz="2800" dirty="0" err="1">
+                <a:latin typeface="Century Gothic" panose="020B0502020202020204" pitchFamily="34" charset="0"/>
+              </a:rPr>
+              <a:t>AwesomeServer</a:t>
+            </a:r>
+            <a:r>
+              <a:rPr lang="en-US" sz="2800" dirty="0">
+                <a:latin typeface="Century Gothic" panose="020B0502020202020204" pitchFamily="34" charset="0"/>
+              </a:rPr>
+              <a:t>();</a:t>
+            </a:r>
+          </a:p>
+          <a:p>
+            <a:r>
+              <a:rPr lang="en-US" sz="2800" dirty="0" err="1">
+                <a:latin typeface="Century Gothic" panose="020B0502020202020204" pitchFamily="34" charset="0"/>
+              </a:rPr>
+              <a:t>server.addHTTPServer</a:t>
+            </a:r>
+            <a:r>
+              <a:rPr lang="en-US" sz="2800" dirty="0">
+                <a:latin typeface="Century Gothic" panose="020B0502020202020204" pitchFamily="34" charset="0"/>
+              </a:rPr>
+              <a:t>({</a:t>
+            </a:r>
+          </a:p>
+          <a:p>
+            <a:r>
+              <a:rPr lang="en-US" sz="2800" dirty="0">
+                <a:latin typeface="Century Gothic" panose="020B0502020202020204" pitchFamily="34" charset="0"/>
+              </a:rPr>
+              <a:t>	hostname: "localhost",</a:t>
+            </a:r>
+          </a:p>
+          <a:p>
+            <a:r>
+              <a:rPr lang="en-US" sz="2800" dirty="0">
+                <a:latin typeface="Century Gothic" panose="020B0502020202020204" pitchFamily="34" charset="0"/>
+              </a:rPr>
+              <a:t>	port: 80</a:t>
+            </a:r>
+          </a:p>
+          <a:p>
+            <a:r>
+              <a:rPr lang="en-US" sz="2800" dirty="0">
+                <a:latin typeface="Century Gothic" panose="020B0502020202020204" pitchFamily="34" charset="0"/>
+              </a:rPr>
+              <a:t>});</a:t>
+            </a:r>
+          </a:p>
+          <a:p>
+            <a:endParaRPr lang="en-US" sz="2800" dirty="0">
+              <a:latin typeface="Century Gothic" panose="020B0502020202020204" pitchFamily="34" charset="0"/>
+            </a:endParaRPr>
+          </a:p>
+          <a:p>
+            <a:r>
+              <a:rPr lang="en-US" sz="2800" dirty="0" err="1">
+                <a:solidFill>
+                  <a:srgbClr val="FFFF00"/>
+                </a:solidFill>
+                <a:latin typeface="Century Gothic" panose="020B0502020202020204" pitchFamily="34" charset="0"/>
+              </a:rPr>
+              <a:t>server.route</a:t>
+            </a:r>
+            <a:r>
+              <a:rPr lang="en-US" sz="2800" dirty="0">
+                <a:latin typeface="Century Gothic" panose="020B0502020202020204" pitchFamily="34" charset="0"/>
+              </a:rPr>
+              <a:t>("</a:t>
+            </a:r>
+            <a:r>
+              <a:rPr lang="en-US" sz="2800" dirty="0">
+                <a:solidFill>
+                  <a:srgbClr val="00B050"/>
+                </a:solidFill>
+                <a:latin typeface="Century Gothic" panose="020B0502020202020204" pitchFamily="34" charset="0"/>
+              </a:rPr>
+              <a:t>GET</a:t>
+            </a:r>
+            <a:r>
+              <a:rPr lang="en-US" sz="2800" dirty="0">
+                <a:latin typeface="Century Gothic" panose="020B0502020202020204" pitchFamily="34" charset="0"/>
+              </a:rPr>
+              <a:t>","</a:t>
+            </a:r>
+            <a:r>
+              <a:rPr lang="en-US" sz="2800" dirty="0">
+                <a:solidFill>
+                  <a:srgbClr val="FF0000"/>
+                </a:solidFill>
+                <a:latin typeface="Century Gothic" panose="020B0502020202020204" pitchFamily="34" charset="0"/>
+              </a:rPr>
+              <a:t>/</a:t>
+            </a:r>
+            <a:r>
+              <a:rPr lang="en-US" sz="2800" dirty="0" err="1">
+                <a:solidFill>
+                  <a:srgbClr val="FF0000"/>
+                </a:solidFill>
+                <a:latin typeface="Century Gothic" panose="020B0502020202020204" pitchFamily="34" charset="0"/>
+              </a:rPr>
+              <a:t>test</a:t>
+            </a:r>
+            <a:r>
+              <a:rPr lang="en-US" sz="2800" dirty="0" err="1">
+                <a:latin typeface="Century Gothic" panose="020B0502020202020204" pitchFamily="34" charset="0"/>
+              </a:rPr>
+              <a:t>",</a:t>
+            </a:r>
+            <a:r>
+              <a:rPr lang="en-US" sz="2800" dirty="0" err="1">
+                <a:solidFill>
+                  <a:schemeClr val="accent2"/>
+                </a:solidFill>
+                <a:latin typeface="Century Gothic" panose="020B0502020202020204" pitchFamily="34" charset="0"/>
+              </a:rPr>
+              <a:t>handler</a:t>
+            </a:r>
+            <a:r>
+              <a:rPr lang="en-US" sz="2800" dirty="0">
+                <a:latin typeface="Century Gothic" panose="020B0502020202020204" pitchFamily="34" charset="0"/>
+              </a:rPr>
+              <a:t>);</a:t>
+            </a:r>
+          </a:p>
+          <a:p>
+            <a:endParaRPr lang="en-US" sz="2800" dirty="0">
+              <a:latin typeface="Century Gothic" panose="020B0502020202020204" pitchFamily="34" charset="0"/>
+            </a:endParaRPr>
+          </a:p>
+          <a:p>
+            <a:r>
+              <a:rPr lang="en-US" sz="2800" dirty="0">
+                <a:latin typeface="Century Gothic" panose="020B0502020202020204" pitchFamily="34" charset="0"/>
+              </a:rPr>
+              <a:t>await </a:t>
+            </a:r>
+            <a:r>
+              <a:rPr lang="en-US" sz="2800" dirty="0" err="1">
+                <a:latin typeface="Century Gothic" panose="020B0502020202020204" pitchFamily="34" charset="0"/>
+              </a:rPr>
+              <a:t>server.start</a:t>
+            </a:r>
+            <a:r>
+              <a:rPr lang="en-US" sz="2800" dirty="0">
+                <a:latin typeface="Century Gothic" panose="020B0502020202020204" pitchFamily="34" charset="0"/>
+              </a:rPr>
+              <a:t>();</a:t>
+            </a:r>
+          </a:p>
+        </p:txBody>
+      </p:sp>
+      <p:sp>
+        <p:nvSpPr>
+          <p:cNvPr id="4" name="Rectangle 3">
+            <a:extLst>
+              <a:ext uri="{FF2B5EF4-FFF2-40B4-BE49-F238E27FC236}">
+                <a16:creationId xmlns:a16="http://schemas.microsoft.com/office/drawing/2014/main" id="{9B8FB013-05B9-4229-876C-BAD9E905695A}"/>
+              </a:ext>
+            </a:extLst>
+          </p:cNvPr>
+          <p:cNvSpPr/>
+          <p:nvPr/>
+        </p:nvSpPr>
+        <p:spPr>
+          <a:xfrm>
+            <a:off x="6013344" y="1370322"/>
+            <a:ext cx="5507064" cy="2762560"/>
+          </a:xfrm>
+          <a:prstGeom prst="rect">
+            <a:avLst/>
+          </a:prstGeom>
+          <a:solidFill>
+            <a:schemeClr val="bg1"/>
+          </a:solidFill>
+          <a:ln w="38100">
+            <a:solidFill>
+              <a:schemeClr val="accent2"/>
+            </a:solidFill>
+          </a:ln>
+        </p:spPr>
+        <p:style>
+          <a:lnRef idx="2">
+            <a:schemeClr val="accent1">
+              <a:shade val="50000"/>
+            </a:schemeClr>
+          </a:lnRef>
+          <a:fillRef idx="1">
+            <a:schemeClr val="accent1"/>
+          </a:fillRef>
+          <a:effectRef idx="0">
+            <a:schemeClr val="accent1"/>
+          </a:effectRef>
+          <a:fontRef idx="minor">
+            <a:schemeClr val="lt1"/>
+          </a:fontRef>
+        </p:style>
+        <p:txBody>
+          <a:bodyPr rtlCol="0" anchor="t"/>
+          <a:lstStyle/>
+          <a:p>
+            <a:r>
+              <a:rPr lang="en-US" sz="2400" b="1" dirty="0">
+                <a:solidFill>
+                  <a:srgbClr val="FFC000"/>
+                </a:solidFill>
+              </a:rPr>
+              <a:t>Function</a:t>
+            </a:r>
+            <a:r>
+              <a:rPr lang="en-US" sz="2400" b="1" dirty="0"/>
+              <a:t>: (</a:t>
+            </a:r>
+            <a:r>
+              <a:rPr lang="en-US" sz="2400" b="1" dirty="0" err="1"/>
+              <a:t>path,request,response</a:t>
+            </a:r>
+            <a:r>
+              <a:rPr lang="en-US" sz="2400" b="1" dirty="0"/>
+              <a:t>)=&gt;{ … }</a:t>
+            </a:r>
+          </a:p>
+          <a:p>
+            <a:endParaRPr lang="en-US" sz="2400" b="1" dirty="0"/>
+          </a:p>
+          <a:p>
+            <a:r>
+              <a:rPr lang="en-US" sz="2400" b="1" dirty="0">
+                <a:solidFill>
+                  <a:srgbClr val="FFC000"/>
+                </a:solidFill>
+              </a:rPr>
+              <a:t>Controller</a:t>
+            </a:r>
+            <a:r>
+              <a:rPr lang="en-US" sz="2400" b="1" dirty="0"/>
+              <a:t>: class </a:t>
+            </a:r>
+            <a:r>
+              <a:rPr lang="en-US" sz="2400" b="1" dirty="0" err="1"/>
+              <a:t>MyController</a:t>
+            </a:r>
+            <a:r>
+              <a:rPr lang="en-US" sz="2400" b="1" dirty="0"/>
+              <a:t> extends </a:t>
+            </a:r>
+            <a:r>
+              <a:rPr lang="en-US" sz="2400" b="1" dirty="0" err="1"/>
+              <a:t>AwesomeServer.AbstractController</a:t>
+            </a:r>
+            <a:r>
+              <a:rPr lang="en-US" sz="2400" b="1" dirty="0"/>
+              <a:t> { … }</a:t>
+            </a:r>
+          </a:p>
+          <a:p>
+            <a:endParaRPr lang="en-US" sz="2400" b="1" dirty="0"/>
+          </a:p>
+          <a:p>
+            <a:r>
+              <a:rPr lang="en-US" sz="2400" b="1" dirty="0">
+                <a:solidFill>
+                  <a:srgbClr val="FFC000"/>
+                </a:solidFill>
+              </a:rPr>
+              <a:t>Filename</a:t>
+            </a:r>
+            <a:r>
+              <a:rPr lang="en-US" sz="2400" b="1" dirty="0">
+                <a:solidFill>
+                  <a:schemeClr val="tx1"/>
+                </a:solidFill>
+              </a:rPr>
+              <a:t>:</a:t>
+            </a:r>
+            <a:r>
+              <a:rPr lang="en-US" sz="2400" b="1" dirty="0">
+                <a:solidFill>
+                  <a:srgbClr val="FFC000"/>
+                </a:solidFill>
+              </a:rPr>
+              <a:t> </a:t>
+            </a:r>
+            <a:r>
+              <a:rPr lang="en-US" sz="2400" b="1" dirty="0">
+                <a:solidFill>
+                  <a:schemeClr val="tx1"/>
+                </a:solidFill>
+              </a:rPr>
+              <a:t>"./MyController.js"</a:t>
+            </a:r>
+          </a:p>
+          <a:p>
+            <a:r>
+              <a:rPr lang="en-US" sz="2400" b="1" dirty="0">
+                <a:solidFill>
+                  <a:srgbClr val="FFC000"/>
+                </a:solidFill>
+              </a:rPr>
+              <a:t>Directory</a:t>
+            </a:r>
+            <a:r>
+              <a:rPr lang="en-US" sz="2400" b="1" dirty="0"/>
+              <a:t>: "./</a:t>
+            </a:r>
+            <a:r>
+              <a:rPr lang="en-US" sz="2400" b="1" dirty="0" err="1"/>
+              <a:t>MyControllers</a:t>
+            </a:r>
+            <a:endParaRPr lang="en-US" sz="2400" b="1" dirty="0"/>
+          </a:p>
+        </p:txBody>
+      </p:sp>
+      <p:sp>
+        <p:nvSpPr>
+          <p:cNvPr id="5" name="Arrow: Bent 4">
+            <a:extLst>
+              <a:ext uri="{FF2B5EF4-FFF2-40B4-BE49-F238E27FC236}">
+                <a16:creationId xmlns:a16="http://schemas.microsoft.com/office/drawing/2014/main" id="{AC3E6248-1B89-4DAD-AE36-48C1851D1B8D}"/>
+              </a:ext>
+            </a:extLst>
+          </p:cNvPr>
+          <p:cNvSpPr/>
+          <p:nvPr/>
+        </p:nvSpPr>
+        <p:spPr>
+          <a:xfrm rot="16200000" flipH="1">
+            <a:off x="5191934" y="2254392"/>
+            <a:ext cx="402956" cy="1069383"/>
+          </a:xfrm>
+          <a:prstGeom prst="bentArrow">
+            <a:avLst/>
+          </a:prstGeom>
+          <a:solidFill>
+            <a:srgbClr val="FF09ED"/>
+          </a:solidFill>
+        </p:spPr>
+        <p:style>
+          <a:lnRef idx="2">
+            <a:schemeClr val="accent1">
+              <a:shade val="50000"/>
+            </a:schemeClr>
+          </a:lnRef>
+          <a:fillRef idx="1">
+            <a:schemeClr val="accent1"/>
+          </a:fillRef>
+          <a:effectRef idx="0">
+            <a:schemeClr val="accent1"/>
+          </a:effectRef>
+          <a:fontRef idx="minor">
+            <a:schemeClr val="lt1"/>
+          </a:fontRef>
+        </p:style>
+        <p:txBody>
+          <a:bodyPr rtlCol="0" anchor="ctr"/>
+          <a:lstStyle/>
+          <a:p>
+            <a:pPr algn="ctr"/>
+            <a:endParaRPr lang="en-US">
+              <a:solidFill>
+                <a:schemeClr val="tx1"/>
+              </a:solidFill>
+            </a:endParaRPr>
+          </a:p>
+        </p:txBody>
+      </p:sp>
+    </p:spTree>
+    <p:extLst>
+      <p:ext uri="{BB962C8B-B14F-4D97-AF65-F5344CB8AC3E}">
+        <p14:creationId xmlns:p14="http://schemas.microsoft.com/office/powerpoint/2010/main" val="252491821"/>
       </p:ext>
     </p:extLst>
   </p:cSld>
@@ -26089,7 +26857,7 @@
         <p:spPr>
           <a:xfrm>
             <a:off x="0" y="0"/>
-            <a:ext cx="12192000" cy="4401205"/>
+            <a:ext cx="12192000" cy="6555641"/>
           </a:xfrm>
           <a:prstGeom prst="rect">
             <a:avLst/>
@@ -26197,64 +26965,86 @@
           </a:p>
           <a:p>
             <a:r>
-              <a:rPr lang="en-US" sz="2800" dirty="0" err="1">
-                <a:solidFill>
-                  <a:srgbClr val="FFFF00"/>
-                </a:solidFill>
+              <a:rPr lang="en-US" sz="2800" b="1" dirty="0" err="1">
                 <a:latin typeface="Century Gothic" panose="020B0502020202020204" pitchFamily="34" charset="0"/>
               </a:rPr>
               <a:t>server.route</a:t>
             </a:r>
             <a:r>
-              <a:rPr lang="en-US" sz="2800" dirty="0">
-                <a:latin typeface="Century Gothic" panose="020B0502020202020204" pitchFamily="34" charset="0"/>
-              </a:rPr>
-              <a:t>("</a:t>
-            </a:r>
-            <a:r>
-              <a:rPr lang="en-US" sz="2800" dirty="0">
-                <a:solidFill>
-                  <a:srgbClr val="00B050"/>
-                </a:solidFill>
-                <a:latin typeface="Century Gothic" panose="020B0502020202020204" pitchFamily="34" charset="0"/>
-              </a:rPr>
-              <a:t>GET</a:t>
-            </a:r>
-            <a:r>
-              <a:rPr lang="en-US" sz="2800" dirty="0">
-                <a:latin typeface="Century Gothic" panose="020B0502020202020204" pitchFamily="34" charset="0"/>
-              </a:rPr>
-              <a:t>","</a:t>
-            </a:r>
-            <a:r>
-              <a:rPr lang="en-US" sz="2800" dirty="0">
-                <a:solidFill>
-                  <a:srgbClr val="FF0000"/>
-                </a:solidFill>
-                <a:latin typeface="Century Gothic" panose="020B0502020202020204" pitchFamily="34" charset="0"/>
-              </a:rPr>
-              <a:t>/</a:t>
-            </a:r>
-            <a:r>
-              <a:rPr lang="en-US" sz="2800" dirty="0" err="1">
-                <a:solidFill>
-                  <a:srgbClr val="FF0000"/>
-                </a:solidFill>
-                <a:latin typeface="Century Gothic" panose="020B0502020202020204" pitchFamily="34" charset="0"/>
-              </a:rPr>
-              <a:t>test</a:t>
-            </a:r>
-            <a:r>
-              <a:rPr lang="en-US" sz="2800" dirty="0" err="1">
-                <a:latin typeface="Century Gothic" panose="020B0502020202020204" pitchFamily="34" charset="0"/>
-              </a:rPr>
-              <a:t>",handler</a:t>
-            </a:r>
-            <a:r>
-              <a:rPr lang="en-US" sz="2800" dirty="0">
-                <a:latin typeface="Century Gothic" panose="020B0502020202020204" pitchFamily="34" charset="0"/>
-              </a:rPr>
-              <a:t>);</a:t>
+              <a:rPr lang="en-US" sz="2800" b="1" dirty="0">
+                <a:latin typeface="Century Gothic" panose="020B0502020202020204" pitchFamily="34" charset="0"/>
+              </a:rPr>
+              <a:t>("GET","/users","./UsersController.js");</a:t>
+            </a:r>
+          </a:p>
+          <a:p>
+            <a:r>
+              <a:rPr lang="en-US" sz="2800" b="1" dirty="0" err="1">
+                <a:latin typeface="Century Gothic" panose="020B0502020202020204" pitchFamily="34" charset="0"/>
+              </a:rPr>
+              <a:t>server.route</a:t>
+            </a:r>
+            <a:r>
+              <a:rPr lang="en-US" sz="2800" b="1" dirty="0">
+                <a:latin typeface="Century Gothic" panose="020B0502020202020204" pitchFamily="34" charset="0"/>
+              </a:rPr>
+              <a:t>("GET","/user","./UserController.js");</a:t>
+            </a:r>
+          </a:p>
+          <a:p>
+            <a:r>
+              <a:rPr lang="en-US" sz="2800" b="1" dirty="0" err="1">
+                <a:latin typeface="Century Gothic" panose="020B0502020202020204" pitchFamily="34" charset="0"/>
+              </a:rPr>
+              <a:t>server.route</a:t>
+            </a:r>
+            <a:r>
+              <a:rPr lang="en-US" sz="2800" b="1" dirty="0">
+                <a:latin typeface="Century Gothic" panose="020B0502020202020204" pitchFamily="34" charset="0"/>
+              </a:rPr>
+              <a:t>("GET","/groups","./GroupsController.js");</a:t>
+            </a:r>
+          </a:p>
+          <a:p>
+            <a:r>
+              <a:rPr lang="en-US" sz="2800" b="1" dirty="0" err="1">
+                <a:latin typeface="Century Gothic" panose="020B0502020202020204" pitchFamily="34" charset="0"/>
+              </a:rPr>
+              <a:t>server.route</a:t>
+            </a:r>
+            <a:r>
+              <a:rPr lang="en-US" sz="2800" b="1" dirty="0">
+                <a:latin typeface="Century Gothic" panose="020B0502020202020204" pitchFamily="34" charset="0"/>
+              </a:rPr>
+              <a:t>("GET","/group","./GroupController.js");</a:t>
+            </a:r>
+          </a:p>
+          <a:p>
+            <a:r>
+              <a:rPr lang="en-US" sz="2800" b="1" dirty="0" err="1">
+                <a:latin typeface="Century Gothic" panose="020B0502020202020204" pitchFamily="34" charset="0"/>
+              </a:rPr>
+              <a:t>server.route</a:t>
+            </a:r>
+            <a:r>
+              <a:rPr lang="en-US" sz="2800" b="1" dirty="0">
+                <a:latin typeface="Century Gothic" panose="020B0502020202020204" pitchFamily="34" charset="0"/>
+              </a:rPr>
+              <a:t>("GET","/keys","./KeysController.js");</a:t>
+            </a:r>
+          </a:p>
+          <a:p>
+            <a:r>
+              <a:rPr lang="en-US" sz="2800" b="1" dirty="0" err="1">
+                <a:latin typeface="Century Gothic" panose="020B0502020202020204" pitchFamily="34" charset="0"/>
+              </a:rPr>
+              <a:t>server.route</a:t>
+            </a:r>
+            <a:r>
+              <a:rPr lang="en-US" sz="2800" b="1" dirty="0">
+                <a:latin typeface="Century Gothic" panose="020B0502020202020204" pitchFamily="34" charset="0"/>
+              </a:rPr>
+              <a:t>("GET","/key","./KeyController.js");</a:t>
             </a:r>
           </a:p>
           <a:p>
@@ -26284,197 +27074,10 @@
           </a:p>
         </p:txBody>
       </p:sp>
-      <p:sp>
-        <p:nvSpPr>
-          <p:cNvPr id="4" name="Rectangle 3">
-            <a:extLst>
-              <a:ext uri="{FF2B5EF4-FFF2-40B4-BE49-F238E27FC236}">
-                <a16:creationId xmlns:a16="http://schemas.microsoft.com/office/drawing/2014/main" id="{9B8FB013-05B9-4229-876C-BAD9E905695A}"/>
-              </a:ext>
-            </a:extLst>
-          </p:cNvPr>
-          <p:cNvSpPr/>
-          <p:nvPr/>
-        </p:nvSpPr>
-        <p:spPr>
-          <a:xfrm>
-            <a:off x="4894882" y="1600214"/>
-            <a:ext cx="4295614" cy="2393183"/>
-          </a:xfrm>
-          <a:prstGeom prst="rect">
-            <a:avLst/>
-          </a:prstGeom>
-          <a:solidFill>
-            <a:schemeClr val="bg1"/>
-          </a:solidFill>
-          <a:ln w="38100">
-            <a:solidFill>
-              <a:srgbClr val="FF0000"/>
-            </a:solidFill>
-          </a:ln>
-        </p:spPr>
-        <p:style>
-          <a:lnRef idx="2">
-            <a:schemeClr val="accent1">
-              <a:shade val="50000"/>
-            </a:schemeClr>
-          </a:lnRef>
-          <a:fillRef idx="1">
-            <a:schemeClr val="accent1"/>
-          </a:fillRef>
-          <a:effectRef idx="0">
-            <a:schemeClr val="accent1"/>
-          </a:effectRef>
-          <a:fontRef idx="minor">
-            <a:schemeClr val="lt1"/>
-          </a:fontRef>
-        </p:style>
-        <p:txBody>
-          <a:bodyPr rtlCol="0" anchor="t"/>
-          <a:lstStyle/>
-          <a:p>
-            <a:r>
-              <a:rPr lang="en-US" sz="2400" b="1" dirty="0">
-                <a:solidFill>
-                  <a:srgbClr val="FF0000"/>
-                </a:solidFill>
-              </a:rPr>
-              <a:t>Exact</a:t>
-            </a:r>
-            <a:r>
-              <a:rPr lang="en-US" sz="2400" b="1" dirty="0"/>
-              <a:t>: "/test"</a:t>
-            </a:r>
-          </a:p>
-          <a:p>
-            <a:r>
-              <a:rPr lang="en-US" sz="2400" b="1" dirty="0">
-                <a:solidFill>
-                  <a:srgbClr val="FF0000"/>
-                </a:solidFill>
-              </a:rPr>
-              <a:t>Starts With</a:t>
-            </a:r>
-            <a:r>
-              <a:rPr lang="en-US" sz="2400" b="1" dirty="0"/>
-              <a:t>: "/test*"</a:t>
-            </a:r>
-          </a:p>
-          <a:p>
-            <a:r>
-              <a:rPr lang="en-US" sz="2400" b="1" dirty="0">
-                <a:solidFill>
-                  <a:srgbClr val="FF0000"/>
-                </a:solidFill>
-              </a:rPr>
-              <a:t>Ends With</a:t>
-            </a:r>
-            <a:r>
-              <a:rPr lang="en-US" sz="2400" b="1" dirty="0"/>
-              <a:t>: "*/test"</a:t>
-            </a:r>
-          </a:p>
-          <a:p>
-            <a:r>
-              <a:rPr lang="en-US" sz="2400" b="1" dirty="0">
-                <a:solidFill>
-                  <a:srgbClr val="FF0000"/>
-                </a:solidFill>
-              </a:rPr>
-              <a:t>Contains</a:t>
-            </a:r>
-            <a:r>
-              <a:rPr lang="en-US" sz="2400" b="1" dirty="0"/>
-              <a:t>: "*test*"</a:t>
-            </a:r>
-          </a:p>
-          <a:p>
-            <a:r>
-              <a:rPr lang="en-US" sz="2400" b="1" dirty="0" err="1">
-                <a:solidFill>
-                  <a:srgbClr val="FF0000"/>
-                </a:solidFill>
-              </a:rPr>
-              <a:t>RegEx</a:t>
-            </a:r>
-            <a:r>
-              <a:rPr lang="en-US" sz="2400" b="1" dirty="0"/>
-              <a:t>: "^/^\/[test]+$/"</a:t>
-            </a:r>
-          </a:p>
-          <a:p>
-            <a:r>
-              <a:rPr lang="en-US" sz="2400" b="1" dirty="0">
-                <a:solidFill>
-                  <a:srgbClr val="FF0000"/>
-                </a:solidFill>
-              </a:rPr>
-              <a:t>Multiples</a:t>
-            </a:r>
-            <a:r>
-              <a:rPr lang="en-US" sz="2400" b="1" dirty="0"/>
-              <a:t>: "/test|/test/*"</a:t>
-            </a:r>
-          </a:p>
-        </p:txBody>
-      </p:sp>
-      <p:sp>
-        <p:nvSpPr>
-          <p:cNvPr id="5" name="Arrow: Bent 4">
-            <a:extLst>
-              <a:ext uri="{FF2B5EF4-FFF2-40B4-BE49-F238E27FC236}">
-                <a16:creationId xmlns:a16="http://schemas.microsoft.com/office/drawing/2014/main" id="{AC3E6248-1B89-4DAD-AE36-48C1851D1B8D}"/>
-              </a:ext>
-            </a:extLst>
-          </p:cNvPr>
-          <p:cNvSpPr/>
-          <p:nvPr/>
-        </p:nvSpPr>
-        <p:spPr>
-          <a:xfrm rot="16200000" flipH="1">
-            <a:off x="4024395" y="2262115"/>
-            <a:ext cx="402956" cy="1069383"/>
-          </a:xfrm>
-          <a:prstGeom prst="bentArrow">
-            <a:avLst/>
-          </a:prstGeom>
-          <a:solidFill>
-            <a:srgbClr val="FF09ED"/>
-          </a:solidFill>
-        </p:spPr>
-        <p:style>
-          <a:lnRef idx="2">
-            <a:schemeClr val="accent1">
-              <a:shade val="50000"/>
-            </a:schemeClr>
-          </a:lnRef>
-          <a:fillRef idx="1">
-            <a:schemeClr val="accent1"/>
-          </a:fillRef>
-          <a:effectRef idx="0">
-            <a:schemeClr val="accent1"/>
-          </a:effectRef>
-          <a:fontRef idx="minor">
-            <a:schemeClr val="lt1"/>
-          </a:fontRef>
-        </p:style>
-        <p:txBody>
-          <a:bodyPr rtlCol="0" anchor="ctr"/>
-          <a:lstStyle/>
-          <a:p>
-            <a:pPr algn="ctr"/>
-            <a:endParaRPr lang="en-US">
-              <a:solidFill>
-                <a:schemeClr val="tx1"/>
-              </a:solidFill>
-            </a:endParaRPr>
-          </a:p>
-        </p:txBody>
-      </p:sp>
     </p:spTree>
     <p:extLst>
       <p:ext uri="{BB962C8B-B14F-4D97-AF65-F5344CB8AC3E}">
-        <p14:creationId xmlns:p14="http://schemas.microsoft.com/office/powerpoint/2010/main" val="2373841519"/>
+        <p14:creationId xmlns:p14="http://schemas.microsoft.com/office/powerpoint/2010/main" val="2379947657"/>
       </p:ext>
     </p:extLst>
   </p:cSld>
@@ -26515,8 +27118,8 @@
         </p:nvSpPr>
         <p:spPr>
           <a:xfrm>
-            <a:off x="0" y="0"/>
-            <a:ext cx="12192000" cy="4401205"/>
+            <a:off x="0" y="11575"/>
+            <a:ext cx="12192000" cy="6124754"/>
           </a:xfrm>
           <a:prstGeom prst="rect">
             <a:avLst/>
@@ -26529,415 +27132,173 @@
           <a:lstStyle/>
           <a:p>
             <a:r>
-              <a:rPr lang="en-US" sz="2800" dirty="0">
-                <a:latin typeface="Century Gothic" panose="020B0502020202020204" pitchFamily="34" charset="0"/>
-              </a:rPr>
-              <a:t>const </a:t>
-            </a:r>
-            <a:r>
-              <a:rPr lang="en-US" sz="2800" dirty="0" err="1">
+              <a:rPr lang="en-US" sz="2800" b="1" dirty="0" err="1">
                 <a:latin typeface="Century Gothic" panose="020B0502020202020204" pitchFamily="34" charset="0"/>
               </a:rPr>
               <a:t>AwesomeServer</a:t>
             </a:r>
             <a:r>
-              <a:rPr lang="en-US" sz="2800" dirty="0">
-                <a:latin typeface="Century Gothic" panose="020B0502020202020204" pitchFamily="34" charset="0"/>
-              </a:rPr>
-              <a:t> = require("@</a:t>
-            </a:r>
-            <a:r>
-              <a:rPr lang="en-US" sz="2800" dirty="0" err="1">
-                <a:latin typeface="Century Gothic" panose="020B0502020202020204" pitchFamily="34" charset="0"/>
-              </a:rPr>
-              <a:t>awesomeeng</a:t>
-            </a:r>
-            <a:r>
-              <a:rPr lang="en-US" sz="2800" dirty="0">
-                <a:latin typeface="Century Gothic" panose="020B0502020202020204" pitchFamily="34" charset="0"/>
-              </a:rPr>
-              <a:t>/awesome-server");</a:t>
-            </a:r>
-          </a:p>
-          <a:p>
-            <a:r>
-              <a:rPr lang="en-US" sz="2800" dirty="0">
-                <a:latin typeface="Century Gothic" panose="020B0502020202020204" pitchFamily="34" charset="0"/>
-              </a:rPr>
-              <a:t>let server = new </a:t>
-            </a:r>
-            <a:r>
-              <a:rPr lang="en-US" sz="2800" dirty="0" err="1">
-                <a:latin typeface="Century Gothic" panose="020B0502020202020204" pitchFamily="34" charset="0"/>
-              </a:rPr>
-              <a:t>AwesomeServer</a:t>
-            </a:r>
-            <a:r>
-              <a:rPr lang="en-US" sz="2800" dirty="0">
-                <a:latin typeface="Century Gothic" panose="020B0502020202020204" pitchFamily="34" charset="0"/>
-              </a:rPr>
-              <a:t>();</a:t>
-            </a:r>
-          </a:p>
-          <a:p>
-            <a:r>
-              <a:rPr lang="en-US" sz="2800" dirty="0" err="1">
-                <a:latin typeface="Century Gothic" panose="020B0502020202020204" pitchFamily="34" charset="0"/>
-              </a:rPr>
-              <a:t>server.addHTTPServer</a:t>
-            </a:r>
-            <a:r>
-              <a:rPr lang="en-US" sz="2800" dirty="0">
-                <a:latin typeface="Century Gothic" panose="020B0502020202020204" pitchFamily="34" charset="0"/>
-              </a:rPr>
-              <a:t>({</a:t>
-            </a:r>
-          </a:p>
-          <a:p>
-            <a:r>
-              <a:rPr lang="en-US" sz="2800" dirty="0">
-                <a:latin typeface="Century Gothic" panose="020B0502020202020204" pitchFamily="34" charset="0"/>
-              </a:rPr>
-              <a:t>	hostname: "localhost",</a:t>
-            </a:r>
-          </a:p>
-          <a:p>
-            <a:r>
-              <a:rPr lang="en-US" sz="2800" dirty="0">
-                <a:latin typeface="Century Gothic" panose="020B0502020202020204" pitchFamily="34" charset="0"/>
-              </a:rPr>
-              <a:t>	port: 80</a:t>
-            </a:r>
-          </a:p>
-          <a:p>
-            <a:r>
-              <a:rPr lang="en-US" sz="2800" dirty="0">
-                <a:latin typeface="Century Gothic" panose="020B0502020202020204" pitchFamily="34" charset="0"/>
-              </a:rPr>
-              <a:t>});</a:t>
-            </a:r>
-          </a:p>
-          <a:p>
-            <a:endParaRPr lang="en-US" sz="2800" dirty="0">
+              <a:rPr lang="en-US" sz="2800" b="1" dirty="0">
+                <a:latin typeface="Century Gothic" panose="020B0502020202020204" pitchFamily="34" charset="0"/>
+              </a:rPr>
+              <a:t> Key Features</a:t>
+            </a:r>
+          </a:p>
+          <a:p>
+            <a:endParaRPr lang="en-US" sz="2800" b="1" dirty="0">
               <a:latin typeface="Century Gothic" panose="020B0502020202020204" pitchFamily="34" charset="0"/>
             </a:endParaRPr>
           </a:p>
           <a:p>
-            <a:r>
-              <a:rPr lang="en-US" sz="2800" dirty="0" err="1">
-                <a:solidFill>
-                  <a:srgbClr val="FFFF00"/>
-                </a:solidFill>
-                <a:latin typeface="Century Gothic" panose="020B0502020202020204" pitchFamily="34" charset="0"/>
-              </a:rPr>
-              <a:t>server.route</a:t>
-            </a:r>
-            <a:r>
-              <a:rPr lang="en-US" sz="2800" dirty="0">
-                <a:latin typeface="Century Gothic" panose="020B0502020202020204" pitchFamily="34" charset="0"/>
-              </a:rPr>
-              <a:t>("</a:t>
-            </a:r>
-            <a:r>
-              <a:rPr lang="en-US" sz="2800" dirty="0">
-                <a:solidFill>
-                  <a:srgbClr val="00B050"/>
-                </a:solidFill>
-                <a:latin typeface="Century Gothic" panose="020B0502020202020204" pitchFamily="34" charset="0"/>
-              </a:rPr>
-              <a:t>GET</a:t>
-            </a:r>
-            <a:r>
-              <a:rPr lang="en-US" sz="2800" dirty="0">
-                <a:latin typeface="Century Gothic" panose="020B0502020202020204" pitchFamily="34" charset="0"/>
-              </a:rPr>
-              <a:t>","</a:t>
-            </a:r>
-            <a:r>
-              <a:rPr lang="en-US" sz="2800" dirty="0">
-                <a:solidFill>
-                  <a:srgbClr val="FF0000"/>
-                </a:solidFill>
-                <a:latin typeface="Century Gothic" panose="020B0502020202020204" pitchFamily="34" charset="0"/>
-              </a:rPr>
-              <a:t>/</a:t>
-            </a:r>
-            <a:r>
-              <a:rPr lang="en-US" sz="2800" dirty="0" err="1">
-                <a:solidFill>
-                  <a:srgbClr val="FF0000"/>
-                </a:solidFill>
-                <a:latin typeface="Century Gothic" panose="020B0502020202020204" pitchFamily="34" charset="0"/>
-              </a:rPr>
-              <a:t>test</a:t>
-            </a:r>
-            <a:r>
-              <a:rPr lang="en-US" sz="2800" dirty="0" err="1">
-                <a:latin typeface="Century Gothic" panose="020B0502020202020204" pitchFamily="34" charset="0"/>
-              </a:rPr>
-              <a:t>",</a:t>
-            </a:r>
-            <a:r>
-              <a:rPr lang="en-US" sz="2800" dirty="0" err="1">
-                <a:solidFill>
-                  <a:schemeClr val="accent2"/>
-                </a:solidFill>
-                <a:latin typeface="Century Gothic" panose="020B0502020202020204" pitchFamily="34" charset="0"/>
-              </a:rPr>
-              <a:t>handler</a:t>
-            </a:r>
-            <a:r>
-              <a:rPr lang="en-US" sz="2800" dirty="0">
-                <a:latin typeface="Century Gothic" panose="020B0502020202020204" pitchFamily="34" charset="0"/>
-              </a:rPr>
-              <a:t>);</a:t>
-            </a:r>
-          </a:p>
-          <a:p>
-            <a:endParaRPr lang="en-US" sz="2800" dirty="0">
-              <a:latin typeface="Century Gothic" panose="020B0502020202020204" pitchFamily="34" charset="0"/>
-            </a:endParaRPr>
-          </a:p>
-          <a:p>
-            <a:r>
-              <a:rPr lang="en-US" sz="2800" dirty="0">
-                <a:latin typeface="Century Gothic" panose="020B0502020202020204" pitchFamily="34" charset="0"/>
-              </a:rPr>
-              <a:t>await </a:t>
-            </a:r>
-            <a:r>
-              <a:rPr lang="en-US" sz="2800" dirty="0" err="1">
-                <a:latin typeface="Century Gothic" panose="020B0502020202020204" pitchFamily="34" charset="0"/>
-              </a:rPr>
-              <a:t>server.start</a:t>
-            </a:r>
-            <a:r>
-              <a:rPr lang="en-US" sz="2800" dirty="0">
-                <a:latin typeface="Century Gothic" panose="020B0502020202020204" pitchFamily="34" charset="0"/>
-              </a:rPr>
-              <a:t>();</a:t>
-            </a:r>
-          </a:p>
-        </p:txBody>
-      </p:sp>
-      <p:sp>
-        <p:nvSpPr>
-          <p:cNvPr id="4" name="Rectangle 3">
-            <a:extLst>
-              <a:ext uri="{FF2B5EF4-FFF2-40B4-BE49-F238E27FC236}">
-                <a16:creationId xmlns:a16="http://schemas.microsoft.com/office/drawing/2014/main" id="{9B8FB013-05B9-4229-876C-BAD9E905695A}"/>
-              </a:ext>
-            </a:extLst>
-          </p:cNvPr>
-          <p:cNvSpPr/>
-          <p:nvPr/>
-        </p:nvSpPr>
-        <p:spPr>
-          <a:xfrm>
-            <a:off x="6013344" y="1370322"/>
-            <a:ext cx="5507064" cy="2762560"/>
-          </a:xfrm>
-          <a:prstGeom prst="rect">
-            <a:avLst/>
-          </a:prstGeom>
-          <a:solidFill>
-            <a:schemeClr val="bg1"/>
-          </a:solidFill>
-          <a:ln w="38100">
-            <a:solidFill>
-              <a:schemeClr val="accent2"/>
-            </a:solidFill>
-          </a:ln>
-        </p:spPr>
-        <p:style>
-          <a:lnRef idx="2">
-            <a:schemeClr val="accent1">
-              <a:shade val="50000"/>
-            </a:schemeClr>
-          </a:lnRef>
-          <a:fillRef idx="1">
-            <a:schemeClr val="accent1"/>
-          </a:fillRef>
-          <a:effectRef idx="0">
-            <a:schemeClr val="accent1"/>
-          </a:effectRef>
-          <a:fontRef idx="minor">
-            <a:schemeClr val="lt1"/>
-          </a:fontRef>
-        </p:style>
-        <p:txBody>
-          <a:bodyPr rtlCol="0" anchor="t"/>
-          <a:lstStyle/>
-          <a:p>
-            <a:r>
-              <a:rPr lang="en-US" sz="2400" b="1" dirty="0">
-                <a:solidFill>
-                  <a:srgbClr val="FFC000"/>
-                </a:solidFill>
-              </a:rPr>
-              <a:t>Function</a:t>
-            </a:r>
-            <a:r>
-              <a:rPr lang="en-US" sz="2400" b="1" dirty="0"/>
-              <a:t>: (</a:t>
-            </a:r>
-            <a:r>
-              <a:rPr lang="en-US" sz="2400" b="1" dirty="0" err="1"/>
-              <a:t>path,request,response</a:t>
-            </a:r>
-            <a:r>
-              <a:rPr lang="en-US" sz="2400" b="1" dirty="0"/>
-              <a:t>)=&gt;{ … }</a:t>
-            </a:r>
-          </a:p>
-          <a:p>
-            <a:endParaRPr lang="en-US" sz="2400" b="1" dirty="0"/>
-          </a:p>
-          <a:p>
-            <a:r>
-              <a:rPr lang="en-US" sz="2400" b="1" dirty="0">
-                <a:solidFill>
-                  <a:srgbClr val="FFC000"/>
-                </a:solidFill>
-              </a:rPr>
-              <a:t>Controller</a:t>
-            </a:r>
-            <a:r>
-              <a:rPr lang="en-US" sz="2400" b="1" dirty="0"/>
-              <a:t>: class </a:t>
-            </a:r>
-            <a:r>
-              <a:rPr lang="en-US" sz="2400" b="1" dirty="0" err="1"/>
-              <a:t>MyController</a:t>
-            </a:r>
-            <a:r>
-              <a:rPr lang="en-US" sz="2400" b="1" dirty="0"/>
-              <a:t> extends </a:t>
-            </a:r>
-            <a:r>
-              <a:rPr lang="en-US" sz="2400" b="1" dirty="0" err="1"/>
-              <a:t>AwesomeServer.AbstractController</a:t>
-            </a:r>
-            <a:r>
-              <a:rPr lang="en-US" sz="2400" b="1" dirty="0"/>
-              <a:t> { … }</a:t>
-            </a:r>
-          </a:p>
-          <a:p>
-            <a:endParaRPr lang="en-US" sz="2400" b="1" dirty="0"/>
-          </a:p>
-          <a:p>
-            <a:r>
-              <a:rPr lang="en-US" sz="2400" b="1" dirty="0">
-                <a:solidFill>
-                  <a:srgbClr val="FFC000"/>
-                </a:solidFill>
-              </a:rPr>
-              <a:t>Filename</a:t>
-            </a:r>
-            <a:r>
-              <a:rPr lang="en-US" sz="2400" b="1" dirty="0">
-                <a:solidFill>
-                  <a:schemeClr val="tx1"/>
-                </a:solidFill>
-              </a:rPr>
-              <a:t>:</a:t>
-            </a:r>
-            <a:r>
-              <a:rPr lang="en-US" sz="2400" b="1" dirty="0">
-                <a:solidFill>
-                  <a:srgbClr val="FFC000"/>
-                </a:solidFill>
-              </a:rPr>
-              <a:t> </a:t>
-            </a:r>
-            <a:r>
-              <a:rPr lang="en-US" sz="2400" b="1" dirty="0">
-                <a:solidFill>
-                  <a:schemeClr val="tx1"/>
-                </a:solidFill>
-              </a:rPr>
-              <a:t>"./MyController.js"</a:t>
-            </a:r>
-          </a:p>
-          <a:p>
-            <a:r>
-              <a:rPr lang="en-US" sz="2400" b="1" dirty="0">
-                <a:solidFill>
-                  <a:srgbClr val="FFC000"/>
-                </a:solidFill>
-              </a:rPr>
-              <a:t>Directory</a:t>
-            </a:r>
-            <a:r>
-              <a:rPr lang="en-US" sz="2400" b="1" dirty="0"/>
-              <a:t>: "./</a:t>
-            </a:r>
-            <a:r>
-              <a:rPr lang="en-US" sz="2400" b="1" dirty="0" err="1"/>
-              <a:t>MyControllers</a:t>
-            </a:r>
-            <a:endParaRPr lang="en-US" sz="2400" b="1" dirty="0"/>
-          </a:p>
-        </p:txBody>
-      </p:sp>
-      <p:sp>
-        <p:nvSpPr>
-          <p:cNvPr id="5" name="Arrow: Bent 4">
-            <a:extLst>
-              <a:ext uri="{FF2B5EF4-FFF2-40B4-BE49-F238E27FC236}">
-                <a16:creationId xmlns:a16="http://schemas.microsoft.com/office/drawing/2014/main" id="{AC3E6248-1B89-4DAD-AE36-48C1851D1B8D}"/>
-              </a:ext>
-            </a:extLst>
-          </p:cNvPr>
-          <p:cNvSpPr/>
-          <p:nvPr/>
-        </p:nvSpPr>
-        <p:spPr>
-          <a:xfrm rot="16200000" flipH="1">
-            <a:off x="5191934" y="2254392"/>
-            <a:ext cx="402956" cy="1069383"/>
-          </a:xfrm>
-          <a:prstGeom prst="bentArrow">
-            <a:avLst/>
-          </a:prstGeom>
-          <a:solidFill>
-            <a:srgbClr val="FF09ED"/>
-          </a:solidFill>
-        </p:spPr>
-        <p:style>
-          <a:lnRef idx="2">
-            <a:schemeClr val="accent1">
-              <a:shade val="50000"/>
-            </a:schemeClr>
-          </a:lnRef>
-          <a:fillRef idx="1">
-            <a:schemeClr val="accent1"/>
-          </a:fillRef>
-          <a:effectRef idx="0">
-            <a:schemeClr val="accent1"/>
-          </a:effectRef>
-          <a:fontRef idx="minor">
-            <a:schemeClr val="lt1"/>
-          </a:fontRef>
-        </p:style>
-        <p:txBody>
-          <a:bodyPr rtlCol="0" anchor="ctr"/>
-          <a:lstStyle/>
-          <a:p>
-            <a:pPr algn="ctr"/>
-            <a:endParaRPr lang="en-US">
-              <a:solidFill>
-                <a:schemeClr val="tx1"/>
-              </a:solidFill>
-            </a:endParaRPr>
+            <a:pPr marL="457200" indent="-457200">
+              <a:buFont typeface="Wingdings" panose="05000000000000000000" pitchFamily="2" charset="2"/>
+              <a:buChar char="§"/>
+            </a:pPr>
+            <a:r>
+              <a:rPr lang="en-US" sz="2800" b="1" dirty="0">
+                <a:latin typeface="Century Gothic" panose="020B0502020202020204" pitchFamily="34" charset="0"/>
+              </a:rPr>
+              <a:t>Easy to use;</a:t>
+            </a:r>
+          </a:p>
+          <a:p>
+            <a:pPr marL="457200" indent="-457200">
+              <a:buFont typeface="Wingdings" panose="05000000000000000000" pitchFamily="2" charset="2"/>
+              <a:buChar char="§"/>
+            </a:pPr>
+            <a:r>
+              <a:rPr lang="en-US" sz="2800" b="1" dirty="0">
+                <a:latin typeface="Century Gothic" panose="020B0502020202020204" pitchFamily="34" charset="0"/>
+              </a:rPr>
+              <a:t>HTTP support;</a:t>
+            </a:r>
+          </a:p>
+          <a:p>
+            <a:pPr marL="457200" indent="-457200">
+              <a:buFont typeface="Wingdings" panose="05000000000000000000" pitchFamily="2" charset="2"/>
+              <a:buChar char="§"/>
+            </a:pPr>
+            <a:r>
+              <a:rPr lang="en-US" sz="2800" b="1" dirty="0">
+                <a:latin typeface="Century Gothic" panose="020B0502020202020204" pitchFamily="34" charset="0"/>
+              </a:rPr>
+              <a:t>HTTPS support;</a:t>
+            </a:r>
+          </a:p>
+          <a:p>
+            <a:pPr marL="457200" indent="-457200">
+              <a:buFont typeface="Wingdings" panose="05000000000000000000" pitchFamily="2" charset="2"/>
+              <a:buChar char="§"/>
+            </a:pPr>
+            <a:r>
+              <a:rPr lang="en-US" sz="2800" b="1" dirty="0">
+                <a:latin typeface="Century Gothic" panose="020B0502020202020204" pitchFamily="34" charset="0"/>
+              </a:rPr>
+              <a:t>HTTP/2 support including push routing for preloading;</a:t>
+            </a:r>
+          </a:p>
+          <a:p>
+            <a:pPr marL="457200" indent="-457200">
+              <a:buFont typeface="Wingdings" panose="05000000000000000000" pitchFamily="2" charset="2"/>
+              <a:buChar char="§"/>
+            </a:pPr>
+            <a:r>
+              <a:rPr lang="en-US" sz="2800" b="1" dirty="0">
+                <a:latin typeface="Century Gothic" panose="020B0502020202020204" pitchFamily="34" charset="0"/>
+              </a:rPr>
+              <a:t>Or mix and match all three types of servers;</a:t>
+            </a:r>
+          </a:p>
+          <a:p>
+            <a:pPr marL="457200" indent="-457200">
+              <a:buFont typeface="Wingdings" panose="05000000000000000000" pitchFamily="2" charset="2"/>
+              <a:buChar char="§"/>
+            </a:pPr>
+            <a:r>
+              <a:rPr lang="en-US" sz="2800" b="1" dirty="0">
+                <a:latin typeface="Century Gothic" panose="020B0502020202020204" pitchFamily="34" charset="0"/>
+              </a:rPr>
+              <a:t>Basic routing of Method X path Y into handler Z function;</a:t>
+            </a:r>
+          </a:p>
+          <a:p>
+            <a:pPr marL="457200" indent="-457200">
+              <a:buFont typeface="Wingdings" panose="05000000000000000000" pitchFamily="2" charset="2"/>
+              <a:buChar char="§"/>
+            </a:pPr>
+            <a:r>
+              <a:rPr lang="en-US" sz="2800" b="1" dirty="0">
+                <a:latin typeface="Century Gothic" panose="020B0502020202020204" pitchFamily="34" charset="0"/>
+              </a:rPr>
+              <a:t>Advanced routing using Controllers;</a:t>
+            </a:r>
+          </a:p>
+          <a:p>
+            <a:pPr marL="457200" indent="-457200">
+              <a:buFont typeface="Wingdings" panose="05000000000000000000" pitchFamily="2" charset="2"/>
+              <a:buChar char="§"/>
+            </a:pPr>
+            <a:r>
+              <a:rPr lang="en-US" sz="2800" b="1" dirty="0">
+                <a:latin typeface="Century Gothic" panose="020B0502020202020204" pitchFamily="34" charset="0"/>
+              </a:rPr>
+              <a:t>Controllers from classes, files, or whole directory trees;</a:t>
+            </a:r>
+          </a:p>
+          <a:p>
+            <a:pPr marL="457200" indent="-457200">
+              <a:buFont typeface="Wingdings" panose="05000000000000000000" pitchFamily="2" charset="2"/>
+              <a:buChar char="§"/>
+            </a:pPr>
+            <a:r>
+              <a:rPr lang="en-US" sz="2800" b="1" dirty="0">
+                <a:latin typeface="Century Gothic" panose="020B0502020202020204" pitchFamily="34" charset="0"/>
+              </a:rPr>
+              <a:t>Support for serving static files or whole directories;</a:t>
+            </a:r>
+          </a:p>
+          <a:p>
+            <a:pPr marL="457200" indent="-457200">
+              <a:buFont typeface="Wingdings" panose="05000000000000000000" pitchFamily="2" charset="2"/>
+              <a:buChar char="§"/>
+            </a:pPr>
+            <a:r>
+              <a:rPr lang="en-US" sz="2800" b="1" dirty="0">
+                <a:latin typeface="Century Gothic" panose="020B0502020202020204" pitchFamily="34" charset="0"/>
+              </a:rPr>
+              <a:t>Easy built-in redirects;</a:t>
+            </a:r>
+          </a:p>
+          <a:p>
+            <a:pPr marL="457200" indent="-457200">
+              <a:buFont typeface="Wingdings" panose="05000000000000000000" pitchFamily="2" charset="2"/>
+              <a:buChar char="§"/>
+            </a:pPr>
+            <a:r>
+              <a:rPr lang="en-US" sz="2800" b="1" dirty="0">
+                <a:latin typeface="Century Gothic" panose="020B0502020202020204" pitchFamily="34" charset="0"/>
+              </a:rPr>
+              <a:t>async/await ready;</a:t>
+            </a:r>
+          </a:p>
+          <a:p>
+            <a:pPr marL="457200" indent="-457200">
+              <a:buFont typeface="Wingdings" panose="05000000000000000000" pitchFamily="2" charset="2"/>
+              <a:buChar char="§"/>
+            </a:pPr>
+            <a:r>
+              <a:rPr lang="en-US" sz="2800" b="1" dirty="0">
+                <a:latin typeface="Century Gothic" panose="020B0502020202020204" pitchFamily="34" charset="0"/>
+              </a:rPr>
+              <a:t>Add your own custom servers beyond HTTP, HTTPS, or HTTP/2.</a:t>
+            </a:r>
           </a:p>
         </p:txBody>
       </p:sp>
     </p:spTree>
     <p:extLst>
       <p:ext uri="{BB962C8B-B14F-4D97-AF65-F5344CB8AC3E}">
-        <p14:creationId xmlns:p14="http://schemas.microsoft.com/office/powerpoint/2010/main" val="252491821"/>
+        <p14:creationId xmlns:p14="http://schemas.microsoft.com/office/powerpoint/2010/main" val="720397571"/>
       </p:ext>
     </p:extLst>
   </p:cSld>
@@ -26978,8 +27339,8 @@
         </p:nvSpPr>
         <p:spPr>
           <a:xfrm>
-            <a:off x="0" y="0"/>
-            <a:ext cx="12192000" cy="6555641"/>
+            <a:off x="0" y="1997839"/>
+            <a:ext cx="12192000" cy="2862322"/>
           </a:xfrm>
           <a:prstGeom prst="rect">
             <a:avLst/>
@@ -26991,215 +27352,65 @@
           </a:bodyPr>
           <a:lstStyle/>
           <a:p>
-            <a:r>
-              <a:rPr lang="en-US" sz="2800" dirty="0">
-                <a:latin typeface="Century Gothic" panose="020B0502020202020204" pitchFamily="34" charset="0"/>
-              </a:rPr>
-              <a:t>const </a:t>
-            </a:r>
-            <a:r>
-              <a:rPr lang="en-US" sz="2800" dirty="0" err="1">
-                <a:latin typeface="Century Gothic" panose="020B0502020202020204" pitchFamily="34" charset="0"/>
-              </a:rPr>
-              <a:t>AwesomeServer</a:t>
-            </a:r>
-            <a:r>
-              <a:rPr lang="en-US" sz="2800" dirty="0">
-                <a:latin typeface="Century Gothic" panose="020B0502020202020204" pitchFamily="34" charset="0"/>
-              </a:rPr>
-              <a:t> = require("@</a:t>
-            </a:r>
-            <a:r>
-              <a:rPr lang="en-US" sz="2800" dirty="0" err="1">
-                <a:latin typeface="Century Gothic" panose="020B0502020202020204" pitchFamily="34" charset="0"/>
-              </a:rPr>
-              <a:t>awesomeeng</a:t>
-            </a:r>
-            <a:r>
-              <a:rPr lang="en-US" sz="2800" dirty="0">
-                <a:latin typeface="Century Gothic" panose="020B0502020202020204" pitchFamily="34" charset="0"/>
-              </a:rPr>
-              <a:t>/awesome-server");</a:t>
-            </a:r>
-          </a:p>
-          <a:p>
-            <a:r>
-              <a:rPr lang="en-US" sz="2800" dirty="0">
-                <a:latin typeface="Century Gothic" panose="020B0502020202020204" pitchFamily="34" charset="0"/>
-              </a:rPr>
-              <a:t>let server = new </a:t>
-            </a:r>
-            <a:r>
-              <a:rPr lang="en-US" sz="2800" dirty="0" err="1">
-                <a:latin typeface="Century Gothic" panose="020B0502020202020204" pitchFamily="34" charset="0"/>
-              </a:rPr>
-              <a:t>AwesomeServer</a:t>
-            </a:r>
-            <a:r>
-              <a:rPr lang="en-US" sz="2800" dirty="0">
-                <a:latin typeface="Century Gothic" panose="020B0502020202020204" pitchFamily="34" charset="0"/>
-              </a:rPr>
-              <a:t>();</a:t>
-            </a:r>
-          </a:p>
-          <a:p>
-            <a:r>
-              <a:rPr lang="en-US" sz="2800" dirty="0" err="1">
-                <a:latin typeface="Century Gothic" panose="020B0502020202020204" pitchFamily="34" charset="0"/>
-              </a:rPr>
-              <a:t>server.addHTTPServer</a:t>
-            </a:r>
-            <a:r>
-              <a:rPr lang="en-US" sz="2800" dirty="0">
-                <a:latin typeface="Century Gothic" panose="020B0502020202020204" pitchFamily="34" charset="0"/>
-              </a:rPr>
-              <a:t>({</a:t>
-            </a:r>
-          </a:p>
-          <a:p>
-            <a:r>
-              <a:rPr lang="en-US" sz="2800" dirty="0">
-                <a:latin typeface="Century Gothic" panose="020B0502020202020204" pitchFamily="34" charset="0"/>
-              </a:rPr>
-              <a:t>	hostname: "localhost",</a:t>
-            </a:r>
-          </a:p>
-          <a:p>
-            <a:r>
-              <a:rPr lang="en-US" sz="2800" dirty="0">
-                <a:latin typeface="Century Gothic" panose="020B0502020202020204" pitchFamily="34" charset="0"/>
-              </a:rPr>
-              <a:t>	port: 80</a:t>
-            </a:r>
-          </a:p>
-          <a:p>
-            <a:r>
-              <a:rPr lang="en-US" sz="2800" dirty="0">
-                <a:latin typeface="Century Gothic" panose="020B0502020202020204" pitchFamily="34" charset="0"/>
-              </a:rPr>
-              <a:t>});</a:t>
-            </a:r>
-          </a:p>
-          <a:p>
-            <a:endParaRPr lang="en-US" sz="2800" dirty="0">
+            <a:pPr algn="ctr"/>
+            <a:endParaRPr lang="en-US" sz="3600" b="1" dirty="0">
               <a:latin typeface="Century Gothic" panose="020B0502020202020204" pitchFamily="34" charset="0"/>
             </a:endParaRPr>
           </a:p>
           <a:p>
-            <a:r>
-              <a:rPr lang="en-US" sz="2800" b="1" dirty="0" err="1">
-                <a:latin typeface="Century Gothic" panose="020B0502020202020204" pitchFamily="34" charset="0"/>
-              </a:rPr>
-              <a:t>server.route</a:t>
-            </a:r>
-            <a:r>
-              <a:rPr lang="en-US" sz="2800" b="1" dirty="0">
-                <a:latin typeface="Century Gothic" panose="020B0502020202020204" pitchFamily="34" charset="0"/>
-              </a:rPr>
-              <a:t>("GET","/users","./UsersController.js");</a:t>
-            </a:r>
-          </a:p>
-          <a:p>
-            <a:r>
-              <a:rPr lang="en-US" sz="2800" b="1" dirty="0" err="1">
-                <a:latin typeface="Century Gothic" panose="020B0502020202020204" pitchFamily="34" charset="0"/>
-              </a:rPr>
-              <a:t>server.route</a:t>
-            </a:r>
-            <a:r>
-              <a:rPr lang="en-US" sz="2800" b="1" dirty="0">
-                <a:latin typeface="Century Gothic" panose="020B0502020202020204" pitchFamily="34" charset="0"/>
-              </a:rPr>
-              <a:t>("GET","/user","./UserController.js");</a:t>
-            </a:r>
-          </a:p>
-          <a:p>
-            <a:r>
-              <a:rPr lang="en-US" sz="2800" b="1" dirty="0" err="1">
-                <a:latin typeface="Century Gothic" panose="020B0502020202020204" pitchFamily="34" charset="0"/>
-              </a:rPr>
-              <a:t>server.route</a:t>
-            </a:r>
-            <a:r>
-              <a:rPr lang="en-US" sz="2800" b="1" dirty="0">
-                <a:latin typeface="Century Gothic" panose="020B0502020202020204" pitchFamily="34" charset="0"/>
-              </a:rPr>
-              <a:t>("GET","/groups","./GroupsController.js");</a:t>
-            </a:r>
-          </a:p>
-          <a:p>
-            <a:r>
-              <a:rPr lang="en-US" sz="2800" b="1" dirty="0" err="1">
-                <a:latin typeface="Century Gothic" panose="020B0502020202020204" pitchFamily="34" charset="0"/>
-              </a:rPr>
-              <a:t>server.route</a:t>
-            </a:r>
-            <a:r>
-              <a:rPr lang="en-US" sz="2800" b="1" dirty="0">
-                <a:latin typeface="Century Gothic" panose="020B0502020202020204" pitchFamily="34" charset="0"/>
-              </a:rPr>
-              <a:t>("GET","/group","./GroupController.js");</a:t>
-            </a:r>
-          </a:p>
-          <a:p>
-            <a:r>
-              <a:rPr lang="en-US" sz="2800" b="1" dirty="0" err="1">
-                <a:latin typeface="Century Gothic" panose="020B0502020202020204" pitchFamily="34" charset="0"/>
-              </a:rPr>
-              <a:t>server.route</a:t>
-            </a:r>
-            <a:r>
-              <a:rPr lang="en-US" sz="2800" b="1" dirty="0">
-                <a:latin typeface="Century Gothic" panose="020B0502020202020204" pitchFamily="34" charset="0"/>
-              </a:rPr>
-              <a:t>("GET","/keys","./KeysController.js");</a:t>
-            </a:r>
-          </a:p>
-          <a:p>
-            <a:r>
-              <a:rPr lang="en-US" sz="2800" b="1" dirty="0" err="1">
-                <a:latin typeface="Century Gothic" panose="020B0502020202020204" pitchFamily="34" charset="0"/>
-              </a:rPr>
-              <a:t>server.route</a:t>
-            </a:r>
-            <a:r>
-              <a:rPr lang="en-US" sz="2800" b="1" dirty="0">
-                <a:latin typeface="Century Gothic" panose="020B0502020202020204" pitchFamily="34" charset="0"/>
-              </a:rPr>
-              <a:t>("GET","/key","./KeyController.js");</a:t>
-            </a:r>
-          </a:p>
-          <a:p>
-            <a:endParaRPr lang="en-US" sz="2800" dirty="0">
+            <a:pPr algn="ctr"/>
+            <a:r>
+              <a:rPr lang="en-US" sz="3600" b="1" dirty="0" err="1">
+                <a:latin typeface="Century Gothic" panose="020B0502020202020204" pitchFamily="34" charset="0"/>
+              </a:rPr>
+              <a:t>npm</a:t>
+            </a:r>
+            <a:r>
+              <a:rPr lang="en-US" sz="3600" b="1" dirty="0">
+                <a:latin typeface="Century Gothic" panose="020B0502020202020204" pitchFamily="34" charset="0"/>
+              </a:rPr>
+              <a:t> repo @</a:t>
+            </a:r>
+            <a:r>
+              <a:rPr lang="en-US" sz="3600" b="1" dirty="0" err="1">
+                <a:latin typeface="Century Gothic" panose="020B0502020202020204" pitchFamily="34" charset="0"/>
+              </a:rPr>
+              <a:t>awesomeeng</a:t>
+            </a:r>
+            <a:r>
+              <a:rPr lang="en-US" sz="3600" b="1" dirty="0">
+                <a:latin typeface="Century Gothic" panose="020B0502020202020204" pitchFamily="34" charset="0"/>
+              </a:rPr>
+              <a:t>/awesome-server</a:t>
+            </a:r>
+          </a:p>
+          <a:p>
+            <a:pPr algn="ctr"/>
+            <a:endParaRPr lang="en-US" sz="3600" b="1" dirty="0">
               <a:latin typeface="Century Gothic" panose="020B0502020202020204" pitchFamily="34" charset="0"/>
             </a:endParaRPr>
           </a:p>
           <a:p>
-            <a:r>
-              <a:rPr lang="en-US" sz="2800" dirty="0">
-                <a:latin typeface="Century Gothic" panose="020B0502020202020204" pitchFamily="34" charset="0"/>
-              </a:rPr>
-              <a:t>await </a:t>
-            </a:r>
-            <a:r>
-              <a:rPr lang="en-US" sz="2800" dirty="0" err="1">
-                <a:latin typeface="Century Gothic" panose="020B0502020202020204" pitchFamily="34" charset="0"/>
-              </a:rPr>
-              <a:t>server.start</a:t>
-            </a:r>
-            <a:r>
-              <a:rPr lang="en-US" sz="2800" dirty="0">
-                <a:latin typeface="Century Gothic" panose="020B0502020202020204" pitchFamily="34" charset="0"/>
-              </a:rPr>
-              <a:t>();</a:t>
-            </a:r>
+            <a:pPr algn="ctr"/>
+            <a:r>
+              <a:rPr lang="en-US" sz="3600" b="1" dirty="0">
+                <a:latin typeface="Century Gothic" panose="020B0502020202020204" pitchFamily="34" charset="0"/>
+              </a:rPr>
+              <a:t>https://github.com/awesomeeng/awesome-server</a:t>
+            </a:r>
+          </a:p>
+          <a:p>
+            <a:pPr algn="ctr"/>
+            <a:endParaRPr lang="en-US" sz="3600" b="1" dirty="0">
+              <a:latin typeface="Century Gothic" panose="020B0502020202020204" pitchFamily="34" charset="0"/>
+            </a:endParaRPr>
           </a:p>
         </p:txBody>
       </p:sp>
     </p:spTree>
     <p:extLst>
       <p:ext uri="{BB962C8B-B14F-4D97-AF65-F5344CB8AC3E}">
-        <p14:creationId xmlns:p14="http://schemas.microsoft.com/office/powerpoint/2010/main" val="2379947657"/>
+        <p14:creationId xmlns:p14="http://schemas.microsoft.com/office/powerpoint/2010/main" val="2533420046"/>
       </p:ext>
     </p:extLst>
   </p:cSld>
@@ -27228,10 +27439,10 @@
       </p:grpSpPr>
       <p:sp>
         <p:nvSpPr>
-          <p:cNvPr id="2" name="Rectangle 1">
+          <p:cNvPr id="4" name="Rectangle 3">
             <a:extLst>
               <a:ext uri="{FF2B5EF4-FFF2-40B4-BE49-F238E27FC236}">
-                <a16:creationId xmlns:a16="http://schemas.microsoft.com/office/drawing/2014/main" id="{2A9B7141-1F33-4C1F-AAF3-3BAA8BCEE08A}"/>
+                <a16:creationId xmlns:a16="http://schemas.microsoft.com/office/drawing/2014/main" id="{7F6F115C-BDFD-41F2-8908-C187FD5CC4D6}"/>
               </a:ext>
             </a:extLst>
           </p:cNvPr>
@@ -27241,7 +27452,7 @@
         <p:spPr>
           <a:xfrm>
             <a:off x="0" y="11575"/>
-            <a:ext cx="12192000" cy="6124754"/>
+            <a:ext cx="12192000" cy="3970318"/>
           </a:xfrm>
           <a:prstGeom prst="rect">
             <a:avLst/>
@@ -27254,22 +27465,14 @@
           <a:lstStyle/>
           <a:p>
             <a:r>
-              <a:rPr lang="en-US" sz="2800" b="1" dirty="0" err="1">
-                <a:latin typeface="Century Gothic" panose="020B0502020202020204" pitchFamily="34" charset="0"/>
-              </a:rPr>
-              <a:t>AwesomeServer</a:t>
-            </a:r>
-            <a:r>
               <a:rPr lang="en-US" sz="2800" b="1" dirty="0">
                 <a:latin typeface="Century Gothic" panose="020B0502020202020204" pitchFamily="34" charset="0"/>
               </a:rPr>
-              <a:t> Key Features</a:t>
-            </a:r>
-          </a:p>
-          <a:p>
-            <a:endParaRPr lang="en-US" sz="2800" b="1" dirty="0">
-              <a:latin typeface="Century Gothic" panose="020B0502020202020204" pitchFamily="34" charset="0"/>
-            </a:endParaRPr>
+              <a:t>An AWESOME KITTEH SERVER</a:t>
+            </a:r>
+          </a:p>
+          <a:p>
+            <a:endParaRPr lang="en-US" sz="2800" dirty="0"/>
           </a:p>
           <a:p>
             <a:pPr marL="457200" indent="-457200">
@@ -27277,10 +27480,8 @@
               <a:buChar char="§"/>
             </a:pPr>
             <a:r>
-              <a:rPr lang="en-US" sz="2800" b="1" dirty="0">
-                <a:latin typeface="Century Gothic" panose="020B0502020202020204" pitchFamily="34" charset="0"/>
-              </a:rPr>
-              <a:t>Easy to use;</a:t>
+              <a:rPr lang="en-US" sz="2800" dirty="0"/>
+              <a:t>GET /kittens - return a list of all kitten ids</a:t>
             </a:r>
           </a:p>
           <a:p>
@@ -27288,12 +27489,7 @@
               <a:buFont typeface="Wingdings" panose="05000000000000000000" pitchFamily="2" charset="2"/>
               <a:buChar char="§"/>
             </a:pPr>
-            <a:r>
-              <a:rPr lang="en-US" sz="2800" b="1" dirty="0">
-                <a:latin typeface="Century Gothic" panose="020B0502020202020204" pitchFamily="34" charset="0"/>
-              </a:rPr>
-              <a:t>HTTP support;</a:t>
-            </a:r>
+            <a:endParaRPr lang="en-US" sz="2800" dirty="0"/>
           </a:p>
           <a:p>
             <a:pPr marL="457200" indent="-457200">
@@ -27301,10 +27497,8 @@
               <a:buChar char="§"/>
             </a:pPr>
             <a:r>
-              <a:rPr lang="en-US" sz="2800" b="1" dirty="0">
-                <a:latin typeface="Century Gothic" panose="020B0502020202020204" pitchFamily="34" charset="0"/>
-              </a:rPr>
-              <a:t>HTTPS support;</a:t>
+              <a:rPr lang="en-US" sz="2800" dirty="0"/>
+              <a:t>GET /kittens/&lt;id&gt; - return a specific kitten image.</a:t>
             </a:r>
           </a:p>
           <a:p>
@@ -27312,12 +27506,9 @@
               <a:buFont typeface="Wingdings" panose="05000000000000000000" pitchFamily="2" charset="2"/>
               <a:buChar char="§"/>
             </a:pPr>
-            <a:r>
-              <a:rPr lang="en-US" sz="2800" b="1" dirty="0">
-                <a:latin typeface="Century Gothic" panose="020B0502020202020204" pitchFamily="34" charset="0"/>
-              </a:rPr>
-              <a:t>HTTP/2 support including push routing for preloading;</a:t>
-            </a:r>
+            <a:endParaRPr lang="en-US" sz="2800" dirty="0">
+              <a:latin typeface="Century Gothic" panose="020B0502020202020204" pitchFamily="34" charset="0"/>
+            </a:endParaRPr>
           </a:p>
           <a:p>
             <a:pPr marL="457200" indent="-457200">
@@ -27325,10 +27516,10 @@
               <a:buChar char="§"/>
             </a:pPr>
             <a:r>
-              <a:rPr lang="en-US" sz="2800" b="1" dirty="0">
-                <a:latin typeface="Century Gothic" panose="020B0502020202020204" pitchFamily="34" charset="0"/>
-              </a:rPr>
-              <a:t>Or mix and match all three types of servers;</a:t>
+              <a:rPr lang="en-US" sz="2800" dirty="0">
+                <a:latin typeface="Century Gothic" panose="020B0502020202020204" pitchFamily="34" charset="0"/>
+              </a:rPr>
+              <a:t>Log of each request</a:t>
             </a:r>
           </a:p>
           <a:p>
@@ -27336,12 +27527,9 @@
               <a:buFont typeface="Wingdings" panose="05000000000000000000" pitchFamily="2" charset="2"/>
               <a:buChar char="§"/>
             </a:pPr>
-            <a:r>
-              <a:rPr lang="en-US" sz="2800" b="1" dirty="0">
-                <a:latin typeface="Century Gothic" panose="020B0502020202020204" pitchFamily="34" charset="0"/>
-              </a:rPr>
-              <a:t>Basic routing of Method X path Y into handler Z function;</a:t>
-            </a:r>
+            <a:endParaRPr lang="en-US" sz="2800" dirty="0">
+              <a:latin typeface="Century Gothic" panose="020B0502020202020204" pitchFamily="34" charset="0"/>
+            </a:endParaRPr>
           </a:p>
           <a:p>
             <a:pPr marL="457200" indent="-457200">
@@ -27349,70 +27537,10 @@
               <a:buChar char="§"/>
             </a:pPr>
             <a:r>
-              <a:rPr lang="en-US" sz="2800" b="1" dirty="0">
-                <a:latin typeface="Century Gothic" panose="020B0502020202020204" pitchFamily="34" charset="0"/>
-              </a:rPr>
-              <a:t>Advanced routing using Controllers;</a:t>
-            </a:r>
-          </a:p>
-          <a:p>
-            <a:pPr marL="457200" indent="-457200">
-              <a:buFont typeface="Wingdings" panose="05000000000000000000" pitchFamily="2" charset="2"/>
-              <a:buChar char="§"/>
-            </a:pPr>
-            <a:r>
-              <a:rPr lang="en-US" sz="2800" b="1" dirty="0">
-                <a:latin typeface="Century Gothic" panose="020B0502020202020204" pitchFamily="34" charset="0"/>
-              </a:rPr>
-              <a:t>Controllers from classes, files, or whole directory trees;</a:t>
-            </a:r>
-          </a:p>
-          <a:p>
-            <a:pPr marL="457200" indent="-457200">
-              <a:buFont typeface="Wingdings" panose="05000000000000000000" pitchFamily="2" charset="2"/>
-              <a:buChar char="§"/>
-            </a:pPr>
-            <a:r>
-              <a:rPr lang="en-US" sz="2800" b="1" dirty="0">
-                <a:latin typeface="Century Gothic" panose="020B0502020202020204" pitchFamily="34" charset="0"/>
-              </a:rPr>
-              <a:t>Support for serving static files or whole directories;</a:t>
-            </a:r>
-          </a:p>
-          <a:p>
-            <a:pPr marL="457200" indent="-457200">
-              <a:buFont typeface="Wingdings" panose="05000000000000000000" pitchFamily="2" charset="2"/>
-              <a:buChar char="§"/>
-            </a:pPr>
-            <a:r>
-              <a:rPr lang="en-US" sz="2800" b="1" dirty="0">
-                <a:latin typeface="Century Gothic" panose="020B0502020202020204" pitchFamily="34" charset="0"/>
-              </a:rPr>
-              <a:t>Easy built-in redirects;</a:t>
-            </a:r>
-          </a:p>
-          <a:p>
-            <a:pPr marL="457200" indent="-457200">
-              <a:buFont typeface="Wingdings" panose="05000000000000000000" pitchFamily="2" charset="2"/>
-              <a:buChar char="§"/>
-            </a:pPr>
-            <a:r>
-              <a:rPr lang="en-US" sz="2800" b="1" dirty="0">
-                <a:latin typeface="Century Gothic" panose="020B0502020202020204" pitchFamily="34" charset="0"/>
-              </a:rPr>
-              <a:t>async/await ready;</a:t>
-            </a:r>
-          </a:p>
-          <a:p>
-            <a:pPr marL="457200" indent="-457200">
-              <a:buFont typeface="Wingdings" panose="05000000000000000000" pitchFamily="2" charset="2"/>
-              <a:buChar char="§"/>
-            </a:pPr>
-            <a:r>
-              <a:rPr lang="en-US" sz="2800" b="1" dirty="0">
-                <a:latin typeface="Century Gothic" panose="020B0502020202020204" pitchFamily="34" charset="0"/>
-              </a:rPr>
-              <a:t>Add your own custom servers beyond HTTP, HTTPS, or HTTP/2.</a:t>
+              <a:rPr lang="en-US" sz="2800" dirty="0">
+                <a:latin typeface="Century Gothic" panose="020B0502020202020204" pitchFamily="34" charset="0"/>
+              </a:rPr>
+              <a:t>Local vs production configuration</a:t>
             </a:r>
           </a:p>
         </p:txBody>
@@ -27420,7 +27548,7 @@
     </p:spTree>
     <p:extLst>
       <p:ext uri="{BB962C8B-B14F-4D97-AF65-F5344CB8AC3E}">
-        <p14:creationId xmlns:p14="http://schemas.microsoft.com/office/powerpoint/2010/main" val="720397571"/>
+        <p14:creationId xmlns:p14="http://schemas.microsoft.com/office/powerpoint/2010/main" val="1655350197"/>
       </p:ext>
     </p:extLst>
   </p:cSld>
@@ -27461,8 +27589,8 @@
         </p:nvSpPr>
         <p:spPr>
           <a:xfrm>
-            <a:off x="0" y="1997839"/>
-            <a:ext cx="12192000" cy="2862322"/>
+            <a:off x="0" y="0"/>
+            <a:ext cx="12192000" cy="6432530"/>
           </a:xfrm>
           <a:prstGeom prst="rect">
             <a:avLst/>
@@ -27474,65 +27602,261 @@
           </a:bodyPr>
           <a:lstStyle/>
           <a:p>
-            <a:pPr algn="ctr"/>
-            <a:endParaRPr lang="en-US" sz="3600" b="1" dirty="0">
+            <a:r>
+              <a:rPr lang="en-US" sz="3200" dirty="0">
+                <a:latin typeface="Century Gothic" panose="020B0502020202020204" pitchFamily="34" charset="0"/>
+              </a:rPr>
+              <a:t>&gt; </a:t>
+            </a:r>
+            <a:r>
+              <a:rPr lang="en-US" sz="3200" b="1" dirty="0" err="1">
+                <a:solidFill>
+                  <a:srgbClr val="FFFF00"/>
+                </a:solidFill>
+                <a:latin typeface="Century Gothic" panose="020B0502020202020204" pitchFamily="34" charset="0"/>
+              </a:rPr>
+              <a:t>npm</a:t>
+            </a:r>
+            <a:r>
+              <a:rPr lang="en-US" sz="3200" b="1" dirty="0">
+                <a:solidFill>
+                  <a:srgbClr val="FFFF00"/>
+                </a:solidFill>
+                <a:latin typeface="Century Gothic" panose="020B0502020202020204" pitchFamily="34" charset="0"/>
+              </a:rPr>
+              <a:t> install @</a:t>
+            </a:r>
+            <a:r>
+              <a:rPr lang="en-US" sz="3200" b="1" dirty="0" err="1">
+                <a:solidFill>
+                  <a:srgbClr val="FFFF00"/>
+                </a:solidFill>
+                <a:latin typeface="Century Gothic" panose="020B0502020202020204" pitchFamily="34" charset="0"/>
+              </a:rPr>
+              <a:t>awesomeeng</a:t>
+            </a:r>
+            <a:r>
+              <a:rPr lang="en-US" sz="3200" b="1" dirty="0">
+                <a:solidFill>
+                  <a:srgbClr val="FFFF00"/>
+                </a:solidFill>
+                <a:latin typeface="Century Gothic" panose="020B0502020202020204" pitchFamily="34" charset="0"/>
+              </a:rPr>
+              <a:t>/awesome-log</a:t>
+            </a:r>
+          </a:p>
+          <a:p>
+            <a:r>
+              <a:rPr lang="en-US" sz="2800" dirty="0">
+                <a:latin typeface="Century Gothic" panose="020B0502020202020204" pitchFamily="34" charset="0"/>
+              </a:rPr>
+              <a:t>+ @</a:t>
+            </a:r>
+            <a:r>
+              <a:rPr lang="en-US" sz="2800" dirty="0" err="1">
+                <a:latin typeface="Century Gothic" panose="020B0502020202020204" pitchFamily="34" charset="0"/>
+              </a:rPr>
+              <a:t>awesomeeng</a:t>
+            </a:r>
+            <a:r>
+              <a:rPr lang="en-US" sz="2800" dirty="0">
+                <a:latin typeface="Century Gothic" panose="020B0502020202020204" pitchFamily="34" charset="0"/>
+              </a:rPr>
+              <a:t>/awesome-log@3.0.1</a:t>
+            </a:r>
+          </a:p>
+          <a:p>
+            <a:r>
+              <a:rPr lang="en-US" sz="2800" dirty="0">
+                <a:latin typeface="Century Gothic" panose="020B0502020202020204" pitchFamily="34" charset="0"/>
+              </a:rPr>
+              <a:t>added 2 packages from 2 contributors and audited 2 packages in 3.47s</a:t>
+            </a:r>
+          </a:p>
+          <a:p>
+            <a:r>
+              <a:rPr lang="en-US" sz="2800" dirty="0">
+                <a:latin typeface="Century Gothic" panose="020B0502020202020204" pitchFamily="34" charset="0"/>
+              </a:rPr>
+              <a:t>found 0 vulnerabilities</a:t>
+            </a:r>
+          </a:p>
+          <a:p>
+            <a:endParaRPr lang="en-US" sz="1200" dirty="0">
               <a:latin typeface="Century Gothic" panose="020B0502020202020204" pitchFamily="34" charset="0"/>
             </a:endParaRPr>
           </a:p>
           <a:p>
-            <a:pPr algn="ctr"/>
-            <a:r>
-              <a:rPr lang="en-US" sz="3600" b="1" dirty="0" err="1">
+            <a:r>
+              <a:rPr lang="en-US" sz="3200" dirty="0">
+                <a:latin typeface="Century Gothic" panose="020B0502020202020204" pitchFamily="34" charset="0"/>
+              </a:rPr>
+              <a:t>&gt; </a:t>
+            </a:r>
+            <a:r>
+              <a:rPr lang="en-US" sz="3200" b="1" dirty="0" err="1">
+                <a:solidFill>
+                  <a:srgbClr val="FFFF00"/>
+                </a:solidFill>
                 <a:latin typeface="Century Gothic" panose="020B0502020202020204" pitchFamily="34" charset="0"/>
               </a:rPr>
               <a:t>npm</a:t>
             </a:r>
             <a:r>
-              <a:rPr lang="en-US" sz="3600" b="1" dirty="0">
-                <a:latin typeface="Century Gothic" panose="020B0502020202020204" pitchFamily="34" charset="0"/>
-              </a:rPr>
-              <a:t> repo @</a:t>
-            </a:r>
-            <a:r>
-              <a:rPr lang="en-US" sz="3600" b="1" dirty="0" err="1">
+              <a:rPr lang="en-US" sz="3200" b="1" dirty="0">
+                <a:solidFill>
+                  <a:srgbClr val="FFFF00"/>
+                </a:solidFill>
+                <a:latin typeface="Century Gothic" panose="020B0502020202020204" pitchFamily="34" charset="0"/>
+              </a:rPr>
+              <a:t> install @</a:t>
+            </a:r>
+            <a:r>
+              <a:rPr lang="en-US" sz="3200" b="1" dirty="0" err="1">
+                <a:solidFill>
+                  <a:srgbClr val="FFFF00"/>
+                </a:solidFill>
                 <a:latin typeface="Century Gothic" panose="020B0502020202020204" pitchFamily="34" charset="0"/>
               </a:rPr>
               <a:t>awesomeeng</a:t>
             </a:r>
             <a:r>
-              <a:rPr lang="en-US" sz="3600" b="1" dirty="0">
-                <a:latin typeface="Century Gothic" panose="020B0502020202020204" pitchFamily="34" charset="0"/>
-              </a:rPr>
-              <a:t>/awesome-server</a:t>
-            </a:r>
-          </a:p>
-          <a:p>
-            <a:pPr algn="ctr"/>
-            <a:endParaRPr lang="en-US" sz="3600" b="1" dirty="0">
+              <a:rPr lang="en-US" sz="3200" b="1" dirty="0">
+                <a:solidFill>
+                  <a:srgbClr val="FFFF00"/>
+                </a:solidFill>
+                <a:latin typeface="Century Gothic" panose="020B0502020202020204" pitchFamily="34" charset="0"/>
+              </a:rPr>
+              <a:t>/awesome-config</a:t>
+            </a:r>
+          </a:p>
+          <a:p>
+            <a:r>
+              <a:rPr lang="en-US" sz="2800" dirty="0">
+                <a:latin typeface="Century Gothic" panose="020B0502020202020204" pitchFamily="34" charset="0"/>
+              </a:rPr>
+              <a:t>+ @</a:t>
+            </a:r>
+            <a:r>
+              <a:rPr lang="en-US" sz="2800" dirty="0" err="1">
+                <a:latin typeface="Century Gothic" panose="020B0502020202020204" pitchFamily="34" charset="0"/>
+              </a:rPr>
+              <a:t>awesomeeng</a:t>
+            </a:r>
+            <a:r>
+              <a:rPr lang="en-US" sz="2800" dirty="0">
+                <a:latin typeface="Century Gothic" panose="020B0502020202020204" pitchFamily="34" charset="0"/>
+              </a:rPr>
+              <a:t>/awesome-config@1.0.0</a:t>
+            </a:r>
+          </a:p>
+          <a:p>
+            <a:r>
+              <a:rPr lang="en-US" sz="2800" dirty="0">
+                <a:latin typeface="Century Gothic" panose="020B0502020202020204" pitchFamily="34" charset="0"/>
+              </a:rPr>
+              <a:t>added 3 packages from 2 contributors and audited 4 packages in 2.835s</a:t>
+            </a:r>
+          </a:p>
+          <a:p>
+            <a:r>
+              <a:rPr lang="en-US" sz="2800" dirty="0">
+                <a:latin typeface="Century Gothic" panose="020B0502020202020204" pitchFamily="34" charset="0"/>
+              </a:rPr>
+              <a:t>found 0 vulnerabilities</a:t>
+            </a:r>
+          </a:p>
+          <a:p>
+            <a:endParaRPr lang="en-US" sz="1200" dirty="0">
               <a:latin typeface="Century Gothic" panose="020B0502020202020204" pitchFamily="34" charset="0"/>
             </a:endParaRPr>
           </a:p>
           <a:p>
-            <a:pPr algn="ctr"/>
-            <a:r>
-              <a:rPr lang="en-US" sz="3600" b="1" dirty="0">
-                <a:latin typeface="Century Gothic" panose="020B0502020202020204" pitchFamily="34" charset="0"/>
-              </a:rPr>
-              <a:t>https://github.com/awesomeeng/awesome-server</a:t>
-            </a:r>
-          </a:p>
-          <a:p>
-            <a:pPr algn="ctr"/>
-            <a:endParaRPr lang="en-US" sz="3600" b="1" dirty="0">
-              <a:latin typeface="Century Gothic" panose="020B0502020202020204" pitchFamily="34" charset="0"/>
-            </a:endParaRPr>
+            <a:r>
+              <a:rPr lang="en-US" sz="2800" dirty="0">
+                <a:latin typeface="Century Gothic" panose="020B0502020202020204" pitchFamily="34" charset="0"/>
+              </a:rPr>
+              <a:t>&gt; </a:t>
+            </a:r>
+            <a:r>
+              <a:rPr lang="en-US" sz="2800" b="1" dirty="0" err="1">
+                <a:solidFill>
+                  <a:srgbClr val="FFFF00"/>
+                </a:solidFill>
+                <a:latin typeface="Century Gothic" panose="020B0502020202020204" pitchFamily="34" charset="0"/>
+              </a:rPr>
+              <a:t>npm</a:t>
+            </a:r>
+            <a:r>
+              <a:rPr lang="en-US" sz="2800" b="1" dirty="0">
+                <a:solidFill>
+                  <a:srgbClr val="FFFF00"/>
+                </a:solidFill>
+                <a:latin typeface="Century Gothic" panose="020B0502020202020204" pitchFamily="34" charset="0"/>
+              </a:rPr>
+              <a:t> install @</a:t>
+            </a:r>
+            <a:r>
+              <a:rPr lang="en-US" sz="2800" b="1" dirty="0" err="1">
+                <a:solidFill>
+                  <a:srgbClr val="FFFF00"/>
+                </a:solidFill>
+                <a:latin typeface="Century Gothic" panose="020B0502020202020204" pitchFamily="34" charset="0"/>
+              </a:rPr>
+              <a:t>awesomeeng</a:t>
+            </a:r>
+            <a:r>
+              <a:rPr lang="en-US" sz="2800" b="1" dirty="0">
+                <a:solidFill>
+                  <a:srgbClr val="FFFF00"/>
+                </a:solidFill>
+                <a:latin typeface="Century Gothic" panose="020B0502020202020204" pitchFamily="34" charset="0"/>
+              </a:rPr>
+              <a:t>/awesome-server</a:t>
+            </a:r>
+          </a:p>
+          <a:p>
+            <a:r>
+              <a:rPr lang="en-US" sz="2400" dirty="0">
+                <a:latin typeface="Century Gothic" panose="020B0502020202020204" pitchFamily="34" charset="0"/>
+              </a:rPr>
+              <a:t>+ @</a:t>
+            </a:r>
+            <a:r>
+              <a:rPr lang="en-US" sz="2400" dirty="0" err="1">
+                <a:latin typeface="Century Gothic" panose="020B0502020202020204" pitchFamily="34" charset="0"/>
+              </a:rPr>
+              <a:t>awesomeeng</a:t>
+            </a:r>
+            <a:r>
+              <a:rPr lang="en-US" sz="2400" dirty="0">
+                <a:latin typeface="Century Gothic" panose="020B0502020202020204" pitchFamily="34" charset="0"/>
+              </a:rPr>
+              <a:t>/awesome-server@1.2.1</a:t>
+            </a:r>
+          </a:p>
+          <a:p>
+            <a:r>
+              <a:rPr lang="en-US" sz="2400" dirty="0">
+                <a:latin typeface="Century Gothic" panose="020B0502020202020204" pitchFamily="34" charset="0"/>
+              </a:rPr>
+              <a:t>added 1 package from 2 contributors and audited 9 packages in 1.533s</a:t>
+            </a:r>
+          </a:p>
+          <a:p>
+            <a:r>
+              <a:rPr lang="en-US" sz="2400" dirty="0">
+                <a:latin typeface="Century Gothic" panose="020B0502020202020204" pitchFamily="34" charset="0"/>
+              </a:rPr>
+              <a:t>found 0 vulnerabilities</a:t>
+            </a:r>
           </a:p>
         </p:txBody>
       </p:sp>
     </p:spTree>
     <p:extLst>
       <p:ext uri="{BB962C8B-B14F-4D97-AF65-F5344CB8AC3E}">
-        <p14:creationId xmlns:p14="http://schemas.microsoft.com/office/powerpoint/2010/main" val="2533420046"/>
+        <p14:creationId xmlns:p14="http://schemas.microsoft.com/office/powerpoint/2010/main" val="347183604"/>
       </p:ext>
     </p:extLst>
   </p:cSld>
@@ -27561,10 +27885,10 @@
       </p:grpSpPr>
       <p:sp>
         <p:nvSpPr>
-          <p:cNvPr id="4" name="Rectangle 3">
+          <p:cNvPr id="2" name="Rectangle 1">
             <a:extLst>
               <a:ext uri="{FF2B5EF4-FFF2-40B4-BE49-F238E27FC236}">
-                <a16:creationId xmlns:a16="http://schemas.microsoft.com/office/drawing/2014/main" id="{7F6F115C-BDFD-41F2-8908-C187FD5CC4D6}"/>
+                <a16:creationId xmlns:a16="http://schemas.microsoft.com/office/drawing/2014/main" id="{2A9B7141-1F33-4C1F-AAF3-3BAA8BCEE08A}"/>
               </a:ext>
             </a:extLst>
           </p:cNvPr>
@@ -27573,8 +27897,8 @@
         </p:nvSpPr>
         <p:spPr>
           <a:xfrm>
-            <a:off x="0" y="11575"/>
-            <a:ext cx="12192000" cy="3970318"/>
+            <a:off x="0" y="0"/>
+            <a:ext cx="12192000" cy="2677656"/>
           </a:xfrm>
           <a:prstGeom prst="rect">
             <a:avLst/>
@@ -27587,82 +27911,140 @@
           <a:lstStyle/>
           <a:p>
             <a:r>
-              <a:rPr lang="en-US" sz="2800" b="1" dirty="0">
-                <a:latin typeface="Century Gothic" panose="020B0502020202020204" pitchFamily="34" charset="0"/>
-              </a:rPr>
-              <a:t>An AWESOME KITTEH SERVER</a:t>
-            </a:r>
-          </a:p>
-          <a:p>
-            <a:endParaRPr lang="en-US" sz="2800" dirty="0"/>
-          </a:p>
-          <a:p>
-            <a:pPr marL="457200" indent="-457200">
-              <a:buFont typeface="Wingdings" panose="05000000000000000000" pitchFamily="2" charset="2"/>
-              <a:buChar char="§"/>
-            </a:pPr>
-            <a:r>
-              <a:rPr lang="en-US" sz="2800" dirty="0"/>
-              <a:t>GET /kittens - return a list of all kitten ids</a:t>
-            </a:r>
-          </a:p>
-          <a:p>
-            <a:pPr marL="457200" indent="-457200">
-              <a:buFont typeface="Wingdings" panose="05000000000000000000" pitchFamily="2" charset="2"/>
-              <a:buChar char="§"/>
-            </a:pPr>
-            <a:endParaRPr lang="en-US" sz="2800" dirty="0"/>
-          </a:p>
-          <a:p>
-            <a:pPr marL="457200" indent="-457200">
-              <a:buFont typeface="Wingdings" panose="05000000000000000000" pitchFamily="2" charset="2"/>
-              <a:buChar char="§"/>
-            </a:pPr>
-            <a:r>
-              <a:rPr lang="en-US" sz="2800" dirty="0"/>
-              <a:t>GET /kittens/&lt;id&gt; - return a specific kitten image.</a:t>
-            </a:r>
-          </a:p>
-          <a:p>
-            <a:pPr marL="457200" indent="-457200">
-              <a:buFont typeface="Wingdings" panose="05000000000000000000" pitchFamily="2" charset="2"/>
-              <a:buChar char="§"/>
-            </a:pPr>
+              <a:rPr lang="en-US" sz="2800" dirty="0">
+                <a:latin typeface="Century Gothic" panose="020B0502020202020204" pitchFamily="34" charset="0"/>
+              </a:rPr>
+              <a:t>const </a:t>
+            </a:r>
+            <a:r>
+              <a:rPr lang="en-US" sz="2800" dirty="0" err="1">
+                <a:solidFill>
+                  <a:schemeClr val="accent2"/>
+                </a:solidFill>
+                <a:latin typeface="Century Gothic" panose="020B0502020202020204" pitchFamily="34" charset="0"/>
+              </a:rPr>
+              <a:t>AwesomeServer</a:t>
+            </a:r>
+            <a:r>
+              <a:rPr lang="en-US" sz="2800" dirty="0">
+                <a:latin typeface="Century Gothic" panose="020B0502020202020204" pitchFamily="34" charset="0"/>
+              </a:rPr>
+              <a:t> = require("@</a:t>
+            </a:r>
+            <a:r>
+              <a:rPr lang="en-US" sz="2800" dirty="0" err="1">
+                <a:latin typeface="Century Gothic" panose="020B0502020202020204" pitchFamily="34" charset="0"/>
+              </a:rPr>
+              <a:t>awesomeeng</a:t>
+            </a:r>
+            <a:r>
+              <a:rPr lang="en-US" sz="2800" dirty="0">
+                <a:latin typeface="Century Gothic" panose="020B0502020202020204" pitchFamily="34" charset="0"/>
+              </a:rPr>
+              <a:t>/awesome-server");</a:t>
+            </a:r>
+          </a:p>
+          <a:p>
             <a:endParaRPr lang="en-US" sz="2800" dirty="0">
               <a:latin typeface="Century Gothic" panose="020B0502020202020204" pitchFamily="34" charset="0"/>
             </a:endParaRPr>
           </a:p>
           <a:p>
-            <a:pPr marL="457200" indent="-457200">
-              <a:buFont typeface="Wingdings" panose="05000000000000000000" pitchFamily="2" charset="2"/>
-              <a:buChar char="§"/>
-            </a:pPr>
-            <a:r>
-              <a:rPr lang="en-US" sz="2800" dirty="0">
-                <a:latin typeface="Century Gothic" panose="020B0502020202020204" pitchFamily="34" charset="0"/>
-              </a:rPr>
-              <a:t>Log of each request</a:t>
-            </a:r>
-          </a:p>
-          <a:p>
-            <a:pPr marL="457200" indent="-457200">
-              <a:buFont typeface="Wingdings" panose="05000000000000000000" pitchFamily="2" charset="2"/>
-              <a:buChar char="§"/>
-            </a:pPr>
-            <a:endParaRPr lang="en-US" sz="2800" dirty="0">
-              <a:latin typeface="Century Gothic" panose="020B0502020202020204" pitchFamily="34" charset="0"/>
-            </a:endParaRPr>
-          </a:p>
-          <a:p>
-            <a:pPr marL="457200" indent="-457200">
-              <a:buFont typeface="Wingdings" panose="05000000000000000000" pitchFamily="2" charset="2"/>
-              <a:buChar char="§"/>
-            </a:pPr>
-            <a:r>
-              <a:rPr lang="en-US" sz="2800" dirty="0">
-                <a:latin typeface="Century Gothic" panose="020B0502020202020204" pitchFamily="34" charset="0"/>
-              </a:rPr>
-              <a:t>Local vs production configuration</a:t>
+            <a:r>
+              <a:rPr lang="en-US" sz="2800" dirty="0">
+                <a:latin typeface="Century Gothic" panose="020B0502020202020204" pitchFamily="34" charset="0"/>
+              </a:rPr>
+              <a:t>class </a:t>
+            </a:r>
+            <a:r>
+              <a:rPr lang="en-US" sz="2800" dirty="0" err="1">
+                <a:solidFill>
+                  <a:srgbClr val="00B050"/>
+                </a:solidFill>
+                <a:latin typeface="Century Gothic" panose="020B0502020202020204" pitchFamily="34" charset="0"/>
+              </a:rPr>
+              <a:t>KittenController</a:t>
+            </a:r>
+            <a:r>
+              <a:rPr lang="en-US" sz="2800" dirty="0">
+                <a:latin typeface="Century Gothic" panose="020B0502020202020204" pitchFamily="34" charset="0"/>
+              </a:rPr>
+              <a:t> extends </a:t>
+            </a:r>
+            <a:r>
+              <a:rPr lang="en-US" sz="2800" dirty="0" err="1">
+                <a:solidFill>
+                  <a:schemeClr val="accent2"/>
+                </a:solidFill>
+                <a:latin typeface="Century Gothic" panose="020B0502020202020204" pitchFamily="34" charset="0"/>
+              </a:rPr>
+              <a:t>AwesomeServer.AbstractController</a:t>
+            </a:r>
+            <a:r>
+              <a:rPr lang="en-US" sz="2800" dirty="0">
+                <a:solidFill>
+                  <a:schemeClr val="accent2"/>
+                </a:solidFill>
+                <a:latin typeface="Century Gothic" panose="020B0502020202020204" pitchFamily="34" charset="0"/>
+              </a:rPr>
+              <a:t> </a:t>
+            </a:r>
+            <a:r>
+              <a:rPr lang="en-US" sz="2800" dirty="0">
+                <a:latin typeface="Century Gothic" panose="020B0502020202020204" pitchFamily="34" charset="0"/>
+              </a:rPr>
+              <a:t>{</a:t>
+            </a:r>
+          </a:p>
+          <a:p>
+            <a:r>
+              <a:rPr lang="en-US" sz="2800" dirty="0">
+                <a:latin typeface="Century Gothic" panose="020B0502020202020204" pitchFamily="34" charset="0"/>
+              </a:rPr>
+              <a:t>	</a:t>
+            </a:r>
+            <a:r>
+              <a:rPr lang="en-US" sz="2800" dirty="0">
+                <a:solidFill>
+                  <a:srgbClr val="FFFF00"/>
+                </a:solidFill>
+                <a:latin typeface="Century Gothic" panose="020B0502020202020204" pitchFamily="34" charset="0"/>
+              </a:rPr>
+              <a:t>get</a:t>
+            </a:r>
+            <a:r>
+              <a:rPr lang="en-US" sz="2800" dirty="0">
+                <a:latin typeface="Century Gothic" panose="020B0502020202020204" pitchFamily="34" charset="0"/>
+              </a:rPr>
+              <a:t>(</a:t>
+            </a:r>
+            <a:r>
+              <a:rPr lang="en-US" sz="2800" dirty="0" err="1">
+                <a:latin typeface="Century Gothic" panose="020B0502020202020204" pitchFamily="34" charset="0"/>
+              </a:rPr>
+              <a:t>path,request,response</a:t>
+            </a:r>
+            <a:r>
+              <a:rPr lang="en-US" sz="2800" dirty="0">
+                <a:latin typeface="Century Gothic" panose="020B0502020202020204" pitchFamily="34" charset="0"/>
+              </a:rPr>
+              <a:t>) {</a:t>
+            </a:r>
+          </a:p>
+          <a:p>
+            <a:r>
+              <a:rPr lang="en-US" sz="2800" dirty="0">
+                <a:latin typeface="Century Gothic" panose="020B0502020202020204" pitchFamily="34" charset="0"/>
+              </a:rPr>
+              <a:t>	}</a:t>
+            </a:r>
+          </a:p>
+          <a:p>
+            <a:r>
+              <a:rPr lang="en-US" sz="2800" dirty="0">
+                <a:latin typeface="Century Gothic" panose="020B0502020202020204" pitchFamily="34" charset="0"/>
+              </a:rPr>
+              <a:t>}</a:t>
             </a:r>
           </a:p>
         </p:txBody>
@@ -27670,7 +28052,7 @@
     </p:spTree>
     <p:extLst>
       <p:ext uri="{BB962C8B-B14F-4D97-AF65-F5344CB8AC3E}">
-        <p14:creationId xmlns:p14="http://schemas.microsoft.com/office/powerpoint/2010/main" val="1655350197"/>
+        <p14:creationId xmlns:p14="http://schemas.microsoft.com/office/powerpoint/2010/main" val="3612034326"/>
       </p:ext>
     </p:extLst>
   </p:cSld>
@@ -27712,7 +28094,7 @@
         <p:spPr>
           <a:xfrm>
             <a:off x="0" y="0"/>
-            <a:ext cx="12192000" cy="6432530"/>
+            <a:ext cx="12192000" cy="3539430"/>
           </a:xfrm>
           <a:prstGeom prst="rect">
             <a:avLst/>
@@ -27725,252 +28107,210 @@
           <a:lstStyle/>
           <a:p>
             <a:r>
-              <a:rPr lang="en-US" sz="3200" dirty="0">
-                <a:latin typeface="Century Gothic" panose="020B0502020202020204" pitchFamily="34" charset="0"/>
-              </a:rPr>
-              <a:t>&gt; </a:t>
-            </a:r>
-            <a:r>
-              <a:rPr lang="en-US" sz="3200" b="1" dirty="0" err="1">
-                <a:solidFill>
-                  <a:srgbClr val="FFFF00"/>
-                </a:solidFill>
-                <a:latin typeface="Century Gothic" panose="020B0502020202020204" pitchFamily="34" charset="0"/>
-              </a:rPr>
-              <a:t>npm</a:t>
-            </a:r>
-            <a:r>
-              <a:rPr lang="en-US" sz="3200" b="1" dirty="0">
-                <a:solidFill>
-                  <a:srgbClr val="FFFF00"/>
-                </a:solidFill>
-                <a:latin typeface="Century Gothic" panose="020B0502020202020204" pitchFamily="34" charset="0"/>
-              </a:rPr>
-              <a:t> install @</a:t>
-            </a:r>
-            <a:r>
-              <a:rPr lang="en-US" sz="3200" b="1" dirty="0" err="1">
-                <a:solidFill>
-                  <a:srgbClr val="FFFF00"/>
-                </a:solidFill>
+              <a:rPr lang="en-US" sz="2800" dirty="0">
+                <a:latin typeface="Century Gothic" panose="020B0502020202020204" pitchFamily="34" charset="0"/>
+              </a:rPr>
+              <a:t>const </a:t>
+            </a:r>
+            <a:r>
+              <a:rPr lang="en-US" sz="2800" dirty="0" err="1">
+                <a:solidFill>
+                  <a:schemeClr val="accent2"/>
+                </a:solidFill>
+                <a:latin typeface="Century Gothic" panose="020B0502020202020204" pitchFamily="34" charset="0"/>
+              </a:rPr>
+              <a:t>AwesomeServer</a:t>
+            </a:r>
+            <a:r>
+              <a:rPr lang="en-US" sz="2800" dirty="0">
+                <a:latin typeface="Century Gothic" panose="020B0502020202020204" pitchFamily="34" charset="0"/>
+              </a:rPr>
+              <a:t> = require("@</a:t>
+            </a:r>
+            <a:r>
+              <a:rPr lang="en-US" sz="2800" dirty="0" err="1">
                 <a:latin typeface="Century Gothic" panose="020B0502020202020204" pitchFamily="34" charset="0"/>
               </a:rPr>
               <a:t>awesomeeng</a:t>
             </a:r>
             <a:r>
-              <a:rPr lang="en-US" sz="3200" b="1" dirty="0">
-                <a:solidFill>
-                  <a:srgbClr val="FFFF00"/>
-                </a:solidFill>
-                <a:latin typeface="Century Gothic" panose="020B0502020202020204" pitchFamily="34" charset="0"/>
-              </a:rPr>
-              <a:t>/awesome-log</a:t>
-            </a:r>
-          </a:p>
-          <a:p>
-            <a:r>
-              <a:rPr lang="en-US" sz="2800" dirty="0">
-                <a:latin typeface="Century Gothic" panose="020B0502020202020204" pitchFamily="34" charset="0"/>
-              </a:rPr>
-              <a:t>+ @</a:t>
-            </a:r>
-            <a:r>
-              <a:rPr lang="en-US" sz="2800" dirty="0" err="1">
-                <a:latin typeface="Century Gothic" panose="020B0502020202020204" pitchFamily="34" charset="0"/>
-              </a:rPr>
-              <a:t>awesomeeng</a:t>
-            </a:r>
-            <a:r>
-              <a:rPr lang="en-US" sz="2800" dirty="0">
-                <a:latin typeface="Century Gothic" panose="020B0502020202020204" pitchFamily="34" charset="0"/>
-              </a:rPr>
-              <a:t>/awesome-log@3.0.1</a:t>
-            </a:r>
-          </a:p>
-          <a:p>
-            <a:r>
-              <a:rPr lang="en-US" sz="2800" dirty="0">
-                <a:latin typeface="Century Gothic" panose="020B0502020202020204" pitchFamily="34" charset="0"/>
-              </a:rPr>
-              <a:t>added 2 packages from 2 contributors and audited 2 packages in 3.47s</a:t>
-            </a:r>
-          </a:p>
-          <a:p>
-            <a:r>
-              <a:rPr lang="en-US" sz="2800" dirty="0">
-                <a:latin typeface="Century Gothic" panose="020B0502020202020204" pitchFamily="34" charset="0"/>
-              </a:rPr>
-              <a:t>found 0 vulnerabilities</a:t>
-            </a:r>
-          </a:p>
-          <a:p>
-            <a:endParaRPr lang="en-US" sz="1200" dirty="0">
+              <a:rPr lang="en-US" sz="2800" dirty="0">
+                <a:latin typeface="Century Gothic" panose="020B0502020202020204" pitchFamily="34" charset="0"/>
+              </a:rPr>
+              <a:t>/awesome-server");</a:t>
+            </a:r>
+          </a:p>
+          <a:p>
+            <a:endParaRPr lang="en-US" sz="2800" dirty="0">
               <a:latin typeface="Century Gothic" panose="020B0502020202020204" pitchFamily="34" charset="0"/>
             </a:endParaRPr>
           </a:p>
           <a:p>
             <a:r>
-              <a:rPr lang="en-US" sz="3200" dirty="0">
-                <a:latin typeface="Century Gothic" panose="020B0502020202020204" pitchFamily="34" charset="0"/>
-              </a:rPr>
-              <a:t>&gt; </a:t>
-            </a:r>
-            <a:r>
-              <a:rPr lang="en-US" sz="3200" b="1" dirty="0" err="1">
+              <a:rPr lang="en-US" sz="2800" dirty="0">
+                <a:latin typeface="Century Gothic" panose="020B0502020202020204" pitchFamily="34" charset="0"/>
+              </a:rPr>
+              <a:t>class </a:t>
+            </a:r>
+            <a:r>
+              <a:rPr lang="en-US" sz="2800" dirty="0" err="1">
+                <a:solidFill>
+                  <a:srgbClr val="00B050"/>
+                </a:solidFill>
+                <a:latin typeface="Century Gothic" panose="020B0502020202020204" pitchFamily="34" charset="0"/>
+              </a:rPr>
+              <a:t>KittenController</a:t>
+            </a:r>
+            <a:r>
+              <a:rPr lang="en-US" sz="2800" dirty="0">
+                <a:latin typeface="Century Gothic" panose="020B0502020202020204" pitchFamily="34" charset="0"/>
+              </a:rPr>
+              <a:t> extends </a:t>
+            </a:r>
+            <a:r>
+              <a:rPr lang="en-US" sz="2800" dirty="0" err="1">
+                <a:solidFill>
+                  <a:schemeClr val="accent2"/>
+                </a:solidFill>
+                <a:latin typeface="Century Gothic" panose="020B0502020202020204" pitchFamily="34" charset="0"/>
+              </a:rPr>
+              <a:t>AwesomeServer.AbstractController</a:t>
+            </a:r>
+            <a:r>
+              <a:rPr lang="en-US" sz="2800" dirty="0">
+                <a:solidFill>
+                  <a:schemeClr val="accent2"/>
+                </a:solidFill>
+                <a:latin typeface="Century Gothic" panose="020B0502020202020204" pitchFamily="34" charset="0"/>
+              </a:rPr>
+              <a:t> </a:t>
+            </a:r>
+            <a:r>
+              <a:rPr lang="en-US" sz="2800" dirty="0">
+                <a:latin typeface="Century Gothic" panose="020B0502020202020204" pitchFamily="34" charset="0"/>
+              </a:rPr>
+              <a:t>{</a:t>
+            </a:r>
+          </a:p>
+          <a:p>
+            <a:r>
+              <a:rPr lang="en-US" sz="2800" dirty="0">
+                <a:latin typeface="Century Gothic" panose="020B0502020202020204" pitchFamily="34" charset="0"/>
+              </a:rPr>
+              <a:t>	</a:t>
+            </a:r>
+            <a:r>
+              <a:rPr lang="en-US" sz="2800" dirty="0">
                 <a:solidFill>
                   <a:srgbClr val="FFFF00"/>
                 </a:solidFill>
                 <a:latin typeface="Century Gothic" panose="020B0502020202020204" pitchFamily="34" charset="0"/>
               </a:rPr>
-              <a:t>npm</a:t>
-            </a:r>
-            <a:r>
-              <a:rPr lang="en-US" sz="3200" b="1" dirty="0">
-                <a:solidFill>
-                  <a:srgbClr val="FFFF00"/>
-                </a:solidFill>
-                <a:latin typeface="Century Gothic" panose="020B0502020202020204" pitchFamily="34" charset="0"/>
-              </a:rPr>
-              <a:t> install @</a:t>
-            </a:r>
-            <a:r>
-              <a:rPr lang="en-US" sz="3200" b="1" dirty="0" err="1">
-                <a:solidFill>
-                  <a:srgbClr val="FFFF00"/>
-                </a:solidFill>
-                <a:latin typeface="Century Gothic" panose="020B0502020202020204" pitchFamily="34" charset="0"/>
-              </a:rPr>
-              <a:t>awesomeeng</a:t>
-            </a:r>
-            <a:r>
-              <a:rPr lang="en-US" sz="3200" b="1" dirty="0">
-                <a:solidFill>
-                  <a:srgbClr val="FFFF00"/>
-                </a:solidFill>
-                <a:latin typeface="Century Gothic" panose="020B0502020202020204" pitchFamily="34" charset="0"/>
-              </a:rPr>
-              <a:t>/awesome-config</a:t>
-            </a:r>
-          </a:p>
-          <a:p>
-            <a:r>
-              <a:rPr lang="en-US" sz="2800" dirty="0">
-                <a:latin typeface="Century Gothic" panose="020B0502020202020204" pitchFamily="34" charset="0"/>
-              </a:rPr>
-              <a:t>+ @</a:t>
+              <a:t>get</a:t>
+            </a:r>
+            <a:r>
+              <a:rPr lang="en-US" sz="2800" dirty="0">
+                <a:latin typeface="Century Gothic" panose="020B0502020202020204" pitchFamily="34" charset="0"/>
+              </a:rPr>
+              <a:t>(</a:t>
             </a:r>
             <a:r>
               <a:rPr lang="en-US" sz="2800" dirty="0" err="1">
                 <a:latin typeface="Century Gothic" panose="020B0502020202020204" pitchFamily="34" charset="0"/>
               </a:rPr>
-              <a:t>awesomeeng</a:t>
-            </a:r>
-            <a:r>
-              <a:rPr lang="en-US" sz="2800" dirty="0">
-                <a:latin typeface="Century Gothic" panose="020B0502020202020204" pitchFamily="34" charset="0"/>
-              </a:rPr>
-              <a:t>/awesome-config@1.0.0</a:t>
-            </a:r>
-          </a:p>
-          <a:p>
-            <a:r>
-              <a:rPr lang="en-US" sz="2800" dirty="0">
-                <a:latin typeface="Century Gothic" panose="020B0502020202020204" pitchFamily="34" charset="0"/>
-              </a:rPr>
-              <a:t>added 3 packages from 2 contributors and audited 4 packages in 2.835s</a:t>
-            </a:r>
-          </a:p>
-          <a:p>
-            <a:r>
-              <a:rPr lang="en-US" sz="2800" dirty="0">
-                <a:latin typeface="Century Gothic" panose="020B0502020202020204" pitchFamily="34" charset="0"/>
-              </a:rPr>
-              <a:t>found 0 vulnerabilities</a:t>
-            </a:r>
-          </a:p>
-          <a:p>
-            <a:endParaRPr lang="en-US" sz="1200" dirty="0">
-              <a:latin typeface="Century Gothic" panose="020B0502020202020204" pitchFamily="34" charset="0"/>
-            </a:endParaRPr>
-          </a:p>
-          <a:p>
-            <a:r>
-              <a:rPr lang="en-US" sz="2800" dirty="0">
-                <a:latin typeface="Century Gothic" panose="020B0502020202020204" pitchFamily="34" charset="0"/>
-              </a:rPr>
-              <a:t>&gt; </a:t>
-            </a:r>
-            <a:r>
-              <a:rPr lang="en-US" sz="2800" b="1" dirty="0" err="1">
-                <a:solidFill>
-                  <a:srgbClr val="FFFF00"/>
-                </a:solidFill>
-                <a:latin typeface="Century Gothic" panose="020B0502020202020204" pitchFamily="34" charset="0"/>
-              </a:rPr>
-              <a:t>npm</a:t>
-            </a:r>
-            <a:r>
-              <a:rPr lang="en-US" sz="2800" b="1" dirty="0">
-                <a:solidFill>
-                  <a:srgbClr val="FFFF00"/>
-                </a:solidFill>
-                <a:latin typeface="Century Gothic" panose="020B0502020202020204" pitchFamily="34" charset="0"/>
-              </a:rPr>
-              <a:t> install @</a:t>
-            </a:r>
-            <a:r>
-              <a:rPr lang="en-US" sz="2800" b="1" dirty="0" err="1">
-                <a:solidFill>
-                  <a:srgbClr val="FFFF00"/>
-                </a:solidFill>
-                <a:latin typeface="Century Gothic" panose="020B0502020202020204" pitchFamily="34" charset="0"/>
-              </a:rPr>
-              <a:t>awesomeeng</a:t>
-            </a:r>
-            <a:r>
-              <a:rPr lang="en-US" sz="2800" b="1" dirty="0">
-                <a:solidFill>
-                  <a:srgbClr val="FFFF00"/>
-                </a:solidFill>
-                <a:latin typeface="Century Gothic" panose="020B0502020202020204" pitchFamily="34" charset="0"/>
-              </a:rPr>
-              <a:t>/awesome-server</a:t>
-            </a:r>
-          </a:p>
-          <a:p>
-            <a:r>
-              <a:rPr lang="en-US" sz="2400" dirty="0">
-                <a:latin typeface="Century Gothic" panose="020B0502020202020204" pitchFamily="34" charset="0"/>
-              </a:rPr>
-              <a:t>+ @</a:t>
-            </a:r>
-            <a:r>
-              <a:rPr lang="en-US" sz="2400" dirty="0" err="1">
-                <a:latin typeface="Century Gothic" panose="020B0502020202020204" pitchFamily="34" charset="0"/>
-              </a:rPr>
-              <a:t>awesomeeng</a:t>
-            </a:r>
-            <a:r>
-              <a:rPr lang="en-US" sz="2400" dirty="0">
-                <a:latin typeface="Century Gothic" panose="020B0502020202020204" pitchFamily="34" charset="0"/>
-              </a:rPr>
-              <a:t>/awesome-server@1.2.1</a:t>
-            </a:r>
-          </a:p>
-          <a:p>
-            <a:r>
-              <a:rPr lang="en-US" sz="2400" dirty="0">
-                <a:latin typeface="Century Gothic" panose="020B0502020202020204" pitchFamily="34" charset="0"/>
-              </a:rPr>
-              <a:t>added 1 package from 2 contributors and audited 9 packages in 1.533s</a:t>
-            </a:r>
-          </a:p>
-          <a:p>
-            <a:r>
-              <a:rPr lang="en-US" sz="2400" dirty="0">
-                <a:latin typeface="Century Gothic" panose="020B0502020202020204" pitchFamily="34" charset="0"/>
-              </a:rPr>
-              <a:t>found 0 vulnerabilities</a:t>
+              <a:t>path,request,response</a:t>
+            </a:r>
+            <a:r>
+              <a:rPr lang="en-US" sz="2800" dirty="0">
+                <a:latin typeface="Century Gothic" panose="020B0502020202020204" pitchFamily="34" charset="0"/>
+              </a:rPr>
+              <a:t>) {</a:t>
+            </a:r>
+          </a:p>
+          <a:p>
+            <a:r>
+              <a:rPr lang="en-US" sz="2800" dirty="0">
+                <a:latin typeface="Century Gothic" panose="020B0502020202020204" pitchFamily="34" charset="0"/>
+              </a:rPr>
+              <a:t>		if (path==="") return </a:t>
+            </a:r>
+            <a:r>
+              <a:rPr lang="en-US" sz="2800" dirty="0" err="1">
+                <a:solidFill>
+                  <a:srgbClr val="FF0000"/>
+                </a:solidFill>
+                <a:latin typeface="Century Gothic" panose="020B0502020202020204" pitchFamily="34" charset="0"/>
+              </a:rPr>
+              <a:t>getKittenIds</a:t>
+            </a:r>
+            <a:r>
+              <a:rPr lang="en-US" sz="2800" dirty="0">
+                <a:latin typeface="Century Gothic" panose="020B0502020202020204" pitchFamily="34" charset="0"/>
+              </a:rPr>
+              <a:t>(</a:t>
+            </a:r>
+            <a:r>
+              <a:rPr lang="en-US" sz="2800" dirty="0" err="1">
+                <a:latin typeface="Century Gothic" panose="020B0502020202020204" pitchFamily="34" charset="0"/>
+              </a:rPr>
+              <a:t>path,request,response</a:t>
+            </a:r>
+            <a:r>
+              <a:rPr lang="en-US" sz="2800" dirty="0">
+                <a:latin typeface="Century Gothic" panose="020B0502020202020204" pitchFamily="34" charset="0"/>
+              </a:rPr>
+              <a:t>);</a:t>
+            </a:r>
+          </a:p>
+          <a:p>
+            <a:r>
+              <a:rPr lang="en-US" sz="2800" dirty="0">
+                <a:latin typeface="Century Gothic" panose="020B0502020202020204" pitchFamily="34" charset="0"/>
+              </a:rPr>
+              <a:t>		else return </a:t>
+            </a:r>
+            <a:r>
+              <a:rPr lang="en-US" sz="2800" dirty="0" err="1">
+                <a:solidFill>
+                  <a:srgbClr val="FF0000"/>
+                </a:solidFill>
+                <a:latin typeface="Century Gothic" panose="020B0502020202020204" pitchFamily="34" charset="0"/>
+              </a:rPr>
+              <a:t>getSpecificKitten</a:t>
+            </a:r>
+            <a:r>
+              <a:rPr lang="en-US" sz="2800" dirty="0">
+                <a:latin typeface="Century Gothic" panose="020B0502020202020204" pitchFamily="34" charset="0"/>
+              </a:rPr>
+              <a:t>(</a:t>
+            </a:r>
+            <a:r>
+              <a:rPr lang="en-US" sz="2800" dirty="0" err="1">
+                <a:latin typeface="Century Gothic" panose="020B0502020202020204" pitchFamily="34" charset="0"/>
+              </a:rPr>
+              <a:t>path,request,response</a:t>
+            </a:r>
+            <a:r>
+              <a:rPr lang="en-US" sz="2800" dirty="0">
+                <a:latin typeface="Century Gothic" panose="020B0502020202020204" pitchFamily="34" charset="0"/>
+              </a:rPr>
+              <a:t>);</a:t>
+            </a:r>
+          </a:p>
+          <a:p>
+            <a:r>
+              <a:rPr lang="en-US" sz="2800" dirty="0">
+                <a:latin typeface="Century Gothic" panose="020B0502020202020204" pitchFamily="34" charset="0"/>
+              </a:rPr>
+              <a:t>	}</a:t>
+            </a:r>
+          </a:p>
+          <a:p>
+            <a:r>
+              <a:rPr lang="en-US" sz="2800" dirty="0">
+                <a:latin typeface="Century Gothic" panose="020B0502020202020204" pitchFamily="34" charset="0"/>
+              </a:rPr>
+              <a:t>}</a:t>
             </a:r>
           </a:p>
         </p:txBody>
@@ -27978,7 +28318,7 @@
     </p:spTree>
     <p:extLst>
       <p:ext uri="{BB962C8B-B14F-4D97-AF65-F5344CB8AC3E}">
-        <p14:creationId xmlns:p14="http://schemas.microsoft.com/office/powerpoint/2010/main" val="347183604"/>
+        <p14:creationId xmlns:p14="http://schemas.microsoft.com/office/powerpoint/2010/main" val="2944154480"/>
       </p:ext>
     </p:extLst>
   </p:cSld>
@@ -28020,7 +28360,7 @@
         <p:spPr>
           <a:xfrm>
             <a:off x="0" y="0"/>
-            <a:ext cx="12192000" cy="2677656"/>
+            <a:ext cx="12192000" cy="7201972"/>
           </a:xfrm>
           <a:prstGeom prst="rect">
             <a:avLst/>
@@ -28041,29 +28381,343 @@
             <a:r>
               <a:rPr lang="en-US" sz="2800" dirty="0" err="1">
                 <a:solidFill>
-                  <a:schemeClr val="accent2"/>
-                </a:solidFill>
-                <a:latin typeface="Century Gothic" panose="020B0502020202020204" pitchFamily="34" charset="0"/>
-              </a:rPr>
-              <a:t>AwesomeServer</a:t>
-            </a:r>
-            <a:r>
-              <a:rPr lang="en-US" sz="2800" dirty="0">
-                <a:latin typeface="Century Gothic" panose="020B0502020202020204" pitchFamily="34" charset="0"/>
-              </a:rPr>
-              <a:t> = require("@</a:t>
+                  <a:srgbClr val="FF0000"/>
+                </a:solidFill>
+                <a:latin typeface="Century Gothic" panose="020B0502020202020204" pitchFamily="34" charset="0"/>
+              </a:rPr>
+              <a:t>getKittenIds</a:t>
+            </a:r>
+            <a:r>
+              <a:rPr lang="en-US" sz="2800" dirty="0">
+                <a:latin typeface="Century Gothic" panose="020B0502020202020204" pitchFamily="34" charset="0"/>
+              </a:rPr>
+              <a:t> = function(</a:t>
             </a:r>
             <a:r>
               <a:rPr lang="en-US" sz="2800" dirty="0" err="1">
                 <a:latin typeface="Century Gothic" panose="020B0502020202020204" pitchFamily="34" charset="0"/>
               </a:rPr>
-              <a:t>awesomeeng</a:t>
-            </a:r>
-            <a:r>
-              <a:rPr lang="en-US" sz="2800" dirty="0">
-                <a:latin typeface="Century Gothic" panose="020B0502020202020204" pitchFamily="34" charset="0"/>
-              </a:rPr>
-              <a:t>/awesome-server");</a:t>
+              <a:t>path,request,response</a:t>
+            </a:r>
+            <a:r>
+              <a:rPr lang="en-US" sz="2800" dirty="0">
+                <a:latin typeface="Century Gothic" panose="020B0502020202020204" pitchFamily="34" charset="0"/>
+              </a:rPr>
+              <a:t>) {</a:t>
+            </a:r>
+          </a:p>
+          <a:p>
+            <a:r>
+              <a:rPr lang="en-US" dirty="0">
+                <a:latin typeface="Century Gothic" panose="020B0502020202020204" pitchFamily="34" charset="0"/>
+              </a:rPr>
+              <a:t>	return new Promise((</a:t>
+            </a:r>
+            <a:r>
+              <a:rPr lang="en-US" dirty="0" err="1">
+                <a:latin typeface="Century Gothic" panose="020B0502020202020204" pitchFamily="34" charset="0"/>
+              </a:rPr>
+              <a:t>resolve,reject</a:t>
+            </a:r>
+            <a:r>
+              <a:rPr lang="en-US" dirty="0">
+                <a:latin typeface="Century Gothic" panose="020B0502020202020204" pitchFamily="34" charset="0"/>
+              </a:rPr>
+              <a:t>)=&gt;{</a:t>
+            </a:r>
+          </a:p>
+          <a:p>
+            <a:r>
+              <a:rPr lang="en-US" dirty="0">
+                <a:latin typeface="Century Gothic" panose="020B0502020202020204" pitchFamily="34" charset="0"/>
+              </a:rPr>
+              <a:t>		try {</a:t>
+            </a:r>
+          </a:p>
+          <a:p>
+            <a:r>
+              <a:rPr lang="en-US" dirty="0">
+                <a:latin typeface="Century Gothic" panose="020B0502020202020204" pitchFamily="34" charset="0"/>
+              </a:rPr>
+              <a:t>			path = </a:t>
+            </a:r>
+            <a:r>
+              <a:rPr lang="en-US" dirty="0" err="1">
+                <a:latin typeface="Century Gothic" panose="020B0502020202020204" pitchFamily="34" charset="0"/>
+              </a:rPr>
+              <a:t>Path.resolve</a:t>
+            </a:r>
+            <a:r>
+              <a:rPr lang="en-US" dirty="0">
+                <a:latin typeface="Century Gothic" panose="020B0502020202020204" pitchFamily="34" charset="0"/>
+              </a:rPr>
+              <a:t>("./images")</a:t>
+            </a:r>
+          </a:p>
+          <a:p>
+            <a:r>
+              <a:rPr lang="en-US" dirty="0">
+                <a:latin typeface="Century Gothic" panose="020B0502020202020204" pitchFamily="34" charset="0"/>
+              </a:rPr>
+              <a:t>			</a:t>
+            </a:r>
+            <a:r>
+              <a:rPr lang="en-US" dirty="0" err="1">
+                <a:latin typeface="Century Gothic" panose="020B0502020202020204" pitchFamily="34" charset="0"/>
+              </a:rPr>
+              <a:t>FS.readdir</a:t>
+            </a:r>
+            <a:r>
+              <a:rPr lang="en-US" dirty="0">
+                <a:latin typeface="Century Gothic" panose="020B0502020202020204" pitchFamily="34" charset="0"/>
+              </a:rPr>
+              <a:t>(</a:t>
+            </a:r>
+            <a:r>
+              <a:rPr lang="en-US" dirty="0" err="1">
+                <a:latin typeface="Century Gothic" panose="020B0502020202020204" pitchFamily="34" charset="0"/>
+              </a:rPr>
+              <a:t>path,async</a:t>
+            </a:r>
+            <a:r>
+              <a:rPr lang="en-US" dirty="0">
+                <a:latin typeface="Century Gothic" panose="020B0502020202020204" pitchFamily="34" charset="0"/>
+              </a:rPr>
+              <a:t> (</a:t>
+            </a:r>
+            <a:r>
+              <a:rPr lang="en-US" dirty="0" err="1">
+                <a:latin typeface="Century Gothic" panose="020B0502020202020204" pitchFamily="34" charset="0"/>
+              </a:rPr>
+              <a:t>err,files</a:t>
+            </a:r>
+            <a:r>
+              <a:rPr lang="en-US" dirty="0">
+                <a:latin typeface="Century Gothic" panose="020B0502020202020204" pitchFamily="34" charset="0"/>
+              </a:rPr>
+              <a:t>)=&gt;{</a:t>
+            </a:r>
+          </a:p>
+          <a:p>
+            <a:r>
+              <a:rPr lang="en-US" dirty="0">
+                <a:latin typeface="Century Gothic" panose="020B0502020202020204" pitchFamily="34" charset="0"/>
+              </a:rPr>
+              <a:t>				if (err) return await </a:t>
+            </a:r>
+            <a:r>
+              <a:rPr lang="en-US" dirty="0" err="1">
+                <a:latin typeface="Century Gothic" panose="020B0502020202020204" pitchFamily="34" charset="0"/>
+              </a:rPr>
+              <a:t>response.writeError</a:t>
+            </a:r>
+            <a:r>
+              <a:rPr lang="en-US" dirty="0">
+                <a:latin typeface="Century Gothic" panose="020B0502020202020204" pitchFamily="34" charset="0"/>
+              </a:rPr>
+              <a:t>(500,err);</a:t>
+            </a:r>
+          </a:p>
+          <a:p>
+            <a:endParaRPr lang="en-US" dirty="0">
+              <a:latin typeface="Century Gothic" panose="020B0502020202020204" pitchFamily="34" charset="0"/>
+            </a:endParaRPr>
+          </a:p>
+          <a:p>
+            <a:r>
+              <a:rPr lang="en-US" dirty="0">
+                <a:latin typeface="Century Gothic" panose="020B0502020202020204" pitchFamily="34" charset="0"/>
+              </a:rPr>
+              <a:t>				files = </a:t>
+            </a:r>
+            <a:r>
+              <a:rPr lang="en-US" dirty="0" err="1">
+                <a:latin typeface="Century Gothic" panose="020B0502020202020204" pitchFamily="34" charset="0"/>
+              </a:rPr>
+              <a:t>files.filter</a:t>
+            </a:r>
+            <a:r>
+              <a:rPr lang="en-US" dirty="0">
+                <a:latin typeface="Century Gothic" panose="020B0502020202020204" pitchFamily="34" charset="0"/>
+              </a:rPr>
+              <a:t>((filename)=&gt;{</a:t>
+            </a:r>
+          </a:p>
+          <a:p>
+            <a:r>
+              <a:rPr lang="en-US" dirty="0">
+                <a:latin typeface="Century Gothic" panose="020B0502020202020204" pitchFamily="34" charset="0"/>
+              </a:rPr>
+              <a:t>					return </a:t>
+            </a:r>
+            <a:r>
+              <a:rPr lang="en-US" dirty="0" err="1">
+                <a:latin typeface="Century Gothic" panose="020B0502020202020204" pitchFamily="34" charset="0"/>
+              </a:rPr>
+              <a:t>filename.endsWith</a:t>
+            </a:r>
+            <a:r>
+              <a:rPr lang="en-US" dirty="0">
+                <a:latin typeface="Century Gothic" panose="020B0502020202020204" pitchFamily="34" charset="0"/>
+              </a:rPr>
+              <a:t>(".jpg");</a:t>
+            </a:r>
+          </a:p>
+          <a:p>
+            <a:r>
+              <a:rPr lang="en-US" dirty="0">
+                <a:latin typeface="Century Gothic" panose="020B0502020202020204" pitchFamily="34" charset="0"/>
+              </a:rPr>
+              <a:t>				});</a:t>
+            </a:r>
+          </a:p>
+          <a:p>
+            <a:r>
+              <a:rPr lang="en-US" dirty="0">
+                <a:latin typeface="Century Gothic" panose="020B0502020202020204" pitchFamily="34" charset="0"/>
+              </a:rPr>
+              <a:t>				files = </a:t>
+            </a:r>
+            <a:r>
+              <a:rPr lang="en-US" dirty="0" err="1">
+                <a:latin typeface="Century Gothic" panose="020B0502020202020204" pitchFamily="34" charset="0"/>
+              </a:rPr>
+              <a:t>files.map</a:t>
+            </a:r>
+            <a:r>
+              <a:rPr lang="en-US" dirty="0">
+                <a:latin typeface="Century Gothic" panose="020B0502020202020204" pitchFamily="34" charset="0"/>
+              </a:rPr>
+              <a:t>((filename)=&gt;{</a:t>
+            </a:r>
+          </a:p>
+          <a:p>
+            <a:r>
+              <a:rPr lang="en-US" dirty="0">
+                <a:latin typeface="Century Gothic" panose="020B0502020202020204" pitchFamily="34" charset="0"/>
+              </a:rPr>
+              <a:t>					return </a:t>
+            </a:r>
+            <a:r>
+              <a:rPr lang="en-US" dirty="0" err="1">
+                <a:latin typeface="Century Gothic" panose="020B0502020202020204" pitchFamily="34" charset="0"/>
+              </a:rPr>
+              <a:t>Path.basename</a:t>
+            </a:r>
+            <a:r>
+              <a:rPr lang="en-US" dirty="0">
+                <a:latin typeface="Century Gothic" panose="020B0502020202020204" pitchFamily="34" charset="0"/>
+              </a:rPr>
+              <a:t>(</a:t>
+            </a:r>
+            <a:r>
+              <a:rPr lang="en-US" dirty="0" err="1">
+                <a:latin typeface="Century Gothic" panose="020B0502020202020204" pitchFamily="34" charset="0"/>
+              </a:rPr>
+              <a:t>filename,".jpg</a:t>
+            </a:r>
+            <a:r>
+              <a:rPr lang="en-US" dirty="0">
+                <a:latin typeface="Century Gothic" panose="020B0502020202020204" pitchFamily="34" charset="0"/>
+              </a:rPr>
+              <a:t>");</a:t>
+            </a:r>
+          </a:p>
+          <a:p>
+            <a:r>
+              <a:rPr lang="en-US" dirty="0">
+                <a:latin typeface="Century Gothic" panose="020B0502020202020204" pitchFamily="34" charset="0"/>
+              </a:rPr>
+              <a:t>				});</a:t>
+            </a:r>
+          </a:p>
+          <a:p>
+            <a:r>
+              <a:rPr lang="en-US" dirty="0">
+                <a:latin typeface="Century Gothic" panose="020B0502020202020204" pitchFamily="34" charset="0"/>
+              </a:rPr>
+              <a:t>				await </a:t>
+            </a:r>
+            <a:r>
+              <a:rPr lang="en-US" dirty="0" err="1">
+                <a:latin typeface="Century Gothic" panose="020B0502020202020204" pitchFamily="34" charset="0"/>
+              </a:rPr>
+              <a:t>response.writeJSON</a:t>
+            </a:r>
+            <a:r>
+              <a:rPr lang="en-US" dirty="0">
+                <a:latin typeface="Century Gothic" panose="020B0502020202020204" pitchFamily="34" charset="0"/>
+              </a:rPr>
+              <a:t>(files);</a:t>
+            </a:r>
+          </a:p>
+          <a:p>
+            <a:endParaRPr lang="en-US" dirty="0">
+              <a:latin typeface="Century Gothic" panose="020B0502020202020204" pitchFamily="34" charset="0"/>
+            </a:endParaRPr>
+          </a:p>
+          <a:p>
+            <a:r>
+              <a:rPr lang="en-US" dirty="0">
+                <a:latin typeface="Century Gothic" panose="020B0502020202020204" pitchFamily="34" charset="0"/>
+              </a:rPr>
+              <a:t>				resolve();</a:t>
+            </a:r>
+          </a:p>
+          <a:p>
+            <a:r>
+              <a:rPr lang="en-US" dirty="0">
+                <a:latin typeface="Century Gothic" panose="020B0502020202020204" pitchFamily="34" charset="0"/>
+              </a:rPr>
+              <a:t>			});</a:t>
+            </a:r>
+          </a:p>
+          <a:p>
+            <a:r>
+              <a:rPr lang="en-US" dirty="0">
+                <a:latin typeface="Century Gothic" panose="020B0502020202020204" pitchFamily="34" charset="0"/>
+              </a:rPr>
+              <a:t>		}</a:t>
+            </a:r>
+          </a:p>
+          <a:p>
+            <a:r>
+              <a:rPr lang="en-US" dirty="0">
+                <a:latin typeface="Century Gothic" panose="020B0502020202020204" pitchFamily="34" charset="0"/>
+              </a:rPr>
+              <a:t>		catch (ex) {</a:t>
+            </a:r>
+          </a:p>
+          <a:p>
+            <a:r>
+              <a:rPr lang="en-US" dirty="0">
+                <a:latin typeface="Century Gothic" panose="020B0502020202020204" pitchFamily="34" charset="0"/>
+              </a:rPr>
+              <a:t>			return reject(ex);</a:t>
+            </a:r>
+          </a:p>
+          <a:p>
+            <a:r>
+              <a:rPr lang="en-US" dirty="0">
+                <a:latin typeface="Century Gothic" panose="020B0502020202020204" pitchFamily="34" charset="0"/>
+              </a:rPr>
+              <a:t>		}</a:t>
+            </a:r>
+          </a:p>
+          <a:p>
+            <a:r>
+              <a:rPr lang="en-US" dirty="0">
+                <a:latin typeface="Century Gothic" panose="020B0502020202020204" pitchFamily="34" charset="0"/>
+              </a:rPr>
+              <a:t>	});</a:t>
+            </a:r>
+          </a:p>
+          <a:p>
+            <a:r>
+              <a:rPr lang="en-US" sz="2800" dirty="0">
+                <a:latin typeface="Century Gothic" panose="020B0502020202020204" pitchFamily="34" charset="0"/>
+              </a:rPr>
+              <a:t>};</a:t>
             </a:r>
           </a:p>
           <a:p>
@@ -28071,110 +28725,12 @@
               <a:latin typeface="Century Gothic" panose="020B0502020202020204" pitchFamily="34" charset="0"/>
             </a:endParaRPr>
           </a:p>
-          <a:p>
-            <a:r>
-              <a:rPr lang="en-US" sz="2800" dirty="0">
-                <a:latin typeface="Century Gothic" panose="020B0502020202020204" pitchFamily="34" charset="0"/>
-              </a:rPr>
-              <a:t>class </a:t>
-            </a:r>
-            <a:r>
-              <a:rPr lang="en-US" sz="2800" dirty="0" err="1">
-                <a:solidFill>
-                  <a:srgbClr val="00B050"/>
-                </a:solidFill>
-                <a:latin typeface="Century Gothic" panose="020B0502020202020204" pitchFamily="34" charset="0"/>
-              </a:rPr>
-              <a:t>KittenController</a:t>
-            </a:r>
-            <a:r>
-              <a:rPr lang="en-US" sz="2800" dirty="0">
-                <a:latin typeface="Century Gothic" panose="020B0502020202020204" pitchFamily="34" charset="0"/>
-              </a:rPr>
-              <a:t> extends </a:t>
-            </a:r>
-            <a:r>
-              <a:rPr lang="en-US" sz="2800" dirty="0" err="1">
-                <a:solidFill>
-                  <a:schemeClr val="accent2"/>
-                </a:solidFill>
-                <a:latin typeface="Century Gothic" panose="020B0502020202020204" pitchFamily="34" charset="0"/>
-              </a:rPr>
-              <a:t>AwesomeServer.AbstractController</a:t>
-            </a:r>
-            <a:r>
-              <a:rPr lang="en-US" sz="2800" dirty="0">
-                <a:solidFill>
-                  <a:schemeClr val="accent2"/>
-                </a:solidFill>
-                <a:latin typeface="Century Gothic" panose="020B0502020202020204" pitchFamily="34" charset="0"/>
-              </a:rPr>
-              <a:t> </a:t>
-            </a:r>
-            <a:r>
-              <a:rPr lang="en-US" sz="2800" dirty="0">
-                <a:latin typeface="Century Gothic" panose="020B0502020202020204" pitchFamily="34" charset="0"/>
-              </a:rPr>
-              <a:t>{</a:t>
-            </a:r>
-          </a:p>
-          <a:p>
-            <a:r>
-              <a:rPr lang="en-US" sz="2800" dirty="0">
-                <a:latin typeface="Century Gothic" panose="020B0502020202020204" pitchFamily="34" charset="0"/>
-              </a:rPr>
-              <a:t>	</a:t>
-            </a:r>
-            <a:r>
-              <a:rPr lang="en-US" sz="2800" dirty="0">
-                <a:solidFill>
-                  <a:srgbClr val="FFFF00"/>
-                </a:solidFill>
-                <a:latin typeface="Century Gothic" panose="020B0502020202020204" pitchFamily="34" charset="0"/>
-              </a:rPr>
-              <a:t>get</a:t>
-            </a:r>
-            <a:r>
-              <a:rPr lang="en-US" sz="2800" dirty="0">
-                <a:latin typeface="Century Gothic" panose="020B0502020202020204" pitchFamily="34" charset="0"/>
-              </a:rPr>
-              <a:t>(</a:t>
-            </a:r>
-            <a:r>
-              <a:rPr lang="en-US" sz="2800" dirty="0" err="1">
-                <a:latin typeface="Century Gothic" panose="020B0502020202020204" pitchFamily="34" charset="0"/>
-              </a:rPr>
-              <a:t>path,request,response</a:t>
-            </a:r>
-            <a:r>
-              <a:rPr lang="en-US" sz="2800" dirty="0">
-                <a:latin typeface="Century Gothic" panose="020B0502020202020204" pitchFamily="34" charset="0"/>
-              </a:rPr>
-              <a:t>) {</a:t>
-            </a:r>
-          </a:p>
-          <a:p>
-            <a:r>
-              <a:rPr lang="en-US" sz="2800" dirty="0">
-                <a:latin typeface="Century Gothic" panose="020B0502020202020204" pitchFamily="34" charset="0"/>
-              </a:rPr>
-              <a:t>	}</a:t>
-            </a:r>
-          </a:p>
-          <a:p>
-            <a:r>
-              <a:rPr lang="en-US" sz="2800" dirty="0">
-                <a:latin typeface="Century Gothic" panose="020B0502020202020204" pitchFamily="34" charset="0"/>
-              </a:rPr>
-              <a:t>}</a:t>
-            </a:r>
-          </a:p>
         </p:txBody>
       </p:sp>
     </p:spTree>
     <p:extLst>
       <p:ext uri="{BB962C8B-B14F-4D97-AF65-F5344CB8AC3E}">
-        <p14:creationId xmlns:p14="http://schemas.microsoft.com/office/powerpoint/2010/main" val="3612034326"/>
+        <p14:creationId xmlns:p14="http://schemas.microsoft.com/office/powerpoint/2010/main" val="1632898316"/>
       </p:ext>
     </p:extLst>
   </p:cSld>
@@ -28216,7 +28772,7 @@
         <p:spPr>
           <a:xfrm>
             <a:off x="0" y="0"/>
-            <a:ext cx="12192000" cy="3539430"/>
+            <a:ext cx="12192000" cy="1661993"/>
           </a:xfrm>
           <a:prstGeom prst="rect">
             <a:avLst/>
@@ -28237,29 +28793,84 @@
             <a:r>
               <a:rPr lang="en-US" sz="2800" dirty="0" err="1">
                 <a:solidFill>
-                  <a:schemeClr val="accent2"/>
-                </a:solidFill>
-                <a:latin typeface="Century Gothic" panose="020B0502020202020204" pitchFamily="34" charset="0"/>
-              </a:rPr>
-              <a:t>AwesomeServer</a:t>
-            </a:r>
-            <a:r>
-              <a:rPr lang="en-US" sz="2800" dirty="0">
-                <a:latin typeface="Century Gothic" panose="020B0502020202020204" pitchFamily="34" charset="0"/>
-              </a:rPr>
-              <a:t> = require("@</a:t>
+                  <a:srgbClr val="FF0000"/>
+                </a:solidFill>
+                <a:latin typeface="Century Gothic" panose="020B0502020202020204" pitchFamily="34" charset="0"/>
+              </a:rPr>
+              <a:t>getSpecificKitten</a:t>
+            </a:r>
+            <a:r>
+              <a:rPr lang="en-US" sz="2800" dirty="0">
+                <a:latin typeface="Century Gothic" panose="020B0502020202020204" pitchFamily="34" charset="0"/>
+              </a:rPr>
+              <a:t> = function(</a:t>
             </a:r>
             <a:r>
               <a:rPr lang="en-US" sz="2800" dirty="0" err="1">
                 <a:latin typeface="Century Gothic" panose="020B0502020202020204" pitchFamily="34" charset="0"/>
               </a:rPr>
-              <a:t>awesomeeng</a:t>
-            </a:r>
-            <a:r>
-              <a:rPr lang="en-US" sz="2800" dirty="0">
-                <a:latin typeface="Century Gothic" panose="020B0502020202020204" pitchFamily="34" charset="0"/>
-              </a:rPr>
-              <a:t>/awesome-server");</a:t>
+              <a:t>id,request,response</a:t>
+            </a:r>
+            <a:r>
+              <a:rPr lang="en-US" sz="2800" dirty="0">
+                <a:latin typeface="Century Gothic" panose="020B0502020202020204" pitchFamily="34" charset="0"/>
+              </a:rPr>
+              <a:t>) {</a:t>
+            </a:r>
+          </a:p>
+          <a:p>
+            <a:r>
+              <a:rPr lang="en-US" dirty="0">
+                <a:latin typeface="Century Gothic" panose="020B0502020202020204" pitchFamily="34" charset="0"/>
+              </a:rPr>
+              <a:t>	return </a:t>
+            </a:r>
+            <a:r>
+              <a:rPr lang="en-US" dirty="0" err="1">
+                <a:solidFill>
+                  <a:srgbClr val="FFFF00"/>
+                </a:solidFill>
+                <a:latin typeface="Century Gothic" panose="020B0502020202020204" pitchFamily="34" charset="0"/>
+              </a:rPr>
+              <a:t>response.serve</a:t>
+            </a:r>
+            <a:r>
+              <a:rPr lang="en-US" dirty="0">
+                <a:latin typeface="Century Gothic" panose="020B0502020202020204" pitchFamily="34" charset="0"/>
+              </a:rPr>
+              <a:t>(200,"image/jpeg",</a:t>
+            </a:r>
+            <a:r>
+              <a:rPr lang="en-US" dirty="0" err="1">
+                <a:latin typeface="Century Gothic" panose="020B0502020202020204" pitchFamily="34" charset="0"/>
+              </a:rPr>
+              <a:t>Path.resolve</a:t>
+            </a:r>
+            <a:r>
+              <a:rPr lang="en-US" dirty="0">
+                <a:latin typeface="Century Gothic" panose="020B0502020202020204" pitchFamily="34" charset="0"/>
+              </a:rPr>
+              <a:t>("./"+</a:t>
+            </a:r>
+            <a:r>
+              <a:rPr lang="en-US" dirty="0" err="1">
+                <a:latin typeface="Century Gothic" panose="020B0502020202020204" pitchFamily="34" charset="0"/>
+              </a:rPr>
+              <a:t>id+".jpg</a:t>
+            </a:r>
+            <a:r>
+              <a:rPr lang="en-US" dirty="0">
+                <a:latin typeface="Century Gothic" panose="020B0502020202020204" pitchFamily="34" charset="0"/>
+              </a:rPr>
+              <a:t>"));</a:t>
+            </a:r>
+          </a:p>
+          <a:p>
+            <a:r>
+              <a:rPr lang="en-US" sz="2800" dirty="0">
+                <a:latin typeface="Century Gothic" panose="020B0502020202020204" pitchFamily="34" charset="0"/>
+              </a:rPr>
+              <a:t>};</a:t>
             </a:r>
           </a:p>
           <a:p>
@@ -28267,180 +28878,12 @@
               <a:latin typeface="Century Gothic" panose="020B0502020202020204" pitchFamily="34" charset="0"/>
             </a:endParaRPr>
           </a:p>
-          <a:p>
-            <a:r>
-              <a:rPr lang="en-US" sz="2800" dirty="0">
-                <a:latin typeface="Century Gothic" panose="020B0502020202020204" pitchFamily="34" charset="0"/>
-              </a:rPr>
-              <a:t>class </a:t>
-            </a:r>
-            <a:r>
-              <a:rPr lang="en-US" sz="2800" dirty="0" err="1">
-                <a:solidFill>
-                  <a:srgbClr val="00B050"/>
-                </a:solidFill>
-                <a:latin typeface="Century Gothic" panose="020B0502020202020204" pitchFamily="34" charset="0"/>
-              </a:rPr>
-              <a:t>KittenController</a:t>
-            </a:r>
-            <a:r>
-              <a:rPr lang="en-US" sz="2800" dirty="0">
-                <a:latin typeface="Century Gothic" panose="020B0502020202020204" pitchFamily="34" charset="0"/>
-              </a:rPr>
-              <a:t> extends </a:t>
-            </a:r>
-            <a:r>
-              <a:rPr lang="en-US" sz="2800" dirty="0" err="1">
-                <a:solidFill>
-                  <a:schemeClr val="accent2"/>
-                </a:solidFill>
-                <a:latin typeface="Century Gothic" panose="020B0502020202020204" pitchFamily="34" charset="0"/>
-              </a:rPr>
-              <a:t>AwesomeServer.AbstractController</a:t>
-            </a:r>
-            <a:r>
-              <a:rPr lang="en-US" sz="2800" dirty="0">
-                <a:solidFill>
-                  <a:schemeClr val="accent2"/>
-                </a:solidFill>
-                <a:latin typeface="Century Gothic" panose="020B0502020202020204" pitchFamily="34" charset="0"/>
-              </a:rPr>
-              <a:t> </a:t>
-            </a:r>
-            <a:r>
-              <a:rPr lang="en-US" sz="2800" dirty="0">
-                <a:latin typeface="Century Gothic" panose="020B0502020202020204" pitchFamily="34" charset="0"/>
-              </a:rPr>
-              <a:t>{</a:t>
-            </a:r>
-          </a:p>
-          <a:p>
-            <a:r>
-              <a:rPr lang="en-US" sz="2800" dirty="0">
-                <a:latin typeface="Century Gothic" panose="020B0502020202020204" pitchFamily="34" charset="0"/>
-              </a:rPr>
-              <a:t>	</a:t>
-            </a:r>
-            <a:r>
-              <a:rPr lang="en-US" sz="2800" dirty="0">
-                <a:solidFill>
-                  <a:srgbClr val="FFFF00"/>
-                </a:solidFill>
-                <a:latin typeface="Century Gothic" panose="020B0502020202020204" pitchFamily="34" charset="0"/>
-              </a:rPr>
-              <a:t>get</a:t>
-            </a:r>
-            <a:r>
-              <a:rPr lang="en-US" sz="2800" dirty="0">
-                <a:latin typeface="Century Gothic" panose="020B0502020202020204" pitchFamily="34" charset="0"/>
-              </a:rPr>
-              <a:t>(</a:t>
-            </a:r>
-            <a:r>
-              <a:rPr lang="en-US" sz="2800" dirty="0" err="1">
-                <a:latin typeface="Century Gothic" panose="020B0502020202020204" pitchFamily="34" charset="0"/>
-              </a:rPr>
-              <a:t>path,request,response</a:t>
-            </a:r>
-            <a:r>
-              <a:rPr lang="en-US" sz="2800" dirty="0">
-                <a:latin typeface="Century Gothic" panose="020B0502020202020204" pitchFamily="34" charset="0"/>
-              </a:rPr>
-              <a:t>) {</a:t>
-            </a:r>
-          </a:p>
-          <a:p>
-            <a:r>
-              <a:rPr lang="en-US" sz="2800" dirty="0">
-                <a:latin typeface="Century Gothic" panose="020B0502020202020204" pitchFamily="34" charset="0"/>
-              </a:rPr>
-              <a:t>		if (path==="") return </a:t>
-            </a:r>
-            <a:r>
-              <a:rPr lang="en-US" sz="2800" dirty="0" err="1">
-                <a:solidFill>
-                  <a:srgbClr val="FF0000"/>
-                </a:solidFill>
-                <a:latin typeface="Century Gothic" panose="020B0502020202020204" pitchFamily="34" charset="0"/>
-              </a:rPr>
-              <a:t>getKittenIds</a:t>
-            </a:r>
-            <a:r>
-              <a:rPr lang="en-US" sz="2800" dirty="0">
-                <a:latin typeface="Century Gothic" panose="020B0502020202020204" pitchFamily="34" charset="0"/>
-              </a:rPr>
-              <a:t>(</a:t>
-            </a:r>
-            <a:r>
-              <a:rPr lang="en-US" sz="2800" dirty="0" err="1">
-                <a:latin typeface="Century Gothic" panose="020B0502020202020204" pitchFamily="34" charset="0"/>
-              </a:rPr>
-              <a:t>path,request,response</a:t>
-            </a:r>
-            <a:r>
-              <a:rPr lang="en-US" sz="2800" dirty="0">
-                <a:latin typeface="Century Gothic" panose="020B0502020202020204" pitchFamily="34" charset="0"/>
-              </a:rPr>
-              <a:t>);</a:t>
-            </a:r>
-          </a:p>
-          <a:p>
-            <a:r>
-              <a:rPr lang="en-US" sz="2800" dirty="0">
-                <a:latin typeface="Century Gothic" panose="020B0502020202020204" pitchFamily="34" charset="0"/>
-              </a:rPr>
-              <a:t>		else return </a:t>
-            </a:r>
-            <a:r>
-              <a:rPr lang="en-US" sz="2800" dirty="0" err="1">
-                <a:solidFill>
-                  <a:srgbClr val="FF0000"/>
-                </a:solidFill>
-                <a:latin typeface="Century Gothic" panose="020B0502020202020204" pitchFamily="34" charset="0"/>
-              </a:rPr>
-              <a:t>getSpecificKitten</a:t>
-            </a:r>
-            <a:r>
-              <a:rPr lang="en-US" sz="2800" dirty="0">
-                <a:latin typeface="Century Gothic" panose="020B0502020202020204" pitchFamily="34" charset="0"/>
-              </a:rPr>
-              <a:t>(</a:t>
-            </a:r>
-            <a:r>
-              <a:rPr lang="en-US" sz="2800" dirty="0" err="1">
-                <a:latin typeface="Century Gothic" panose="020B0502020202020204" pitchFamily="34" charset="0"/>
-              </a:rPr>
-              <a:t>path,request,response</a:t>
-            </a:r>
-            <a:r>
-              <a:rPr lang="en-US" sz="2800" dirty="0">
-                <a:latin typeface="Century Gothic" panose="020B0502020202020204" pitchFamily="34" charset="0"/>
-              </a:rPr>
-              <a:t>);</a:t>
-            </a:r>
-          </a:p>
-          <a:p>
-            <a:r>
-              <a:rPr lang="en-US" sz="2800" dirty="0">
-                <a:latin typeface="Century Gothic" panose="020B0502020202020204" pitchFamily="34" charset="0"/>
-              </a:rPr>
-              <a:t>	}</a:t>
-            </a:r>
-          </a:p>
-          <a:p>
-            <a:r>
-              <a:rPr lang="en-US" sz="2800" dirty="0">
-                <a:latin typeface="Century Gothic" panose="020B0502020202020204" pitchFamily="34" charset="0"/>
-              </a:rPr>
-              <a:t>}</a:t>
-            </a:r>
-          </a:p>
         </p:txBody>
       </p:sp>
     </p:spTree>
     <p:extLst>
       <p:ext uri="{BB962C8B-B14F-4D97-AF65-F5344CB8AC3E}">
-        <p14:creationId xmlns:p14="http://schemas.microsoft.com/office/powerpoint/2010/main" val="2944154480"/>
+        <p14:creationId xmlns:p14="http://schemas.microsoft.com/office/powerpoint/2010/main" val="1968282512"/>
       </p:ext>
     </p:extLst>
   </p:cSld>
@@ -28482,7 +28925,7 @@
         <p:spPr>
           <a:xfrm>
             <a:off x="0" y="0"/>
-            <a:ext cx="12192000" cy="7201972"/>
+            <a:ext cx="12192000" cy="1661993"/>
           </a:xfrm>
           <a:prstGeom prst="rect">
             <a:avLst/>
@@ -28507,7 +28950,7 @@
                 </a:solidFill>
                 <a:latin typeface="Century Gothic" panose="020B0502020202020204" pitchFamily="34" charset="0"/>
               </a:rPr>
-              <a:t>getKittenIds</a:t>
+              <a:t>getSpecificKitten</a:t>
             </a:r>
             <a:r>
               <a:rPr lang="en-US" sz="2800" dirty="0">
@@ -28519,7 +28962,7 @@
               <a:rPr lang="en-US" sz="2800" dirty="0" err="1">
                 <a:latin typeface="Century Gothic" panose="020B0502020202020204" pitchFamily="34" charset="0"/>
               </a:rPr>
-              <a:t>path,request,response</a:t>
+              <a:t>id,request,response</a:t>
             </a:r>
             <a:r>
               <a:rPr lang="en-US" sz="2800" dirty="0">
@@ -28533,305 +28976,46 @@
               <a:rPr lang="en-US" dirty="0">
                 <a:latin typeface="Century Gothic" panose="020B0502020202020204" pitchFamily="34" charset="0"/>
               </a:rPr>
-              <a:t>	return new Promise((</a:t>
+              <a:t>	return </a:t>
             </a:r>
             <a:r>
               <a:rPr lang="en-US" dirty="0" err="1">
-                <a:latin typeface="Century Gothic" panose="020B0502020202020204" pitchFamily="34" charset="0"/>
-              </a:rPr>
-              <a:t>resolve,reject</a:t>
+                <a:solidFill>
+                  <a:srgbClr val="FFFF00"/>
+                </a:solidFill>
+                <a:latin typeface="Century Gothic" panose="020B0502020202020204" pitchFamily="34" charset="0"/>
+              </a:rPr>
+              <a:t>response.serve</a:t>
             </a:r>
             <a:r>
               <a:rPr lang="en-US" dirty="0">
                 <a:latin typeface="Century Gothic" panose="020B0502020202020204" pitchFamily="34" charset="0"/>
               </a:rPr>
-              <a:t>)=&gt;{</a:t>
-            </a:r>
-          </a:p>
-          <a:p>
+              <a:t>(200,"image/jpeg",</a:t>
+            </a:r>
+            <a:r>
+              <a:rPr lang="en-US" dirty="0" err="1">
+                <a:latin typeface="Century Gothic" panose="020B0502020202020204" pitchFamily="34" charset="0"/>
+              </a:rPr>
+              <a:t>Path.resolve</a:t>
+            </a:r>
             <a:r>
               <a:rPr lang="en-US" dirty="0">
                 <a:latin typeface="Century Gothic" panose="020B0502020202020204" pitchFamily="34" charset="0"/>
               </a:rPr>
-              <a:t>		try {</a:t>
-            </a:r>
-          </a:p>
-          <a:p>
+              <a:t>("./"+</a:t>
+            </a:r>
+            <a:r>
+              <a:rPr lang="en-US" dirty="0" err="1">
+                <a:latin typeface="Century Gothic" panose="020B0502020202020204" pitchFamily="34" charset="0"/>
+              </a:rPr>
+              <a:t>id+".jpg</a:t>
+            </a:r>
             <a:r>
               <a:rPr lang="en-US" dirty="0">
                 <a:latin typeface="Century Gothic" panose="020B0502020202020204" pitchFamily="34" charset="0"/>
               </a:rPr>
-              <a:t>			path = </a:t>
-            </a:r>
-            <a:r>
-              <a:rPr lang="en-US" dirty="0" err="1">
-                <a:latin typeface="Century Gothic" panose="020B0502020202020204" pitchFamily="34" charset="0"/>
-              </a:rPr>
-              <a:t>Path.resolve</a:t>
-            </a:r>
-            <a:r>
-              <a:rPr lang="en-US" dirty="0">
-                <a:latin typeface="Century Gothic" panose="020B0502020202020204" pitchFamily="34" charset="0"/>
-              </a:rPr>
-              <a:t>("./images")</a:t>
-            </a:r>
-          </a:p>
-          <a:p>
-            <a:r>
-              <a:rPr lang="en-US" dirty="0">
-                <a:latin typeface="Century Gothic" panose="020B0502020202020204" pitchFamily="34" charset="0"/>
-              </a:rPr>
-              <a:t>			</a:t>
-            </a:r>
-            <a:r>
-              <a:rPr lang="en-US" dirty="0" err="1">
-                <a:latin typeface="Century Gothic" panose="020B0502020202020204" pitchFamily="34" charset="0"/>
-              </a:rPr>
-              <a:t>FS.readdir</a:t>
-            </a:r>
-            <a:r>
-              <a:rPr lang="en-US" dirty="0">
-                <a:latin typeface="Century Gothic" panose="020B0502020202020204" pitchFamily="34" charset="0"/>
-              </a:rPr>
-              <a:t>(</a:t>
-            </a:r>
-            <a:r>
-              <a:rPr lang="en-US" dirty="0" err="1">
-                <a:latin typeface="Century Gothic" panose="020B0502020202020204" pitchFamily="34" charset="0"/>
-              </a:rPr>
-              <a:t>path,async</a:t>
-            </a:r>
-            <a:r>
-              <a:rPr lang="en-US" dirty="0">
-                <a:latin typeface="Century Gothic" panose="020B0502020202020204" pitchFamily="34" charset="0"/>
-              </a:rPr>
-              <a:t> (</a:t>
-            </a:r>
-            <a:r>
-              <a:rPr lang="en-US" dirty="0" err="1">
-                <a:latin typeface="Century Gothic" panose="020B0502020202020204" pitchFamily="34" charset="0"/>
-              </a:rPr>
-              <a:t>err,files</a:t>
-            </a:r>
-            <a:r>
-              <a:rPr lang="en-US" dirty="0">
-                <a:latin typeface="Century Gothic" panose="020B0502020202020204" pitchFamily="34" charset="0"/>
-              </a:rPr>
-              <a:t>)=&gt;{</a:t>
-            </a:r>
-          </a:p>
-          <a:p>
-            <a:r>
-              <a:rPr lang="en-US" dirty="0">
-                <a:latin typeface="Century Gothic" panose="020B0502020202020204" pitchFamily="34" charset="0"/>
-              </a:rPr>
-              <a:t>				if (err) return await </a:t>
-            </a:r>
-            <a:r>
-              <a:rPr lang="en-US" dirty="0" err="1">
-                <a:latin typeface="Century Gothic" panose="020B0502020202020204" pitchFamily="34" charset="0"/>
-              </a:rPr>
-              <a:t>response.writeError</a:t>
-            </a:r>
-            <a:r>
-              <a:rPr lang="en-US" dirty="0">
-                <a:latin typeface="Century Gothic" panose="020B0502020202020204" pitchFamily="34" charset="0"/>
-              </a:rPr>
-              <a:t>(500,err);</a:t>
-            </a:r>
-          </a:p>
-          <a:p>
-            <a:endParaRPr lang="en-US" dirty="0">
-              <a:latin typeface="Century Gothic" panose="020B0502020202020204" pitchFamily="34" charset="0"/>
-            </a:endParaRPr>
-          </a:p>
-          <a:p>
-            <a:r>
-              <a:rPr lang="en-US" dirty="0">
-                <a:latin typeface="Century Gothic" panose="020B0502020202020204" pitchFamily="34" charset="0"/>
-              </a:rPr>
-              <a:t>				files = </a:t>
-            </a:r>
-            <a:r>
-              <a:rPr lang="en-US" dirty="0" err="1">
-                <a:latin typeface="Century Gothic" panose="020B0502020202020204" pitchFamily="34" charset="0"/>
-              </a:rPr>
-              <a:t>files.filter</a:t>
-            </a:r>
-            <a:r>
-              <a:rPr lang="en-US" dirty="0">
-                <a:latin typeface="Century Gothic" panose="020B0502020202020204" pitchFamily="34" charset="0"/>
-              </a:rPr>
-              <a:t>((filename)=&gt;{</a:t>
-            </a:r>
-          </a:p>
-          <a:p>
-            <a:r>
-              <a:rPr lang="en-US" dirty="0">
-                <a:latin typeface="Century Gothic" panose="020B0502020202020204" pitchFamily="34" charset="0"/>
-              </a:rPr>
-              <a:t>					return </a:t>
-            </a:r>
-            <a:r>
-              <a:rPr lang="en-US" dirty="0" err="1">
-                <a:latin typeface="Century Gothic" panose="020B0502020202020204" pitchFamily="34" charset="0"/>
-              </a:rPr>
-              <a:t>filename.endsWith</a:t>
-            </a:r>
-            <a:r>
-              <a:rPr lang="en-US" dirty="0">
-                <a:latin typeface="Century Gothic" panose="020B0502020202020204" pitchFamily="34" charset="0"/>
-              </a:rPr>
-              <a:t>(".jpg");</a:t>
-            </a:r>
-          </a:p>
-          <a:p>
-            <a:r>
-              <a:rPr lang="en-US" dirty="0">
-                <a:latin typeface="Century Gothic" panose="020B0502020202020204" pitchFamily="34" charset="0"/>
-              </a:rPr>
-              <a:t>				});</a:t>
-            </a:r>
-          </a:p>
-          <a:p>
-            <a:r>
-              <a:rPr lang="en-US" dirty="0">
-                <a:latin typeface="Century Gothic" panose="020B0502020202020204" pitchFamily="34" charset="0"/>
-              </a:rPr>
-              <a:t>				files = </a:t>
-            </a:r>
-            <a:r>
-              <a:rPr lang="en-US" dirty="0" err="1">
-                <a:latin typeface="Century Gothic" panose="020B0502020202020204" pitchFamily="34" charset="0"/>
-              </a:rPr>
-              <a:t>files.map</a:t>
-            </a:r>
-            <a:r>
-              <a:rPr lang="en-US" dirty="0">
-                <a:latin typeface="Century Gothic" panose="020B0502020202020204" pitchFamily="34" charset="0"/>
-              </a:rPr>
-              <a:t>((filename)=&gt;{</a:t>
-            </a:r>
-          </a:p>
-          <a:p>
-            <a:r>
-              <a:rPr lang="en-US" dirty="0">
-                <a:latin typeface="Century Gothic" panose="020B0502020202020204" pitchFamily="34" charset="0"/>
-              </a:rPr>
-              <a:t>					return </a:t>
-            </a:r>
-            <a:r>
-              <a:rPr lang="en-US" dirty="0" err="1">
-                <a:latin typeface="Century Gothic" panose="020B0502020202020204" pitchFamily="34" charset="0"/>
-              </a:rPr>
-              <a:t>Path.basename</a:t>
-            </a:r>
-            <a:r>
-              <a:rPr lang="en-US" dirty="0">
-                <a:latin typeface="Century Gothic" panose="020B0502020202020204" pitchFamily="34" charset="0"/>
-              </a:rPr>
-              <a:t>(</a:t>
-            </a:r>
-            <a:r>
-              <a:rPr lang="en-US" dirty="0" err="1">
-                <a:latin typeface="Century Gothic" panose="020B0502020202020204" pitchFamily="34" charset="0"/>
-              </a:rPr>
-              <a:t>filename,".jpg</a:t>
-            </a:r>
-            <a:r>
-              <a:rPr lang="en-US" dirty="0">
-                <a:latin typeface="Century Gothic" panose="020B0502020202020204" pitchFamily="34" charset="0"/>
-              </a:rPr>
-              <a:t>");</a:t>
-            </a:r>
-          </a:p>
-          <a:p>
-            <a:r>
-              <a:rPr lang="en-US" dirty="0">
-                <a:latin typeface="Century Gothic" panose="020B0502020202020204" pitchFamily="34" charset="0"/>
-              </a:rPr>
-              <a:t>				});</a:t>
-            </a:r>
-          </a:p>
-          <a:p>
-            <a:r>
-              <a:rPr lang="en-US" dirty="0">
-                <a:latin typeface="Century Gothic" panose="020B0502020202020204" pitchFamily="34" charset="0"/>
-              </a:rPr>
-              <a:t>				await </a:t>
-            </a:r>
-            <a:r>
-              <a:rPr lang="en-US" dirty="0" err="1">
-                <a:latin typeface="Century Gothic" panose="020B0502020202020204" pitchFamily="34" charset="0"/>
-              </a:rPr>
-              <a:t>response.writeJSON</a:t>
-            </a:r>
-            <a:r>
-              <a:rPr lang="en-US" dirty="0">
-                <a:latin typeface="Century Gothic" panose="020B0502020202020204" pitchFamily="34" charset="0"/>
-              </a:rPr>
-              <a:t>(files);</a:t>
-            </a:r>
-          </a:p>
-          <a:p>
-            <a:endParaRPr lang="en-US" dirty="0">
-              <a:latin typeface="Century Gothic" panose="020B0502020202020204" pitchFamily="34" charset="0"/>
-            </a:endParaRPr>
-          </a:p>
-          <a:p>
-            <a:r>
-              <a:rPr lang="en-US" dirty="0">
-                <a:latin typeface="Century Gothic" panose="020B0502020202020204" pitchFamily="34" charset="0"/>
-              </a:rPr>
-              <a:t>				resolve();</a:t>
-            </a:r>
-          </a:p>
-          <a:p>
-            <a:r>
-              <a:rPr lang="en-US" dirty="0">
-                <a:latin typeface="Century Gothic" panose="020B0502020202020204" pitchFamily="34" charset="0"/>
-              </a:rPr>
-              <a:t>			});</a:t>
-            </a:r>
-          </a:p>
-          <a:p>
-            <a:r>
-              <a:rPr lang="en-US" dirty="0">
-                <a:latin typeface="Century Gothic" panose="020B0502020202020204" pitchFamily="34" charset="0"/>
-              </a:rPr>
-              <a:t>		}</a:t>
-            </a:r>
-          </a:p>
-          <a:p>
-            <a:r>
-              <a:rPr lang="en-US" dirty="0">
-                <a:latin typeface="Century Gothic" panose="020B0502020202020204" pitchFamily="34" charset="0"/>
-              </a:rPr>
-              <a:t>		catch (ex) {</a:t>
-            </a:r>
-          </a:p>
-          <a:p>
-            <a:r>
-              <a:rPr lang="en-US" dirty="0">
-                <a:latin typeface="Century Gothic" panose="020B0502020202020204" pitchFamily="34" charset="0"/>
-              </a:rPr>
-              <a:t>			return reject(ex);</a:t>
-            </a:r>
-          </a:p>
-          <a:p>
-            <a:r>
-              <a:rPr lang="en-US" dirty="0">
-                <a:latin typeface="Century Gothic" panose="020B0502020202020204" pitchFamily="34" charset="0"/>
-              </a:rPr>
-              <a:t>		}</a:t>
-            </a:r>
-          </a:p>
-          <a:p>
-            <a:r>
-              <a:rPr lang="en-US" dirty="0">
-                <a:latin typeface="Century Gothic" panose="020B0502020202020204" pitchFamily="34" charset="0"/>
-              </a:rPr>
-              <a:t>	});</a:t>
+              <a:t>"));</a:t>
             </a:r>
           </a:p>
           <a:p>
@@ -28852,7 +29036,7 @@
     </p:spTree>
     <p:extLst>
       <p:ext uri="{BB962C8B-B14F-4D97-AF65-F5344CB8AC3E}">
-        <p14:creationId xmlns:p14="http://schemas.microsoft.com/office/powerpoint/2010/main" val="1632898316"/>
+        <p14:creationId xmlns:p14="http://schemas.microsoft.com/office/powerpoint/2010/main" val="449109115"/>
       </p:ext>
     </p:extLst>
   </p:cSld>
@@ -29052,6 +29236,9 @@
             </a:r>
             <a:r>
               <a:rPr lang="en-US" dirty="0" err="1">
+                <a:solidFill>
+                  <a:srgbClr val="FFFF00"/>
+                </a:solidFill>
                 <a:latin typeface="Century Gothic" panose="020B0502020202020204" pitchFamily="34" charset="0"/>
               </a:rPr>
               <a:t>response.serve</a:t>
@@ -29105,7 +29292,7 @@
     </p:spTree>
     <p:extLst>
       <p:ext uri="{BB962C8B-B14F-4D97-AF65-F5344CB8AC3E}">
-        <p14:creationId xmlns:p14="http://schemas.microsoft.com/office/powerpoint/2010/main" val="1968282512"/>
+        <p14:creationId xmlns:p14="http://schemas.microsoft.com/office/powerpoint/2010/main" val="836399758"/>
       </p:ext>
     </p:extLst>
   </p:cSld>
@@ -31762,7 +31949,7 @@
         <p:spPr>
           <a:xfrm>
             <a:off x="0" y="0"/>
-            <a:ext cx="12192000" cy="6186309"/>
+            <a:ext cx="12192000" cy="5078313"/>
           </a:xfrm>
           <a:prstGeom prst="rect">
             <a:avLst/>
@@ -31778,99 +31965,167 @@
               <a:rPr lang="en-US" dirty="0">
                 <a:latin typeface="Century Gothic" panose="020B0502020202020204" pitchFamily="34" charset="0"/>
               </a:rPr>
-              <a:t>const </a:t>
+              <a:t>/* Our base, which is also our local server configuration */</a:t>
+            </a:r>
+          </a:p>
+          <a:p>
+            <a:r>
+              <a:rPr lang="en-US" dirty="0">
+                <a:solidFill>
+                  <a:srgbClr val="FFFF00"/>
+                </a:solidFill>
+                <a:latin typeface="Century Gothic" panose="020B0502020202020204" pitchFamily="34" charset="0"/>
+              </a:rPr>
+              <a:t>{</a:t>
+            </a:r>
+          </a:p>
+          <a:p>
+            <a:r>
+              <a:rPr lang="en-US" dirty="0">
+                <a:solidFill>
+                  <a:srgbClr val="FFFF00"/>
+                </a:solidFill>
+                <a:latin typeface="Century Gothic" panose="020B0502020202020204" pitchFamily="34" charset="0"/>
+              </a:rPr>
+              <a:t>	"server": {</a:t>
+            </a:r>
+          </a:p>
+          <a:p>
+            <a:r>
+              <a:rPr lang="en-US" dirty="0">
+                <a:solidFill>
+                  <a:srgbClr val="FFFF00"/>
+                </a:solidFill>
+                <a:latin typeface="Century Gothic" panose="020B0502020202020204" pitchFamily="34" charset="0"/>
+              </a:rPr>
+              <a:t>		"scheme": "http",</a:t>
+            </a:r>
+          </a:p>
+          <a:p>
+            <a:r>
+              <a:rPr lang="en-US" dirty="0">
+                <a:solidFill>
+                  <a:srgbClr val="FFFF00"/>
+                </a:solidFill>
+                <a:latin typeface="Century Gothic" panose="020B0502020202020204" pitchFamily="34" charset="0"/>
+              </a:rPr>
+              <a:t>		"hostname": "localhost",</a:t>
+            </a:r>
+          </a:p>
+          <a:p>
+            <a:r>
+              <a:rPr lang="en-US" dirty="0">
+                <a:solidFill>
+                  <a:srgbClr val="FFFF00"/>
+                </a:solidFill>
+                <a:latin typeface="Century Gothic" panose="020B0502020202020204" pitchFamily="34" charset="0"/>
+              </a:rPr>
+              <a:t>		"port": 8080,</a:t>
+            </a:r>
+          </a:p>
+          <a:p>
+            <a:r>
+              <a:rPr lang="en-US" dirty="0">
+                <a:solidFill>
+                  <a:srgbClr val="FFFF00"/>
+                </a:solidFill>
+                <a:latin typeface="Century Gothic" panose="020B0502020202020204" pitchFamily="34" charset="0"/>
+              </a:rPr>
+              <a:t>		"</a:t>
             </a:r>
             <a:r>
               <a:rPr lang="en-US" dirty="0" err="1">
                 <a:solidFill>
-                  <a:schemeClr val="accent2"/>
-                </a:solidFill>
-                <a:latin typeface="Century Gothic" panose="020B0502020202020204" pitchFamily="34" charset="0"/>
-              </a:rPr>
-              <a:t>AwesomeServer</a:t>
+                  <a:srgbClr val="FFFF00"/>
+                </a:solidFill>
+                <a:latin typeface="Century Gothic" panose="020B0502020202020204" pitchFamily="34" charset="0"/>
+              </a:rPr>
+              <a:t>url</a:t>
             </a:r>
             <a:r>
               <a:rPr lang="en-US" dirty="0">
-                <a:latin typeface="Century Gothic" panose="020B0502020202020204" pitchFamily="34" charset="0"/>
-              </a:rPr>
-              <a:t> = require("@</a:t>
+                <a:solidFill>
+                  <a:srgbClr val="FFFF00"/>
+                </a:solidFill>
+                <a:latin typeface="Century Gothic" panose="020B0502020202020204" pitchFamily="34" charset="0"/>
+              </a:rPr>
+              <a:t>": "${</a:t>
             </a:r>
             <a:r>
               <a:rPr lang="en-US" dirty="0" err="1">
-                <a:latin typeface="Century Gothic" panose="020B0502020202020204" pitchFamily="34" charset="0"/>
-              </a:rPr>
-              <a:t>awesomeeng</a:t>
+                <a:solidFill>
+                  <a:srgbClr val="FFFF00"/>
+                </a:solidFill>
+                <a:latin typeface="Century Gothic" panose="020B0502020202020204" pitchFamily="34" charset="0"/>
+              </a:rPr>
+              <a:t>server.scheme</a:t>
             </a:r>
             <a:r>
               <a:rPr lang="en-US" dirty="0">
-                <a:latin typeface="Century Gothic" panose="020B0502020202020204" pitchFamily="34" charset="0"/>
-              </a:rPr>
-              <a:t>/awesome-server");</a:t>
-            </a:r>
-          </a:p>
-          <a:p>
-            <a:r>
-              <a:rPr lang="fr-FR" dirty="0" err="1">
-                <a:latin typeface="Century Gothic" panose="020B0502020202020204" pitchFamily="34" charset="0"/>
-              </a:rPr>
-              <a:t>const</a:t>
-            </a:r>
-            <a:r>
-              <a:rPr lang="fr-FR" dirty="0">
-                <a:latin typeface="Century Gothic" panose="020B0502020202020204" pitchFamily="34" charset="0"/>
-              </a:rPr>
-              <a:t> </a:t>
-            </a:r>
-            <a:r>
-              <a:rPr lang="fr-FR" dirty="0">
-                <a:solidFill>
-                  <a:srgbClr val="00B050"/>
-                </a:solidFill>
-                <a:latin typeface="Century Gothic" panose="020B0502020202020204" pitchFamily="34" charset="0"/>
-              </a:rPr>
-              <a:t>Log</a:t>
-            </a:r>
-            <a:r>
-              <a:rPr lang="fr-FR" dirty="0">
-                <a:latin typeface="Century Gothic" panose="020B0502020202020204" pitchFamily="34" charset="0"/>
-              </a:rPr>
-              <a:t> = </a:t>
-            </a:r>
-            <a:r>
-              <a:rPr lang="fr-FR" dirty="0" err="1">
-                <a:latin typeface="Century Gothic" panose="020B0502020202020204" pitchFamily="34" charset="0"/>
-              </a:rPr>
-              <a:t>require</a:t>
-            </a:r>
-            <a:r>
-              <a:rPr lang="fr-FR" dirty="0">
-                <a:latin typeface="Century Gothic" panose="020B0502020202020204" pitchFamily="34" charset="0"/>
-              </a:rPr>
-              <a:t>("@</a:t>
-            </a:r>
-            <a:r>
-              <a:rPr lang="fr-FR" dirty="0" err="1">
-                <a:latin typeface="Century Gothic" panose="020B0502020202020204" pitchFamily="34" charset="0"/>
-              </a:rPr>
-              <a:t>awesomeeng</a:t>
-            </a:r>
-            <a:r>
-              <a:rPr lang="fr-FR" dirty="0">
-                <a:latin typeface="Century Gothic" panose="020B0502020202020204" pitchFamily="34" charset="0"/>
-              </a:rPr>
-              <a:t>/</a:t>
-            </a:r>
-            <a:r>
-              <a:rPr lang="fr-FR" dirty="0" err="1">
-                <a:latin typeface="Century Gothic" panose="020B0502020202020204" pitchFamily="34" charset="0"/>
-              </a:rPr>
-              <a:t>awesome</a:t>
-            </a:r>
-            <a:r>
-              <a:rPr lang="fr-FR" dirty="0">
-                <a:latin typeface="Century Gothic" panose="020B0502020202020204" pitchFamily="34" charset="0"/>
-              </a:rPr>
-              <a:t>-log");</a:t>
+                <a:solidFill>
+                  <a:srgbClr val="FFFF00"/>
+                </a:solidFill>
+                <a:latin typeface="Century Gothic" panose="020B0502020202020204" pitchFamily="34" charset="0"/>
+              </a:rPr>
+              <a:t>}://${</a:t>
+            </a:r>
+            <a:r>
+              <a:rPr lang="en-US" dirty="0" err="1">
+                <a:solidFill>
+                  <a:srgbClr val="FFFF00"/>
+                </a:solidFill>
+                <a:latin typeface="Century Gothic" panose="020B0502020202020204" pitchFamily="34" charset="0"/>
+              </a:rPr>
+              <a:t>server.hostname</a:t>
+            </a:r>
+            <a:r>
+              <a:rPr lang="en-US" dirty="0">
+                <a:solidFill>
+                  <a:srgbClr val="FFFF00"/>
+                </a:solidFill>
+                <a:latin typeface="Century Gothic" panose="020B0502020202020204" pitchFamily="34" charset="0"/>
+              </a:rPr>
+              <a:t>}:${</a:t>
+            </a:r>
+            <a:r>
+              <a:rPr lang="en-US" dirty="0" err="1">
+                <a:solidFill>
+                  <a:srgbClr val="FFFF00"/>
+                </a:solidFill>
+                <a:latin typeface="Century Gothic" panose="020B0502020202020204" pitchFamily="34" charset="0"/>
+              </a:rPr>
+              <a:t>server.port</a:t>
+            </a:r>
+            <a:r>
+              <a:rPr lang="en-US" dirty="0">
+                <a:solidFill>
+                  <a:srgbClr val="FFFF00"/>
+                </a:solidFill>
+                <a:latin typeface="Century Gothic" panose="020B0502020202020204" pitchFamily="34" charset="0"/>
+              </a:rPr>
+              <a:t>}"</a:t>
+            </a:r>
+          </a:p>
+          <a:p>
+            <a:r>
+              <a:rPr lang="en-US" dirty="0">
+                <a:solidFill>
+                  <a:srgbClr val="FFFF00"/>
+                </a:solidFill>
+                <a:latin typeface="Century Gothic" panose="020B0502020202020204" pitchFamily="34" charset="0"/>
+              </a:rPr>
+              <a:t>	}</a:t>
+            </a:r>
+          </a:p>
+          <a:p>
+            <a:r>
+              <a:rPr lang="en-US" dirty="0">
+                <a:solidFill>
+                  <a:srgbClr val="FFFF00"/>
+                </a:solidFill>
+                <a:latin typeface="Century Gothic" panose="020B0502020202020204" pitchFamily="34" charset="0"/>
+              </a:rPr>
+              <a:t>}</a:t>
             </a:r>
           </a:p>
           <a:p>
@@ -31883,55 +32138,72 @@
               <a:rPr lang="en-US" dirty="0">
                 <a:latin typeface="Century Gothic" panose="020B0502020202020204" pitchFamily="34" charset="0"/>
               </a:rPr>
-              <a:t>class </a:t>
+              <a:t>/* our production environment settings */</a:t>
+            </a:r>
+          </a:p>
+          <a:p>
+            <a:r>
+              <a:rPr lang="en-US" dirty="0">
+                <a:solidFill>
+                  <a:srgbClr val="FF0000"/>
+                </a:solidFill>
+                <a:latin typeface="Century Gothic" panose="020B0502020202020204" pitchFamily="34" charset="0"/>
+              </a:rPr>
+              <a:t>[</a:t>
             </a:r>
             <a:r>
               <a:rPr lang="en-US" dirty="0" err="1">
                 <a:solidFill>
-                  <a:srgbClr val="00B050"/>
-                </a:solidFill>
-                <a:latin typeface="Century Gothic" panose="020B0502020202020204" pitchFamily="34" charset="0"/>
-              </a:rPr>
-              <a:t>KittenController</a:t>
+                  <a:srgbClr val="FF0000"/>
+                </a:solidFill>
+                <a:latin typeface="Century Gothic" panose="020B0502020202020204" pitchFamily="34" charset="0"/>
+              </a:rPr>
+              <a:t>env:target</a:t>
             </a:r>
             <a:r>
               <a:rPr lang="en-US" dirty="0">
-                <a:latin typeface="Century Gothic" panose="020B0502020202020204" pitchFamily="34" charset="0"/>
-              </a:rPr>
-              <a:t> extends </a:t>
-            </a:r>
-            <a:r>
-              <a:rPr lang="en-US" dirty="0" err="1">
-                <a:solidFill>
-                  <a:schemeClr val="accent2"/>
-                </a:solidFill>
-                <a:latin typeface="Century Gothic" panose="020B0502020202020204" pitchFamily="34" charset="0"/>
-              </a:rPr>
-              <a:t>AwesomeServer.AbstractController</a:t>
-            </a:r>
+                <a:solidFill>
+                  <a:srgbClr val="FF0000"/>
+                </a:solidFill>
+                <a:latin typeface="Century Gothic" panose="020B0502020202020204" pitchFamily="34" charset="0"/>
+              </a:rPr>
+              <a:t>=production]</a:t>
+            </a:r>
+          </a:p>
+          <a:p>
             <a:r>
               <a:rPr lang="en-US" dirty="0">
                 <a:solidFill>
-                  <a:schemeClr val="accent2"/>
-                </a:solidFill>
-                <a:latin typeface="Century Gothic" panose="020B0502020202020204" pitchFamily="34" charset="0"/>
-              </a:rPr>
-              <a:t> </a:t>
-            </a:r>
+                  <a:srgbClr val="FFFF00"/>
+                </a:solidFill>
+                <a:latin typeface="Century Gothic" panose="020B0502020202020204" pitchFamily="34" charset="0"/>
+              </a:rPr>
+              <a:t>{</a:t>
+            </a:r>
+          </a:p>
+          <a:p>
             <a:r>
               <a:rPr lang="en-US" dirty="0">
-                <a:latin typeface="Century Gothic" panose="020B0502020202020204" pitchFamily="34" charset="0"/>
-              </a:rPr>
-              <a:t>{</a:t>
+                <a:solidFill>
+                  <a:srgbClr val="FFFF00"/>
+                </a:solidFill>
+                <a:latin typeface="Century Gothic" panose="020B0502020202020204" pitchFamily="34" charset="0"/>
+              </a:rPr>
+              <a:t>	"server": {</a:t>
             </a:r>
           </a:p>
           <a:p>
             <a:r>
               <a:rPr lang="en-US" dirty="0">
-                <a:latin typeface="Century Gothic" panose="020B0502020202020204" pitchFamily="34" charset="0"/>
-              </a:rPr>
-              <a:t>	</a:t>
-            </a:r>
+                <a:solidFill>
+                  <a:srgbClr val="FFFF00"/>
+                </a:solidFill>
+                <a:latin typeface="Century Gothic" panose="020B0502020202020204" pitchFamily="34" charset="0"/>
+              </a:rPr>
+              <a:t>		"hostname": "0.0.0.0",</a:t>
+            </a:r>
+          </a:p>
+          <a:p>
             <a:r>
               <a:rPr lang="en-US" dirty="0">
                 <a:solidFill>
@@ -31939,328 +32211,37 @@
                 </a:solidFill>
                 <a:latin typeface="Century Gothic" panose="020B0502020202020204" pitchFamily="34" charset="0"/>
               </a:rPr>
-              <a:t>get</a:t>
-            </a:r>
+              <a:t>		"port": 80</a:t>
+            </a:r>
+          </a:p>
+          <a:p>
             <a:r>
               <a:rPr lang="en-US" dirty="0">
-                <a:latin typeface="Century Gothic" panose="020B0502020202020204" pitchFamily="34" charset="0"/>
-              </a:rPr>
-              <a:t>(</a:t>
-            </a:r>
-            <a:r>
-              <a:rPr lang="en-US" dirty="0" err="1">
-                <a:latin typeface="Century Gothic" panose="020B0502020202020204" pitchFamily="34" charset="0"/>
-              </a:rPr>
-              <a:t>path,request,response</a:t>
-            </a:r>
+                <a:solidFill>
+                  <a:srgbClr val="FFFF00"/>
+                </a:solidFill>
+                <a:latin typeface="Century Gothic" panose="020B0502020202020204" pitchFamily="34" charset="0"/>
+              </a:rPr>
+              <a:t>	}</a:t>
+            </a:r>
+          </a:p>
+          <a:p>
             <a:r>
               <a:rPr lang="en-US" dirty="0">
-                <a:latin typeface="Century Gothic" panose="020B0502020202020204" pitchFamily="34" charset="0"/>
-              </a:rPr>
-              <a:t>) {</a:t>
-            </a:r>
-          </a:p>
-          <a:p>
-            <a:r>
-              <a:rPr lang="en-US" dirty="0">
-                <a:latin typeface="Century Gothic" panose="020B0502020202020204" pitchFamily="34" charset="0"/>
-              </a:rPr>
-              <a:t>		if (path==="") return </a:t>
-            </a:r>
-            <a:r>
-              <a:rPr lang="en-US" dirty="0" err="1">
-                <a:solidFill>
-                  <a:srgbClr val="FF0000"/>
-                </a:solidFill>
-                <a:latin typeface="Century Gothic" panose="020B0502020202020204" pitchFamily="34" charset="0"/>
-              </a:rPr>
-              <a:t>getKittenIds</a:t>
-            </a:r>
-            <a:r>
-              <a:rPr lang="en-US" dirty="0">
-                <a:latin typeface="Century Gothic" panose="020B0502020202020204" pitchFamily="34" charset="0"/>
-              </a:rPr>
-              <a:t>(</a:t>
-            </a:r>
-            <a:r>
-              <a:rPr lang="en-US" dirty="0" err="1">
-                <a:latin typeface="Century Gothic" panose="020B0502020202020204" pitchFamily="34" charset="0"/>
-              </a:rPr>
-              <a:t>path,request,response</a:t>
-            </a:r>
-            <a:r>
-              <a:rPr lang="en-US" dirty="0">
-                <a:latin typeface="Century Gothic" panose="020B0502020202020204" pitchFamily="34" charset="0"/>
-              </a:rPr>
-              <a:t>);</a:t>
-            </a:r>
-          </a:p>
-          <a:p>
-            <a:r>
-              <a:rPr lang="en-US" dirty="0">
-                <a:latin typeface="Century Gothic" panose="020B0502020202020204" pitchFamily="34" charset="0"/>
-              </a:rPr>
-              <a:t>		else return </a:t>
-            </a:r>
-            <a:r>
-              <a:rPr lang="en-US" dirty="0" err="1">
-                <a:solidFill>
-                  <a:srgbClr val="FF0000"/>
-                </a:solidFill>
-                <a:latin typeface="Century Gothic" panose="020B0502020202020204" pitchFamily="34" charset="0"/>
-              </a:rPr>
-              <a:t>getSpecificKitten</a:t>
-            </a:r>
-            <a:r>
-              <a:rPr lang="en-US" dirty="0">
-                <a:latin typeface="Century Gothic" panose="020B0502020202020204" pitchFamily="34" charset="0"/>
-              </a:rPr>
-              <a:t>(</a:t>
-            </a:r>
-            <a:r>
-              <a:rPr lang="en-US" dirty="0" err="1">
-                <a:latin typeface="Century Gothic" panose="020B0502020202020204" pitchFamily="34" charset="0"/>
-              </a:rPr>
-              <a:t>path,request,response</a:t>
-            </a:r>
-            <a:r>
-              <a:rPr lang="en-US" dirty="0">
-                <a:latin typeface="Century Gothic" panose="020B0502020202020204" pitchFamily="34" charset="0"/>
-              </a:rPr>
-              <a:t>);</a:t>
-            </a:r>
-          </a:p>
-          <a:p>
-            <a:r>
-              <a:rPr lang="en-US" dirty="0">
-                <a:latin typeface="Century Gothic" panose="020B0502020202020204" pitchFamily="34" charset="0"/>
-              </a:rPr>
-              <a:t>	}</a:t>
-            </a:r>
-          </a:p>
-          <a:p>
-            <a:r>
-              <a:rPr lang="en-US" dirty="0">
+                <a:solidFill>
+                  <a:srgbClr val="FFFF00"/>
+                </a:solidFill>
                 <a:latin typeface="Century Gothic" panose="020B0502020202020204" pitchFamily="34" charset="0"/>
               </a:rPr>
               <a:t>}</a:t>
             </a:r>
-          </a:p>
-          <a:p>
-            <a:endParaRPr lang="en-US" dirty="0">
-              <a:latin typeface="Century Gothic" panose="020B0502020202020204" pitchFamily="34" charset="0"/>
-            </a:endParaRPr>
-          </a:p>
-          <a:p>
-            <a:r>
-              <a:rPr lang="en-US" dirty="0">
-                <a:latin typeface="Century Gothic" panose="020B0502020202020204" pitchFamily="34" charset="0"/>
-              </a:rPr>
-              <a:t>const </a:t>
-            </a:r>
-            <a:r>
-              <a:rPr lang="en-US" dirty="0" err="1">
-                <a:solidFill>
-                  <a:srgbClr val="FF0000"/>
-                </a:solidFill>
-                <a:latin typeface="Century Gothic" panose="020B0502020202020204" pitchFamily="34" charset="0"/>
-              </a:rPr>
-              <a:t>getKittenIds</a:t>
-            </a:r>
-            <a:r>
-              <a:rPr lang="en-US" dirty="0">
-                <a:latin typeface="Century Gothic" panose="020B0502020202020204" pitchFamily="34" charset="0"/>
-              </a:rPr>
-              <a:t> = function(</a:t>
-            </a:r>
-            <a:r>
-              <a:rPr lang="en-US" dirty="0" err="1">
-                <a:latin typeface="Century Gothic" panose="020B0502020202020204" pitchFamily="34" charset="0"/>
-              </a:rPr>
-              <a:t>path,request,response</a:t>
-            </a:r>
-            <a:r>
-              <a:rPr lang="en-US" dirty="0">
-                <a:latin typeface="Century Gothic" panose="020B0502020202020204" pitchFamily="34" charset="0"/>
-              </a:rPr>
-              <a:t>) { </a:t>
-            </a:r>
-          </a:p>
-          <a:p>
-            <a:r>
-              <a:rPr lang="en-US" dirty="0">
-                <a:latin typeface="Century Gothic" panose="020B0502020202020204" pitchFamily="34" charset="0"/>
-              </a:rPr>
-              <a:t>	</a:t>
-            </a:r>
-            <a:r>
-              <a:rPr lang="en-US" dirty="0" err="1">
-                <a:solidFill>
-                  <a:srgbClr val="00B050"/>
-                </a:solidFill>
-                <a:latin typeface="Century Gothic" panose="020B0502020202020204" pitchFamily="34" charset="0"/>
-              </a:rPr>
-              <a:t>Log</a:t>
-            </a:r>
-            <a:r>
-              <a:rPr lang="en-US" dirty="0" err="1">
-                <a:latin typeface="Century Gothic" panose="020B0502020202020204" pitchFamily="34" charset="0"/>
-              </a:rPr>
-              <a:t>.debug</a:t>
-            </a:r>
-            <a:r>
-              <a:rPr lang="en-US" dirty="0">
-                <a:latin typeface="Century Gothic" panose="020B0502020202020204" pitchFamily="34" charset="0"/>
-              </a:rPr>
-              <a:t>("Received request to return Kitten Ids");</a:t>
-            </a:r>
-          </a:p>
-          <a:p>
-            <a:r>
-              <a:rPr lang="en-US" dirty="0">
-                <a:latin typeface="Century Gothic" panose="020B0502020202020204" pitchFamily="34" charset="0"/>
-              </a:rPr>
-              <a:t>	… </a:t>
-            </a:r>
-          </a:p>
-          <a:p>
-            <a:r>
-              <a:rPr lang="en-US" dirty="0">
-                <a:latin typeface="Century Gothic" panose="020B0502020202020204" pitchFamily="34" charset="0"/>
-              </a:rPr>
-              <a:t>};</a:t>
-            </a:r>
-          </a:p>
-          <a:p>
-            <a:endParaRPr lang="en-US" dirty="0">
-              <a:latin typeface="Century Gothic" panose="020B0502020202020204" pitchFamily="34" charset="0"/>
-            </a:endParaRPr>
-          </a:p>
-          <a:p>
-            <a:r>
-              <a:rPr lang="en-US" dirty="0">
-                <a:latin typeface="Century Gothic" panose="020B0502020202020204" pitchFamily="34" charset="0"/>
-              </a:rPr>
-              <a:t>const </a:t>
-            </a:r>
-            <a:r>
-              <a:rPr lang="en-US" dirty="0" err="1">
-                <a:solidFill>
-                  <a:srgbClr val="FF0000"/>
-                </a:solidFill>
-                <a:latin typeface="Century Gothic" panose="020B0502020202020204" pitchFamily="34" charset="0"/>
-              </a:rPr>
-              <a:t>getSpecificKitten</a:t>
-            </a:r>
-            <a:r>
-              <a:rPr lang="en-US" dirty="0">
-                <a:latin typeface="Century Gothic" panose="020B0502020202020204" pitchFamily="34" charset="0"/>
-              </a:rPr>
-              <a:t> = function(</a:t>
-            </a:r>
-            <a:r>
-              <a:rPr lang="en-US" dirty="0" err="1">
-                <a:latin typeface="Century Gothic" panose="020B0502020202020204" pitchFamily="34" charset="0"/>
-              </a:rPr>
-              <a:t>id,request,response</a:t>
-            </a:r>
-            <a:r>
-              <a:rPr lang="en-US" dirty="0">
-                <a:latin typeface="Century Gothic" panose="020B0502020202020204" pitchFamily="34" charset="0"/>
-              </a:rPr>
-              <a:t>) { </a:t>
-            </a:r>
-          </a:p>
-          <a:p>
-            <a:r>
-              <a:rPr lang="en-US" dirty="0">
-                <a:latin typeface="Century Gothic" panose="020B0502020202020204" pitchFamily="34" charset="0"/>
-              </a:rPr>
-              <a:t>	</a:t>
-            </a:r>
-            <a:r>
-              <a:rPr lang="en-US" dirty="0" err="1">
-                <a:solidFill>
-                  <a:srgbClr val="00B050"/>
-                </a:solidFill>
-                <a:latin typeface="Century Gothic" panose="020B0502020202020204" pitchFamily="34" charset="0"/>
-              </a:rPr>
-              <a:t>Log</a:t>
-            </a:r>
-            <a:r>
-              <a:rPr lang="en-US" dirty="0" err="1">
-                <a:latin typeface="Century Gothic" panose="020B0502020202020204" pitchFamily="34" charset="0"/>
-              </a:rPr>
-              <a:t>.debug</a:t>
-            </a:r>
-            <a:r>
-              <a:rPr lang="en-US" dirty="0">
-                <a:latin typeface="Century Gothic" panose="020B0502020202020204" pitchFamily="34" charset="0"/>
-              </a:rPr>
-              <a:t>("Received request to return specific Kitten "+id+".");</a:t>
-            </a:r>
-          </a:p>
-          <a:p>
-            <a:r>
-              <a:rPr lang="en-US" dirty="0">
-                <a:latin typeface="Century Gothic" panose="020B0502020202020204" pitchFamily="34" charset="0"/>
-              </a:rPr>
-              <a:t>	… </a:t>
-            </a:r>
-          </a:p>
-          <a:p>
-            <a:r>
-              <a:rPr lang="en-US" dirty="0">
-                <a:latin typeface="Century Gothic" panose="020B0502020202020204" pitchFamily="34" charset="0"/>
-              </a:rPr>
-              <a:t>};</a:t>
-            </a:r>
-          </a:p>
-          <a:p>
-            <a:endParaRPr lang="en-US" dirty="0">
-              <a:latin typeface="Century Gothic" panose="020B0502020202020204" pitchFamily="34" charset="0"/>
-            </a:endParaRPr>
-          </a:p>
-          <a:p>
-            <a:r>
-              <a:rPr lang="en-US" dirty="0" err="1">
-                <a:latin typeface="Century Gothic" panose="020B0502020202020204" pitchFamily="34" charset="0"/>
-              </a:rPr>
-              <a:t>module.exports</a:t>
-            </a:r>
-            <a:r>
-              <a:rPr lang="en-US" dirty="0">
-                <a:latin typeface="Century Gothic" panose="020B0502020202020204" pitchFamily="34" charset="0"/>
-              </a:rPr>
-              <a:t> = </a:t>
-            </a:r>
-            <a:r>
-              <a:rPr lang="en-US" dirty="0" err="1">
-                <a:solidFill>
-                  <a:srgbClr val="00B050"/>
-                </a:solidFill>
-                <a:latin typeface="Century Gothic" panose="020B0502020202020204" pitchFamily="34" charset="0"/>
-              </a:rPr>
-              <a:t>KittenController</a:t>
-            </a:r>
-            <a:r>
-              <a:rPr lang="en-US" dirty="0">
-                <a:latin typeface="Century Gothic" panose="020B0502020202020204" pitchFamily="34" charset="0"/>
-              </a:rPr>
-              <a:t>;</a:t>
-            </a:r>
-          </a:p>
-          <a:p>
-            <a:endParaRPr lang="en-US" dirty="0">
-              <a:latin typeface="Century Gothic" panose="020B0502020202020204" pitchFamily="34" charset="0"/>
-            </a:endParaRPr>
           </a:p>
         </p:txBody>
       </p:sp>
     </p:spTree>
     <p:extLst>
       <p:ext uri="{BB962C8B-B14F-4D97-AF65-F5344CB8AC3E}">
-        <p14:creationId xmlns:p14="http://schemas.microsoft.com/office/powerpoint/2010/main" val="846388229"/>
+        <p14:creationId xmlns:p14="http://schemas.microsoft.com/office/powerpoint/2010/main" val="1243556810"/>
       </p:ext>
     </p:extLst>
   </p:cSld>
@@ -32289,6 +32270,853 @@
       </p:grpSpPr>
       <p:sp>
         <p:nvSpPr>
+          <p:cNvPr id="2" name="Rectangle 1">
+            <a:extLst>
+              <a:ext uri="{FF2B5EF4-FFF2-40B4-BE49-F238E27FC236}">
+                <a16:creationId xmlns:a16="http://schemas.microsoft.com/office/drawing/2014/main" id="{2A9B7141-1F33-4C1F-AAF3-3BAA8BCEE08A}"/>
+              </a:ext>
+            </a:extLst>
+          </p:cNvPr>
+          <p:cNvSpPr/>
+          <p:nvPr/>
+        </p:nvSpPr>
+        <p:spPr>
+          <a:xfrm>
+            <a:off x="0" y="0"/>
+            <a:ext cx="12192000" cy="5078313"/>
+          </a:xfrm>
+          <a:prstGeom prst="rect">
+            <a:avLst/>
+          </a:prstGeom>
+        </p:spPr>
+        <p:txBody>
+          <a:bodyPr wrap="square">
+            <a:spAutoFit/>
+          </a:bodyPr>
+          <a:lstStyle/>
+          <a:p>
+            <a:r>
+              <a:rPr lang="en-US" dirty="0">
+                <a:latin typeface="Century Gothic" panose="020B0502020202020204" pitchFamily="34" charset="0"/>
+              </a:rPr>
+              <a:t>/* Our base, which is also our local server configuration */</a:t>
+            </a:r>
+          </a:p>
+          <a:p>
+            <a:r>
+              <a:rPr lang="en-US" dirty="0">
+                <a:solidFill>
+                  <a:srgbClr val="FFFF00"/>
+                </a:solidFill>
+                <a:latin typeface="Century Gothic" panose="020B0502020202020204" pitchFamily="34" charset="0"/>
+              </a:rPr>
+              <a:t>{</a:t>
+            </a:r>
+          </a:p>
+          <a:p>
+            <a:r>
+              <a:rPr lang="en-US" dirty="0">
+                <a:solidFill>
+                  <a:srgbClr val="FFFF00"/>
+                </a:solidFill>
+                <a:latin typeface="Century Gothic" panose="020B0502020202020204" pitchFamily="34" charset="0"/>
+              </a:rPr>
+              <a:t>	"server": {</a:t>
+            </a:r>
+          </a:p>
+          <a:p>
+            <a:r>
+              <a:rPr lang="en-US" dirty="0">
+                <a:solidFill>
+                  <a:srgbClr val="FFFF00"/>
+                </a:solidFill>
+                <a:latin typeface="Century Gothic" panose="020B0502020202020204" pitchFamily="34" charset="0"/>
+              </a:rPr>
+              <a:t>		"scheme": "http",</a:t>
+            </a:r>
+          </a:p>
+          <a:p>
+            <a:r>
+              <a:rPr lang="en-US" dirty="0">
+                <a:solidFill>
+                  <a:srgbClr val="FFFF00"/>
+                </a:solidFill>
+                <a:latin typeface="Century Gothic" panose="020B0502020202020204" pitchFamily="34" charset="0"/>
+              </a:rPr>
+              <a:t>		"hostname": "localhost",</a:t>
+            </a:r>
+          </a:p>
+          <a:p>
+            <a:r>
+              <a:rPr lang="en-US" dirty="0">
+                <a:solidFill>
+                  <a:srgbClr val="FFFF00"/>
+                </a:solidFill>
+                <a:latin typeface="Century Gothic" panose="020B0502020202020204" pitchFamily="34" charset="0"/>
+              </a:rPr>
+              <a:t>		"port": 8080,</a:t>
+            </a:r>
+          </a:p>
+          <a:p>
+            <a:r>
+              <a:rPr lang="en-US" dirty="0">
+                <a:solidFill>
+                  <a:srgbClr val="FFFF00"/>
+                </a:solidFill>
+                <a:latin typeface="Century Gothic" panose="020B0502020202020204" pitchFamily="34" charset="0"/>
+              </a:rPr>
+              <a:t>		"</a:t>
+            </a:r>
+            <a:r>
+              <a:rPr lang="en-US" dirty="0" err="1">
+                <a:solidFill>
+                  <a:srgbClr val="FFFF00"/>
+                </a:solidFill>
+                <a:latin typeface="Century Gothic" panose="020B0502020202020204" pitchFamily="34" charset="0"/>
+              </a:rPr>
+              <a:t>url</a:t>
+            </a:r>
+            <a:r>
+              <a:rPr lang="en-US" dirty="0">
+                <a:solidFill>
+                  <a:srgbClr val="FFFF00"/>
+                </a:solidFill>
+                <a:latin typeface="Century Gothic" panose="020B0502020202020204" pitchFamily="34" charset="0"/>
+              </a:rPr>
+              <a:t>": "${</a:t>
+            </a:r>
+            <a:r>
+              <a:rPr lang="en-US" dirty="0" err="1">
+                <a:solidFill>
+                  <a:srgbClr val="FFFF00"/>
+                </a:solidFill>
+                <a:latin typeface="Century Gothic" panose="020B0502020202020204" pitchFamily="34" charset="0"/>
+              </a:rPr>
+              <a:t>server.scheme</a:t>
+            </a:r>
+            <a:r>
+              <a:rPr lang="en-US" dirty="0">
+                <a:solidFill>
+                  <a:srgbClr val="FFFF00"/>
+                </a:solidFill>
+                <a:latin typeface="Century Gothic" panose="020B0502020202020204" pitchFamily="34" charset="0"/>
+              </a:rPr>
+              <a:t>}://${</a:t>
+            </a:r>
+            <a:r>
+              <a:rPr lang="en-US" dirty="0" err="1">
+                <a:solidFill>
+                  <a:srgbClr val="FFFF00"/>
+                </a:solidFill>
+                <a:latin typeface="Century Gothic" panose="020B0502020202020204" pitchFamily="34" charset="0"/>
+              </a:rPr>
+              <a:t>server.hostname</a:t>
+            </a:r>
+            <a:r>
+              <a:rPr lang="en-US" dirty="0">
+                <a:solidFill>
+                  <a:srgbClr val="FFFF00"/>
+                </a:solidFill>
+                <a:latin typeface="Century Gothic" panose="020B0502020202020204" pitchFamily="34" charset="0"/>
+              </a:rPr>
+              <a:t>}:${</a:t>
+            </a:r>
+            <a:r>
+              <a:rPr lang="en-US" dirty="0" err="1">
+                <a:solidFill>
+                  <a:srgbClr val="FFFF00"/>
+                </a:solidFill>
+                <a:latin typeface="Century Gothic" panose="020B0502020202020204" pitchFamily="34" charset="0"/>
+              </a:rPr>
+              <a:t>server.port</a:t>
+            </a:r>
+            <a:r>
+              <a:rPr lang="en-US" dirty="0">
+                <a:solidFill>
+                  <a:srgbClr val="FFFF00"/>
+                </a:solidFill>
+                <a:latin typeface="Century Gothic" panose="020B0502020202020204" pitchFamily="34" charset="0"/>
+              </a:rPr>
+              <a:t>}"</a:t>
+            </a:r>
+          </a:p>
+          <a:p>
+            <a:r>
+              <a:rPr lang="en-US" dirty="0">
+                <a:solidFill>
+                  <a:srgbClr val="FFFF00"/>
+                </a:solidFill>
+                <a:latin typeface="Century Gothic" panose="020B0502020202020204" pitchFamily="34" charset="0"/>
+              </a:rPr>
+              <a:t>	}</a:t>
+            </a:r>
+          </a:p>
+          <a:p>
+            <a:r>
+              <a:rPr lang="en-US" dirty="0">
+                <a:solidFill>
+                  <a:srgbClr val="FFFF00"/>
+                </a:solidFill>
+                <a:latin typeface="Century Gothic" panose="020B0502020202020204" pitchFamily="34" charset="0"/>
+              </a:rPr>
+              <a:t>}</a:t>
+            </a:r>
+          </a:p>
+          <a:p>
+            <a:endParaRPr lang="en-US" dirty="0">
+              <a:latin typeface="Century Gothic" panose="020B0502020202020204" pitchFamily="34" charset="0"/>
+            </a:endParaRPr>
+          </a:p>
+          <a:p>
+            <a:r>
+              <a:rPr lang="en-US" dirty="0">
+                <a:latin typeface="Century Gothic" panose="020B0502020202020204" pitchFamily="34" charset="0"/>
+              </a:rPr>
+              <a:t>/* our production environment settings */</a:t>
+            </a:r>
+          </a:p>
+          <a:p>
+            <a:r>
+              <a:rPr lang="en-US" dirty="0">
+                <a:latin typeface="Century Gothic" panose="020B0502020202020204" pitchFamily="34" charset="0"/>
+              </a:rPr>
+              <a:t>[</a:t>
+            </a:r>
+            <a:r>
+              <a:rPr lang="en-US" dirty="0" err="1">
+                <a:latin typeface="Century Gothic" panose="020B0502020202020204" pitchFamily="34" charset="0"/>
+              </a:rPr>
+              <a:t>env:target</a:t>
+            </a:r>
+            <a:r>
+              <a:rPr lang="en-US" dirty="0">
+                <a:latin typeface="Century Gothic" panose="020B0502020202020204" pitchFamily="34" charset="0"/>
+              </a:rPr>
+              <a:t>=production]</a:t>
+            </a:r>
+          </a:p>
+          <a:p>
+            <a:r>
+              <a:rPr lang="en-US" dirty="0">
+                <a:latin typeface="Century Gothic" panose="020B0502020202020204" pitchFamily="34" charset="0"/>
+              </a:rPr>
+              <a:t>{</a:t>
+            </a:r>
+          </a:p>
+          <a:p>
+            <a:r>
+              <a:rPr lang="en-US" dirty="0">
+                <a:latin typeface="Century Gothic" panose="020B0502020202020204" pitchFamily="34" charset="0"/>
+              </a:rPr>
+              <a:t>	"server": {</a:t>
+            </a:r>
+          </a:p>
+          <a:p>
+            <a:r>
+              <a:rPr lang="en-US" dirty="0">
+                <a:latin typeface="Century Gothic" panose="020B0502020202020204" pitchFamily="34" charset="0"/>
+              </a:rPr>
+              <a:t>		"hostname": "0.0.0.0",</a:t>
+            </a:r>
+          </a:p>
+          <a:p>
+            <a:r>
+              <a:rPr lang="en-US" dirty="0">
+                <a:latin typeface="Century Gothic" panose="020B0502020202020204" pitchFamily="34" charset="0"/>
+              </a:rPr>
+              <a:t>		"port": 80</a:t>
+            </a:r>
+          </a:p>
+          <a:p>
+            <a:r>
+              <a:rPr lang="en-US" dirty="0">
+                <a:latin typeface="Century Gothic" panose="020B0502020202020204" pitchFamily="34" charset="0"/>
+              </a:rPr>
+              <a:t>	}</a:t>
+            </a:r>
+          </a:p>
+          <a:p>
+            <a:r>
+              <a:rPr lang="en-US" dirty="0">
+                <a:latin typeface="Century Gothic" panose="020B0502020202020204" pitchFamily="34" charset="0"/>
+              </a:rPr>
+              <a:t>}</a:t>
+            </a:r>
+          </a:p>
+        </p:txBody>
+      </p:sp>
+    </p:spTree>
+    <p:extLst>
+      <p:ext uri="{BB962C8B-B14F-4D97-AF65-F5344CB8AC3E}">
+        <p14:creationId xmlns:p14="http://schemas.microsoft.com/office/powerpoint/2010/main" val="3042951156"/>
+      </p:ext>
+    </p:extLst>
+  </p:cSld>
+  <p:clrMapOvr>
+    <a:masterClrMapping/>
+  </p:clrMapOvr>
+</p:sld>
+</file>
+
+<file path=ppt/slides/slide83.xml><?xml version="1.0" encoding="utf-8"?>
+<p:sld xmlns:a="http://schemas.openxmlformats.org/drawingml/2006/main" xmlns:r="http://schemas.openxmlformats.org/officeDocument/2006/relationships" xmlns:p="http://schemas.openxmlformats.org/presentationml/2006/main">
+  <p:cSld>
+    <p:spTree>
+      <p:nvGrpSpPr>
+        <p:cNvPr id="1" name=""/>
+        <p:cNvGrpSpPr/>
+        <p:nvPr/>
+      </p:nvGrpSpPr>
+      <p:grpSpPr>
+        <a:xfrm>
+          <a:off x="0" y="0"/>
+          <a:ext cx="0" cy="0"/>
+          <a:chOff x="0" y="0"/>
+          <a:chExt cx="0" cy="0"/>
+        </a:xfrm>
+      </p:grpSpPr>
+      <p:sp>
+        <p:nvSpPr>
+          <p:cNvPr id="2" name="Rectangle 1">
+            <a:extLst>
+              <a:ext uri="{FF2B5EF4-FFF2-40B4-BE49-F238E27FC236}">
+                <a16:creationId xmlns:a16="http://schemas.microsoft.com/office/drawing/2014/main" id="{2A9B7141-1F33-4C1F-AAF3-3BAA8BCEE08A}"/>
+              </a:ext>
+            </a:extLst>
+          </p:cNvPr>
+          <p:cNvSpPr/>
+          <p:nvPr/>
+        </p:nvSpPr>
+        <p:spPr>
+          <a:xfrm>
+            <a:off x="0" y="0"/>
+            <a:ext cx="12192000" cy="6186309"/>
+          </a:xfrm>
+          <a:prstGeom prst="rect">
+            <a:avLst/>
+          </a:prstGeom>
+        </p:spPr>
+        <p:txBody>
+          <a:bodyPr wrap="square">
+            <a:spAutoFit/>
+          </a:bodyPr>
+          <a:lstStyle/>
+          <a:p>
+            <a:r>
+              <a:rPr lang="en-US" dirty="0">
+                <a:latin typeface="Century Gothic" panose="020B0502020202020204" pitchFamily="34" charset="0"/>
+              </a:rPr>
+              <a:t>const </a:t>
+            </a:r>
+            <a:r>
+              <a:rPr lang="en-US" dirty="0" err="1">
+                <a:solidFill>
+                  <a:schemeClr val="accent2"/>
+                </a:solidFill>
+                <a:latin typeface="Century Gothic" panose="020B0502020202020204" pitchFamily="34" charset="0"/>
+              </a:rPr>
+              <a:t>AwesomeServer</a:t>
+            </a:r>
+            <a:r>
+              <a:rPr lang="en-US" dirty="0">
+                <a:latin typeface="Century Gothic" panose="020B0502020202020204" pitchFamily="34" charset="0"/>
+              </a:rPr>
+              <a:t> = require("@</a:t>
+            </a:r>
+            <a:r>
+              <a:rPr lang="en-US" dirty="0" err="1">
+                <a:latin typeface="Century Gothic" panose="020B0502020202020204" pitchFamily="34" charset="0"/>
+              </a:rPr>
+              <a:t>awesomeeng</a:t>
+            </a:r>
+            <a:r>
+              <a:rPr lang="en-US" dirty="0">
+                <a:latin typeface="Century Gothic" panose="020B0502020202020204" pitchFamily="34" charset="0"/>
+              </a:rPr>
+              <a:t>/awesome-server");</a:t>
+            </a:r>
+          </a:p>
+          <a:p>
+            <a:r>
+              <a:rPr lang="fr-FR" dirty="0" err="1">
+                <a:latin typeface="Century Gothic" panose="020B0502020202020204" pitchFamily="34" charset="0"/>
+              </a:rPr>
+              <a:t>const</a:t>
+            </a:r>
+            <a:r>
+              <a:rPr lang="fr-FR" dirty="0">
+                <a:latin typeface="Century Gothic" panose="020B0502020202020204" pitchFamily="34" charset="0"/>
+              </a:rPr>
+              <a:t> </a:t>
+            </a:r>
+            <a:r>
+              <a:rPr lang="fr-FR" dirty="0">
+                <a:solidFill>
+                  <a:srgbClr val="00B050"/>
+                </a:solidFill>
+                <a:latin typeface="Century Gothic" panose="020B0502020202020204" pitchFamily="34" charset="0"/>
+              </a:rPr>
+              <a:t>Log</a:t>
+            </a:r>
+            <a:r>
+              <a:rPr lang="fr-FR" dirty="0">
+                <a:latin typeface="Century Gothic" panose="020B0502020202020204" pitchFamily="34" charset="0"/>
+              </a:rPr>
+              <a:t> = </a:t>
+            </a:r>
+            <a:r>
+              <a:rPr lang="fr-FR" dirty="0" err="1">
+                <a:latin typeface="Century Gothic" panose="020B0502020202020204" pitchFamily="34" charset="0"/>
+              </a:rPr>
+              <a:t>require</a:t>
+            </a:r>
+            <a:r>
+              <a:rPr lang="fr-FR" dirty="0">
+                <a:latin typeface="Century Gothic" panose="020B0502020202020204" pitchFamily="34" charset="0"/>
+              </a:rPr>
+              <a:t>("@</a:t>
+            </a:r>
+            <a:r>
+              <a:rPr lang="fr-FR" dirty="0" err="1">
+                <a:latin typeface="Century Gothic" panose="020B0502020202020204" pitchFamily="34" charset="0"/>
+              </a:rPr>
+              <a:t>awesomeeng</a:t>
+            </a:r>
+            <a:r>
+              <a:rPr lang="fr-FR" dirty="0">
+                <a:latin typeface="Century Gothic" panose="020B0502020202020204" pitchFamily="34" charset="0"/>
+              </a:rPr>
+              <a:t>/</a:t>
+            </a:r>
+            <a:r>
+              <a:rPr lang="fr-FR" dirty="0" err="1">
+                <a:latin typeface="Century Gothic" panose="020B0502020202020204" pitchFamily="34" charset="0"/>
+              </a:rPr>
+              <a:t>awesome</a:t>
+            </a:r>
+            <a:r>
+              <a:rPr lang="fr-FR" dirty="0">
+                <a:latin typeface="Century Gothic" panose="020B0502020202020204" pitchFamily="34" charset="0"/>
+              </a:rPr>
+              <a:t>-log");</a:t>
+            </a:r>
+          </a:p>
+          <a:p>
+            <a:endParaRPr lang="en-US" dirty="0">
+              <a:latin typeface="Century Gothic" panose="020B0502020202020204" pitchFamily="34" charset="0"/>
+            </a:endParaRPr>
+          </a:p>
+          <a:p>
+            <a:r>
+              <a:rPr lang="en-US" dirty="0">
+                <a:latin typeface="Century Gothic" panose="020B0502020202020204" pitchFamily="34" charset="0"/>
+              </a:rPr>
+              <a:t>class </a:t>
+            </a:r>
+            <a:r>
+              <a:rPr lang="en-US" dirty="0" err="1">
+                <a:solidFill>
+                  <a:srgbClr val="00B050"/>
+                </a:solidFill>
+                <a:latin typeface="Century Gothic" panose="020B0502020202020204" pitchFamily="34" charset="0"/>
+              </a:rPr>
+              <a:t>KittenController</a:t>
+            </a:r>
+            <a:r>
+              <a:rPr lang="en-US" dirty="0">
+                <a:latin typeface="Century Gothic" panose="020B0502020202020204" pitchFamily="34" charset="0"/>
+              </a:rPr>
+              <a:t> extends </a:t>
+            </a:r>
+            <a:r>
+              <a:rPr lang="en-US" dirty="0" err="1">
+                <a:solidFill>
+                  <a:schemeClr val="accent2"/>
+                </a:solidFill>
+                <a:latin typeface="Century Gothic" panose="020B0502020202020204" pitchFamily="34" charset="0"/>
+              </a:rPr>
+              <a:t>AwesomeServer.AbstractController</a:t>
+            </a:r>
+            <a:r>
+              <a:rPr lang="en-US" dirty="0">
+                <a:solidFill>
+                  <a:schemeClr val="accent2"/>
+                </a:solidFill>
+                <a:latin typeface="Century Gothic" panose="020B0502020202020204" pitchFamily="34" charset="0"/>
+              </a:rPr>
+              <a:t> </a:t>
+            </a:r>
+            <a:r>
+              <a:rPr lang="en-US" dirty="0">
+                <a:latin typeface="Century Gothic" panose="020B0502020202020204" pitchFamily="34" charset="0"/>
+              </a:rPr>
+              <a:t>{</a:t>
+            </a:r>
+          </a:p>
+          <a:p>
+            <a:r>
+              <a:rPr lang="en-US" dirty="0">
+                <a:latin typeface="Century Gothic" panose="020B0502020202020204" pitchFamily="34" charset="0"/>
+              </a:rPr>
+              <a:t>	</a:t>
+            </a:r>
+            <a:r>
+              <a:rPr lang="en-US" dirty="0">
+                <a:solidFill>
+                  <a:srgbClr val="FFFF00"/>
+                </a:solidFill>
+                <a:latin typeface="Century Gothic" panose="020B0502020202020204" pitchFamily="34" charset="0"/>
+              </a:rPr>
+              <a:t>get</a:t>
+            </a:r>
+            <a:r>
+              <a:rPr lang="en-US" dirty="0">
+                <a:latin typeface="Century Gothic" panose="020B0502020202020204" pitchFamily="34" charset="0"/>
+              </a:rPr>
+              <a:t>(</a:t>
+            </a:r>
+            <a:r>
+              <a:rPr lang="en-US" dirty="0" err="1">
+                <a:latin typeface="Century Gothic" panose="020B0502020202020204" pitchFamily="34" charset="0"/>
+              </a:rPr>
+              <a:t>path,request,response</a:t>
+            </a:r>
+            <a:r>
+              <a:rPr lang="en-US" dirty="0">
+                <a:latin typeface="Century Gothic" panose="020B0502020202020204" pitchFamily="34" charset="0"/>
+              </a:rPr>
+              <a:t>) {</a:t>
+            </a:r>
+          </a:p>
+          <a:p>
+            <a:r>
+              <a:rPr lang="en-US" dirty="0">
+                <a:latin typeface="Century Gothic" panose="020B0502020202020204" pitchFamily="34" charset="0"/>
+              </a:rPr>
+              <a:t>		if (path==="") return </a:t>
+            </a:r>
+            <a:r>
+              <a:rPr lang="en-US" dirty="0" err="1">
+                <a:solidFill>
+                  <a:srgbClr val="FF0000"/>
+                </a:solidFill>
+                <a:latin typeface="Century Gothic" panose="020B0502020202020204" pitchFamily="34" charset="0"/>
+              </a:rPr>
+              <a:t>getKittenIds</a:t>
+            </a:r>
+            <a:r>
+              <a:rPr lang="en-US" dirty="0">
+                <a:latin typeface="Century Gothic" panose="020B0502020202020204" pitchFamily="34" charset="0"/>
+              </a:rPr>
+              <a:t>(</a:t>
+            </a:r>
+            <a:r>
+              <a:rPr lang="en-US" dirty="0" err="1">
+                <a:latin typeface="Century Gothic" panose="020B0502020202020204" pitchFamily="34" charset="0"/>
+              </a:rPr>
+              <a:t>path,request,response</a:t>
+            </a:r>
+            <a:r>
+              <a:rPr lang="en-US" dirty="0">
+                <a:latin typeface="Century Gothic" panose="020B0502020202020204" pitchFamily="34" charset="0"/>
+              </a:rPr>
+              <a:t>);</a:t>
+            </a:r>
+          </a:p>
+          <a:p>
+            <a:r>
+              <a:rPr lang="en-US" dirty="0">
+                <a:latin typeface="Century Gothic" panose="020B0502020202020204" pitchFamily="34" charset="0"/>
+              </a:rPr>
+              <a:t>		else return </a:t>
+            </a:r>
+            <a:r>
+              <a:rPr lang="en-US" dirty="0" err="1">
+                <a:solidFill>
+                  <a:srgbClr val="FF0000"/>
+                </a:solidFill>
+                <a:latin typeface="Century Gothic" panose="020B0502020202020204" pitchFamily="34" charset="0"/>
+              </a:rPr>
+              <a:t>getSpecificKitten</a:t>
+            </a:r>
+            <a:r>
+              <a:rPr lang="en-US" dirty="0">
+                <a:latin typeface="Century Gothic" panose="020B0502020202020204" pitchFamily="34" charset="0"/>
+              </a:rPr>
+              <a:t>(</a:t>
+            </a:r>
+            <a:r>
+              <a:rPr lang="en-US" dirty="0" err="1">
+                <a:latin typeface="Century Gothic" panose="020B0502020202020204" pitchFamily="34" charset="0"/>
+              </a:rPr>
+              <a:t>path,request,response</a:t>
+            </a:r>
+            <a:r>
+              <a:rPr lang="en-US" dirty="0">
+                <a:latin typeface="Century Gothic" panose="020B0502020202020204" pitchFamily="34" charset="0"/>
+              </a:rPr>
+              <a:t>);</a:t>
+            </a:r>
+          </a:p>
+          <a:p>
+            <a:r>
+              <a:rPr lang="en-US" dirty="0">
+                <a:latin typeface="Century Gothic" panose="020B0502020202020204" pitchFamily="34" charset="0"/>
+              </a:rPr>
+              <a:t>	}</a:t>
+            </a:r>
+          </a:p>
+          <a:p>
+            <a:r>
+              <a:rPr lang="en-US" dirty="0">
+                <a:latin typeface="Century Gothic" panose="020B0502020202020204" pitchFamily="34" charset="0"/>
+              </a:rPr>
+              <a:t>}</a:t>
+            </a:r>
+          </a:p>
+          <a:p>
+            <a:endParaRPr lang="en-US" dirty="0">
+              <a:latin typeface="Century Gothic" panose="020B0502020202020204" pitchFamily="34" charset="0"/>
+            </a:endParaRPr>
+          </a:p>
+          <a:p>
+            <a:r>
+              <a:rPr lang="en-US" dirty="0">
+                <a:latin typeface="Century Gothic" panose="020B0502020202020204" pitchFamily="34" charset="0"/>
+              </a:rPr>
+              <a:t>const </a:t>
+            </a:r>
+            <a:r>
+              <a:rPr lang="en-US" dirty="0" err="1">
+                <a:solidFill>
+                  <a:srgbClr val="FF0000"/>
+                </a:solidFill>
+                <a:latin typeface="Century Gothic" panose="020B0502020202020204" pitchFamily="34" charset="0"/>
+              </a:rPr>
+              <a:t>getKittenIds</a:t>
+            </a:r>
+            <a:r>
+              <a:rPr lang="en-US" dirty="0">
+                <a:latin typeface="Century Gothic" panose="020B0502020202020204" pitchFamily="34" charset="0"/>
+              </a:rPr>
+              <a:t> = function(</a:t>
+            </a:r>
+            <a:r>
+              <a:rPr lang="en-US" dirty="0" err="1">
+                <a:latin typeface="Century Gothic" panose="020B0502020202020204" pitchFamily="34" charset="0"/>
+              </a:rPr>
+              <a:t>path,request,response</a:t>
+            </a:r>
+            <a:r>
+              <a:rPr lang="en-US" dirty="0">
+                <a:latin typeface="Century Gothic" panose="020B0502020202020204" pitchFamily="34" charset="0"/>
+              </a:rPr>
+              <a:t>) { </a:t>
+            </a:r>
+          </a:p>
+          <a:p>
+            <a:r>
+              <a:rPr lang="en-US" dirty="0">
+                <a:latin typeface="Century Gothic" panose="020B0502020202020204" pitchFamily="34" charset="0"/>
+              </a:rPr>
+              <a:t>	</a:t>
+            </a:r>
+            <a:r>
+              <a:rPr lang="en-US" dirty="0" err="1">
+                <a:solidFill>
+                  <a:srgbClr val="00B050"/>
+                </a:solidFill>
+                <a:latin typeface="Century Gothic" panose="020B0502020202020204" pitchFamily="34" charset="0"/>
+              </a:rPr>
+              <a:t>Log</a:t>
+            </a:r>
+            <a:r>
+              <a:rPr lang="en-US" dirty="0" err="1">
+                <a:latin typeface="Century Gothic" panose="020B0502020202020204" pitchFamily="34" charset="0"/>
+              </a:rPr>
+              <a:t>.debug</a:t>
+            </a:r>
+            <a:r>
+              <a:rPr lang="en-US" dirty="0">
+                <a:latin typeface="Century Gothic" panose="020B0502020202020204" pitchFamily="34" charset="0"/>
+              </a:rPr>
+              <a:t>("Received request to return Kitten Ids");</a:t>
+            </a:r>
+          </a:p>
+          <a:p>
+            <a:r>
+              <a:rPr lang="en-US" dirty="0">
+                <a:latin typeface="Century Gothic" panose="020B0502020202020204" pitchFamily="34" charset="0"/>
+              </a:rPr>
+              <a:t>	… </a:t>
+            </a:r>
+          </a:p>
+          <a:p>
+            <a:r>
+              <a:rPr lang="en-US" dirty="0">
+                <a:latin typeface="Century Gothic" panose="020B0502020202020204" pitchFamily="34" charset="0"/>
+              </a:rPr>
+              <a:t>};</a:t>
+            </a:r>
+          </a:p>
+          <a:p>
+            <a:endParaRPr lang="en-US" dirty="0">
+              <a:latin typeface="Century Gothic" panose="020B0502020202020204" pitchFamily="34" charset="0"/>
+            </a:endParaRPr>
+          </a:p>
+          <a:p>
+            <a:r>
+              <a:rPr lang="en-US" dirty="0">
+                <a:latin typeface="Century Gothic" panose="020B0502020202020204" pitchFamily="34" charset="0"/>
+              </a:rPr>
+              <a:t>const </a:t>
+            </a:r>
+            <a:r>
+              <a:rPr lang="en-US" dirty="0" err="1">
+                <a:solidFill>
+                  <a:srgbClr val="FF0000"/>
+                </a:solidFill>
+                <a:latin typeface="Century Gothic" panose="020B0502020202020204" pitchFamily="34" charset="0"/>
+              </a:rPr>
+              <a:t>getSpecificKitten</a:t>
+            </a:r>
+            <a:r>
+              <a:rPr lang="en-US" dirty="0">
+                <a:latin typeface="Century Gothic" panose="020B0502020202020204" pitchFamily="34" charset="0"/>
+              </a:rPr>
+              <a:t> = function(</a:t>
+            </a:r>
+            <a:r>
+              <a:rPr lang="en-US" dirty="0" err="1">
+                <a:latin typeface="Century Gothic" panose="020B0502020202020204" pitchFamily="34" charset="0"/>
+              </a:rPr>
+              <a:t>id,request,response</a:t>
+            </a:r>
+            <a:r>
+              <a:rPr lang="en-US" dirty="0">
+                <a:latin typeface="Century Gothic" panose="020B0502020202020204" pitchFamily="34" charset="0"/>
+              </a:rPr>
+              <a:t>) { </a:t>
+            </a:r>
+          </a:p>
+          <a:p>
+            <a:r>
+              <a:rPr lang="en-US" dirty="0">
+                <a:latin typeface="Century Gothic" panose="020B0502020202020204" pitchFamily="34" charset="0"/>
+              </a:rPr>
+              <a:t>	</a:t>
+            </a:r>
+            <a:r>
+              <a:rPr lang="en-US" dirty="0" err="1">
+                <a:solidFill>
+                  <a:srgbClr val="00B050"/>
+                </a:solidFill>
+                <a:latin typeface="Century Gothic" panose="020B0502020202020204" pitchFamily="34" charset="0"/>
+              </a:rPr>
+              <a:t>Log</a:t>
+            </a:r>
+            <a:r>
+              <a:rPr lang="en-US" dirty="0" err="1">
+                <a:latin typeface="Century Gothic" panose="020B0502020202020204" pitchFamily="34" charset="0"/>
+              </a:rPr>
+              <a:t>.debug</a:t>
+            </a:r>
+            <a:r>
+              <a:rPr lang="en-US" dirty="0">
+                <a:latin typeface="Century Gothic" panose="020B0502020202020204" pitchFamily="34" charset="0"/>
+              </a:rPr>
+              <a:t>("Received request to return specific Kitten "+id+".");</a:t>
+            </a:r>
+          </a:p>
+          <a:p>
+            <a:r>
+              <a:rPr lang="en-US" dirty="0">
+                <a:latin typeface="Century Gothic" panose="020B0502020202020204" pitchFamily="34" charset="0"/>
+              </a:rPr>
+              <a:t>	… </a:t>
+            </a:r>
+          </a:p>
+          <a:p>
+            <a:r>
+              <a:rPr lang="en-US" dirty="0">
+                <a:latin typeface="Century Gothic" panose="020B0502020202020204" pitchFamily="34" charset="0"/>
+              </a:rPr>
+              <a:t>};</a:t>
+            </a:r>
+          </a:p>
+          <a:p>
+            <a:endParaRPr lang="en-US" dirty="0">
+              <a:latin typeface="Century Gothic" panose="020B0502020202020204" pitchFamily="34" charset="0"/>
+            </a:endParaRPr>
+          </a:p>
+          <a:p>
+            <a:r>
+              <a:rPr lang="en-US" dirty="0" err="1">
+                <a:latin typeface="Century Gothic" panose="020B0502020202020204" pitchFamily="34" charset="0"/>
+              </a:rPr>
+              <a:t>module.exports</a:t>
+            </a:r>
+            <a:r>
+              <a:rPr lang="en-US" dirty="0">
+                <a:latin typeface="Century Gothic" panose="020B0502020202020204" pitchFamily="34" charset="0"/>
+              </a:rPr>
+              <a:t> = </a:t>
+            </a:r>
+            <a:r>
+              <a:rPr lang="en-US" dirty="0" err="1">
+                <a:solidFill>
+                  <a:srgbClr val="00B050"/>
+                </a:solidFill>
+                <a:latin typeface="Century Gothic" panose="020B0502020202020204" pitchFamily="34" charset="0"/>
+              </a:rPr>
+              <a:t>KittenController</a:t>
+            </a:r>
+            <a:r>
+              <a:rPr lang="en-US" dirty="0">
+                <a:latin typeface="Century Gothic" panose="020B0502020202020204" pitchFamily="34" charset="0"/>
+              </a:rPr>
+              <a:t>;</a:t>
+            </a:r>
+          </a:p>
+          <a:p>
+            <a:endParaRPr lang="en-US" dirty="0">
+              <a:latin typeface="Century Gothic" panose="020B0502020202020204" pitchFamily="34" charset="0"/>
+            </a:endParaRPr>
+          </a:p>
+        </p:txBody>
+      </p:sp>
+    </p:spTree>
+    <p:extLst>
+      <p:ext uri="{BB962C8B-B14F-4D97-AF65-F5344CB8AC3E}">
+        <p14:creationId xmlns:p14="http://schemas.microsoft.com/office/powerpoint/2010/main" val="846388229"/>
+      </p:ext>
+    </p:extLst>
+  </p:cSld>
+  <p:clrMapOvr>
+    <a:masterClrMapping/>
+  </p:clrMapOvr>
+</p:sld>
+</file>
+
+<file path=ppt/slides/slide84.xml><?xml version="1.0" encoding="utf-8"?>
+<p:sld xmlns:a="http://schemas.openxmlformats.org/drawingml/2006/main" xmlns:r="http://schemas.openxmlformats.org/officeDocument/2006/relationships" xmlns:p="http://schemas.openxmlformats.org/presentationml/2006/main">
+  <p:cSld>
+    <p:spTree>
+      <p:nvGrpSpPr>
+        <p:cNvPr id="1" name=""/>
+        <p:cNvGrpSpPr/>
+        <p:nvPr/>
+      </p:nvGrpSpPr>
+      <p:grpSpPr>
+        <a:xfrm>
+          <a:off x="0" y="0"/>
+          <a:ext cx="0" cy="0"/>
+          <a:chOff x="0" y="0"/>
+          <a:chExt cx="0" cy="0"/>
+        </a:xfrm>
+      </p:grpSpPr>
+      <p:sp>
+        <p:nvSpPr>
           <p:cNvPr id="2" name="TextBox 1">
             <a:extLst>
               <a:ext uri="{FF2B5EF4-FFF2-40B4-BE49-F238E27FC236}">
@@ -32338,7 +33166,7 @@
 </p:sld>
 </file>
 
-<file path=ppt/slides/slide83.xml><?xml version="1.0" encoding="utf-8"?>
+<file path=ppt/slides/slide85.xml><?xml version="1.0" encoding="utf-8"?>
 <p:sld xmlns:a="http://schemas.openxmlformats.org/drawingml/2006/main" xmlns:r="http://schemas.openxmlformats.org/officeDocument/2006/relationships" xmlns:p="http://schemas.openxmlformats.org/presentationml/2006/main">
   <p:cSld>
     <p:spTree>
@@ -32925,7 +33753,7 @@
                                           </p:stCondLst>
                                         </p:cTn>
                                         <p:tgtEl>
-                                          <p:spTgt spid="3"/>
+                                          <p:spTgt spid="2"/>
                                         </p:tgtEl>
                                         <p:attrNameLst>
                                           <p:attrName>style.visibility</p:attrName>
@@ -32939,7 +33767,7 @@
                                       <p:cBhvr>
                                         <p:cTn id="7" dur="500"/>
                                         <p:tgtEl>
-                                          <p:spTgt spid="3"/>
+                                          <p:spTgt spid="2"/>
                                         </p:tgtEl>
                                       </p:cBhvr>
                                     </p:animEffect>
@@ -32978,7 +33806,7 @@
                                           </p:stCondLst>
                                         </p:cTn>
                                         <p:tgtEl>
-                                          <p:spTgt spid="4"/>
+                                          <p:spTgt spid="3"/>
                                         </p:tgtEl>
                                         <p:attrNameLst>
                                           <p:attrName>style.visibility</p:attrName>
@@ -32992,7 +33820,7 @@
                                       <p:cBhvr>
                                         <p:cTn id="12" dur="500"/>
                                         <p:tgtEl>
-                                          <p:spTgt spid="4"/>
+                                          <p:spTgt spid="3"/>
                                         </p:tgtEl>
                                       </p:cBhvr>
                                     </p:animEffect>
@@ -33031,7 +33859,7 @@
                                           </p:stCondLst>
                                         </p:cTn>
                                         <p:tgtEl>
-                                          <p:spTgt spid="5"/>
+                                          <p:spTgt spid="4"/>
                                         </p:tgtEl>
                                         <p:attrNameLst>
                                           <p:attrName>style.visibility</p:attrName>
@@ -33045,7 +33873,7 @@
                                       <p:cBhvr>
                                         <p:cTn id="17" dur="500"/>
                                         <p:tgtEl>
-                                          <p:spTgt spid="5"/>
+                                          <p:spTgt spid="4"/>
                                         </p:tgtEl>
                                       </p:cBhvr>
                                     </p:animEffect>
@@ -33084,7 +33912,7 @@
                                           </p:stCondLst>
                                         </p:cTn>
                                         <p:tgtEl>
-                                          <p:spTgt spid="6"/>
+                                          <p:spTgt spid="5"/>
                                         </p:tgtEl>
                                         <p:attrNameLst>
                                           <p:attrName>style.visibility</p:attrName>
@@ -33098,7 +33926,7 @@
                                       <p:cBhvr>
                                         <p:cTn id="22" dur="500"/>
                                         <p:tgtEl>
-                                          <p:spTgt spid="6"/>
+                                          <p:spTgt spid="5"/>
                                         </p:tgtEl>
                                       </p:cBhvr>
                                     </p:animEffect>
@@ -33137,6 +33965,59 @@
                                           </p:stCondLst>
                                         </p:cTn>
                                         <p:tgtEl>
+                                          <p:spTgt spid="6"/>
+                                        </p:tgtEl>
+                                        <p:attrNameLst>
+                                          <p:attrName>style.visibility</p:attrName>
+                                        </p:attrNameLst>
+                                      </p:cBhvr>
+                                      <p:to>
+                                        <p:strVal val="visible"/>
+                                      </p:to>
+                                    </p:set>
+                                    <p:animEffect transition="in" filter="fade">
+                                      <p:cBhvr>
+                                        <p:cTn id="27" dur="500"/>
+                                        <p:tgtEl>
+                                          <p:spTgt spid="6"/>
+                                        </p:tgtEl>
+                                      </p:cBhvr>
+                                    </p:animEffect>
+                                  </p:childTnLst>
+                                </p:cTn>
+                              </p:par>
+                            </p:childTnLst>
+                          </p:cTn>
+                        </p:par>
+                      </p:childTnLst>
+                    </p:cTn>
+                  </p:par>
+                  <p:par>
+                    <p:cTn id="28" fill="hold">
+                      <p:stCondLst>
+                        <p:cond delay="indefinite"/>
+                      </p:stCondLst>
+                      <p:childTnLst>
+                        <p:par>
+                          <p:cTn id="29" fill="hold">
+                            <p:stCondLst>
+                              <p:cond delay="0"/>
+                            </p:stCondLst>
+                            <p:childTnLst>
+                              <p:par>
+                                <p:cTn id="30" presetID="10" presetClass="entr" presetSubtype="0" fill="hold" grpId="0" nodeType="clickEffect">
+                                  <p:stCondLst>
+                                    <p:cond delay="0"/>
+                                  </p:stCondLst>
+                                  <p:childTnLst>
+                                    <p:set>
+                                      <p:cBhvr>
+                                        <p:cTn id="31" dur="1" fill="hold">
+                                          <p:stCondLst>
+                                            <p:cond delay="0"/>
+                                          </p:stCondLst>
+                                        </p:cTn>
+                                        <p:tgtEl>
                                           <p:spTgt spid="7"/>
                                         </p:tgtEl>
                                         <p:attrNameLst>
@@ -33149,7 +34030,7 @@
                                     </p:set>
                                     <p:animEffect transition="in" filter="fade">
                                       <p:cBhvr>
-                                        <p:cTn id="27" dur="500"/>
+                                        <p:cTn id="32" dur="500"/>
                                         <p:tgtEl>
                                           <p:spTgt spid="7"/>
                                         </p:tgtEl>
@@ -33186,6 +34067,7 @@
       </p:par>
     </p:tnLst>
     <p:bldLst>
+      <p:bldP spid="2" grpId="0"/>
       <p:bldP spid="3" grpId="0"/>
       <p:bldP spid="4" grpId="0"/>
       <p:bldP spid="5" grpId="0"/>

--- a/BuildingAwesome/BuildingAwesome.pptx
+++ b/BuildingAwesome/BuildingAwesome.pptx
@@ -1812,6 +1812,15 @@
           <a:p>
             <a:r>
               <a:rPr lang="en-US" dirty="0"/>
+              <a:t>[pause]</a:t>
+            </a:r>
+          </a:p>
+          <a:p>
+            <a:endParaRPr lang="en-US" dirty="0"/>
+          </a:p>
+          <a:p>
+            <a:r>
+              <a:rPr lang="en-US" dirty="0"/>
               <a:t>I mentioned earlier that </a:t>
             </a:r>
             <a:r>
@@ -3927,15 +3936,7 @@
           <a:p>
             <a:r>
               <a:rPr lang="en-US" dirty="0"/>
-              <a:t>Shown here in </a:t>
-            </a:r>
-            <a:r>
-              <a:rPr lang="en-US" dirty="0" err="1"/>
-              <a:t>Yello</a:t>
-            </a:r>
-            <a:r>
-              <a:rPr lang="en-US" dirty="0"/>
-              <a:t>.</a:t>
+              <a:t>Shown here in Yellow.</a:t>
             </a:r>
           </a:p>
           <a:p>
@@ -4685,6 +4686,15 @@
               <a:t>JSON </a:t>
             </a:r>
           </a:p>
+          <a:p>
+            <a:endParaRPr lang="en-US" dirty="0"/>
+          </a:p>
+          <a:p>
+            <a:r>
+              <a:rPr lang="en-US" dirty="0"/>
+              <a:t>Which we used before.</a:t>
+            </a:r>
+          </a:p>
         </p:txBody>
       </p:sp>
       <p:sp>
@@ -5207,7 +5217,37 @@
           <a:p>
             <a:r>
               <a:rPr lang="en-US" dirty="0"/>
-              <a:t>together can be really powerful.</a:t>
+              <a:t>together can be really powerful</a:t>
+            </a:r>
+          </a:p>
+          <a:p>
+            <a:r>
+              <a:rPr lang="en-US" dirty="0"/>
+              <a:t>As it allows you to mutate</a:t>
+            </a:r>
+          </a:p>
+          <a:p>
+            <a:r>
+              <a:rPr lang="en-US" dirty="0"/>
+              <a:t>Your configuration</a:t>
+            </a:r>
+          </a:p>
+          <a:p>
+            <a:r>
+              <a:rPr lang="en-US" dirty="0"/>
+              <a:t>Based on external information</a:t>
+            </a:r>
+          </a:p>
+          <a:p>
+            <a:r>
+              <a:rPr lang="en-US" dirty="0"/>
+              <a:t>Like environment variables</a:t>
+            </a:r>
+          </a:p>
+          <a:p>
+            <a:r>
+              <a:rPr lang="en-US" dirty="0"/>
+              <a:t>Or hostname.</a:t>
             </a:r>
           </a:p>
           <a:p>
@@ -6346,12 +6386,6 @@
           <a:p>
             <a:r>
               <a:rPr lang="en-US" dirty="0"/>
-              <a:t>on port 80 </a:t>
-            </a:r>
-          </a:p>
-          <a:p>
-            <a:r>
-              <a:rPr lang="en-US" dirty="0"/>
               <a:t>and serving requests:</a:t>
             </a:r>
           </a:p>
@@ -8590,36 +8624,6 @@
           <a:p>
             <a:endParaRPr lang="en-US" dirty="0"/>
           </a:p>
-          <a:p>
-            <a:r>
-              <a:rPr lang="en-US" dirty="0"/>
-              <a:t>The key objective for this function</a:t>
-            </a:r>
-          </a:p>
-          <a:p>
-            <a:r>
-              <a:rPr lang="en-US" dirty="0"/>
-              <a:t>is to get a list of all the .jpg files on the disk</a:t>
-            </a:r>
-          </a:p>
-          <a:p>
-            <a:r>
-              <a:rPr lang="en-US" dirty="0"/>
-              <a:t>trim the .jpg off those names,</a:t>
-            </a:r>
-          </a:p>
-          <a:p>
-            <a:r>
-              <a:rPr lang="en-US" dirty="0"/>
-              <a:t>and return that as a json array of our ids</a:t>
-            </a:r>
-          </a:p>
-          <a:p>
-            <a:r>
-              <a:rPr lang="en-US" dirty="0"/>
-              <a:t>from those filename.</a:t>
-            </a:r>
-          </a:p>
         </p:txBody>
       </p:sp>
       <p:sp>
@@ -8704,6 +8708,39 @@
           <a:p>
             <a:r>
               <a:rPr lang="en-US" dirty="0"/>
+              <a:t>The key objective for this function</a:t>
+            </a:r>
+          </a:p>
+          <a:p>
+            <a:r>
+              <a:rPr lang="en-US" dirty="0"/>
+              <a:t>is to get a list of all the .jpg files on the disk</a:t>
+            </a:r>
+          </a:p>
+          <a:p>
+            <a:r>
+              <a:rPr lang="en-US" dirty="0"/>
+              <a:t>trim the .jpg off those names,</a:t>
+            </a:r>
+          </a:p>
+          <a:p>
+            <a:r>
+              <a:rPr lang="en-US" dirty="0"/>
+              <a:t>and return that as a json array of our ids</a:t>
+            </a:r>
+          </a:p>
+          <a:p>
+            <a:r>
+              <a:rPr lang="en-US" dirty="0"/>
+              <a:t>from those filenames.</a:t>
+            </a:r>
+          </a:p>
+          <a:p>
+            <a:endParaRPr lang="en-US" dirty="0"/>
+          </a:p>
+          <a:p>
+            <a:r>
+              <a:rPr lang="en-US" dirty="0"/>
               <a:t>I'm not going to go into this,</a:t>
             </a:r>
           </a:p>
@@ -9569,7 +9606,7 @@
           <a:p>
             <a:r>
               <a:rPr lang="en-US" dirty="0"/>
-              <a:t>and start </a:t>
+              <a:t>and starting</a:t>
             </a:r>
           </a:p>
           <a:p>
@@ -10015,7 +10052,61 @@
             <a:endParaRPr lang="en-US" dirty="0"/>
           </a:p>
           <a:p>
+            <a:r>
+              <a:rPr lang="en-US" dirty="0"/>
+              <a:t>Each incoming request</a:t>
+            </a:r>
+          </a:p>
+          <a:p>
+            <a:r>
+              <a:rPr lang="en-US" dirty="0"/>
+              <a:t>Can match multiple routes</a:t>
+            </a:r>
+          </a:p>
+          <a:p>
+            <a:r>
+              <a:rPr lang="en-US" dirty="0"/>
+              <a:t>And each route is executed </a:t>
+            </a:r>
+          </a:p>
+          <a:p>
+            <a:r>
+              <a:rPr lang="en-US" dirty="0"/>
+              <a:t>In the given order</a:t>
+            </a:r>
+          </a:p>
+          <a:p>
+            <a:r>
+              <a:rPr lang="en-US" dirty="0"/>
+              <a:t>Until the outgoing response</a:t>
+            </a:r>
+          </a:p>
+          <a:p>
+            <a:r>
+              <a:rPr lang="en-US" dirty="0"/>
+              <a:t>Is closed.</a:t>
+            </a:r>
+          </a:p>
+          <a:p>
             <a:endParaRPr lang="en-US" dirty="0"/>
+          </a:p>
+          <a:p>
+            <a:r>
+              <a:rPr lang="en-US" dirty="0"/>
+              <a:t>So a request to /kittens </a:t>
+            </a:r>
+          </a:p>
+          <a:p>
+            <a:r>
+              <a:rPr lang="en-US" dirty="0"/>
+              <a:t>Will match both routes,</a:t>
+            </a:r>
+          </a:p>
+          <a:p>
+            <a:r>
+              <a:rPr lang="en-US" dirty="0"/>
+              <a:t>And each will execute.</a:t>
+            </a:r>
           </a:p>
         </p:txBody>
       </p:sp>
@@ -11357,8 +11448,11 @@
           <a:p>
             <a:r>
               <a:rPr lang="en-US" dirty="0"/>
-              <a:t>Also, </a:t>
-            </a:r>
+              <a:t>Also…</a:t>
+            </a:r>
+          </a:p>
+          <a:p>
+            <a:endParaRPr lang="en-US" dirty="0"/>
           </a:p>
           <a:p>
             <a:r>
@@ -11389,19 +11483,23 @@
           <a:p>
             <a:r>
               <a:rPr lang="en-US" dirty="0"/>
-              <a:t>and tell me if you are going</a:t>
-            </a:r>
-          </a:p>
-          <a:p>
-            <a:r>
-              <a:rPr lang="en-US" dirty="0"/>
-              <a:t>to try any of the stuff I showed tonight</a:t>
-            </a:r>
-          </a:p>
-          <a:p>
-            <a:r>
-              <a:rPr lang="en-US" dirty="0"/>
-              <a:t>out and you can have one!</a:t>
+              <a:t>and tell me if you are going to try </a:t>
+            </a:r>
+          </a:p>
+          <a:p>
+            <a:r>
+              <a:rPr lang="en-US" dirty="0"/>
+              <a:t>any of the stuff I showed tonight</a:t>
+            </a:r>
+          </a:p>
+          <a:p>
+            <a:r>
+              <a:rPr lang="en-US"/>
+              <a:t>and </a:t>
+            </a:r>
+            <a:r>
+              <a:rPr lang="en-US" dirty="0"/>
+              <a:t>you can have one!</a:t>
             </a:r>
           </a:p>
           <a:p>
@@ -28402,8 +28500,8 @@
         </p:nvSpPr>
         <p:spPr>
           <a:xfrm>
-            <a:off x="6013344" y="1370322"/>
-            <a:ext cx="5507064" cy="2762560"/>
+            <a:off x="6096000" y="1273641"/>
+            <a:ext cx="5507064" cy="3030883"/>
           </a:xfrm>
           <a:prstGeom prst="rect">
             <a:avLst/>
@@ -28525,8 +28623,15 @@
                   <a:schemeClr val="tx1"/>
                 </a:solidFill>
               </a:rPr>
-              <a:t>"./MyController.js"</a:t>
-            </a:r>
+              <a:t>"./MyController.js“</a:t>
+            </a:r>
+          </a:p>
+          <a:p>
+            <a:endParaRPr lang="en-US" sz="2400" b="1" dirty="0">
+              <a:solidFill>
+                <a:schemeClr val="tx1"/>
+              </a:solidFill>
+            </a:endParaRPr>
           </a:p>
           <a:p>
             <a:r>

--- a/BuildingAwesome/BuildingAwesome.pptx
+++ b/BuildingAwesome/BuildingAwesome.pptx
@@ -2949,7 +2949,7 @@
           <a:p>
             <a:r>
               <a:rPr lang="en-US" dirty="0"/>
-              <a:t>variables to reference one part of your configuration from another;</a:t>
+              <a:t>variables,</a:t>
             </a:r>
           </a:p>
           <a:p>
@@ -4227,7 +4227,13 @@
           <a:p>
             <a:r>
               <a:rPr lang="en-US" dirty="0"/>
-              <a:t>and if it is a valid config use it.</a:t>
+              <a:t>and if it is a valid config </a:t>
+            </a:r>
+          </a:p>
+          <a:p>
+            <a:r>
+              <a:rPr lang="en-US" dirty="0"/>
+              <a:t>use it.</a:t>
             </a:r>
           </a:p>
         </p:txBody>
@@ -4692,7 +4698,7 @@
           <a:p>
             <a:r>
               <a:rPr lang="en-US" dirty="0"/>
-              <a:t>Which we used before.</a:t>
+              <a:t>Which we have seen before.</a:t>
             </a:r>
           </a:p>
         </p:txBody>
@@ -4902,6 +4908,15 @@
               <a:t>Key/Value pairs</a:t>
             </a:r>
           </a:p>
+          <a:p>
+            <a:endParaRPr lang="en-US" dirty="0"/>
+          </a:p>
+          <a:p>
+            <a:r>
+              <a:rPr lang="en-US" dirty="0"/>
+              <a:t>Instead of JSON</a:t>
+            </a:r>
+          </a:p>
         </p:txBody>
       </p:sp>
       <p:sp>
@@ -5097,6 +5112,65 @@
               <a:t>from another part of your configuration.</a:t>
             </a:r>
           </a:p>
+          <a:p>
+            <a:endParaRPr lang="en-US" dirty="0"/>
+          </a:p>
+          <a:p>
+            <a:r>
+              <a:rPr lang="en-US" dirty="0"/>
+              <a:t>Here server.url </a:t>
+            </a:r>
+          </a:p>
+          <a:p>
+            <a:r>
+              <a:rPr lang="en-US" dirty="0"/>
+              <a:t>will be resolved </a:t>
+            </a:r>
+          </a:p>
+          <a:p>
+            <a:r>
+              <a:rPr lang="en-US" dirty="0"/>
+              <a:t>To be a concatenation</a:t>
+            </a:r>
+          </a:p>
+          <a:p>
+            <a:r>
+              <a:rPr lang="en-US" dirty="0"/>
+              <a:t>Of </a:t>
+            </a:r>
+            <a:r>
+              <a:rPr lang="en-US" dirty="0" err="1"/>
+              <a:t>server.scheme</a:t>
+            </a:r>
+            <a:r>
+              <a:rPr lang="en-US" dirty="0"/>
+              <a:t>, </a:t>
+            </a:r>
+          </a:p>
+          <a:p>
+            <a:r>
+              <a:rPr lang="en-US" dirty="0" err="1"/>
+              <a:t>Server.hostname</a:t>
+            </a:r>
+            <a:r>
+              <a:rPr lang="en-US" dirty="0"/>
+              <a:t>, </a:t>
+            </a:r>
+          </a:p>
+          <a:p>
+            <a:r>
+              <a:rPr lang="en-US" dirty="0"/>
+              <a:t>And </a:t>
+            </a:r>
+            <a:r>
+              <a:rPr lang="en-US" dirty="0" err="1"/>
+              <a:t>server.port</a:t>
+            </a:r>
+            <a:r>
+              <a:rPr lang="en-US" dirty="0"/>
+              <a:t>.</a:t>
+            </a:r>
+          </a:p>
         </p:txBody>
       </p:sp>
       <p:sp>
@@ -5211,6 +5285,42 @@
           <a:p>
             <a:r>
               <a:rPr lang="en-US" dirty="0"/>
+              <a:t>In our example here</a:t>
+            </a:r>
+          </a:p>
+          <a:p>
+            <a:r>
+              <a:rPr lang="en-US" dirty="0"/>
+              <a:t>Our condition tests the environment variable TARGET</a:t>
+            </a:r>
+          </a:p>
+          <a:p>
+            <a:r>
+              <a:rPr lang="en-US" dirty="0"/>
+              <a:t>To see if it equals “production” or not.</a:t>
+            </a:r>
+          </a:p>
+          <a:p>
+            <a:r>
+              <a:rPr lang="en-US" dirty="0"/>
+              <a:t>The following configuration only applies if it does.</a:t>
+            </a:r>
+          </a:p>
+          <a:p>
+            <a:endParaRPr lang="en-US" dirty="0"/>
+          </a:p>
+          <a:p>
+            <a:r>
+              <a:rPr lang="en-US" dirty="0"/>
+              <a:t>[pause]</a:t>
+            </a:r>
+          </a:p>
+          <a:p>
+            <a:endParaRPr lang="en-US" dirty="0"/>
+          </a:p>
+          <a:p>
+            <a:r>
+              <a:rPr lang="en-US" dirty="0"/>
               <a:t>Variables and conditions when used</a:t>
             </a:r>
           </a:p>
@@ -7010,6 +7120,15 @@
             <a:endParaRPr lang="en-US" dirty="0"/>
           </a:p>
           <a:p>
+            <a:r>
+              <a:rPr lang="en-US" dirty="0"/>
+              <a:t>[pause]</a:t>
+            </a:r>
+          </a:p>
+          <a:p>
+            <a:endParaRPr lang="en-US" dirty="0"/>
+          </a:p>
+          <a:p>
             <a:pPr marL="0" marR="0" lvl="0" indent="0" algn="l" defTabSz="914400" rtl="0" eaLnBrk="1" fontAlgn="auto" latinLnBrk="0" hangingPunct="1">
               <a:lnSpc>
                 <a:spcPct val="100000"/>
@@ -7500,15 +7619,29 @@
           </a:p>
           <a:p>
             <a:r>
-              <a:rPr lang="en-US" dirty="0" err="1"/>
-              <a:t>RegEx</a:t>
-            </a:r>
+              <a:rPr lang="en-US" dirty="0"/>
+              <a:t>Regular Expression</a:t>
+            </a:r>
+          </a:p>
+          <a:p>
             <a:endParaRPr lang="en-US" dirty="0"/>
           </a:p>
           <a:p>
             <a:r>
               <a:rPr lang="en-US" dirty="0"/>
               <a:t>or an OR EXPRESSION separated by PIPE "|" characters</a:t>
+            </a:r>
+          </a:p>
+          <a:p>
+            <a:r>
+              <a:rPr lang="en-US" dirty="0"/>
+              <a:t>To handle multiple paths</a:t>
+            </a:r>
+          </a:p>
+          <a:p>
+            <a:r>
+              <a:rPr lang="en-US" dirty="0"/>
+              <a:t>With a single route.</a:t>
             </a:r>
           </a:p>
         </p:txBody>
@@ -7595,6 +7728,12 @@
           <a:p>
             <a:r>
               <a:rPr lang="en-US" dirty="0"/>
+              <a:t>The third argument is</a:t>
+            </a:r>
+          </a:p>
+          <a:p>
+            <a:r>
+              <a:rPr lang="en-US" dirty="0"/>
               <a:t>The Handler</a:t>
             </a:r>
           </a:p>
@@ -7605,22 +7744,34 @@
             </a:r>
           </a:p>
           <a:p>
+            <a:endParaRPr lang="en-US" dirty="0"/>
+          </a:p>
+          <a:p>
             <a:r>
               <a:rPr lang="en-US" dirty="0"/>
               <a:t>a function</a:t>
             </a:r>
           </a:p>
           <a:p>
+            <a:endParaRPr lang="en-US" dirty="0"/>
+          </a:p>
+          <a:p>
             <a:r>
               <a:rPr lang="en-US" dirty="0"/>
               <a:t>a Controller</a:t>
             </a:r>
           </a:p>
           <a:p>
+            <a:endParaRPr lang="en-US" dirty="0"/>
+          </a:p>
+          <a:p>
             <a:r>
               <a:rPr lang="en-US" dirty="0"/>
               <a:t>a Filename String</a:t>
             </a:r>
+          </a:p>
+          <a:p>
+            <a:endParaRPr lang="en-US" dirty="0"/>
           </a:p>
           <a:p>
             <a:r>
@@ -7795,7 +7946,10 @@
             </a:r>
           </a:p>
           <a:p>
-            <a:endParaRPr lang="en-US" dirty="0"/>
+            <a:r>
+              <a:rPr lang="en-US" dirty="0"/>
+              <a:t>As shown here.</a:t>
+            </a:r>
           </a:p>
         </p:txBody>
       </p:sp>
@@ -8123,7 +8277,7 @@
           <a:p>
             <a:r>
               <a:rPr lang="en-US" dirty="0"/>
-              <a:t>that will server up images of kittens.</a:t>
+              <a:t>that will serve up images of kittens.</a:t>
             </a:r>
           </a:p>
           <a:p>
@@ -8153,7 +8307,13 @@
           <a:p>
             <a:r>
               <a:rPr lang="en-US" dirty="0"/>
-              <a:t>Additionally, we will log each request we get out.</a:t>
+              <a:t>Additionally, we will log each request we get out</a:t>
+            </a:r>
+          </a:p>
+          <a:p>
+            <a:r>
+              <a:rPr lang="en-US" dirty="0"/>
+              <a:t>So we have traceability.</a:t>
             </a:r>
           </a:p>
           <a:p>
@@ -9600,13 +9760,13 @@
           <a:p>
             <a:r>
               <a:rPr lang="en-US" dirty="0"/>
-              <a:t>Initialize </a:t>
-            </a:r>
-          </a:p>
-          <a:p>
-            <a:r>
-              <a:rPr lang="en-US" dirty="0"/>
-              <a:t>and starting</a:t>
+              <a:t>Then we Initialize </a:t>
+            </a:r>
+          </a:p>
+          <a:p>
+            <a:r>
+              <a:rPr lang="en-US" dirty="0"/>
+              <a:t>and start</a:t>
             </a:r>
           </a:p>
           <a:p>
